--- a/01 Classes/Aula 10 Programação Python - Arquivos e JSON.pptx
+++ b/01 Classes/Aula 10 Programação Python - Arquivos e JSON.pptx
@@ -5,7 +5,7 @@
     <p:sldMasterId id="2147483671" r:id="rId1"/>
   </p:sldMasterIdLst>
   <p:notesMasterIdLst>
-    <p:notesMasterId r:id="rId24"/>
+    <p:notesMasterId r:id="rId27"/>
   </p:notesMasterIdLst>
   <p:sldIdLst>
     <p:sldId id="256" r:id="rId2"/>
@@ -25,11 +25,14 @@
     <p:sldId id="350" r:id="rId16"/>
     <p:sldId id="351" r:id="rId17"/>
     <p:sldId id="352" r:id="rId18"/>
-    <p:sldId id="323" r:id="rId19"/>
-    <p:sldId id="333" r:id="rId20"/>
-    <p:sldId id="334" r:id="rId21"/>
-    <p:sldId id="337" r:id="rId22"/>
-    <p:sldId id="309" r:id="rId23"/>
+    <p:sldId id="354" r:id="rId19"/>
+    <p:sldId id="353" r:id="rId20"/>
+    <p:sldId id="355" r:id="rId21"/>
+    <p:sldId id="323" r:id="rId22"/>
+    <p:sldId id="333" r:id="rId23"/>
+    <p:sldId id="334" r:id="rId24"/>
+    <p:sldId id="337" r:id="rId25"/>
+    <p:sldId id="309" r:id="rId26"/>
   </p:sldIdLst>
   <p:sldSz cx="9144000" cy="5143500" type="screen16x9"/>
   <p:notesSz cx="6858000" cy="9144000"/>
@@ -840,7 +843,7 @@
     </p:spTree>
     <p:extLst>
       <p:ext uri="{BB962C8B-B14F-4D97-AF65-F5344CB8AC3E}">
-        <p14:creationId xmlns:p14="http://schemas.microsoft.com/office/powerpoint/2010/main" val="2709569597"/>
+        <p14:creationId xmlns:p14="http://schemas.microsoft.com/office/powerpoint/2010/main" val="1627276940"/>
       </p:ext>
     </p:extLst>
   </p:cSld>
@@ -906,7 +909,7 @@
     </p:spTree>
     <p:extLst>
       <p:ext uri="{BB962C8B-B14F-4D97-AF65-F5344CB8AC3E}">
-        <p14:creationId xmlns:p14="http://schemas.microsoft.com/office/powerpoint/2010/main" val="585304384"/>
+        <p14:creationId xmlns:p14="http://schemas.microsoft.com/office/powerpoint/2010/main" val="2216611922"/>
       </p:ext>
     </p:extLst>
   </p:cSld>
@@ -972,7 +975,7 @@
     </p:spTree>
     <p:extLst>
       <p:ext uri="{BB962C8B-B14F-4D97-AF65-F5344CB8AC3E}">
-        <p14:creationId xmlns:p14="http://schemas.microsoft.com/office/powerpoint/2010/main" val="2296249050"/>
+        <p14:creationId xmlns:p14="http://schemas.microsoft.com/office/powerpoint/2010/main" val="1306553479"/>
       </p:ext>
     </p:extLst>
   </p:cSld>
@@ -1038,7 +1041,7 @@
     </p:spTree>
     <p:extLst>
       <p:ext uri="{BB962C8B-B14F-4D97-AF65-F5344CB8AC3E}">
-        <p14:creationId xmlns:p14="http://schemas.microsoft.com/office/powerpoint/2010/main" val="4290351292"/>
+        <p14:creationId xmlns:p14="http://schemas.microsoft.com/office/powerpoint/2010/main" val="2709569597"/>
       </p:ext>
     </p:extLst>
   </p:cSld>
@@ -1105,6 +1108,204 @@
     <p:extLst>
       <p:ext uri="{BB962C8B-B14F-4D97-AF65-F5344CB8AC3E}">
         <p14:creationId xmlns:p14="http://schemas.microsoft.com/office/powerpoint/2010/main" val="3593796315"/>
+      </p:ext>
+    </p:extLst>
+  </p:cSld>
+  <p:clrMapOvr>
+    <a:masterClrMapping/>
+  </p:clrMapOvr>
+</p:notes>
+</file>
+
+<file path=ppt/notesSlides/notesSlide20.xml><?xml version="1.0" encoding="utf-8"?>
+<p:notes xmlns:a="http://schemas.openxmlformats.org/drawingml/2006/main" xmlns:r="http://schemas.openxmlformats.org/officeDocument/2006/relationships" xmlns:p="http://schemas.openxmlformats.org/presentationml/2006/main">
+  <p:cSld>
+    <p:spTree>
+      <p:nvGrpSpPr>
+        <p:cNvPr id="1" name=""/>
+        <p:cNvGrpSpPr/>
+        <p:nvPr/>
+      </p:nvGrpSpPr>
+      <p:grpSpPr>
+        <a:xfrm>
+          <a:off x="0" y="0"/>
+          <a:ext cx="0" cy="0"/>
+          <a:chOff x="0" y="0"/>
+          <a:chExt cx="0" cy="0"/>
+        </a:xfrm>
+      </p:grpSpPr>
+      <p:sp>
+        <p:nvSpPr>
+          <p:cNvPr id="2" name="Espaço Reservado para Imagem de Slide 1"/>
+          <p:cNvSpPr>
+            <a:spLocks noGrp="1" noRot="1" noChangeAspect="1"/>
+          </p:cNvSpPr>
+          <p:nvPr>
+            <p:ph type="sldImg"/>
+          </p:nvPr>
+        </p:nvSpPr>
+        <p:spPr>
+          <a:xfrm>
+            <a:off x="381000" y="685800"/>
+            <a:ext cx="6096000" cy="3429000"/>
+          </a:xfrm>
+        </p:spPr>
+      </p:sp>
+      <p:sp>
+        <p:nvSpPr>
+          <p:cNvPr id="3" name="Espaço Reservado para Anotações 2"/>
+          <p:cNvSpPr>
+            <a:spLocks noGrp="1"/>
+          </p:cNvSpPr>
+          <p:nvPr>
+            <p:ph type="body" idx="1"/>
+          </p:nvPr>
+        </p:nvSpPr>
+        <p:spPr/>
+        <p:txBody>
+          <a:bodyPr/>
+          <a:lstStyle/>
+          <a:p>
+            <a:endParaRPr lang="pt-BR" dirty="0"/>
+          </a:p>
+        </p:txBody>
+      </p:sp>
+    </p:spTree>
+    <p:extLst>
+      <p:ext uri="{BB962C8B-B14F-4D97-AF65-F5344CB8AC3E}">
+        <p14:creationId xmlns:p14="http://schemas.microsoft.com/office/powerpoint/2010/main" val="585304384"/>
+      </p:ext>
+    </p:extLst>
+  </p:cSld>
+  <p:clrMapOvr>
+    <a:masterClrMapping/>
+  </p:clrMapOvr>
+</p:notes>
+</file>
+
+<file path=ppt/notesSlides/notesSlide21.xml><?xml version="1.0" encoding="utf-8"?>
+<p:notes xmlns:a="http://schemas.openxmlformats.org/drawingml/2006/main" xmlns:r="http://schemas.openxmlformats.org/officeDocument/2006/relationships" xmlns:p="http://schemas.openxmlformats.org/presentationml/2006/main">
+  <p:cSld>
+    <p:spTree>
+      <p:nvGrpSpPr>
+        <p:cNvPr id="1" name=""/>
+        <p:cNvGrpSpPr/>
+        <p:nvPr/>
+      </p:nvGrpSpPr>
+      <p:grpSpPr>
+        <a:xfrm>
+          <a:off x="0" y="0"/>
+          <a:ext cx="0" cy="0"/>
+          <a:chOff x="0" y="0"/>
+          <a:chExt cx="0" cy="0"/>
+        </a:xfrm>
+      </p:grpSpPr>
+      <p:sp>
+        <p:nvSpPr>
+          <p:cNvPr id="2" name="Espaço Reservado para Imagem de Slide 1"/>
+          <p:cNvSpPr>
+            <a:spLocks noGrp="1" noRot="1" noChangeAspect="1"/>
+          </p:cNvSpPr>
+          <p:nvPr>
+            <p:ph type="sldImg"/>
+          </p:nvPr>
+        </p:nvSpPr>
+        <p:spPr>
+          <a:xfrm>
+            <a:off x="381000" y="685800"/>
+            <a:ext cx="6096000" cy="3429000"/>
+          </a:xfrm>
+        </p:spPr>
+      </p:sp>
+      <p:sp>
+        <p:nvSpPr>
+          <p:cNvPr id="3" name="Espaço Reservado para Anotações 2"/>
+          <p:cNvSpPr>
+            <a:spLocks noGrp="1"/>
+          </p:cNvSpPr>
+          <p:nvPr>
+            <p:ph type="body" idx="1"/>
+          </p:nvPr>
+        </p:nvSpPr>
+        <p:spPr/>
+        <p:txBody>
+          <a:bodyPr/>
+          <a:lstStyle/>
+          <a:p>
+            <a:endParaRPr lang="pt-BR" dirty="0"/>
+          </a:p>
+        </p:txBody>
+      </p:sp>
+    </p:spTree>
+    <p:extLst>
+      <p:ext uri="{BB962C8B-B14F-4D97-AF65-F5344CB8AC3E}">
+        <p14:creationId xmlns:p14="http://schemas.microsoft.com/office/powerpoint/2010/main" val="2296249050"/>
+      </p:ext>
+    </p:extLst>
+  </p:cSld>
+  <p:clrMapOvr>
+    <a:masterClrMapping/>
+  </p:clrMapOvr>
+</p:notes>
+</file>
+
+<file path=ppt/notesSlides/notesSlide22.xml><?xml version="1.0" encoding="utf-8"?>
+<p:notes xmlns:a="http://schemas.openxmlformats.org/drawingml/2006/main" xmlns:r="http://schemas.openxmlformats.org/officeDocument/2006/relationships" xmlns:p="http://schemas.openxmlformats.org/presentationml/2006/main">
+  <p:cSld>
+    <p:spTree>
+      <p:nvGrpSpPr>
+        <p:cNvPr id="1" name=""/>
+        <p:cNvGrpSpPr/>
+        <p:nvPr/>
+      </p:nvGrpSpPr>
+      <p:grpSpPr>
+        <a:xfrm>
+          <a:off x="0" y="0"/>
+          <a:ext cx="0" cy="0"/>
+          <a:chOff x="0" y="0"/>
+          <a:chExt cx="0" cy="0"/>
+        </a:xfrm>
+      </p:grpSpPr>
+      <p:sp>
+        <p:nvSpPr>
+          <p:cNvPr id="2" name="Espaço Reservado para Imagem de Slide 1"/>
+          <p:cNvSpPr>
+            <a:spLocks noGrp="1" noRot="1" noChangeAspect="1"/>
+          </p:cNvSpPr>
+          <p:nvPr>
+            <p:ph type="sldImg"/>
+          </p:nvPr>
+        </p:nvSpPr>
+        <p:spPr>
+          <a:xfrm>
+            <a:off x="381000" y="685800"/>
+            <a:ext cx="6096000" cy="3429000"/>
+          </a:xfrm>
+        </p:spPr>
+      </p:sp>
+      <p:sp>
+        <p:nvSpPr>
+          <p:cNvPr id="3" name="Espaço Reservado para Anotações 2"/>
+          <p:cNvSpPr>
+            <a:spLocks noGrp="1"/>
+          </p:cNvSpPr>
+          <p:nvPr>
+            <p:ph type="body" idx="1"/>
+          </p:nvPr>
+        </p:nvSpPr>
+        <p:spPr/>
+        <p:txBody>
+          <a:bodyPr/>
+          <a:lstStyle/>
+          <a:p>
+            <a:endParaRPr lang="pt-BR" dirty="0"/>
+          </a:p>
+        </p:txBody>
+      </p:sp>
+    </p:spTree>
+    <p:extLst>
+      <p:ext uri="{BB962C8B-B14F-4D97-AF65-F5344CB8AC3E}">
+        <p14:creationId xmlns:p14="http://schemas.microsoft.com/office/powerpoint/2010/main" val="4290351292"/>
       </p:ext>
     </p:extLst>
   </p:cSld>
@@ -1715,7 +1916,7 @@
           <a:p>
             <a:fld id="{48A87A34-81AB-432B-8DAE-1953F412C126}" type="datetimeFigureOut">
               <a:rPr lang="en-US" smtClean="0"/>
-              <a:t>5/13/2022</a:t>
+              <a:t>5/14/2022</a:t>
             </a:fld>
             <a:endParaRPr lang="en-US" dirty="0"/>
           </a:p>
@@ -1926,7 +2127,7 @@
           <a:p>
             <a:fld id="{48A87A34-81AB-432B-8DAE-1953F412C126}" type="datetimeFigureOut">
               <a:rPr lang="en-US" smtClean="0"/>
-              <a:t>5/13/2022</a:t>
+              <a:t>5/14/2022</a:t>
             </a:fld>
             <a:endParaRPr lang="en-US" dirty="0"/>
           </a:p>
@@ -2141,7 +2342,7 @@
           <a:p>
             <a:fld id="{48A87A34-81AB-432B-8DAE-1953F412C126}" type="datetimeFigureOut">
               <a:rPr lang="en-US" smtClean="0"/>
-              <a:t>5/13/2022</a:t>
+              <a:t>5/14/2022</a:t>
             </a:fld>
             <a:endParaRPr lang="en-US" dirty="0"/>
           </a:p>
@@ -2509,7 +2710,7 @@
           <a:p>
             <a:fld id="{48A87A34-81AB-432B-8DAE-1953F412C126}" type="datetimeFigureOut">
               <a:rPr lang="en-US" smtClean="0"/>
-              <a:t>5/13/2022</a:t>
+              <a:t>5/14/2022</a:t>
             </a:fld>
             <a:endParaRPr lang="en-US" dirty="0"/>
           </a:p>
@@ -2788,7 +2989,7 @@
           <a:p>
             <a:fld id="{48A87A34-81AB-432B-8DAE-1953F412C126}" type="datetimeFigureOut">
               <a:rPr lang="en-US" smtClean="0"/>
-              <a:t>5/13/2022</a:t>
+              <a:t>5/14/2022</a:t>
             </a:fld>
             <a:endParaRPr lang="en-US" dirty="0"/>
           </a:p>
@@ -3056,7 +3257,7 @@
           <a:p>
             <a:fld id="{48A87A34-81AB-432B-8DAE-1953F412C126}" type="datetimeFigureOut">
               <a:rPr lang="en-US" smtClean="0"/>
-              <a:t>5/13/2022</a:t>
+              <a:t>5/14/2022</a:t>
             </a:fld>
             <a:endParaRPr lang="en-US" dirty="0"/>
           </a:p>
@@ -3472,7 +3673,7 @@
           <a:p>
             <a:fld id="{48A87A34-81AB-432B-8DAE-1953F412C126}" type="datetimeFigureOut">
               <a:rPr lang="en-US" smtClean="0"/>
-              <a:t>5/13/2022</a:t>
+              <a:t>5/14/2022</a:t>
             </a:fld>
             <a:endParaRPr lang="en-US" dirty="0"/>
           </a:p>
@@ -3621,7 +3822,7 @@
           <a:p>
             <a:fld id="{48A87A34-81AB-432B-8DAE-1953F412C126}" type="datetimeFigureOut">
               <a:rPr lang="en-US" smtClean="0"/>
-              <a:t>5/13/2022</a:t>
+              <a:t>5/14/2022</a:t>
             </a:fld>
             <a:endParaRPr lang="en-US" dirty="0"/>
           </a:p>
@@ -3747,7 +3948,7 @@
           <a:p>
             <a:fld id="{48A87A34-81AB-432B-8DAE-1953F412C126}" type="datetimeFigureOut">
               <a:rPr lang="en-US" smtClean="0"/>
-              <a:t>5/13/2022</a:t>
+              <a:t>5/14/2022</a:t>
             </a:fld>
             <a:endParaRPr lang="en-US" dirty="0"/>
           </a:p>
@@ -3998,7 +4199,7 @@
           <a:p>
             <a:fld id="{48A87A34-81AB-432B-8DAE-1953F412C126}" type="datetimeFigureOut">
               <a:rPr lang="en-US" smtClean="0"/>
-              <a:t>5/13/2022</a:t>
+              <a:t>5/14/2022</a:t>
             </a:fld>
             <a:endParaRPr lang="en-US" dirty="0"/>
           </a:p>
@@ -4444,7 +4645,7 @@
             <a:fld id="{48A87A34-81AB-432B-8DAE-1953F412C126}" type="datetimeFigureOut">
               <a:rPr lang="en-US" smtClean="0"/>
               <a:pPr/>
-              <a:t>5/13/2022</a:t>
+              <a:t>5/14/2022</a:t>
             </a:fld>
             <a:endParaRPr lang="en-US" dirty="0"/>
           </a:p>
@@ -4772,7 +4973,7 @@
             <a:fld id="{48A87A34-81AB-432B-8DAE-1953F412C126}" type="datetimeFigureOut">
               <a:rPr lang="en-US" smtClean="0"/>
               <a:pPr/>
-              <a:t>5/13/2022</a:t>
+              <a:t>5/14/2022</a:t>
             </a:fld>
             <a:endParaRPr lang="en-US" dirty="0"/>
           </a:p>
@@ -7790,25 +7991,12 @@
               <a:t>rt</a:t>
             </a:r>
             <a:r>
-              <a:rPr lang="pt-BR" sz="2400">
+              <a:rPr lang="pt-BR" sz="2400" dirty="0">
                 <a:latin typeface="Times New Roman" panose="02020603050405020304" pitchFamily="18" charset="0"/>
                 <a:cs typeface="Times New Roman" panose="02020603050405020304" pitchFamily="18" charset="0"/>
               </a:rPr>
               <a:t>");</a:t>
             </a:r>
-            <a:endParaRPr lang="pt-BR" sz="2400" dirty="0">
-              <a:latin typeface="Times New Roman" panose="02020603050405020304" pitchFamily="18" charset="0"/>
-              <a:cs typeface="Times New Roman" panose="02020603050405020304" pitchFamily="18" charset="0"/>
-            </a:endParaRPr>
-          </a:p>
-          <a:p>
-            <a:pPr marL="0" indent="0" algn="just">
-              <a:buNone/>
-            </a:pPr>
-            <a:endParaRPr lang="pt-BR" sz="2400" dirty="0">
-              <a:latin typeface="Times New Roman" panose="02020603050405020304" pitchFamily="18" charset="0"/>
-              <a:cs typeface="Times New Roman" panose="02020603050405020304" pitchFamily="18" charset="0"/>
-            </a:endParaRPr>
           </a:p>
         </p:txBody>
       </p:sp>
@@ -7853,7 +8041,12 @@
             <p:ph type="title"/>
           </p:nvPr>
         </p:nvSpPr>
-        <p:spPr/>
+        <p:spPr>
+          <a:xfrm>
+            <a:off x="142864" y="205980"/>
+            <a:ext cx="8865055" cy="620738"/>
+          </a:xfrm>
+        </p:spPr>
         <p:txBody>
           <a:bodyPr>
             <a:normAutofit/>
@@ -7861,28 +8054,20 @@
           <a:lstStyle/>
           <a:p>
             <a:r>
+              <a:rPr lang="en-US" b="1" dirty="0">
+                <a:solidFill>
+                  <a:srgbClr val="0070C0"/>
+                </a:solidFill>
+              </a:rPr>
+              <a:t>FILE - </a:t>
+            </a:r>
+            <a:r>
               <a:rPr lang="en-US" b="1" dirty="0" err="1">
                 <a:solidFill>
                   <a:srgbClr val="0070C0"/>
                 </a:solidFill>
               </a:rPr>
-              <a:t>Leitura</a:t>
-            </a:r>
-            <a:r>
-              <a:rPr lang="en-US" b="1" dirty="0">
-                <a:solidFill>
-                  <a:srgbClr val="0070C0"/>
-                </a:solidFill>
-              </a:rPr>
-              <a:t> </a:t>
-            </a:r>
-            <a:r>
-              <a:rPr lang="en-US" b="1" dirty="0" err="1">
-                <a:solidFill>
-                  <a:srgbClr val="0070C0"/>
-                </a:solidFill>
-              </a:rPr>
-              <a:t>Específica</a:t>
+              <a:t>iNstruções</a:t>
             </a:r>
             <a:endParaRPr lang="en-US" b="1" dirty="0">
               <a:solidFill>
@@ -7904,8 +8089,8 @@
         </p:nvSpPr>
         <p:spPr>
           <a:xfrm>
-            <a:off x="142865" y="1200151"/>
-            <a:ext cx="8865056" cy="3722578"/>
+            <a:off x="142864" y="861864"/>
+            <a:ext cx="8865056" cy="4075656"/>
           </a:xfrm>
         </p:spPr>
         <p:txBody>
@@ -7918,11 +8103,39 @@
               <a:buNone/>
             </a:pPr>
             <a:r>
+              <a:rPr lang="pt-BR" sz="2400" dirty="0" err="1">
+                <a:latin typeface="Times New Roman" panose="02020603050405020304" pitchFamily="18" charset="0"/>
+                <a:cs typeface="Times New Roman" panose="02020603050405020304" pitchFamily="18" charset="0"/>
+              </a:rPr>
+              <a:t>f.</a:t>
+            </a:r>
+            <a:r>
+              <a:rPr lang="pt-BR" sz="2400" b="1" dirty="0" err="1">
+                <a:latin typeface="Times New Roman" panose="02020603050405020304" pitchFamily="18" charset="0"/>
+                <a:cs typeface="Times New Roman" panose="02020603050405020304" pitchFamily="18" charset="0"/>
+              </a:rPr>
+              <a:t>close</a:t>
+            </a:r>
+            <a:r>
               <a:rPr lang="pt-BR" sz="2400" dirty="0">
                 <a:latin typeface="Times New Roman" panose="02020603050405020304" pitchFamily="18" charset="0"/>
                 <a:cs typeface="Times New Roman" panose="02020603050405020304" pitchFamily="18" charset="0"/>
               </a:rPr>
-              <a:t>[1] Site: </a:t>
+              <a:t>(); </a:t>
+            </a:r>
+            <a:r>
+              <a:rPr lang="en-US" sz="2400" dirty="0">
+                <a:latin typeface="Times New Roman" panose="02020603050405020304" pitchFamily="18" charset="0"/>
+                <a:cs typeface="Times New Roman" panose="02020603050405020304" pitchFamily="18" charset="0"/>
+              </a:rPr>
+              <a:t>#</a:t>
+            </a:r>
+            <a:r>
+              <a:rPr lang="pt-BR" sz="2400" dirty="0">
+                <a:latin typeface="Times New Roman" panose="02020603050405020304" pitchFamily="18" charset="0"/>
+                <a:cs typeface="Times New Roman" panose="02020603050405020304" pitchFamily="18" charset="0"/>
+              </a:rPr>
+              <a:t> fecha arquivo</a:t>
             </a:r>
           </a:p>
           <a:p>
@@ -7930,153 +8143,347 @@
               <a:buNone/>
             </a:pPr>
             <a:r>
+              <a:rPr lang="en-US" sz="2400" dirty="0" err="1">
+                <a:latin typeface="Times New Roman" panose="02020603050405020304" pitchFamily="18" charset="0"/>
+                <a:cs typeface="Times New Roman" panose="02020603050405020304" pitchFamily="18" charset="0"/>
+              </a:rPr>
+              <a:t>f.</a:t>
+            </a:r>
+            <a:r>
+              <a:rPr lang="en-US" sz="2400" b="1" dirty="0" err="1">
+                <a:latin typeface="Times New Roman" panose="02020603050405020304" pitchFamily="18" charset="0"/>
+                <a:cs typeface="Times New Roman" panose="02020603050405020304" pitchFamily="18" charset="0"/>
+              </a:rPr>
+              <a:t>write</a:t>
+            </a:r>
+            <a:r>
+              <a:rPr lang="en-US" sz="2400" dirty="0">
+                <a:latin typeface="Times New Roman" panose="02020603050405020304" pitchFamily="18" charset="0"/>
+                <a:cs typeface="Times New Roman" panose="02020603050405020304" pitchFamily="18" charset="0"/>
+              </a:rPr>
+              <a:t>(“dados"); # </a:t>
+            </a:r>
+            <a:r>
+              <a:rPr lang="en-US" sz="2400" dirty="0" err="1">
+                <a:latin typeface="Times New Roman" panose="02020603050405020304" pitchFamily="18" charset="0"/>
+                <a:cs typeface="Times New Roman" panose="02020603050405020304" pitchFamily="18" charset="0"/>
+              </a:rPr>
+              <a:t>grava</a:t>
+            </a:r>
+            <a:r>
+              <a:rPr lang="en-US" sz="2400" dirty="0">
+                <a:latin typeface="Times New Roman" panose="02020603050405020304" pitchFamily="18" charset="0"/>
+                <a:cs typeface="Times New Roman" panose="02020603050405020304" pitchFamily="18" charset="0"/>
+              </a:rPr>
+              <a:t> no </a:t>
+            </a:r>
+            <a:r>
+              <a:rPr lang="en-US" sz="2400" dirty="0" err="1">
+                <a:latin typeface="Times New Roman" panose="02020603050405020304" pitchFamily="18" charset="0"/>
+                <a:cs typeface="Times New Roman" panose="02020603050405020304" pitchFamily="18" charset="0"/>
+              </a:rPr>
+              <a:t>arquivo</a:t>
+            </a:r>
+            <a:endParaRPr lang="en-US" sz="2400" dirty="0">
+              <a:latin typeface="Times New Roman" panose="02020603050405020304" pitchFamily="18" charset="0"/>
+              <a:cs typeface="Times New Roman" panose="02020603050405020304" pitchFamily="18" charset="0"/>
+            </a:endParaRPr>
+          </a:p>
+          <a:p>
+            <a:pPr marL="0" indent="0" algn="just">
+              <a:buNone/>
+            </a:pPr>
+            <a:r>
+              <a:rPr lang="en-US" sz="2400" dirty="0" err="1">
+                <a:latin typeface="Times New Roman" panose="02020603050405020304" pitchFamily="18" charset="0"/>
+                <a:cs typeface="Times New Roman" panose="02020603050405020304" pitchFamily="18" charset="0"/>
+              </a:rPr>
+              <a:t>f.</a:t>
+            </a:r>
+            <a:r>
+              <a:rPr lang="en-US" sz="2400" b="1" dirty="0" err="1">
+                <a:latin typeface="Times New Roman" panose="02020603050405020304" pitchFamily="18" charset="0"/>
+                <a:cs typeface="Times New Roman" panose="02020603050405020304" pitchFamily="18" charset="0"/>
+              </a:rPr>
+              <a:t>read</a:t>
+            </a:r>
+            <a:r>
+              <a:rPr lang="en-US" sz="2400" dirty="0">
+                <a:latin typeface="Times New Roman" panose="02020603050405020304" pitchFamily="18" charset="0"/>
+                <a:cs typeface="Times New Roman" panose="02020603050405020304" pitchFamily="18" charset="0"/>
+              </a:rPr>
+              <a:t>(4); # </a:t>
+            </a:r>
+            <a:r>
+              <a:rPr lang="en-US" sz="2400" dirty="0" err="1">
+                <a:latin typeface="Times New Roman" panose="02020603050405020304" pitchFamily="18" charset="0"/>
+                <a:cs typeface="Times New Roman" panose="02020603050405020304" pitchFamily="18" charset="0"/>
+              </a:rPr>
+              <a:t>leitura</a:t>
+            </a:r>
+            <a:r>
+              <a:rPr lang="en-US" sz="2400" dirty="0">
+                <a:latin typeface="Times New Roman" panose="02020603050405020304" pitchFamily="18" charset="0"/>
+                <a:cs typeface="Times New Roman" panose="02020603050405020304" pitchFamily="18" charset="0"/>
+              </a:rPr>
+              <a:t> dos </a:t>
+            </a:r>
+            <a:r>
+              <a:rPr lang="en-US" sz="2400" dirty="0" err="1">
+                <a:latin typeface="Times New Roman" panose="02020603050405020304" pitchFamily="18" charset="0"/>
+                <a:cs typeface="Times New Roman" panose="02020603050405020304" pitchFamily="18" charset="0"/>
+              </a:rPr>
+              <a:t>próximos</a:t>
+            </a:r>
+            <a:r>
+              <a:rPr lang="en-US" sz="2400" dirty="0">
+                <a:latin typeface="Times New Roman" panose="02020603050405020304" pitchFamily="18" charset="0"/>
+                <a:cs typeface="Times New Roman" panose="02020603050405020304" pitchFamily="18" charset="0"/>
+              </a:rPr>
+              <a:t> 4 </a:t>
+            </a:r>
+            <a:r>
+              <a:rPr lang="en-US" sz="2400" dirty="0" err="1">
+                <a:latin typeface="Times New Roman" panose="02020603050405020304" pitchFamily="18" charset="0"/>
+                <a:cs typeface="Times New Roman" panose="02020603050405020304" pitchFamily="18" charset="0"/>
+              </a:rPr>
+              <a:t>registros</a:t>
+            </a:r>
+            <a:endParaRPr lang="en-US" sz="2400" dirty="0">
+              <a:latin typeface="Times New Roman" panose="02020603050405020304" pitchFamily="18" charset="0"/>
+              <a:cs typeface="Times New Roman" panose="02020603050405020304" pitchFamily="18" charset="0"/>
+            </a:endParaRPr>
+          </a:p>
+          <a:p>
+            <a:pPr marL="0" indent="0" algn="just">
+              <a:buNone/>
+            </a:pPr>
+            <a:r>
+              <a:rPr lang="en-US" sz="2400" dirty="0" err="1">
+                <a:latin typeface="Times New Roman" panose="02020603050405020304" pitchFamily="18" charset="0"/>
+                <a:cs typeface="Times New Roman" panose="02020603050405020304" pitchFamily="18" charset="0"/>
+              </a:rPr>
+              <a:t>f.</a:t>
+            </a:r>
+            <a:r>
+              <a:rPr lang="en-US" sz="2400" b="1" dirty="0" err="1">
+                <a:latin typeface="Times New Roman" panose="02020603050405020304" pitchFamily="18" charset="0"/>
+                <a:cs typeface="Times New Roman" panose="02020603050405020304" pitchFamily="18" charset="0"/>
+              </a:rPr>
+              <a:t>read</a:t>
+            </a:r>
+            <a:r>
+              <a:rPr lang="en-US" sz="2400" dirty="0">
+                <a:latin typeface="Times New Roman" panose="02020603050405020304" pitchFamily="18" charset="0"/>
+                <a:cs typeface="Times New Roman" panose="02020603050405020304" pitchFamily="18" charset="0"/>
+              </a:rPr>
+              <a:t>();  # </a:t>
+            </a:r>
+            <a:r>
+              <a:rPr lang="en-US" sz="2400" dirty="0" err="1">
+                <a:latin typeface="Times New Roman" panose="02020603050405020304" pitchFamily="18" charset="0"/>
+                <a:cs typeface="Times New Roman" panose="02020603050405020304" pitchFamily="18" charset="0"/>
+              </a:rPr>
+              <a:t>leitura</a:t>
+            </a:r>
+            <a:r>
+              <a:rPr lang="en-US" sz="2400" dirty="0">
+                <a:latin typeface="Times New Roman" panose="02020603050405020304" pitchFamily="18" charset="0"/>
+                <a:cs typeface="Times New Roman" panose="02020603050405020304" pitchFamily="18" charset="0"/>
+              </a:rPr>
+              <a:t> de </a:t>
+            </a:r>
+            <a:r>
+              <a:rPr lang="en-US" sz="2400" dirty="0" err="1">
+                <a:latin typeface="Times New Roman" panose="02020603050405020304" pitchFamily="18" charset="0"/>
+                <a:cs typeface="Times New Roman" panose="02020603050405020304" pitchFamily="18" charset="0"/>
+              </a:rPr>
+              <a:t>todo</a:t>
+            </a:r>
+            <a:r>
+              <a:rPr lang="en-US" sz="2400" dirty="0">
+                <a:latin typeface="Times New Roman" panose="02020603050405020304" pitchFamily="18" charset="0"/>
+                <a:cs typeface="Times New Roman" panose="02020603050405020304" pitchFamily="18" charset="0"/>
+              </a:rPr>
+              <a:t> o </a:t>
+            </a:r>
+            <a:r>
+              <a:rPr lang="en-US" sz="2400" dirty="0" err="1">
+                <a:latin typeface="Times New Roman" panose="02020603050405020304" pitchFamily="18" charset="0"/>
+                <a:cs typeface="Times New Roman" panose="02020603050405020304" pitchFamily="18" charset="0"/>
+              </a:rPr>
+              <a:t>arquivo</a:t>
+            </a:r>
+            <a:endParaRPr lang="en-US" sz="2400" dirty="0">
+              <a:latin typeface="Times New Roman" panose="02020603050405020304" pitchFamily="18" charset="0"/>
+              <a:cs typeface="Times New Roman" panose="02020603050405020304" pitchFamily="18" charset="0"/>
+            </a:endParaRPr>
+          </a:p>
+          <a:p>
+            <a:pPr marL="0" indent="0" algn="just">
+              <a:buNone/>
+            </a:pPr>
+            <a:r>
+              <a:rPr lang="en-US" sz="2400" dirty="0" err="1">
+                <a:latin typeface="Times New Roman" panose="02020603050405020304" pitchFamily="18" charset="0"/>
+                <a:cs typeface="Times New Roman" panose="02020603050405020304" pitchFamily="18" charset="0"/>
+              </a:rPr>
+              <a:t>f.</a:t>
+            </a:r>
+            <a:r>
+              <a:rPr lang="en-US" sz="2400" b="1" dirty="0" err="1">
+                <a:latin typeface="Times New Roman" panose="02020603050405020304" pitchFamily="18" charset="0"/>
+                <a:cs typeface="Times New Roman" panose="02020603050405020304" pitchFamily="18" charset="0"/>
+              </a:rPr>
+              <a:t>tell</a:t>
+            </a:r>
+            <a:r>
+              <a:rPr lang="en-US" sz="2400" dirty="0">
+                <a:latin typeface="Times New Roman" panose="02020603050405020304" pitchFamily="18" charset="0"/>
+                <a:cs typeface="Times New Roman" panose="02020603050405020304" pitchFamily="18" charset="0"/>
+              </a:rPr>
+              <a:t>(); # </a:t>
+            </a:r>
+            <a:r>
               <a:rPr lang="pt-BR" sz="2400" dirty="0">
                 <a:latin typeface="Times New Roman" panose="02020603050405020304" pitchFamily="18" charset="0"/>
                 <a:cs typeface="Times New Roman" panose="02020603050405020304" pitchFamily="18" charset="0"/>
               </a:rPr>
-              <a:t>      </a:t>
+              <a:t>obter a posição atual do arquivo </a:t>
+            </a:r>
+            <a:r>
+              <a:rPr lang="en-US" sz="2400" dirty="0">
+                <a:latin typeface="Times New Roman" panose="02020603050405020304" pitchFamily="18" charset="0"/>
+                <a:cs typeface="Times New Roman" panose="02020603050405020304" pitchFamily="18" charset="0"/>
+              </a:rPr>
+              <a:t>56</a:t>
+            </a:r>
+          </a:p>
+          <a:p>
+            <a:pPr marL="0" indent="0" algn="just">
+              <a:buNone/>
+            </a:pPr>
+            <a:r>
+              <a:rPr lang="en-US" sz="2400" dirty="0" err="1">
+                <a:latin typeface="Times New Roman" panose="02020603050405020304" pitchFamily="18" charset="0"/>
+                <a:cs typeface="Times New Roman" panose="02020603050405020304" pitchFamily="18" charset="0"/>
+              </a:rPr>
+              <a:t>f.</a:t>
+            </a:r>
+            <a:r>
+              <a:rPr lang="en-US" sz="2400" b="1" dirty="0" err="1">
+                <a:latin typeface="Times New Roman" panose="02020603050405020304" pitchFamily="18" charset="0"/>
+                <a:cs typeface="Times New Roman" panose="02020603050405020304" pitchFamily="18" charset="0"/>
+              </a:rPr>
+              <a:t>seek</a:t>
+            </a:r>
+            <a:r>
+              <a:rPr lang="en-US" sz="2400" dirty="0">
+                <a:latin typeface="Times New Roman" panose="02020603050405020304" pitchFamily="18" charset="0"/>
+                <a:cs typeface="Times New Roman" panose="02020603050405020304" pitchFamily="18" charset="0"/>
+              </a:rPr>
+              <a:t>(0);   # </a:t>
             </a:r>
             <a:r>
               <a:rPr lang="pt-BR" sz="2400" dirty="0">
                 <a:latin typeface="Times New Roman" panose="02020603050405020304" pitchFamily="18" charset="0"/>
                 <a:cs typeface="Times New Roman" panose="02020603050405020304" pitchFamily="18" charset="0"/>
-                <a:hlinkClick r:id="rId3"/>
-              </a:rPr>
-              <a:t>https://www.w3schools.com/python/python_json.asp</a:t>
+              </a:rPr>
+              <a:t>trazer o cursor do arquivo para a posição inicial</a:t>
+            </a:r>
+            <a:r>
+              <a:rPr lang="en-US" sz="2400" dirty="0">
+                <a:latin typeface="Times New Roman" panose="02020603050405020304" pitchFamily="18" charset="0"/>
+                <a:cs typeface="Times New Roman" panose="02020603050405020304" pitchFamily="18" charset="0"/>
+              </a:rPr>
+              <a:t> 0</a:t>
+            </a:r>
+          </a:p>
+          <a:p>
+            <a:pPr marL="0" indent="0" algn="just">
+              <a:buNone/>
+            </a:pPr>
+            <a:r>
+              <a:rPr lang="en-US" sz="2400" b="1" dirty="0">
+                <a:latin typeface="Times New Roman" panose="02020603050405020304" pitchFamily="18" charset="0"/>
+                <a:cs typeface="Times New Roman" panose="02020603050405020304" pitchFamily="18" charset="0"/>
+              </a:rPr>
+              <a:t>print</a:t>
+            </a:r>
+            <a:r>
+              <a:rPr lang="en-US" sz="2400" dirty="0">
+                <a:latin typeface="Times New Roman" panose="02020603050405020304" pitchFamily="18" charset="0"/>
+                <a:cs typeface="Times New Roman" panose="02020603050405020304" pitchFamily="18" charset="0"/>
+              </a:rPr>
+              <a:t>(</a:t>
+            </a:r>
+            <a:r>
+              <a:rPr lang="en-US" sz="2400" dirty="0" err="1">
+                <a:latin typeface="Times New Roman" panose="02020603050405020304" pitchFamily="18" charset="0"/>
+                <a:cs typeface="Times New Roman" panose="02020603050405020304" pitchFamily="18" charset="0"/>
+              </a:rPr>
+              <a:t>f.</a:t>
+            </a:r>
+            <a:r>
+              <a:rPr lang="en-US" sz="2400" b="1" dirty="0" err="1">
+                <a:latin typeface="Times New Roman" panose="02020603050405020304" pitchFamily="18" charset="0"/>
+                <a:cs typeface="Times New Roman" panose="02020603050405020304" pitchFamily="18" charset="0"/>
+              </a:rPr>
+              <a:t>read</a:t>
+            </a:r>
+            <a:r>
+              <a:rPr lang="en-US" sz="2400" dirty="0">
+                <a:latin typeface="Times New Roman" panose="02020603050405020304" pitchFamily="18" charset="0"/>
+                <a:cs typeface="Times New Roman" panose="02020603050405020304" pitchFamily="18" charset="0"/>
+              </a:rPr>
+              <a:t>());  # </a:t>
+            </a:r>
+            <a:r>
+              <a:rPr lang="en-US" sz="2400" dirty="0" err="1">
+                <a:latin typeface="Times New Roman" panose="02020603050405020304" pitchFamily="18" charset="0"/>
+                <a:cs typeface="Times New Roman" panose="02020603050405020304" pitchFamily="18" charset="0"/>
+              </a:rPr>
+              <a:t>leia</a:t>
+            </a:r>
+            <a:r>
+              <a:rPr lang="en-US" sz="2400" dirty="0">
+                <a:latin typeface="Times New Roman" panose="02020603050405020304" pitchFamily="18" charset="0"/>
+                <a:cs typeface="Times New Roman" panose="02020603050405020304" pitchFamily="18" charset="0"/>
+              </a:rPr>
+              <a:t> o </a:t>
+            </a:r>
+            <a:r>
+              <a:rPr lang="en-US" sz="2400" dirty="0" err="1">
+                <a:latin typeface="Times New Roman" panose="02020603050405020304" pitchFamily="18" charset="0"/>
+                <a:cs typeface="Times New Roman" panose="02020603050405020304" pitchFamily="18" charset="0"/>
+              </a:rPr>
+              <a:t>arquivo</a:t>
+            </a:r>
+            <a:r>
+              <a:rPr lang="en-US" sz="2400" dirty="0">
+                <a:latin typeface="Times New Roman" panose="02020603050405020304" pitchFamily="18" charset="0"/>
+                <a:cs typeface="Times New Roman" panose="02020603050405020304" pitchFamily="18" charset="0"/>
+              </a:rPr>
+              <a:t> </a:t>
+            </a:r>
+            <a:r>
+              <a:rPr lang="en-US" sz="2400">
+                <a:latin typeface="Times New Roman" panose="02020603050405020304" pitchFamily="18" charset="0"/>
+                <a:cs typeface="Times New Roman" panose="02020603050405020304" pitchFamily="18" charset="0"/>
+              </a:rPr>
+              <a:t>inteiro</a:t>
             </a:r>
             <a:endParaRPr lang="pt-BR" sz="2400" dirty="0">
               <a:latin typeface="Times New Roman" panose="02020603050405020304" pitchFamily="18" charset="0"/>
               <a:cs typeface="Times New Roman" panose="02020603050405020304" pitchFamily="18" charset="0"/>
             </a:endParaRPr>
           </a:p>
-          <a:p>
-            <a:pPr marL="0" indent="0" algn="just">
-              <a:buNone/>
-            </a:pPr>
-            <a:endParaRPr lang="pt-BR" sz="2400" dirty="0">
-              <a:latin typeface="Times New Roman" panose="02020603050405020304" pitchFamily="18" charset="0"/>
-              <a:cs typeface="Times New Roman" panose="02020603050405020304" pitchFamily="18" charset="0"/>
-            </a:endParaRPr>
-          </a:p>
-          <a:p>
-            <a:pPr marL="0" indent="0" algn="just">
-              <a:buNone/>
-            </a:pPr>
-            <a:r>
-              <a:rPr lang="pt-BR" sz="2400" dirty="0">
-                <a:latin typeface="Times New Roman" panose="02020603050405020304" pitchFamily="18" charset="0"/>
-                <a:cs typeface="Times New Roman" panose="02020603050405020304" pitchFamily="18" charset="0"/>
-              </a:rPr>
-              <a:t>[2] Site: </a:t>
-            </a:r>
-          </a:p>
-          <a:p>
-            <a:pPr marL="0" indent="0" algn="just">
-              <a:buNone/>
-            </a:pPr>
-            <a:r>
-              <a:rPr lang="pt-BR" sz="2400" dirty="0">
-                <a:latin typeface="Times New Roman" panose="02020603050405020304" pitchFamily="18" charset="0"/>
-                <a:cs typeface="Times New Roman" panose="02020603050405020304" pitchFamily="18" charset="0"/>
-              </a:rPr>
-              <a:t>     </a:t>
-            </a:r>
-            <a:r>
-              <a:rPr lang="pt-BR" sz="2400" dirty="0">
-                <a:latin typeface="Times New Roman" panose="02020603050405020304" pitchFamily="18" charset="0"/>
-                <a:cs typeface="Times New Roman" panose="02020603050405020304" pitchFamily="18" charset="0"/>
-                <a:hlinkClick r:id="rId4"/>
-              </a:rPr>
-              <a:t>https://www.w3schools.com/python/python_file_handling.asp</a:t>
-            </a:r>
-            <a:endParaRPr lang="pt-BR" sz="2400" dirty="0">
-              <a:latin typeface="Times New Roman" panose="02020603050405020304" pitchFamily="18" charset="0"/>
-              <a:cs typeface="Times New Roman" panose="02020603050405020304" pitchFamily="18" charset="0"/>
-            </a:endParaRPr>
-          </a:p>
-          <a:p>
-            <a:pPr marL="0" indent="0" algn="just">
-              <a:buNone/>
-            </a:pPr>
-            <a:endParaRPr lang="pt-BR" sz="2400" dirty="0">
-              <a:latin typeface="Times New Roman" panose="02020603050405020304" pitchFamily="18" charset="0"/>
-              <a:cs typeface="Times New Roman" panose="02020603050405020304" pitchFamily="18" charset="0"/>
-            </a:endParaRPr>
-          </a:p>
-          <a:p>
-            <a:pPr marL="0" indent="0" algn="just">
-              <a:buNone/>
-            </a:pPr>
-            <a:r>
-              <a:rPr lang="pt-BR" sz="2400" dirty="0">
-                <a:latin typeface="Times New Roman" panose="02020603050405020304" pitchFamily="18" charset="0"/>
-                <a:cs typeface="Times New Roman" panose="02020603050405020304" pitchFamily="18" charset="0"/>
-              </a:rPr>
-              <a:t>[3] Site: </a:t>
-            </a:r>
-            <a:r>
-              <a:rPr lang="pt-BR" sz="2400" dirty="0">
-                <a:latin typeface="Times New Roman" panose="02020603050405020304" pitchFamily="18" charset="0"/>
-                <a:cs typeface="Times New Roman" panose="02020603050405020304" pitchFamily="18" charset="0"/>
-                <a:hlinkClick r:id="rId5"/>
-              </a:rPr>
-              <a:t>https://docs.python.org/pt-br/3/tutorial/</a:t>
-            </a:r>
-            <a:endParaRPr lang="pt-BR" sz="2400" dirty="0">
-              <a:latin typeface="Times New Roman" panose="02020603050405020304" pitchFamily="18" charset="0"/>
-              <a:cs typeface="Times New Roman" panose="02020603050405020304" pitchFamily="18" charset="0"/>
-            </a:endParaRPr>
-          </a:p>
-          <a:p>
-            <a:pPr marL="0" indent="0" algn="just">
-              <a:buNone/>
-            </a:pPr>
-            <a:endParaRPr lang="pt-BR" sz="2400" dirty="0">
-              <a:latin typeface="Times New Roman" panose="02020603050405020304" pitchFamily="18" charset="0"/>
-              <a:cs typeface="Times New Roman" panose="02020603050405020304" pitchFamily="18" charset="0"/>
-            </a:endParaRPr>
-          </a:p>
-          <a:p>
-            <a:pPr marL="0" indent="0" algn="just">
-              <a:buNone/>
-            </a:pPr>
-            <a:endParaRPr lang="pt-BR" sz="2400" dirty="0">
-              <a:latin typeface="Times New Roman" panose="02020603050405020304" pitchFamily="18" charset="0"/>
-              <a:cs typeface="Times New Roman" panose="02020603050405020304" pitchFamily="18" charset="0"/>
-            </a:endParaRPr>
-          </a:p>
-          <a:p>
-            <a:pPr marL="0" indent="0" algn="just">
-              <a:buNone/>
-            </a:pPr>
-            <a:endParaRPr lang="pt-BR" sz="2400" dirty="0">
-              <a:latin typeface="Times New Roman" panose="02020603050405020304" pitchFamily="18" charset="0"/>
-              <a:cs typeface="Times New Roman" panose="02020603050405020304" pitchFamily="18" charset="0"/>
-            </a:endParaRPr>
-          </a:p>
-          <a:p>
-            <a:pPr marL="0" indent="0" algn="just">
-              <a:buNone/>
-            </a:pPr>
-            <a:endParaRPr lang="pt-BR" sz="2400" dirty="0">
-              <a:latin typeface="Times New Roman" panose="02020603050405020304" pitchFamily="18" charset="0"/>
-              <a:cs typeface="Times New Roman" panose="02020603050405020304" pitchFamily="18" charset="0"/>
-            </a:endParaRPr>
-          </a:p>
-          <a:p>
-            <a:pPr marL="0" indent="0" algn="just">
-              <a:buNone/>
-            </a:pPr>
-            <a:endParaRPr lang="pt-BR" sz="2400" dirty="0">
-              <a:latin typeface="Calibri" panose="020F0502020204030204" pitchFamily="34" charset="0"/>
-            </a:endParaRPr>
-          </a:p>
         </p:txBody>
       </p:sp>
     </p:spTree>
     <p:extLst>
       <p:ext uri="{BB962C8B-B14F-4D97-AF65-F5344CB8AC3E}">
-        <p14:creationId xmlns:p14="http://schemas.microsoft.com/office/powerpoint/2010/main" val="2747596967"/>
+        <p14:creationId xmlns:p14="http://schemas.microsoft.com/office/powerpoint/2010/main" val="1050402660"/>
       </p:ext>
     </p:extLst>
   </p:cSld>
@@ -8114,7 +8521,12 @@
             <p:ph type="title"/>
           </p:nvPr>
         </p:nvSpPr>
-        <p:spPr/>
+        <p:spPr>
+          <a:xfrm>
+            <a:off x="142864" y="205980"/>
+            <a:ext cx="8865055" cy="620738"/>
+          </a:xfrm>
+        </p:spPr>
         <p:txBody>
           <a:bodyPr>
             <a:normAutofit/>
@@ -8122,20 +8534,12 @@
           <a:lstStyle/>
           <a:p>
             <a:r>
-              <a:rPr lang="en-US" b="1" dirty="0" err="1">
+              <a:rPr lang="en-US" b="1" dirty="0">
                 <a:solidFill>
                   <a:srgbClr val="0070C0"/>
                 </a:solidFill>
               </a:rPr>
-              <a:t>Aprenda</a:t>
-            </a:r>
-            <a:r>
-              <a:rPr lang="en-US" b="1" dirty="0">
-                <a:solidFill>
-                  <a:srgbClr val="0070C0"/>
-                </a:solidFill>
-              </a:rPr>
-              <a:t>+</a:t>
+              <a:t>FILE</a:t>
             </a:r>
           </a:p>
         </p:txBody>
@@ -8152,8 +8556,8 @@
         </p:nvSpPr>
         <p:spPr>
           <a:xfrm>
-            <a:off x="142865" y="1200151"/>
-            <a:ext cx="8865056" cy="3394472"/>
+            <a:off x="142864" y="861864"/>
+            <a:ext cx="8865056" cy="4075656"/>
           </a:xfrm>
         </p:spPr>
         <p:txBody>
@@ -8165,57 +8569,231 @@
             <a:pPr marL="0" indent="0" algn="just">
               <a:buNone/>
             </a:pPr>
-            <a:endParaRPr lang="pt-BR" sz="2000" dirty="0">
+            <a:r>
+              <a:rPr lang="en-US" sz="2400" b="1" dirty="0">
+                <a:solidFill>
+                  <a:srgbClr val="FF0000"/>
+                </a:solidFill>
+                <a:latin typeface="Times New Roman" panose="02020603050405020304" pitchFamily="18" charset="0"/>
+                <a:cs typeface="Times New Roman" panose="02020603050405020304" pitchFamily="18" charset="0"/>
+              </a:rPr>
+              <a:t>try</a:t>
+            </a:r>
+            <a:r>
+              <a:rPr lang="en-US" sz="2400" dirty="0">
+                <a:latin typeface="Times New Roman" panose="02020603050405020304" pitchFamily="18" charset="0"/>
+                <a:cs typeface="Times New Roman" panose="02020603050405020304" pitchFamily="18" charset="0"/>
+              </a:rPr>
+              <a:t>:</a:t>
+            </a:r>
+          </a:p>
+          <a:p>
+            <a:pPr marL="0" indent="0" algn="just">
+              <a:buNone/>
+            </a:pPr>
+            <a:r>
+              <a:rPr lang="en-US" sz="2400" dirty="0">
+                <a:latin typeface="Times New Roman" panose="02020603050405020304" pitchFamily="18" charset="0"/>
+                <a:cs typeface="Times New Roman" panose="02020603050405020304" pitchFamily="18" charset="0"/>
+              </a:rPr>
+              <a:t>f = </a:t>
+            </a:r>
+            <a:r>
+              <a:rPr lang="en-US" sz="2400" b="1" dirty="0">
+                <a:latin typeface="Times New Roman" panose="02020603050405020304" pitchFamily="18" charset="0"/>
+                <a:cs typeface="Times New Roman" panose="02020603050405020304" pitchFamily="18" charset="0"/>
+              </a:rPr>
+              <a:t>open</a:t>
+            </a:r>
+            <a:r>
+              <a:rPr lang="en-US" sz="2400" dirty="0">
+                <a:latin typeface="Times New Roman" panose="02020603050405020304" pitchFamily="18" charset="0"/>
+                <a:cs typeface="Times New Roman" panose="02020603050405020304" pitchFamily="18" charset="0"/>
+              </a:rPr>
+              <a:t>("test.txt", </a:t>
+            </a:r>
+            <a:r>
+              <a:rPr lang="en-US" sz="2400" b="1" dirty="0">
+                <a:latin typeface="Times New Roman" panose="02020603050405020304" pitchFamily="18" charset="0"/>
+                <a:cs typeface="Times New Roman" panose="02020603050405020304" pitchFamily="18" charset="0"/>
+              </a:rPr>
+              <a:t>encoding</a:t>
+            </a:r>
+            <a:r>
+              <a:rPr lang="en-US" sz="2400" dirty="0">
+                <a:latin typeface="Times New Roman" panose="02020603050405020304" pitchFamily="18" charset="0"/>
+                <a:cs typeface="Times New Roman" panose="02020603050405020304" pitchFamily="18" charset="0"/>
+              </a:rPr>
+              <a:t> = 'utf-8’); </a:t>
+            </a:r>
+          </a:p>
+          <a:p>
+            <a:pPr marL="0" indent="0" algn="just">
+              <a:buNone/>
+            </a:pPr>
+            <a:r>
+              <a:rPr lang="en-US" sz="2400" dirty="0">
+                <a:latin typeface="Times New Roman" panose="02020603050405020304" pitchFamily="18" charset="0"/>
+                <a:cs typeface="Times New Roman" panose="02020603050405020304" pitchFamily="18" charset="0"/>
+              </a:rPr>
+              <a:t>   # perform file operations</a:t>
+            </a:r>
+          </a:p>
+          <a:p>
+            <a:pPr marL="0" indent="0" algn="just">
+              <a:buNone/>
+            </a:pPr>
+            <a:r>
+              <a:rPr lang="en-US" sz="2400" b="1" dirty="0">
+                <a:solidFill>
+                  <a:srgbClr val="FF0000"/>
+                </a:solidFill>
+                <a:latin typeface="Times New Roman" panose="02020603050405020304" pitchFamily="18" charset="0"/>
+                <a:cs typeface="Times New Roman" panose="02020603050405020304" pitchFamily="18" charset="0"/>
+              </a:rPr>
+              <a:t>finally</a:t>
+            </a:r>
+            <a:r>
+              <a:rPr lang="en-US" sz="2400" dirty="0">
+                <a:latin typeface="Times New Roman" panose="02020603050405020304" pitchFamily="18" charset="0"/>
+                <a:cs typeface="Times New Roman" panose="02020603050405020304" pitchFamily="18" charset="0"/>
+              </a:rPr>
+              <a:t>:</a:t>
+            </a:r>
+          </a:p>
+          <a:p>
+            <a:pPr marL="0" indent="0" algn="just">
+              <a:buNone/>
+            </a:pPr>
+            <a:r>
+              <a:rPr lang="en-US" sz="2400" dirty="0">
+                <a:latin typeface="Times New Roman" panose="02020603050405020304" pitchFamily="18" charset="0"/>
+                <a:cs typeface="Times New Roman" panose="02020603050405020304" pitchFamily="18" charset="0"/>
+              </a:rPr>
+              <a:t>   </a:t>
+            </a:r>
+            <a:r>
+              <a:rPr lang="en-US" sz="2400" dirty="0" err="1">
+                <a:latin typeface="Times New Roman" panose="02020603050405020304" pitchFamily="18" charset="0"/>
+                <a:cs typeface="Times New Roman" panose="02020603050405020304" pitchFamily="18" charset="0"/>
+              </a:rPr>
+              <a:t>f.</a:t>
+            </a:r>
+            <a:r>
+              <a:rPr lang="en-US" sz="2400" b="1" dirty="0" err="1">
+                <a:latin typeface="Times New Roman" panose="02020603050405020304" pitchFamily="18" charset="0"/>
+                <a:cs typeface="Times New Roman" panose="02020603050405020304" pitchFamily="18" charset="0"/>
+              </a:rPr>
+              <a:t>close</a:t>
+            </a:r>
+            <a:r>
+              <a:rPr lang="en-US" sz="2400" dirty="0">
+                <a:latin typeface="Times New Roman" panose="02020603050405020304" pitchFamily="18" charset="0"/>
+                <a:cs typeface="Times New Roman" panose="02020603050405020304" pitchFamily="18" charset="0"/>
+              </a:rPr>
+              <a:t>();</a:t>
+            </a:r>
+          </a:p>
+          <a:p>
+            <a:pPr marL="0" indent="0" algn="just">
+              <a:buNone/>
+            </a:pPr>
+            <a:r>
+              <a:rPr lang="en-US" sz="2400" dirty="0">
+                <a:latin typeface="Times New Roman" panose="02020603050405020304" pitchFamily="18" charset="0"/>
+                <a:cs typeface="Times New Roman" panose="02020603050405020304" pitchFamily="18" charset="0"/>
+              </a:rPr>
+              <a:t>			OU</a:t>
+            </a:r>
+          </a:p>
+          <a:p>
+            <a:pPr marL="0" indent="0" algn="just">
+              <a:buNone/>
+            </a:pPr>
+            <a:r>
+              <a:rPr lang="en-US" sz="2400" b="1" dirty="0">
+                <a:latin typeface="Times New Roman" panose="02020603050405020304" pitchFamily="18" charset="0"/>
+                <a:cs typeface="Times New Roman" panose="02020603050405020304" pitchFamily="18" charset="0"/>
+              </a:rPr>
+              <a:t>with</a:t>
+            </a:r>
+            <a:r>
+              <a:rPr lang="en-US" sz="2400" dirty="0">
+                <a:latin typeface="Times New Roman" panose="02020603050405020304" pitchFamily="18" charset="0"/>
+                <a:cs typeface="Times New Roman" panose="02020603050405020304" pitchFamily="18" charset="0"/>
+              </a:rPr>
+              <a:t> </a:t>
+            </a:r>
+            <a:r>
+              <a:rPr lang="en-US" sz="2400" b="1" dirty="0">
+                <a:latin typeface="Times New Roman" panose="02020603050405020304" pitchFamily="18" charset="0"/>
+                <a:cs typeface="Times New Roman" panose="02020603050405020304" pitchFamily="18" charset="0"/>
+              </a:rPr>
+              <a:t>open</a:t>
+            </a:r>
+            <a:r>
+              <a:rPr lang="en-US" sz="2400" dirty="0">
+                <a:latin typeface="Times New Roman" panose="02020603050405020304" pitchFamily="18" charset="0"/>
+                <a:cs typeface="Times New Roman" panose="02020603050405020304" pitchFamily="18" charset="0"/>
+              </a:rPr>
+              <a:t>("test.txt", </a:t>
+            </a:r>
+            <a:r>
+              <a:rPr lang="en-US" sz="2400" b="1" dirty="0">
+                <a:latin typeface="Times New Roman" panose="02020603050405020304" pitchFamily="18" charset="0"/>
+                <a:cs typeface="Times New Roman" panose="02020603050405020304" pitchFamily="18" charset="0"/>
+              </a:rPr>
+              <a:t>encoding</a:t>
+            </a:r>
+            <a:r>
+              <a:rPr lang="en-US" sz="2400" dirty="0">
+                <a:latin typeface="Times New Roman" panose="02020603050405020304" pitchFamily="18" charset="0"/>
+                <a:cs typeface="Times New Roman" panose="02020603050405020304" pitchFamily="18" charset="0"/>
+              </a:rPr>
+              <a:t> = '</a:t>
+            </a:r>
+            <a:r>
+              <a:rPr lang="en-US" sz="2400" b="1" dirty="0">
+                <a:solidFill>
+                  <a:srgbClr val="FF0000"/>
+                </a:solidFill>
+                <a:latin typeface="Times New Roman" panose="02020603050405020304" pitchFamily="18" charset="0"/>
+                <a:cs typeface="Times New Roman" panose="02020603050405020304" pitchFamily="18" charset="0"/>
+              </a:rPr>
+              <a:t>utf-8</a:t>
+            </a:r>
+            <a:r>
+              <a:rPr lang="en-US" sz="2400" dirty="0">
+                <a:latin typeface="Times New Roman" panose="02020603050405020304" pitchFamily="18" charset="0"/>
+                <a:cs typeface="Times New Roman" panose="02020603050405020304" pitchFamily="18" charset="0"/>
+              </a:rPr>
+              <a:t>') as </a:t>
+            </a:r>
+            <a:r>
+              <a:rPr lang="en-US" sz="2400" b="1" dirty="0">
+                <a:latin typeface="Times New Roman" panose="02020603050405020304" pitchFamily="18" charset="0"/>
+                <a:cs typeface="Times New Roman" panose="02020603050405020304" pitchFamily="18" charset="0"/>
+              </a:rPr>
+              <a:t>f</a:t>
+            </a:r>
+            <a:r>
+              <a:rPr lang="en-US" sz="2400" dirty="0">
+                <a:latin typeface="Times New Roman" panose="02020603050405020304" pitchFamily="18" charset="0"/>
+                <a:cs typeface="Times New Roman" panose="02020603050405020304" pitchFamily="18" charset="0"/>
+              </a:rPr>
+              <a:t>:</a:t>
+            </a:r>
+            <a:endParaRPr lang="pt-BR" sz="2400" dirty="0">
               <a:latin typeface="Times New Roman" panose="02020603050405020304" pitchFamily="18" charset="0"/>
               <a:cs typeface="Times New Roman" panose="02020603050405020304" pitchFamily="18" charset="0"/>
             </a:endParaRPr>
           </a:p>
-          <a:p>
-            <a:pPr marL="0" indent="0" algn="just">
-              <a:buNone/>
-            </a:pPr>
-            <a:r>
-              <a:rPr lang="pt-BR" sz="2000" dirty="0">
-                <a:latin typeface="Times New Roman" panose="02020603050405020304" pitchFamily="18" charset="0"/>
-                <a:cs typeface="Times New Roman" panose="02020603050405020304" pitchFamily="18" charset="0"/>
-              </a:rPr>
-              <a:t>[1</a:t>
-            </a:r>
-            <a:r>
-              <a:rPr lang="pt-BR" sz="2000">
-                <a:latin typeface="Times New Roman" panose="02020603050405020304" pitchFamily="18" charset="0"/>
-                <a:cs typeface="Times New Roman" panose="02020603050405020304" pitchFamily="18" charset="0"/>
-              </a:rPr>
-              <a:t>] </a:t>
-            </a:r>
-            <a:r>
-              <a:rPr lang="pt-BR" sz="2000">
-                <a:latin typeface="Times New Roman" panose="02020603050405020304" pitchFamily="18" charset="0"/>
-                <a:cs typeface="Times New Roman" panose="02020603050405020304" pitchFamily="18" charset="0"/>
-                <a:hlinkClick r:id="rId3"/>
-              </a:rPr>
-              <a:t>https://www.youtube.com/watch?v=XmCrArtfjaQ</a:t>
-            </a:r>
-            <a:endParaRPr lang="pt-BR" sz="2000">
-              <a:latin typeface="Times New Roman" panose="02020603050405020304" pitchFamily="18" charset="0"/>
-              <a:cs typeface="Times New Roman" panose="02020603050405020304" pitchFamily="18" charset="0"/>
-            </a:endParaRPr>
-          </a:p>
-          <a:p>
-            <a:pPr marL="0" indent="0" algn="just">
-              <a:buNone/>
-            </a:pPr>
-            <a:endParaRPr lang="pt-BR" sz="2000" dirty="0">
-              <a:latin typeface="Times New Roman" panose="02020603050405020304" pitchFamily="18" charset="0"/>
-              <a:cs typeface="Times New Roman" panose="02020603050405020304" pitchFamily="18" charset="0"/>
-            </a:endParaRPr>
-          </a:p>
         </p:txBody>
       </p:sp>
     </p:spTree>
     <p:extLst>
       <p:ext uri="{BB962C8B-B14F-4D97-AF65-F5344CB8AC3E}">
-        <p14:creationId xmlns:p14="http://schemas.microsoft.com/office/powerpoint/2010/main" val="3680270425"/>
+        <p14:creationId xmlns:p14="http://schemas.microsoft.com/office/powerpoint/2010/main" val="2741919643"/>
       </p:ext>
     </p:extLst>
   </p:cSld>
@@ -8719,7 +9297,12 @@
             <p:ph type="title"/>
           </p:nvPr>
         </p:nvSpPr>
-        <p:spPr/>
+        <p:spPr>
+          <a:xfrm>
+            <a:off x="142864" y="205980"/>
+            <a:ext cx="8865055" cy="620738"/>
+          </a:xfrm>
+        </p:spPr>
         <p:txBody>
           <a:bodyPr>
             <a:normAutofit/>
@@ -8727,34 +9310,13 @@
           <a:lstStyle/>
           <a:p>
             <a:r>
-              <a:rPr lang="en-US" b="1" dirty="0" err="1">
+              <a:rPr lang="en-US" b="1" dirty="0">
                 <a:solidFill>
                   <a:srgbClr val="0070C0"/>
                 </a:solidFill>
               </a:rPr>
-              <a:t>Dinâmica</a:t>
-            </a:r>
-            <a:r>
-              <a:rPr lang="en-US" b="1" dirty="0">
-                <a:solidFill>
-                  <a:srgbClr val="0070C0"/>
-                </a:solidFill>
-              </a:rPr>
-              <a:t>/</a:t>
-            </a:r>
-            <a:r>
-              <a:rPr lang="en-US" b="1" dirty="0" err="1">
-                <a:solidFill>
-                  <a:srgbClr val="0070C0"/>
-                </a:solidFill>
-              </a:rPr>
-              <a:t>Atividades</a:t>
-            </a:r>
-            <a:endParaRPr lang="en-US" b="1" dirty="0">
-              <a:solidFill>
-                <a:srgbClr val="0070C0"/>
-              </a:solidFill>
-            </a:endParaRPr>
+              <a:t>FILE</a:t>
+            </a:r>
           </a:p>
         </p:txBody>
       </p:sp>
@@ -8770,8 +9332,8 @@
         </p:nvSpPr>
         <p:spPr>
           <a:xfrm>
-            <a:off x="139472" y="1063230"/>
-            <a:ext cx="8865056" cy="3606305"/>
+            <a:off x="142864" y="861864"/>
+            <a:ext cx="8865056" cy="4075656"/>
           </a:xfrm>
         </p:spPr>
         <p:txBody>
@@ -8780,16 +9342,81 @@
           </a:bodyPr>
           <a:lstStyle/>
           <a:p>
-            <a:pPr algn="just">
-              <a:buFontTx/>
-              <a:buChar char="-"/>
+            <a:pPr marL="0" indent="0" algn="just">
+              <a:buNone/>
             </a:pPr>
             <a:r>
-              <a:rPr lang="pt-BR" dirty="0">
-                <a:latin typeface="Times New Roman" panose="02020603050405020304" pitchFamily="18" charset="0"/>
-                <a:cs typeface="Times New Roman" panose="02020603050405020304" pitchFamily="18" charset="0"/>
-              </a:rPr>
-              <a:t>Exercícios de Fixação</a:t>
+              <a:rPr lang="en-US" sz="2400" b="1" dirty="0">
+                <a:latin typeface="Times New Roman" panose="02020603050405020304" pitchFamily="18" charset="0"/>
+                <a:cs typeface="Times New Roman" panose="02020603050405020304" pitchFamily="18" charset="0"/>
+              </a:rPr>
+              <a:t>with</a:t>
+            </a:r>
+            <a:r>
+              <a:rPr lang="en-US" sz="2400" dirty="0">
+                <a:latin typeface="Times New Roman" panose="02020603050405020304" pitchFamily="18" charset="0"/>
+                <a:cs typeface="Times New Roman" panose="02020603050405020304" pitchFamily="18" charset="0"/>
+              </a:rPr>
+              <a:t> </a:t>
+            </a:r>
+            <a:r>
+              <a:rPr lang="en-US" sz="2400" b="1" dirty="0">
+                <a:latin typeface="Times New Roman" panose="02020603050405020304" pitchFamily="18" charset="0"/>
+                <a:cs typeface="Times New Roman" panose="02020603050405020304" pitchFamily="18" charset="0"/>
+              </a:rPr>
+              <a:t>open</a:t>
+            </a:r>
+            <a:r>
+              <a:rPr lang="en-US" sz="2400" dirty="0">
+                <a:latin typeface="Times New Roman" panose="02020603050405020304" pitchFamily="18" charset="0"/>
+                <a:cs typeface="Times New Roman" panose="02020603050405020304" pitchFamily="18" charset="0"/>
+              </a:rPr>
+              <a:t>("test.txt", </a:t>
+            </a:r>
+            <a:r>
+              <a:rPr lang="en-US" sz="2400" b="1" dirty="0">
+                <a:latin typeface="Times New Roman" panose="02020603050405020304" pitchFamily="18" charset="0"/>
+                <a:cs typeface="Times New Roman" panose="02020603050405020304" pitchFamily="18" charset="0"/>
+              </a:rPr>
+              <a:t>encoding</a:t>
+            </a:r>
+            <a:r>
+              <a:rPr lang="en-US" sz="2400" dirty="0">
+                <a:latin typeface="Times New Roman" panose="02020603050405020304" pitchFamily="18" charset="0"/>
+                <a:cs typeface="Times New Roman" panose="02020603050405020304" pitchFamily="18" charset="0"/>
+              </a:rPr>
+              <a:t> = '</a:t>
+            </a:r>
+            <a:r>
+              <a:rPr lang="en-US" sz="2400" b="1" dirty="0">
+                <a:solidFill>
+                  <a:srgbClr val="FF0000"/>
+                </a:solidFill>
+                <a:latin typeface="Times New Roman" panose="02020603050405020304" pitchFamily="18" charset="0"/>
+                <a:cs typeface="Times New Roman" panose="02020603050405020304" pitchFamily="18" charset="0"/>
+              </a:rPr>
+              <a:t>utf-8</a:t>
+            </a:r>
+            <a:r>
+              <a:rPr lang="en-US" sz="2400" dirty="0">
+                <a:latin typeface="Times New Roman" panose="02020603050405020304" pitchFamily="18" charset="0"/>
+                <a:cs typeface="Times New Roman" panose="02020603050405020304" pitchFamily="18" charset="0"/>
+              </a:rPr>
+              <a:t>') as </a:t>
+            </a:r>
+            <a:r>
+              <a:rPr lang="en-US" sz="2400" b="1" dirty="0">
+                <a:latin typeface="Times New Roman" panose="02020603050405020304" pitchFamily="18" charset="0"/>
+                <a:cs typeface="Times New Roman" panose="02020603050405020304" pitchFamily="18" charset="0"/>
+              </a:rPr>
+              <a:t>f</a:t>
+            </a:r>
+            <a:r>
+              <a:rPr lang="en-US" sz="2400" dirty="0">
+                <a:latin typeface="Times New Roman" panose="02020603050405020304" pitchFamily="18" charset="0"/>
+                <a:cs typeface="Times New Roman" panose="02020603050405020304" pitchFamily="18" charset="0"/>
+              </a:rPr>
+              <a:t>:</a:t>
             </a:r>
           </a:p>
           <a:p>
@@ -8797,19 +9424,121 @@
               <a:buNone/>
             </a:pPr>
             <a:r>
-              <a:rPr lang="pt-BR" dirty="0">
-                <a:latin typeface="Times New Roman" panose="02020603050405020304" pitchFamily="18" charset="0"/>
-                <a:cs typeface="Times New Roman" panose="02020603050405020304" pitchFamily="18" charset="0"/>
-              </a:rPr>
-              <a:t>	Desafios em Sala de Aula.</a:t>
-            </a:r>
+              <a:rPr lang="en-US" sz="2400" dirty="0" err="1">
+                <a:latin typeface="Times New Roman" panose="02020603050405020304" pitchFamily="18" charset="0"/>
+                <a:cs typeface="Times New Roman" panose="02020603050405020304" pitchFamily="18" charset="0"/>
+              </a:rPr>
+              <a:t>f.</a:t>
+            </a:r>
+            <a:r>
+              <a:rPr lang="en-US" sz="2400" b="1" dirty="0" err="1">
+                <a:latin typeface="Times New Roman" panose="02020603050405020304" pitchFamily="18" charset="0"/>
+                <a:cs typeface="Times New Roman" panose="02020603050405020304" pitchFamily="18" charset="0"/>
+              </a:rPr>
+              <a:t>write</a:t>
+            </a:r>
+            <a:r>
+              <a:rPr lang="en-US" sz="2400" dirty="0">
+                <a:latin typeface="Times New Roman" panose="02020603050405020304" pitchFamily="18" charset="0"/>
+                <a:cs typeface="Times New Roman" panose="02020603050405020304" pitchFamily="18" charset="0"/>
+              </a:rPr>
+              <a:t>(“Julia\n");</a:t>
+            </a:r>
+          </a:p>
+          <a:p>
+            <a:pPr marL="0" indent="0" algn="just">
+              <a:buNone/>
+            </a:pPr>
+            <a:r>
+              <a:rPr lang="en-US" sz="2400" dirty="0" err="1">
+                <a:latin typeface="Times New Roman" panose="02020603050405020304" pitchFamily="18" charset="0"/>
+                <a:cs typeface="Times New Roman" panose="02020603050405020304" pitchFamily="18" charset="0"/>
+              </a:rPr>
+              <a:t>f.</a:t>
+            </a:r>
+            <a:r>
+              <a:rPr lang="en-US" sz="2400" b="1" dirty="0" err="1">
+                <a:latin typeface="Times New Roman" panose="02020603050405020304" pitchFamily="18" charset="0"/>
+                <a:cs typeface="Times New Roman" panose="02020603050405020304" pitchFamily="18" charset="0"/>
+              </a:rPr>
+              <a:t>write</a:t>
+            </a:r>
+            <a:r>
+              <a:rPr lang="en-US" sz="2400" dirty="0">
+                <a:latin typeface="Times New Roman" panose="02020603050405020304" pitchFamily="18" charset="0"/>
+                <a:cs typeface="Times New Roman" panose="02020603050405020304" pitchFamily="18" charset="0"/>
+              </a:rPr>
+              <a:t>(“Maria\n\n");</a:t>
+            </a:r>
+          </a:p>
+          <a:p>
+            <a:pPr marL="0" indent="0" algn="just">
+              <a:buNone/>
+            </a:pPr>
+            <a:r>
+              <a:rPr lang="en-US" sz="2400" dirty="0" err="1">
+                <a:latin typeface="Times New Roman" panose="02020603050405020304" pitchFamily="18" charset="0"/>
+                <a:cs typeface="Times New Roman" panose="02020603050405020304" pitchFamily="18" charset="0"/>
+              </a:rPr>
+              <a:t>f.</a:t>
+            </a:r>
+            <a:r>
+              <a:rPr lang="en-US" sz="2400" b="1" dirty="0" err="1">
+                <a:latin typeface="Times New Roman" panose="02020603050405020304" pitchFamily="18" charset="0"/>
+                <a:cs typeface="Times New Roman" panose="02020603050405020304" pitchFamily="18" charset="0"/>
+              </a:rPr>
+              <a:t>write</a:t>
+            </a:r>
+            <a:r>
+              <a:rPr lang="en-US" sz="2400" dirty="0">
+                <a:latin typeface="Times New Roman" panose="02020603050405020304" pitchFamily="18" charset="0"/>
+                <a:cs typeface="Times New Roman" panose="02020603050405020304" pitchFamily="18" charset="0"/>
+              </a:rPr>
+              <a:t>(“</a:t>
+            </a:r>
+            <a:r>
+              <a:rPr lang="en-US" sz="2400" dirty="0" err="1">
+                <a:latin typeface="Times New Roman" panose="02020603050405020304" pitchFamily="18" charset="0"/>
+                <a:cs typeface="Times New Roman" panose="02020603050405020304" pitchFamily="18" charset="0"/>
+              </a:rPr>
+              <a:t>josy</a:t>
+            </a:r>
+            <a:r>
+              <a:rPr lang="en-US" sz="2400" dirty="0">
+                <a:latin typeface="Times New Roman" panose="02020603050405020304" pitchFamily="18" charset="0"/>
+                <a:cs typeface="Times New Roman" panose="02020603050405020304" pitchFamily="18" charset="0"/>
+              </a:rPr>
+              <a:t>\n");</a:t>
+            </a:r>
+            <a:endParaRPr lang="pt-BR" sz="2400" dirty="0">
+              <a:latin typeface="Times New Roman" panose="02020603050405020304" pitchFamily="18" charset="0"/>
+              <a:cs typeface="Times New Roman" panose="02020603050405020304" pitchFamily="18" charset="0"/>
+            </a:endParaRPr>
+          </a:p>
+          <a:p>
+            <a:pPr marL="0" indent="0" algn="just">
+              <a:buNone/>
+            </a:pPr>
+            <a:endParaRPr lang="en-US" sz="2400" dirty="0">
+              <a:latin typeface="Times New Roman" panose="02020603050405020304" pitchFamily="18" charset="0"/>
+              <a:cs typeface="Times New Roman" panose="02020603050405020304" pitchFamily="18" charset="0"/>
+            </a:endParaRPr>
+          </a:p>
+          <a:p>
+            <a:pPr marL="0" indent="0" algn="just">
+              <a:buNone/>
+            </a:pPr>
+            <a:endParaRPr lang="pt-BR" sz="2400" dirty="0">
+              <a:latin typeface="Times New Roman" panose="02020603050405020304" pitchFamily="18" charset="0"/>
+              <a:cs typeface="Times New Roman" panose="02020603050405020304" pitchFamily="18" charset="0"/>
+            </a:endParaRPr>
           </a:p>
         </p:txBody>
       </p:sp>
     </p:spTree>
     <p:extLst>
       <p:ext uri="{BB962C8B-B14F-4D97-AF65-F5344CB8AC3E}">
-        <p14:creationId xmlns:p14="http://schemas.microsoft.com/office/powerpoint/2010/main" val="2470652989"/>
+        <p14:creationId xmlns:p14="http://schemas.microsoft.com/office/powerpoint/2010/main" val="1472508492"/>
       </p:ext>
     </p:extLst>
   </p:cSld>
@@ -8860,6 +9589,534 @@
                   <a:srgbClr val="0070C0"/>
                 </a:solidFill>
               </a:rPr>
+              <a:t>Leitura</a:t>
+            </a:r>
+            <a:r>
+              <a:rPr lang="en-US" b="1" dirty="0">
+                <a:solidFill>
+                  <a:srgbClr val="0070C0"/>
+                </a:solidFill>
+              </a:rPr>
+              <a:t> </a:t>
+            </a:r>
+            <a:r>
+              <a:rPr lang="en-US" b="1" dirty="0" err="1">
+                <a:solidFill>
+                  <a:srgbClr val="0070C0"/>
+                </a:solidFill>
+              </a:rPr>
+              <a:t>Específica</a:t>
+            </a:r>
+            <a:endParaRPr lang="en-US" b="1" dirty="0">
+              <a:solidFill>
+                <a:srgbClr val="0070C0"/>
+              </a:solidFill>
+            </a:endParaRPr>
+          </a:p>
+        </p:txBody>
+      </p:sp>
+      <p:sp>
+        <p:nvSpPr>
+          <p:cNvPr id="8" name="Text Placeholder 2"/>
+          <p:cNvSpPr>
+            <a:spLocks noGrp="1"/>
+          </p:cNvSpPr>
+          <p:nvPr>
+            <p:ph type="body" sz="half" idx="1"/>
+          </p:nvPr>
+        </p:nvSpPr>
+        <p:spPr>
+          <a:xfrm>
+            <a:off x="142865" y="1200151"/>
+            <a:ext cx="8865056" cy="3722578"/>
+          </a:xfrm>
+        </p:spPr>
+        <p:txBody>
+          <a:bodyPr>
+            <a:noAutofit/>
+          </a:bodyPr>
+          <a:lstStyle/>
+          <a:p>
+            <a:pPr marL="0" indent="0" algn="just">
+              <a:buNone/>
+            </a:pPr>
+            <a:r>
+              <a:rPr lang="pt-BR" sz="2400" dirty="0">
+                <a:latin typeface="Times New Roman" panose="02020603050405020304" pitchFamily="18" charset="0"/>
+                <a:cs typeface="Times New Roman" panose="02020603050405020304" pitchFamily="18" charset="0"/>
+              </a:rPr>
+              <a:t>[1] Site: </a:t>
+            </a:r>
+          </a:p>
+          <a:p>
+            <a:pPr marL="0" indent="0" algn="just">
+              <a:buNone/>
+            </a:pPr>
+            <a:r>
+              <a:rPr lang="pt-BR" sz="2400" dirty="0">
+                <a:latin typeface="Times New Roman" panose="02020603050405020304" pitchFamily="18" charset="0"/>
+                <a:cs typeface="Times New Roman" panose="02020603050405020304" pitchFamily="18" charset="0"/>
+              </a:rPr>
+              <a:t>      </a:t>
+            </a:r>
+            <a:r>
+              <a:rPr lang="pt-BR" sz="2400" dirty="0">
+                <a:latin typeface="Times New Roman" panose="02020603050405020304" pitchFamily="18" charset="0"/>
+                <a:cs typeface="Times New Roman" panose="02020603050405020304" pitchFamily="18" charset="0"/>
+                <a:hlinkClick r:id="rId3"/>
+              </a:rPr>
+              <a:t>https://www.w3schools.com/python/python_json.asp</a:t>
+            </a:r>
+            <a:endParaRPr lang="pt-BR" sz="2400" dirty="0">
+              <a:latin typeface="Times New Roman" panose="02020603050405020304" pitchFamily="18" charset="0"/>
+              <a:cs typeface="Times New Roman" panose="02020603050405020304" pitchFamily="18" charset="0"/>
+            </a:endParaRPr>
+          </a:p>
+          <a:p>
+            <a:pPr marL="0" indent="0" algn="just">
+              <a:buNone/>
+            </a:pPr>
+            <a:endParaRPr lang="pt-BR" sz="2400" dirty="0">
+              <a:latin typeface="Times New Roman" panose="02020603050405020304" pitchFamily="18" charset="0"/>
+              <a:cs typeface="Times New Roman" panose="02020603050405020304" pitchFamily="18" charset="0"/>
+            </a:endParaRPr>
+          </a:p>
+          <a:p>
+            <a:pPr marL="0" indent="0" algn="just">
+              <a:buNone/>
+            </a:pPr>
+            <a:r>
+              <a:rPr lang="pt-BR" sz="2400" dirty="0">
+                <a:latin typeface="Times New Roman" panose="02020603050405020304" pitchFamily="18" charset="0"/>
+                <a:cs typeface="Times New Roman" panose="02020603050405020304" pitchFamily="18" charset="0"/>
+              </a:rPr>
+              <a:t>[2] Site: </a:t>
+            </a:r>
+          </a:p>
+          <a:p>
+            <a:pPr marL="0" indent="0" algn="just">
+              <a:buNone/>
+            </a:pPr>
+            <a:r>
+              <a:rPr lang="pt-BR" sz="2400" dirty="0">
+                <a:latin typeface="Times New Roman" panose="02020603050405020304" pitchFamily="18" charset="0"/>
+                <a:cs typeface="Times New Roman" panose="02020603050405020304" pitchFamily="18" charset="0"/>
+              </a:rPr>
+              <a:t>     </a:t>
+            </a:r>
+            <a:r>
+              <a:rPr lang="pt-BR" sz="2400" dirty="0">
+                <a:latin typeface="Times New Roman" panose="02020603050405020304" pitchFamily="18" charset="0"/>
+                <a:cs typeface="Times New Roman" panose="02020603050405020304" pitchFamily="18" charset="0"/>
+                <a:hlinkClick r:id="rId4"/>
+              </a:rPr>
+              <a:t>https://www.w3schools.com/python/python_file_handling.asp</a:t>
+            </a:r>
+            <a:endParaRPr lang="pt-BR" sz="2400" dirty="0">
+              <a:latin typeface="Times New Roman" panose="02020603050405020304" pitchFamily="18" charset="0"/>
+              <a:cs typeface="Times New Roman" panose="02020603050405020304" pitchFamily="18" charset="0"/>
+            </a:endParaRPr>
+          </a:p>
+          <a:p>
+            <a:pPr marL="0" indent="0" algn="just">
+              <a:buNone/>
+            </a:pPr>
+            <a:endParaRPr lang="pt-BR" sz="2400" dirty="0">
+              <a:latin typeface="Times New Roman" panose="02020603050405020304" pitchFamily="18" charset="0"/>
+              <a:cs typeface="Times New Roman" panose="02020603050405020304" pitchFamily="18" charset="0"/>
+            </a:endParaRPr>
+          </a:p>
+          <a:p>
+            <a:pPr marL="0" indent="0" algn="just">
+              <a:buNone/>
+            </a:pPr>
+            <a:r>
+              <a:rPr lang="pt-BR" sz="2400" dirty="0">
+                <a:latin typeface="Times New Roman" panose="02020603050405020304" pitchFamily="18" charset="0"/>
+                <a:cs typeface="Times New Roman" panose="02020603050405020304" pitchFamily="18" charset="0"/>
+              </a:rPr>
+              <a:t>[3] Site: </a:t>
+            </a:r>
+            <a:r>
+              <a:rPr lang="pt-BR" sz="2400" dirty="0">
+                <a:latin typeface="Times New Roman" panose="02020603050405020304" pitchFamily="18" charset="0"/>
+                <a:cs typeface="Times New Roman" panose="02020603050405020304" pitchFamily="18" charset="0"/>
+                <a:hlinkClick r:id="rId5"/>
+              </a:rPr>
+              <a:t>https://docs.python.org/pt-br/3/tutorial/</a:t>
+            </a:r>
+            <a:endParaRPr lang="pt-BR" sz="2400" dirty="0">
+              <a:latin typeface="Times New Roman" panose="02020603050405020304" pitchFamily="18" charset="0"/>
+              <a:cs typeface="Times New Roman" panose="02020603050405020304" pitchFamily="18" charset="0"/>
+            </a:endParaRPr>
+          </a:p>
+          <a:p>
+            <a:pPr marL="0" indent="0" algn="just">
+              <a:buNone/>
+            </a:pPr>
+            <a:endParaRPr lang="pt-BR" sz="2400" dirty="0">
+              <a:latin typeface="Times New Roman" panose="02020603050405020304" pitchFamily="18" charset="0"/>
+              <a:cs typeface="Times New Roman" panose="02020603050405020304" pitchFamily="18" charset="0"/>
+            </a:endParaRPr>
+          </a:p>
+          <a:p>
+            <a:pPr marL="0" indent="0" algn="just">
+              <a:buNone/>
+            </a:pPr>
+            <a:endParaRPr lang="pt-BR" sz="2400" dirty="0">
+              <a:latin typeface="Times New Roman" panose="02020603050405020304" pitchFamily="18" charset="0"/>
+              <a:cs typeface="Times New Roman" panose="02020603050405020304" pitchFamily="18" charset="0"/>
+            </a:endParaRPr>
+          </a:p>
+          <a:p>
+            <a:pPr marL="0" indent="0" algn="just">
+              <a:buNone/>
+            </a:pPr>
+            <a:endParaRPr lang="pt-BR" sz="2400" dirty="0">
+              <a:latin typeface="Times New Roman" panose="02020603050405020304" pitchFamily="18" charset="0"/>
+              <a:cs typeface="Times New Roman" panose="02020603050405020304" pitchFamily="18" charset="0"/>
+            </a:endParaRPr>
+          </a:p>
+          <a:p>
+            <a:pPr marL="0" indent="0" algn="just">
+              <a:buNone/>
+            </a:pPr>
+            <a:endParaRPr lang="pt-BR" sz="2400" dirty="0">
+              <a:latin typeface="Times New Roman" panose="02020603050405020304" pitchFamily="18" charset="0"/>
+              <a:cs typeface="Times New Roman" panose="02020603050405020304" pitchFamily="18" charset="0"/>
+            </a:endParaRPr>
+          </a:p>
+          <a:p>
+            <a:pPr marL="0" indent="0" algn="just">
+              <a:buNone/>
+            </a:pPr>
+            <a:endParaRPr lang="pt-BR" sz="2400" dirty="0">
+              <a:latin typeface="Calibri" panose="020F0502020204030204" pitchFamily="34" charset="0"/>
+            </a:endParaRPr>
+          </a:p>
+        </p:txBody>
+      </p:sp>
+    </p:spTree>
+    <p:extLst>
+      <p:ext uri="{BB962C8B-B14F-4D97-AF65-F5344CB8AC3E}">
+        <p14:creationId xmlns:p14="http://schemas.microsoft.com/office/powerpoint/2010/main" val="2747596967"/>
+      </p:ext>
+    </p:extLst>
+  </p:cSld>
+  <p:clrMapOvr>
+    <a:masterClrMapping/>
+  </p:clrMapOvr>
+  <p:transition spd="med"/>
+</p:sld>
+</file>
+
+<file path=ppt/slides/slide22.xml><?xml version="1.0" encoding="utf-8"?>
+<p:sld xmlns:a="http://schemas.openxmlformats.org/drawingml/2006/main" xmlns:r="http://schemas.openxmlformats.org/officeDocument/2006/relationships" xmlns:p="http://schemas.openxmlformats.org/presentationml/2006/main">
+  <p:cSld>
+    <p:spTree>
+      <p:nvGrpSpPr>
+        <p:cNvPr id="1" name=""/>
+        <p:cNvGrpSpPr/>
+        <p:nvPr/>
+      </p:nvGrpSpPr>
+      <p:grpSpPr>
+        <a:xfrm>
+          <a:off x="0" y="0"/>
+          <a:ext cx="0" cy="0"/>
+          <a:chOff x="0" y="0"/>
+          <a:chExt cx="0" cy="0"/>
+        </a:xfrm>
+      </p:grpSpPr>
+      <p:sp>
+        <p:nvSpPr>
+          <p:cNvPr id="6" name="Title 1"/>
+          <p:cNvSpPr>
+            <a:spLocks noGrp="1"/>
+          </p:cNvSpPr>
+          <p:nvPr>
+            <p:ph type="title"/>
+          </p:nvPr>
+        </p:nvSpPr>
+        <p:spPr/>
+        <p:txBody>
+          <a:bodyPr>
+            <a:normAutofit/>
+          </a:bodyPr>
+          <a:lstStyle/>
+          <a:p>
+            <a:r>
+              <a:rPr lang="en-US" b="1" dirty="0" err="1">
+                <a:solidFill>
+                  <a:srgbClr val="0070C0"/>
+                </a:solidFill>
+              </a:rPr>
+              <a:t>Aprenda</a:t>
+            </a:r>
+            <a:r>
+              <a:rPr lang="en-US" b="1" dirty="0">
+                <a:solidFill>
+                  <a:srgbClr val="0070C0"/>
+                </a:solidFill>
+              </a:rPr>
+              <a:t>+</a:t>
+            </a:r>
+          </a:p>
+        </p:txBody>
+      </p:sp>
+      <p:sp>
+        <p:nvSpPr>
+          <p:cNvPr id="8" name="Text Placeholder 2"/>
+          <p:cNvSpPr>
+            <a:spLocks noGrp="1"/>
+          </p:cNvSpPr>
+          <p:nvPr>
+            <p:ph type="body" sz="half" idx="1"/>
+          </p:nvPr>
+        </p:nvSpPr>
+        <p:spPr>
+          <a:xfrm>
+            <a:off x="142865" y="1200151"/>
+            <a:ext cx="8865056" cy="3394472"/>
+          </a:xfrm>
+        </p:spPr>
+        <p:txBody>
+          <a:bodyPr>
+            <a:noAutofit/>
+          </a:bodyPr>
+          <a:lstStyle/>
+          <a:p>
+            <a:pPr marL="0" indent="0" algn="just">
+              <a:buNone/>
+            </a:pPr>
+            <a:endParaRPr lang="pt-BR" sz="2000" dirty="0">
+              <a:latin typeface="Times New Roman" panose="02020603050405020304" pitchFamily="18" charset="0"/>
+              <a:cs typeface="Times New Roman" panose="02020603050405020304" pitchFamily="18" charset="0"/>
+            </a:endParaRPr>
+          </a:p>
+          <a:p>
+            <a:pPr marL="0" indent="0" algn="just">
+              <a:buNone/>
+            </a:pPr>
+            <a:r>
+              <a:rPr lang="pt-BR" sz="2000" dirty="0">
+                <a:latin typeface="Times New Roman" panose="02020603050405020304" pitchFamily="18" charset="0"/>
+                <a:cs typeface="Times New Roman" panose="02020603050405020304" pitchFamily="18" charset="0"/>
+              </a:rPr>
+              <a:t>[1</a:t>
+            </a:r>
+            <a:r>
+              <a:rPr lang="pt-BR" sz="2000">
+                <a:latin typeface="Times New Roman" panose="02020603050405020304" pitchFamily="18" charset="0"/>
+                <a:cs typeface="Times New Roman" panose="02020603050405020304" pitchFamily="18" charset="0"/>
+              </a:rPr>
+              <a:t>] </a:t>
+            </a:r>
+            <a:r>
+              <a:rPr lang="pt-BR" sz="2000">
+                <a:latin typeface="Times New Roman" panose="02020603050405020304" pitchFamily="18" charset="0"/>
+                <a:cs typeface="Times New Roman" panose="02020603050405020304" pitchFamily="18" charset="0"/>
+                <a:hlinkClick r:id="rId3"/>
+              </a:rPr>
+              <a:t>https://www.youtube.com/watch?v=XmCrArtfjaQ</a:t>
+            </a:r>
+            <a:endParaRPr lang="pt-BR" sz="2000">
+              <a:latin typeface="Times New Roman" panose="02020603050405020304" pitchFamily="18" charset="0"/>
+              <a:cs typeface="Times New Roman" panose="02020603050405020304" pitchFamily="18" charset="0"/>
+            </a:endParaRPr>
+          </a:p>
+          <a:p>
+            <a:pPr marL="0" indent="0" algn="just">
+              <a:buNone/>
+            </a:pPr>
+            <a:endParaRPr lang="pt-BR" sz="2000" dirty="0">
+              <a:latin typeface="Times New Roman" panose="02020603050405020304" pitchFamily="18" charset="0"/>
+              <a:cs typeface="Times New Roman" panose="02020603050405020304" pitchFamily="18" charset="0"/>
+            </a:endParaRPr>
+          </a:p>
+        </p:txBody>
+      </p:sp>
+    </p:spTree>
+    <p:extLst>
+      <p:ext uri="{BB962C8B-B14F-4D97-AF65-F5344CB8AC3E}">
+        <p14:creationId xmlns:p14="http://schemas.microsoft.com/office/powerpoint/2010/main" val="3680270425"/>
+      </p:ext>
+    </p:extLst>
+  </p:cSld>
+  <p:clrMapOvr>
+    <a:masterClrMapping/>
+  </p:clrMapOvr>
+  <p:transition spd="med"/>
+</p:sld>
+</file>
+
+<file path=ppt/slides/slide23.xml><?xml version="1.0" encoding="utf-8"?>
+<p:sld xmlns:a="http://schemas.openxmlformats.org/drawingml/2006/main" xmlns:r="http://schemas.openxmlformats.org/officeDocument/2006/relationships" xmlns:p="http://schemas.openxmlformats.org/presentationml/2006/main">
+  <p:cSld>
+    <p:spTree>
+      <p:nvGrpSpPr>
+        <p:cNvPr id="1" name=""/>
+        <p:cNvGrpSpPr/>
+        <p:nvPr/>
+      </p:nvGrpSpPr>
+      <p:grpSpPr>
+        <a:xfrm>
+          <a:off x="0" y="0"/>
+          <a:ext cx="0" cy="0"/>
+          <a:chOff x="0" y="0"/>
+          <a:chExt cx="0" cy="0"/>
+        </a:xfrm>
+      </p:grpSpPr>
+      <p:sp>
+        <p:nvSpPr>
+          <p:cNvPr id="6" name="Title 1"/>
+          <p:cNvSpPr>
+            <a:spLocks noGrp="1"/>
+          </p:cNvSpPr>
+          <p:nvPr>
+            <p:ph type="title"/>
+          </p:nvPr>
+        </p:nvSpPr>
+        <p:spPr/>
+        <p:txBody>
+          <a:bodyPr>
+            <a:normAutofit/>
+          </a:bodyPr>
+          <a:lstStyle/>
+          <a:p>
+            <a:r>
+              <a:rPr lang="en-US" b="1" dirty="0" err="1">
+                <a:solidFill>
+                  <a:srgbClr val="0070C0"/>
+                </a:solidFill>
+              </a:rPr>
+              <a:t>Dinâmica</a:t>
+            </a:r>
+            <a:r>
+              <a:rPr lang="en-US" b="1" dirty="0">
+                <a:solidFill>
+                  <a:srgbClr val="0070C0"/>
+                </a:solidFill>
+              </a:rPr>
+              <a:t>/</a:t>
+            </a:r>
+            <a:r>
+              <a:rPr lang="en-US" b="1" dirty="0" err="1">
+                <a:solidFill>
+                  <a:srgbClr val="0070C0"/>
+                </a:solidFill>
+              </a:rPr>
+              <a:t>Atividades</a:t>
+            </a:r>
+            <a:endParaRPr lang="en-US" b="1" dirty="0">
+              <a:solidFill>
+                <a:srgbClr val="0070C0"/>
+              </a:solidFill>
+            </a:endParaRPr>
+          </a:p>
+        </p:txBody>
+      </p:sp>
+      <p:sp>
+        <p:nvSpPr>
+          <p:cNvPr id="8" name="Text Placeholder 2"/>
+          <p:cNvSpPr>
+            <a:spLocks noGrp="1"/>
+          </p:cNvSpPr>
+          <p:nvPr>
+            <p:ph type="body" sz="half" idx="1"/>
+          </p:nvPr>
+        </p:nvSpPr>
+        <p:spPr>
+          <a:xfrm>
+            <a:off x="139472" y="1063230"/>
+            <a:ext cx="8865056" cy="3606305"/>
+          </a:xfrm>
+        </p:spPr>
+        <p:txBody>
+          <a:bodyPr>
+            <a:noAutofit/>
+          </a:bodyPr>
+          <a:lstStyle/>
+          <a:p>
+            <a:pPr algn="just">
+              <a:buFontTx/>
+              <a:buChar char="-"/>
+            </a:pPr>
+            <a:r>
+              <a:rPr lang="pt-BR" dirty="0">
+                <a:latin typeface="Times New Roman" panose="02020603050405020304" pitchFamily="18" charset="0"/>
+                <a:cs typeface="Times New Roman" panose="02020603050405020304" pitchFamily="18" charset="0"/>
+              </a:rPr>
+              <a:t>Exercícios de Fixação</a:t>
+            </a:r>
+          </a:p>
+          <a:p>
+            <a:pPr marL="0" indent="0" algn="just">
+              <a:buNone/>
+            </a:pPr>
+            <a:r>
+              <a:rPr lang="pt-BR" dirty="0">
+                <a:latin typeface="Times New Roman" panose="02020603050405020304" pitchFamily="18" charset="0"/>
+                <a:cs typeface="Times New Roman" panose="02020603050405020304" pitchFamily="18" charset="0"/>
+              </a:rPr>
+              <a:t>	Desafios em Sala de Aula.</a:t>
+            </a:r>
+          </a:p>
+        </p:txBody>
+      </p:sp>
+    </p:spTree>
+    <p:extLst>
+      <p:ext uri="{BB962C8B-B14F-4D97-AF65-F5344CB8AC3E}">
+        <p14:creationId xmlns:p14="http://schemas.microsoft.com/office/powerpoint/2010/main" val="2470652989"/>
+      </p:ext>
+    </p:extLst>
+  </p:cSld>
+  <p:clrMapOvr>
+    <a:masterClrMapping/>
+  </p:clrMapOvr>
+  <p:transition spd="med"/>
+</p:sld>
+</file>
+
+<file path=ppt/slides/slide24.xml><?xml version="1.0" encoding="utf-8"?>
+<p:sld xmlns:a="http://schemas.openxmlformats.org/drawingml/2006/main" xmlns:r="http://schemas.openxmlformats.org/officeDocument/2006/relationships" xmlns:p="http://schemas.openxmlformats.org/presentationml/2006/main">
+  <p:cSld>
+    <p:spTree>
+      <p:nvGrpSpPr>
+        <p:cNvPr id="1" name=""/>
+        <p:cNvGrpSpPr/>
+        <p:nvPr/>
+      </p:nvGrpSpPr>
+      <p:grpSpPr>
+        <a:xfrm>
+          <a:off x="0" y="0"/>
+          <a:ext cx="0" cy="0"/>
+          <a:chOff x="0" y="0"/>
+          <a:chExt cx="0" cy="0"/>
+        </a:xfrm>
+      </p:grpSpPr>
+      <p:sp>
+        <p:nvSpPr>
+          <p:cNvPr id="6" name="Title 1"/>
+          <p:cNvSpPr>
+            <a:spLocks noGrp="1"/>
+          </p:cNvSpPr>
+          <p:nvPr>
+            <p:ph type="title"/>
+          </p:nvPr>
+        </p:nvSpPr>
+        <p:spPr/>
+        <p:txBody>
+          <a:bodyPr>
+            <a:normAutofit/>
+          </a:bodyPr>
+          <a:lstStyle/>
+          <a:p>
+            <a:r>
+              <a:rPr lang="en-US" b="1" dirty="0" err="1">
+                <a:solidFill>
+                  <a:srgbClr val="0070C0"/>
+                </a:solidFill>
+              </a:rPr>
               <a:t>Referências</a:t>
             </a:r>
             <a:r>
@@ -9021,7 +10278,7 @@
 </p:sld>
 </file>
 
-<file path=ppt/slides/slide22.xml><?xml version="1.0" encoding="utf-8"?>
+<file path=ppt/slides/slide25.xml><?xml version="1.0" encoding="utf-8"?>
 <p:sld xmlns:a="http://schemas.openxmlformats.org/drawingml/2006/main" xmlns:r="http://schemas.openxmlformats.org/officeDocument/2006/relationships" xmlns:p="http://schemas.openxmlformats.org/presentationml/2006/main">
   <p:cSld>
     <p:spTree>

--- a/01 Classes/Aula 10 Programação Python - Arquivos e JSON.pptx
+++ b/01 Classes/Aula 10 Programação Python - Arquivos e JSON.pptx
@@ -5,7 +5,7 @@
     <p:sldMasterId id="2147483671" r:id="rId1"/>
   </p:sldMasterIdLst>
   <p:notesMasterIdLst>
-    <p:notesMasterId r:id="rId27"/>
+    <p:notesMasterId r:id="rId33"/>
   </p:notesMasterIdLst>
   <p:sldIdLst>
     <p:sldId id="256" r:id="rId2"/>
@@ -24,15 +24,21 @@
     <p:sldId id="349" r:id="rId15"/>
     <p:sldId id="350" r:id="rId16"/>
     <p:sldId id="351" r:id="rId17"/>
-    <p:sldId id="352" r:id="rId18"/>
-    <p:sldId id="354" r:id="rId19"/>
+    <p:sldId id="354" r:id="rId18"/>
+    <p:sldId id="352" r:id="rId19"/>
     <p:sldId id="353" r:id="rId20"/>
-    <p:sldId id="355" r:id="rId21"/>
-    <p:sldId id="323" r:id="rId22"/>
-    <p:sldId id="333" r:id="rId23"/>
-    <p:sldId id="334" r:id="rId24"/>
-    <p:sldId id="337" r:id="rId25"/>
-    <p:sldId id="309" r:id="rId26"/>
+    <p:sldId id="361" r:id="rId21"/>
+    <p:sldId id="355" r:id="rId22"/>
+    <p:sldId id="356" r:id="rId23"/>
+    <p:sldId id="357" r:id="rId24"/>
+    <p:sldId id="358" r:id="rId25"/>
+    <p:sldId id="359" r:id="rId26"/>
+    <p:sldId id="360" r:id="rId27"/>
+    <p:sldId id="323" r:id="rId28"/>
+    <p:sldId id="333" r:id="rId29"/>
+    <p:sldId id="334" r:id="rId30"/>
+    <p:sldId id="337" r:id="rId31"/>
+    <p:sldId id="309" r:id="rId32"/>
   </p:sldIdLst>
   <p:sldSz cx="9144000" cy="5143500" type="screen16x9"/>
   <p:notesSz cx="6858000" cy="9144000"/>
@@ -777,7 +783,7 @@
     </p:spTree>
     <p:extLst>
       <p:ext uri="{BB962C8B-B14F-4D97-AF65-F5344CB8AC3E}">
-        <p14:creationId xmlns:p14="http://schemas.microsoft.com/office/powerpoint/2010/main" val="2588426143"/>
+        <p14:creationId xmlns:p14="http://schemas.microsoft.com/office/powerpoint/2010/main" val="1627276940"/>
       </p:ext>
     </p:extLst>
   </p:cSld>
@@ -843,7 +849,7 @@
     </p:spTree>
     <p:extLst>
       <p:ext uri="{BB962C8B-B14F-4D97-AF65-F5344CB8AC3E}">
-        <p14:creationId xmlns:p14="http://schemas.microsoft.com/office/powerpoint/2010/main" val="1627276940"/>
+        <p14:creationId xmlns:p14="http://schemas.microsoft.com/office/powerpoint/2010/main" val="2588426143"/>
       </p:ext>
     </p:extLst>
   </p:cSld>
@@ -975,7 +981,7 @@
     </p:spTree>
     <p:extLst>
       <p:ext uri="{BB962C8B-B14F-4D97-AF65-F5344CB8AC3E}">
-        <p14:creationId xmlns:p14="http://schemas.microsoft.com/office/powerpoint/2010/main" val="1306553479"/>
+        <p14:creationId xmlns:p14="http://schemas.microsoft.com/office/powerpoint/2010/main" val="4103444608"/>
       </p:ext>
     </p:extLst>
   </p:cSld>
@@ -1041,7 +1047,7 @@
     </p:spTree>
     <p:extLst>
       <p:ext uri="{BB962C8B-B14F-4D97-AF65-F5344CB8AC3E}">
-        <p14:creationId xmlns:p14="http://schemas.microsoft.com/office/powerpoint/2010/main" val="2709569597"/>
+        <p14:creationId xmlns:p14="http://schemas.microsoft.com/office/powerpoint/2010/main" val="1306553479"/>
       </p:ext>
     </p:extLst>
   </p:cSld>
@@ -1173,7 +1179,7 @@
     </p:spTree>
     <p:extLst>
       <p:ext uri="{BB962C8B-B14F-4D97-AF65-F5344CB8AC3E}">
-        <p14:creationId xmlns:p14="http://schemas.microsoft.com/office/powerpoint/2010/main" val="585304384"/>
+        <p14:creationId xmlns:p14="http://schemas.microsoft.com/office/powerpoint/2010/main" val="3370060387"/>
       </p:ext>
     </p:extLst>
   </p:cSld>
@@ -1239,6 +1245,402 @@
     </p:spTree>
     <p:extLst>
       <p:ext uri="{BB962C8B-B14F-4D97-AF65-F5344CB8AC3E}">
+        <p14:creationId xmlns:p14="http://schemas.microsoft.com/office/powerpoint/2010/main" val="830564953"/>
+      </p:ext>
+    </p:extLst>
+  </p:cSld>
+  <p:clrMapOvr>
+    <a:masterClrMapping/>
+  </p:clrMapOvr>
+</p:notes>
+</file>
+
+<file path=ppt/notesSlides/notesSlide22.xml><?xml version="1.0" encoding="utf-8"?>
+<p:notes xmlns:a="http://schemas.openxmlformats.org/drawingml/2006/main" xmlns:r="http://schemas.openxmlformats.org/officeDocument/2006/relationships" xmlns:p="http://schemas.openxmlformats.org/presentationml/2006/main">
+  <p:cSld>
+    <p:spTree>
+      <p:nvGrpSpPr>
+        <p:cNvPr id="1" name=""/>
+        <p:cNvGrpSpPr/>
+        <p:nvPr/>
+      </p:nvGrpSpPr>
+      <p:grpSpPr>
+        <a:xfrm>
+          <a:off x="0" y="0"/>
+          <a:ext cx="0" cy="0"/>
+          <a:chOff x="0" y="0"/>
+          <a:chExt cx="0" cy="0"/>
+        </a:xfrm>
+      </p:grpSpPr>
+      <p:sp>
+        <p:nvSpPr>
+          <p:cNvPr id="2" name="Espaço Reservado para Imagem de Slide 1"/>
+          <p:cNvSpPr>
+            <a:spLocks noGrp="1" noRot="1" noChangeAspect="1"/>
+          </p:cNvSpPr>
+          <p:nvPr>
+            <p:ph type="sldImg"/>
+          </p:nvPr>
+        </p:nvSpPr>
+        <p:spPr>
+          <a:xfrm>
+            <a:off x="381000" y="685800"/>
+            <a:ext cx="6096000" cy="3429000"/>
+          </a:xfrm>
+        </p:spPr>
+      </p:sp>
+      <p:sp>
+        <p:nvSpPr>
+          <p:cNvPr id="3" name="Espaço Reservado para Anotações 2"/>
+          <p:cNvSpPr>
+            <a:spLocks noGrp="1"/>
+          </p:cNvSpPr>
+          <p:nvPr>
+            <p:ph type="body" idx="1"/>
+          </p:nvPr>
+        </p:nvSpPr>
+        <p:spPr/>
+        <p:txBody>
+          <a:bodyPr/>
+          <a:lstStyle/>
+          <a:p>
+            <a:endParaRPr lang="pt-BR" dirty="0"/>
+          </a:p>
+        </p:txBody>
+      </p:sp>
+    </p:spTree>
+    <p:extLst>
+      <p:ext uri="{BB962C8B-B14F-4D97-AF65-F5344CB8AC3E}">
+        <p14:creationId xmlns:p14="http://schemas.microsoft.com/office/powerpoint/2010/main" val="1552912551"/>
+      </p:ext>
+    </p:extLst>
+  </p:cSld>
+  <p:clrMapOvr>
+    <a:masterClrMapping/>
+  </p:clrMapOvr>
+</p:notes>
+</file>
+
+<file path=ppt/notesSlides/notesSlide23.xml><?xml version="1.0" encoding="utf-8"?>
+<p:notes xmlns:a="http://schemas.openxmlformats.org/drawingml/2006/main" xmlns:r="http://schemas.openxmlformats.org/officeDocument/2006/relationships" xmlns:p="http://schemas.openxmlformats.org/presentationml/2006/main">
+  <p:cSld>
+    <p:spTree>
+      <p:nvGrpSpPr>
+        <p:cNvPr id="1" name=""/>
+        <p:cNvGrpSpPr/>
+        <p:nvPr/>
+      </p:nvGrpSpPr>
+      <p:grpSpPr>
+        <a:xfrm>
+          <a:off x="0" y="0"/>
+          <a:ext cx="0" cy="0"/>
+          <a:chOff x="0" y="0"/>
+          <a:chExt cx="0" cy="0"/>
+        </a:xfrm>
+      </p:grpSpPr>
+      <p:sp>
+        <p:nvSpPr>
+          <p:cNvPr id="2" name="Espaço Reservado para Imagem de Slide 1"/>
+          <p:cNvSpPr>
+            <a:spLocks noGrp="1" noRot="1" noChangeAspect="1"/>
+          </p:cNvSpPr>
+          <p:nvPr>
+            <p:ph type="sldImg"/>
+          </p:nvPr>
+        </p:nvSpPr>
+        <p:spPr>
+          <a:xfrm>
+            <a:off x="381000" y="685800"/>
+            <a:ext cx="6096000" cy="3429000"/>
+          </a:xfrm>
+        </p:spPr>
+      </p:sp>
+      <p:sp>
+        <p:nvSpPr>
+          <p:cNvPr id="3" name="Espaço Reservado para Anotações 2"/>
+          <p:cNvSpPr>
+            <a:spLocks noGrp="1"/>
+          </p:cNvSpPr>
+          <p:nvPr>
+            <p:ph type="body" idx="1"/>
+          </p:nvPr>
+        </p:nvSpPr>
+        <p:spPr/>
+        <p:txBody>
+          <a:bodyPr/>
+          <a:lstStyle/>
+          <a:p>
+            <a:endParaRPr lang="pt-BR" dirty="0"/>
+          </a:p>
+        </p:txBody>
+      </p:sp>
+    </p:spTree>
+    <p:extLst>
+      <p:ext uri="{BB962C8B-B14F-4D97-AF65-F5344CB8AC3E}">
+        <p14:creationId xmlns:p14="http://schemas.microsoft.com/office/powerpoint/2010/main" val="2825128421"/>
+      </p:ext>
+    </p:extLst>
+  </p:cSld>
+  <p:clrMapOvr>
+    <a:masterClrMapping/>
+  </p:clrMapOvr>
+</p:notes>
+</file>
+
+<file path=ppt/notesSlides/notesSlide24.xml><?xml version="1.0" encoding="utf-8"?>
+<p:notes xmlns:a="http://schemas.openxmlformats.org/drawingml/2006/main" xmlns:r="http://schemas.openxmlformats.org/officeDocument/2006/relationships" xmlns:p="http://schemas.openxmlformats.org/presentationml/2006/main">
+  <p:cSld>
+    <p:spTree>
+      <p:nvGrpSpPr>
+        <p:cNvPr id="1" name=""/>
+        <p:cNvGrpSpPr/>
+        <p:nvPr/>
+      </p:nvGrpSpPr>
+      <p:grpSpPr>
+        <a:xfrm>
+          <a:off x="0" y="0"/>
+          <a:ext cx="0" cy="0"/>
+          <a:chOff x="0" y="0"/>
+          <a:chExt cx="0" cy="0"/>
+        </a:xfrm>
+      </p:grpSpPr>
+      <p:sp>
+        <p:nvSpPr>
+          <p:cNvPr id="2" name="Espaço Reservado para Imagem de Slide 1"/>
+          <p:cNvSpPr>
+            <a:spLocks noGrp="1" noRot="1" noChangeAspect="1"/>
+          </p:cNvSpPr>
+          <p:nvPr>
+            <p:ph type="sldImg"/>
+          </p:nvPr>
+        </p:nvSpPr>
+        <p:spPr>
+          <a:xfrm>
+            <a:off x="381000" y="685800"/>
+            <a:ext cx="6096000" cy="3429000"/>
+          </a:xfrm>
+        </p:spPr>
+      </p:sp>
+      <p:sp>
+        <p:nvSpPr>
+          <p:cNvPr id="3" name="Espaço Reservado para Anotações 2"/>
+          <p:cNvSpPr>
+            <a:spLocks noGrp="1"/>
+          </p:cNvSpPr>
+          <p:nvPr>
+            <p:ph type="body" idx="1"/>
+          </p:nvPr>
+        </p:nvSpPr>
+        <p:spPr/>
+        <p:txBody>
+          <a:bodyPr/>
+          <a:lstStyle/>
+          <a:p>
+            <a:endParaRPr lang="pt-BR" dirty="0"/>
+          </a:p>
+        </p:txBody>
+      </p:sp>
+    </p:spTree>
+    <p:extLst>
+      <p:ext uri="{BB962C8B-B14F-4D97-AF65-F5344CB8AC3E}">
+        <p14:creationId xmlns:p14="http://schemas.microsoft.com/office/powerpoint/2010/main" val="2854829816"/>
+      </p:ext>
+    </p:extLst>
+  </p:cSld>
+  <p:clrMapOvr>
+    <a:masterClrMapping/>
+  </p:clrMapOvr>
+</p:notes>
+</file>
+
+<file path=ppt/notesSlides/notesSlide25.xml><?xml version="1.0" encoding="utf-8"?>
+<p:notes xmlns:a="http://schemas.openxmlformats.org/drawingml/2006/main" xmlns:r="http://schemas.openxmlformats.org/officeDocument/2006/relationships" xmlns:p="http://schemas.openxmlformats.org/presentationml/2006/main">
+  <p:cSld>
+    <p:spTree>
+      <p:nvGrpSpPr>
+        <p:cNvPr id="1" name=""/>
+        <p:cNvGrpSpPr/>
+        <p:nvPr/>
+      </p:nvGrpSpPr>
+      <p:grpSpPr>
+        <a:xfrm>
+          <a:off x="0" y="0"/>
+          <a:ext cx="0" cy="0"/>
+          <a:chOff x="0" y="0"/>
+          <a:chExt cx="0" cy="0"/>
+        </a:xfrm>
+      </p:grpSpPr>
+      <p:sp>
+        <p:nvSpPr>
+          <p:cNvPr id="2" name="Espaço Reservado para Imagem de Slide 1"/>
+          <p:cNvSpPr>
+            <a:spLocks noGrp="1" noRot="1" noChangeAspect="1"/>
+          </p:cNvSpPr>
+          <p:nvPr>
+            <p:ph type="sldImg"/>
+          </p:nvPr>
+        </p:nvSpPr>
+        <p:spPr>
+          <a:xfrm>
+            <a:off x="381000" y="685800"/>
+            <a:ext cx="6096000" cy="3429000"/>
+          </a:xfrm>
+        </p:spPr>
+      </p:sp>
+      <p:sp>
+        <p:nvSpPr>
+          <p:cNvPr id="3" name="Espaço Reservado para Anotações 2"/>
+          <p:cNvSpPr>
+            <a:spLocks noGrp="1"/>
+          </p:cNvSpPr>
+          <p:nvPr>
+            <p:ph type="body" idx="1"/>
+          </p:nvPr>
+        </p:nvSpPr>
+        <p:spPr/>
+        <p:txBody>
+          <a:bodyPr/>
+          <a:lstStyle/>
+          <a:p>
+            <a:endParaRPr lang="pt-BR" dirty="0"/>
+          </a:p>
+        </p:txBody>
+      </p:sp>
+    </p:spTree>
+    <p:extLst>
+      <p:ext uri="{BB962C8B-B14F-4D97-AF65-F5344CB8AC3E}">
+        <p14:creationId xmlns:p14="http://schemas.microsoft.com/office/powerpoint/2010/main" val="2709569597"/>
+      </p:ext>
+    </p:extLst>
+  </p:cSld>
+  <p:clrMapOvr>
+    <a:masterClrMapping/>
+  </p:clrMapOvr>
+</p:notes>
+</file>
+
+<file path=ppt/notesSlides/notesSlide26.xml><?xml version="1.0" encoding="utf-8"?>
+<p:notes xmlns:a="http://schemas.openxmlformats.org/drawingml/2006/main" xmlns:r="http://schemas.openxmlformats.org/officeDocument/2006/relationships" xmlns:p="http://schemas.openxmlformats.org/presentationml/2006/main">
+  <p:cSld>
+    <p:spTree>
+      <p:nvGrpSpPr>
+        <p:cNvPr id="1" name=""/>
+        <p:cNvGrpSpPr/>
+        <p:nvPr/>
+      </p:nvGrpSpPr>
+      <p:grpSpPr>
+        <a:xfrm>
+          <a:off x="0" y="0"/>
+          <a:ext cx="0" cy="0"/>
+          <a:chOff x="0" y="0"/>
+          <a:chExt cx="0" cy="0"/>
+        </a:xfrm>
+      </p:grpSpPr>
+      <p:sp>
+        <p:nvSpPr>
+          <p:cNvPr id="2" name="Espaço Reservado para Imagem de Slide 1"/>
+          <p:cNvSpPr>
+            <a:spLocks noGrp="1" noRot="1" noChangeAspect="1"/>
+          </p:cNvSpPr>
+          <p:nvPr>
+            <p:ph type="sldImg"/>
+          </p:nvPr>
+        </p:nvSpPr>
+        <p:spPr>
+          <a:xfrm>
+            <a:off x="381000" y="685800"/>
+            <a:ext cx="6096000" cy="3429000"/>
+          </a:xfrm>
+        </p:spPr>
+      </p:sp>
+      <p:sp>
+        <p:nvSpPr>
+          <p:cNvPr id="3" name="Espaço Reservado para Anotações 2"/>
+          <p:cNvSpPr>
+            <a:spLocks noGrp="1"/>
+          </p:cNvSpPr>
+          <p:nvPr>
+            <p:ph type="body" idx="1"/>
+          </p:nvPr>
+        </p:nvSpPr>
+        <p:spPr/>
+        <p:txBody>
+          <a:bodyPr/>
+          <a:lstStyle/>
+          <a:p>
+            <a:endParaRPr lang="pt-BR" dirty="0"/>
+          </a:p>
+        </p:txBody>
+      </p:sp>
+    </p:spTree>
+    <p:extLst>
+      <p:ext uri="{BB962C8B-B14F-4D97-AF65-F5344CB8AC3E}">
+        <p14:creationId xmlns:p14="http://schemas.microsoft.com/office/powerpoint/2010/main" val="585304384"/>
+      </p:ext>
+    </p:extLst>
+  </p:cSld>
+  <p:clrMapOvr>
+    <a:masterClrMapping/>
+  </p:clrMapOvr>
+</p:notes>
+</file>
+
+<file path=ppt/notesSlides/notesSlide27.xml><?xml version="1.0" encoding="utf-8"?>
+<p:notes xmlns:a="http://schemas.openxmlformats.org/drawingml/2006/main" xmlns:r="http://schemas.openxmlformats.org/officeDocument/2006/relationships" xmlns:p="http://schemas.openxmlformats.org/presentationml/2006/main">
+  <p:cSld>
+    <p:spTree>
+      <p:nvGrpSpPr>
+        <p:cNvPr id="1" name=""/>
+        <p:cNvGrpSpPr/>
+        <p:nvPr/>
+      </p:nvGrpSpPr>
+      <p:grpSpPr>
+        <a:xfrm>
+          <a:off x="0" y="0"/>
+          <a:ext cx="0" cy="0"/>
+          <a:chOff x="0" y="0"/>
+          <a:chExt cx="0" cy="0"/>
+        </a:xfrm>
+      </p:grpSpPr>
+      <p:sp>
+        <p:nvSpPr>
+          <p:cNvPr id="2" name="Espaço Reservado para Imagem de Slide 1"/>
+          <p:cNvSpPr>
+            <a:spLocks noGrp="1" noRot="1" noChangeAspect="1"/>
+          </p:cNvSpPr>
+          <p:nvPr>
+            <p:ph type="sldImg"/>
+          </p:nvPr>
+        </p:nvSpPr>
+        <p:spPr>
+          <a:xfrm>
+            <a:off x="381000" y="685800"/>
+            <a:ext cx="6096000" cy="3429000"/>
+          </a:xfrm>
+        </p:spPr>
+      </p:sp>
+      <p:sp>
+        <p:nvSpPr>
+          <p:cNvPr id="3" name="Espaço Reservado para Anotações 2"/>
+          <p:cNvSpPr>
+            <a:spLocks noGrp="1"/>
+          </p:cNvSpPr>
+          <p:nvPr>
+            <p:ph type="body" idx="1"/>
+          </p:nvPr>
+        </p:nvSpPr>
+        <p:spPr/>
+        <p:txBody>
+          <a:bodyPr/>
+          <a:lstStyle/>
+          <a:p>
+            <a:endParaRPr lang="pt-BR" dirty="0"/>
+          </a:p>
+        </p:txBody>
+      </p:sp>
+    </p:spTree>
+    <p:extLst>
+      <p:ext uri="{BB962C8B-B14F-4D97-AF65-F5344CB8AC3E}">
         <p14:creationId xmlns:p14="http://schemas.microsoft.com/office/powerpoint/2010/main" val="2296249050"/>
       </p:ext>
     </p:extLst>
@@ -1249,7 +1651,7 @@
 </p:notes>
 </file>
 
-<file path=ppt/notesSlides/notesSlide22.xml><?xml version="1.0" encoding="utf-8"?>
+<file path=ppt/notesSlides/notesSlide28.xml><?xml version="1.0" encoding="utf-8"?>
 <p:notes xmlns:a="http://schemas.openxmlformats.org/drawingml/2006/main" xmlns:r="http://schemas.openxmlformats.org/officeDocument/2006/relationships" xmlns:p="http://schemas.openxmlformats.org/presentationml/2006/main">
   <p:cSld>
     <p:spTree>
@@ -6037,6 +6439,7 @@
           </a:bodyPr>
           <a:lstStyle/>
           <a:p>
+            <a:pPr algn="ctr"/>
             <a:r>
               <a:rPr lang="en-US" b="1" dirty="0">
                 <a:solidFill>
@@ -6514,6 +6917,7 @@
           </a:bodyPr>
           <a:lstStyle/>
           <a:p>
+            <a:pPr algn="ctr"/>
             <a:r>
               <a:rPr lang="en-US" b="1" dirty="0">
                 <a:solidFill>
@@ -6787,6 +7191,7 @@
           </a:bodyPr>
           <a:lstStyle/>
           <a:p>
+            <a:pPr algn="ctr"/>
             <a:r>
               <a:rPr lang="en-US" b="1" dirty="0">
                 <a:solidFill>
@@ -7002,6 +7407,7 @@
           </a:bodyPr>
           <a:lstStyle/>
           <a:p>
+            <a:pPr algn="ctr"/>
             <a:r>
               <a:rPr lang="en-US" b="1" dirty="0">
                 <a:solidFill>
@@ -7064,7 +7470,21 @@
                 <a:latin typeface="Times New Roman" panose="02020603050405020304" pitchFamily="18" charset="0"/>
                 <a:cs typeface="Times New Roman" panose="02020603050405020304" pitchFamily="18" charset="0"/>
               </a:rPr>
-              <a:t>Python tem várias funções para criar, ler, atualizar e deletar arquivos.</a:t>
+              <a:t>Python tem várias funções para </a:t>
+            </a:r>
+            <a:r>
+              <a:rPr lang="pt-BR" sz="2400" b="1" dirty="0">
+                <a:latin typeface="Times New Roman" panose="02020603050405020304" pitchFamily="18" charset="0"/>
+                <a:cs typeface="Times New Roman" panose="02020603050405020304" pitchFamily="18" charset="0"/>
+              </a:rPr>
+              <a:t>criar, ler, atualizar e deletar arquivos</a:t>
+            </a:r>
+            <a:r>
+              <a:rPr lang="pt-BR" sz="2400" dirty="0">
+                <a:latin typeface="Times New Roman" panose="02020603050405020304" pitchFamily="18" charset="0"/>
+                <a:cs typeface="Times New Roman" panose="02020603050405020304" pitchFamily="18" charset="0"/>
+              </a:rPr>
+              <a:t>.</a:t>
             </a:r>
           </a:p>
         </p:txBody>
@@ -7122,6 +7542,7 @@
           </a:bodyPr>
           <a:lstStyle/>
           <a:p>
+            <a:pPr algn="ctr"/>
             <a:r>
               <a:rPr lang="en-US" b="1" dirty="0">
                 <a:solidFill>
@@ -7315,13 +7736,14 @@
           </a:bodyPr>
           <a:lstStyle/>
           <a:p>
+            <a:pPr algn="ctr"/>
             <a:r>
               <a:rPr lang="en-US" b="1" dirty="0">
                 <a:solidFill>
                   <a:srgbClr val="0070C0"/>
                 </a:solidFill>
               </a:rPr>
-              <a:t>FILE</a:t>
+              <a:t>FILE – MODO DE ABERTURA</a:t>
             </a:r>
           </a:p>
         </p:txBody>
@@ -7628,13 +8050,14 @@
           </a:bodyPr>
           <a:lstStyle/>
           <a:p>
+            <a:pPr algn="ctr"/>
             <a:r>
               <a:rPr lang="en-US" b="1" dirty="0">
                 <a:solidFill>
                   <a:srgbClr val="0070C0"/>
                 </a:solidFill>
               </a:rPr>
-              <a:t>FILE</a:t>
+              <a:t>FILE – TIPOS DE ARQUIVO</a:t>
             </a:r>
           </a:p>
         </p:txBody>
@@ -7841,13 +8264,14 @@
           </a:bodyPr>
           <a:lstStyle/>
           <a:p>
+            <a:pPr algn="ctr"/>
             <a:r>
               <a:rPr lang="en-US" b="1" dirty="0">
                 <a:solidFill>
                   <a:srgbClr val="0070C0"/>
                 </a:solidFill>
               </a:rPr>
-              <a:t>FILE</a:t>
+              <a:t>FILE - COMANDOS</a:t>
             </a:r>
           </a:p>
         </p:txBody>
@@ -7878,25 +8302,39 @@
               <a:buNone/>
             </a:pPr>
             <a:r>
+              <a:rPr lang="pt-BR" sz="2400" dirty="0" err="1">
+                <a:latin typeface="Times New Roman" panose="02020603050405020304" pitchFamily="18" charset="0"/>
+                <a:cs typeface="Times New Roman" panose="02020603050405020304" pitchFamily="18" charset="0"/>
+              </a:rPr>
+              <a:t>f.</a:t>
+            </a:r>
+            <a:r>
+              <a:rPr lang="pt-BR" sz="2400" b="1" dirty="0" err="1">
+                <a:latin typeface="Times New Roman" panose="02020603050405020304" pitchFamily="18" charset="0"/>
+                <a:cs typeface="Times New Roman" panose="02020603050405020304" pitchFamily="18" charset="0"/>
+              </a:rPr>
+              <a:t>open</a:t>
+            </a:r>
+            <a:r>
               <a:rPr lang="pt-BR" sz="2400" dirty="0">
                 <a:latin typeface="Times New Roman" panose="02020603050405020304" pitchFamily="18" charset="0"/>
                 <a:cs typeface="Times New Roman" panose="02020603050405020304" pitchFamily="18" charset="0"/>
               </a:rPr>
-              <a:t>Para abrir um </a:t>
-            </a:r>
-            <a:r>
-              <a:rPr lang="pt-BR" sz="2400" b="1" dirty="0">
-                <a:latin typeface="Times New Roman" panose="02020603050405020304" pitchFamily="18" charset="0"/>
-                <a:cs typeface="Times New Roman" panose="02020603050405020304" pitchFamily="18" charset="0"/>
-              </a:rPr>
-              <a:t>arquivo para leitura</a:t>
+              <a:t>(); </a:t>
+            </a:r>
+            <a:r>
+              <a:rPr lang="en-US" sz="2400" dirty="0">
+                <a:latin typeface="Times New Roman" panose="02020603050405020304" pitchFamily="18" charset="0"/>
+                <a:cs typeface="Times New Roman" panose="02020603050405020304" pitchFamily="18" charset="0"/>
+              </a:rPr>
+              <a:t>#</a:t>
             </a:r>
             <a:r>
               <a:rPr lang="pt-BR" sz="2400" dirty="0">
                 <a:latin typeface="Times New Roman" panose="02020603050405020304" pitchFamily="18" charset="0"/>
                 <a:cs typeface="Times New Roman" panose="02020603050405020304" pitchFamily="18" charset="0"/>
               </a:rPr>
-              <a:t>, basta especificar o nome do arquivo: </a:t>
+              <a:t> abre o arquivo</a:t>
             </a:r>
           </a:p>
           <a:p>
@@ -7904,106 +8342,391 @@
               <a:buNone/>
             </a:pPr>
             <a:r>
+              <a:rPr lang="pt-BR" sz="2400" dirty="0" err="1">
+                <a:latin typeface="Times New Roman" panose="02020603050405020304" pitchFamily="18" charset="0"/>
+                <a:cs typeface="Times New Roman" panose="02020603050405020304" pitchFamily="18" charset="0"/>
+              </a:rPr>
+              <a:t>f.</a:t>
+            </a:r>
+            <a:r>
+              <a:rPr lang="pt-BR" sz="2400" b="1" dirty="0" err="1">
+                <a:latin typeface="Times New Roman" panose="02020603050405020304" pitchFamily="18" charset="0"/>
+                <a:cs typeface="Times New Roman" panose="02020603050405020304" pitchFamily="18" charset="0"/>
+              </a:rPr>
+              <a:t>close</a:t>
+            </a:r>
+            <a:r>
               <a:rPr lang="pt-BR" sz="2400" dirty="0">
                 <a:latin typeface="Times New Roman" panose="02020603050405020304" pitchFamily="18" charset="0"/>
                 <a:cs typeface="Times New Roman" panose="02020603050405020304" pitchFamily="18" charset="0"/>
               </a:rPr>
-              <a:t>	f = </a:t>
-            </a:r>
-            <a:r>
-              <a:rPr lang="pt-BR" sz="2400" b="1" dirty="0">
-                <a:latin typeface="Times New Roman" panose="02020603050405020304" pitchFamily="18" charset="0"/>
-                <a:cs typeface="Times New Roman" panose="02020603050405020304" pitchFamily="18" charset="0"/>
-              </a:rPr>
-              <a:t>open</a:t>
+              <a:t>(); </a:t>
+            </a:r>
+            <a:r>
+              <a:rPr lang="en-US" sz="2400" dirty="0">
+                <a:latin typeface="Times New Roman" panose="02020603050405020304" pitchFamily="18" charset="0"/>
+                <a:cs typeface="Times New Roman" panose="02020603050405020304" pitchFamily="18" charset="0"/>
+              </a:rPr>
+              <a:t>#</a:t>
             </a:r>
             <a:r>
               <a:rPr lang="pt-BR" sz="2400" dirty="0">
                 <a:latin typeface="Times New Roman" panose="02020603050405020304" pitchFamily="18" charset="0"/>
                 <a:cs typeface="Times New Roman" panose="02020603050405020304" pitchFamily="18" charset="0"/>
               </a:rPr>
-              <a:t>(“arquivo.txt"); // </a:t>
-            </a:r>
-            <a:r>
-              <a:rPr lang="pt-BR" sz="2400" b="1" dirty="0">
-                <a:latin typeface="Times New Roman" panose="02020603050405020304" pitchFamily="18" charset="0"/>
-                <a:cs typeface="Times New Roman" panose="02020603050405020304" pitchFamily="18" charset="0"/>
-              </a:rPr>
-              <a:t>default </a:t>
-            </a:r>
-            <a:r>
-              <a:rPr lang="pt-BR" sz="2400" b="1" dirty="0" err="1">
+              <a:t> fecha arquivo</a:t>
+            </a:r>
+          </a:p>
+          <a:p>
+            <a:pPr marL="0" indent="0" algn="just">
+              <a:buNone/>
+            </a:pPr>
+            <a:r>
+              <a:rPr lang="en-US" sz="2400" dirty="0" err="1">
+                <a:latin typeface="Times New Roman" panose="02020603050405020304" pitchFamily="18" charset="0"/>
+                <a:cs typeface="Times New Roman" panose="02020603050405020304" pitchFamily="18" charset="0"/>
+              </a:rPr>
+              <a:t>f.</a:t>
+            </a:r>
+            <a:r>
+              <a:rPr lang="en-US" sz="2400" b="1" dirty="0" err="1">
+                <a:latin typeface="Times New Roman" panose="02020603050405020304" pitchFamily="18" charset="0"/>
+                <a:cs typeface="Times New Roman" panose="02020603050405020304" pitchFamily="18" charset="0"/>
+              </a:rPr>
+              <a:t>write</a:t>
+            </a:r>
+            <a:r>
+              <a:rPr lang="en-US" sz="2400" dirty="0">
+                <a:latin typeface="Times New Roman" panose="02020603050405020304" pitchFamily="18" charset="0"/>
+                <a:cs typeface="Times New Roman" panose="02020603050405020304" pitchFamily="18" charset="0"/>
+              </a:rPr>
+              <a:t>(“dados"); # </a:t>
+            </a:r>
+            <a:r>
+              <a:rPr lang="en-US" sz="2400" dirty="0" err="1">
+                <a:latin typeface="Times New Roman" panose="02020603050405020304" pitchFamily="18" charset="0"/>
+                <a:cs typeface="Times New Roman" panose="02020603050405020304" pitchFamily="18" charset="0"/>
+              </a:rPr>
+              <a:t>grava</a:t>
+            </a:r>
+            <a:r>
+              <a:rPr lang="en-US" sz="2400" dirty="0">
+                <a:latin typeface="Times New Roman" panose="02020603050405020304" pitchFamily="18" charset="0"/>
+                <a:cs typeface="Times New Roman" panose="02020603050405020304" pitchFamily="18" charset="0"/>
+              </a:rPr>
+              <a:t> no </a:t>
+            </a:r>
+            <a:r>
+              <a:rPr lang="en-US" sz="2400" dirty="0" err="1">
+                <a:latin typeface="Times New Roman" panose="02020603050405020304" pitchFamily="18" charset="0"/>
+                <a:cs typeface="Times New Roman" panose="02020603050405020304" pitchFamily="18" charset="0"/>
+              </a:rPr>
+              <a:t>arquivo</a:t>
+            </a:r>
+            <a:endParaRPr lang="en-US" sz="2400" dirty="0">
+              <a:latin typeface="Times New Roman" panose="02020603050405020304" pitchFamily="18" charset="0"/>
+              <a:cs typeface="Times New Roman" panose="02020603050405020304" pitchFamily="18" charset="0"/>
+            </a:endParaRPr>
+          </a:p>
+          <a:p>
+            <a:pPr marL="0" indent="0" algn="just">
+              <a:buNone/>
+            </a:pPr>
+            <a:r>
+              <a:rPr lang="en-US" sz="2400" dirty="0" err="1">
+                <a:latin typeface="Times New Roman" panose="02020603050405020304" pitchFamily="18" charset="0"/>
+                <a:cs typeface="Times New Roman" panose="02020603050405020304" pitchFamily="18" charset="0"/>
+              </a:rPr>
+              <a:t>f.</a:t>
+            </a:r>
+            <a:r>
+              <a:rPr lang="en-US" sz="2400" b="1" dirty="0" err="1">
                 <a:latin typeface="Times New Roman" panose="02020603050405020304" pitchFamily="18" charset="0"/>
                 <a:cs typeface="Times New Roman" panose="02020603050405020304" pitchFamily="18" charset="0"/>
               </a:rPr>
               <a:t>read</a:t>
             </a:r>
             <a:r>
-              <a:rPr lang="pt-BR" sz="2400" b="1" dirty="0">
-                <a:latin typeface="Times New Roman" panose="02020603050405020304" pitchFamily="18" charset="0"/>
-                <a:cs typeface="Times New Roman" panose="02020603050405020304" pitchFamily="18" charset="0"/>
-              </a:rPr>
-              <a:t>; default texto</a:t>
-            </a:r>
+              <a:rPr lang="en-US" sz="2400" dirty="0">
+                <a:latin typeface="Times New Roman" panose="02020603050405020304" pitchFamily="18" charset="0"/>
+                <a:cs typeface="Times New Roman" panose="02020603050405020304" pitchFamily="18" charset="0"/>
+              </a:rPr>
+              <a:t>(4); # </a:t>
+            </a:r>
+            <a:r>
+              <a:rPr lang="en-US" sz="2400" dirty="0" err="1">
+                <a:latin typeface="Times New Roman" panose="02020603050405020304" pitchFamily="18" charset="0"/>
+                <a:cs typeface="Times New Roman" panose="02020603050405020304" pitchFamily="18" charset="0"/>
+              </a:rPr>
+              <a:t>leitura</a:t>
+            </a:r>
+            <a:r>
+              <a:rPr lang="en-US" sz="2400" dirty="0">
+                <a:latin typeface="Times New Roman" panose="02020603050405020304" pitchFamily="18" charset="0"/>
+                <a:cs typeface="Times New Roman" panose="02020603050405020304" pitchFamily="18" charset="0"/>
+              </a:rPr>
+              <a:t> dos </a:t>
+            </a:r>
+            <a:r>
+              <a:rPr lang="en-US" sz="2400" dirty="0" err="1">
+                <a:latin typeface="Times New Roman" panose="02020603050405020304" pitchFamily="18" charset="0"/>
+                <a:cs typeface="Times New Roman" panose="02020603050405020304" pitchFamily="18" charset="0"/>
+              </a:rPr>
+              <a:t>próximos</a:t>
+            </a:r>
+            <a:r>
+              <a:rPr lang="en-US" sz="2400" dirty="0">
+                <a:latin typeface="Times New Roman" panose="02020603050405020304" pitchFamily="18" charset="0"/>
+                <a:cs typeface="Times New Roman" panose="02020603050405020304" pitchFamily="18" charset="0"/>
+              </a:rPr>
+              <a:t> </a:t>
+            </a:r>
+            <a:r>
+              <a:rPr lang="en-US" sz="2400" b="1" dirty="0">
+                <a:latin typeface="Times New Roman" panose="02020603050405020304" pitchFamily="18" charset="0"/>
+                <a:cs typeface="Times New Roman" panose="02020603050405020304" pitchFamily="18" charset="0"/>
+              </a:rPr>
+              <a:t>4 </a:t>
+            </a:r>
+            <a:r>
+              <a:rPr lang="en-US" sz="2400" b="1" dirty="0" err="1">
+                <a:latin typeface="Times New Roman" panose="02020603050405020304" pitchFamily="18" charset="0"/>
+                <a:cs typeface="Times New Roman" panose="02020603050405020304" pitchFamily="18" charset="0"/>
+              </a:rPr>
+              <a:t>registros</a:t>
+            </a:r>
+            <a:endParaRPr lang="en-US" sz="2400" b="1" dirty="0">
+              <a:latin typeface="Times New Roman" panose="02020603050405020304" pitchFamily="18" charset="0"/>
+              <a:cs typeface="Times New Roman" panose="02020603050405020304" pitchFamily="18" charset="0"/>
+            </a:endParaRPr>
           </a:p>
           <a:p>
             <a:pPr marL="0" indent="0" algn="just">
               <a:buNone/>
             </a:pPr>
             <a:r>
+              <a:rPr lang="en-US" sz="2400" dirty="0" err="1">
+                <a:latin typeface="Times New Roman" panose="02020603050405020304" pitchFamily="18" charset="0"/>
+                <a:cs typeface="Times New Roman" panose="02020603050405020304" pitchFamily="18" charset="0"/>
+              </a:rPr>
+              <a:t>f.</a:t>
+            </a:r>
+            <a:r>
+              <a:rPr lang="en-US" sz="2400" b="1" dirty="0" err="1">
+                <a:latin typeface="Times New Roman" panose="02020603050405020304" pitchFamily="18" charset="0"/>
+                <a:cs typeface="Times New Roman" panose="02020603050405020304" pitchFamily="18" charset="0"/>
+              </a:rPr>
+              <a:t>read</a:t>
+            </a:r>
+            <a:r>
+              <a:rPr lang="en-US" sz="2400" dirty="0">
+                <a:latin typeface="Times New Roman" panose="02020603050405020304" pitchFamily="18" charset="0"/>
+                <a:cs typeface="Times New Roman" panose="02020603050405020304" pitchFamily="18" charset="0"/>
+              </a:rPr>
+              <a:t>();  # </a:t>
+            </a:r>
+            <a:r>
+              <a:rPr lang="en-US" sz="2400" dirty="0" err="1">
+                <a:latin typeface="Times New Roman" panose="02020603050405020304" pitchFamily="18" charset="0"/>
+                <a:cs typeface="Times New Roman" panose="02020603050405020304" pitchFamily="18" charset="0"/>
+              </a:rPr>
+              <a:t>leitura</a:t>
+            </a:r>
+            <a:r>
+              <a:rPr lang="en-US" sz="2400" dirty="0">
+                <a:latin typeface="Times New Roman" panose="02020603050405020304" pitchFamily="18" charset="0"/>
+                <a:cs typeface="Times New Roman" panose="02020603050405020304" pitchFamily="18" charset="0"/>
+              </a:rPr>
+              <a:t> de </a:t>
+            </a:r>
+            <a:r>
+              <a:rPr lang="en-US" sz="2400" dirty="0" err="1">
+                <a:latin typeface="Times New Roman" panose="02020603050405020304" pitchFamily="18" charset="0"/>
+                <a:cs typeface="Times New Roman" panose="02020603050405020304" pitchFamily="18" charset="0"/>
+              </a:rPr>
+              <a:t>todo</a:t>
+            </a:r>
+            <a:r>
+              <a:rPr lang="en-US" sz="2400" dirty="0">
+                <a:latin typeface="Times New Roman" panose="02020603050405020304" pitchFamily="18" charset="0"/>
+                <a:cs typeface="Times New Roman" panose="02020603050405020304" pitchFamily="18" charset="0"/>
+              </a:rPr>
+              <a:t> o </a:t>
+            </a:r>
+            <a:r>
+              <a:rPr lang="en-US" sz="2400" dirty="0" err="1">
+                <a:latin typeface="Times New Roman" panose="02020603050405020304" pitchFamily="18" charset="0"/>
+                <a:cs typeface="Times New Roman" panose="02020603050405020304" pitchFamily="18" charset="0"/>
+              </a:rPr>
+              <a:t>arquivo</a:t>
+            </a:r>
+            <a:endParaRPr lang="en-US" sz="2400" dirty="0">
+              <a:latin typeface="Times New Roman" panose="02020603050405020304" pitchFamily="18" charset="0"/>
+              <a:cs typeface="Times New Roman" panose="02020603050405020304" pitchFamily="18" charset="0"/>
+            </a:endParaRPr>
+          </a:p>
+          <a:p>
+            <a:pPr marL="0" indent="0" algn="just">
+              <a:buNone/>
+            </a:pPr>
+            <a:r>
+              <a:rPr lang="en-US" sz="2400" dirty="0" err="1">
+                <a:latin typeface="Times New Roman" panose="02020603050405020304" pitchFamily="18" charset="0"/>
+                <a:cs typeface="Times New Roman" panose="02020603050405020304" pitchFamily="18" charset="0"/>
+              </a:rPr>
+              <a:t>f.</a:t>
+            </a:r>
+            <a:r>
+              <a:rPr lang="en-US" sz="2400" b="1" dirty="0" err="1">
+                <a:latin typeface="Times New Roman" panose="02020603050405020304" pitchFamily="18" charset="0"/>
+                <a:cs typeface="Times New Roman" panose="02020603050405020304" pitchFamily="18" charset="0"/>
+              </a:rPr>
+              <a:t>tell</a:t>
+            </a:r>
+            <a:r>
+              <a:rPr lang="en-US" sz="2400" dirty="0">
+                <a:latin typeface="Times New Roman" panose="02020603050405020304" pitchFamily="18" charset="0"/>
+                <a:cs typeface="Times New Roman" panose="02020603050405020304" pitchFamily="18" charset="0"/>
+              </a:rPr>
+              <a:t>(); # </a:t>
+            </a:r>
+            <a:r>
               <a:rPr lang="pt-BR" sz="2400" dirty="0">
                 <a:latin typeface="Times New Roman" panose="02020603050405020304" pitchFamily="18" charset="0"/>
                 <a:cs typeface="Times New Roman" panose="02020603050405020304" pitchFamily="18" charset="0"/>
               </a:rPr>
-              <a:t>			ou</a:t>
-            </a:r>
+              <a:t>obter a posição atual do arquivo</a:t>
+            </a:r>
+            <a:endParaRPr lang="en-US" sz="2400" dirty="0">
+              <a:latin typeface="Times New Roman" panose="02020603050405020304" pitchFamily="18" charset="0"/>
+              <a:cs typeface="Times New Roman" panose="02020603050405020304" pitchFamily="18" charset="0"/>
+            </a:endParaRPr>
           </a:p>
           <a:p>
             <a:pPr marL="0" indent="0" algn="just">
               <a:buNone/>
             </a:pPr>
             <a:r>
+              <a:rPr lang="en-US" sz="2400" dirty="0" err="1">
+                <a:latin typeface="Times New Roman" panose="02020603050405020304" pitchFamily="18" charset="0"/>
+                <a:cs typeface="Times New Roman" panose="02020603050405020304" pitchFamily="18" charset="0"/>
+              </a:rPr>
+              <a:t>f.</a:t>
+            </a:r>
+            <a:r>
+              <a:rPr lang="en-US" sz="2400" b="1" dirty="0" err="1">
+                <a:latin typeface="Times New Roman" panose="02020603050405020304" pitchFamily="18" charset="0"/>
+                <a:cs typeface="Times New Roman" panose="02020603050405020304" pitchFamily="18" charset="0"/>
+              </a:rPr>
+              <a:t>seek</a:t>
+            </a:r>
+            <a:r>
+              <a:rPr lang="en-US" sz="2400" dirty="0">
+                <a:latin typeface="Times New Roman" panose="02020603050405020304" pitchFamily="18" charset="0"/>
+                <a:cs typeface="Times New Roman" panose="02020603050405020304" pitchFamily="18" charset="0"/>
+              </a:rPr>
+              <a:t>(0);   # </a:t>
+            </a:r>
+            <a:r>
               <a:rPr lang="pt-BR" sz="2400" dirty="0">
                 <a:latin typeface="Times New Roman" panose="02020603050405020304" pitchFamily="18" charset="0"/>
                 <a:cs typeface="Times New Roman" panose="02020603050405020304" pitchFamily="18" charset="0"/>
               </a:rPr>
-              <a:t>	f = </a:t>
-            </a:r>
-            <a:r>
-              <a:rPr lang="pt-BR" sz="2400" b="1" dirty="0">
-                <a:latin typeface="Times New Roman" panose="02020603050405020304" pitchFamily="18" charset="0"/>
-                <a:cs typeface="Times New Roman" panose="02020603050405020304" pitchFamily="18" charset="0"/>
-              </a:rPr>
-              <a:t>open</a:t>
-            </a:r>
-            <a:r>
-              <a:rPr lang="pt-BR" sz="2400" dirty="0">
-                <a:latin typeface="Times New Roman" panose="02020603050405020304" pitchFamily="18" charset="0"/>
-                <a:cs typeface="Times New Roman" panose="02020603050405020304" pitchFamily="18" charset="0"/>
-              </a:rPr>
-              <a:t>(“arquivo.txt", "</a:t>
-            </a:r>
-            <a:r>
-              <a:rPr lang="pt-BR" sz="2400" b="1" dirty="0" err="1">
-                <a:latin typeface="Times New Roman" panose="02020603050405020304" pitchFamily="18" charset="0"/>
-                <a:cs typeface="Times New Roman" panose="02020603050405020304" pitchFamily="18" charset="0"/>
-              </a:rPr>
-              <a:t>rt</a:t>
-            </a:r>
-            <a:r>
-              <a:rPr lang="pt-BR" sz="2400" dirty="0">
-                <a:latin typeface="Times New Roman" panose="02020603050405020304" pitchFamily="18" charset="0"/>
-                <a:cs typeface="Times New Roman" panose="02020603050405020304" pitchFamily="18" charset="0"/>
-              </a:rPr>
-              <a:t>");</a:t>
-            </a:r>
+              <a:t>trazer o cursor do arquivo para a posição inicial</a:t>
+            </a:r>
+            <a:r>
+              <a:rPr lang="en-US" sz="2400" dirty="0">
+                <a:latin typeface="Times New Roman" panose="02020603050405020304" pitchFamily="18" charset="0"/>
+                <a:cs typeface="Times New Roman" panose="02020603050405020304" pitchFamily="18" charset="0"/>
+              </a:rPr>
+              <a:t> 0</a:t>
+            </a:r>
+          </a:p>
+          <a:p>
+            <a:pPr marL="0" indent="0" algn="just">
+              <a:buNone/>
+            </a:pPr>
+            <a:r>
+              <a:rPr lang="en-US" sz="2400" b="1" dirty="0">
+                <a:latin typeface="Times New Roman" panose="02020603050405020304" pitchFamily="18" charset="0"/>
+                <a:cs typeface="Times New Roman" panose="02020603050405020304" pitchFamily="18" charset="0"/>
+              </a:rPr>
+              <a:t>print</a:t>
+            </a:r>
+            <a:r>
+              <a:rPr lang="en-US" sz="2400" dirty="0">
+                <a:latin typeface="Times New Roman" panose="02020603050405020304" pitchFamily="18" charset="0"/>
+                <a:cs typeface="Times New Roman" panose="02020603050405020304" pitchFamily="18" charset="0"/>
+              </a:rPr>
+              <a:t>(</a:t>
+            </a:r>
+            <a:r>
+              <a:rPr lang="en-US" sz="2400" dirty="0" err="1">
+                <a:latin typeface="Times New Roman" panose="02020603050405020304" pitchFamily="18" charset="0"/>
+                <a:cs typeface="Times New Roman" panose="02020603050405020304" pitchFamily="18" charset="0"/>
+              </a:rPr>
+              <a:t>f.</a:t>
+            </a:r>
+            <a:r>
+              <a:rPr lang="en-US" sz="2400" b="1" dirty="0" err="1">
+                <a:latin typeface="Times New Roman" panose="02020603050405020304" pitchFamily="18" charset="0"/>
+                <a:cs typeface="Times New Roman" panose="02020603050405020304" pitchFamily="18" charset="0"/>
+              </a:rPr>
+              <a:t>read</a:t>
+            </a:r>
+            <a:r>
+              <a:rPr lang="en-US" sz="2400" dirty="0">
+                <a:latin typeface="Times New Roman" panose="02020603050405020304" pitchFamily="18" charset="0"/>
+                <a:cs typeface="Times New Roman" panose="02020603050405020304" pitchFamily="18" charset="0"/>
+              </a:rPr>
+              <a:t>());  # </a:t>
+            </a:r>
+            <a:r>
+              <a:rPr lang="en-US" sz="2400" dirty="0" err="1">
+                <a:latin typeface="Times New Roman" panose="02020603050405020304" pitchFamily="18" charset="0"/>
+                <a:cs typeface="Times New Roman" panose="02020603050405020304" pitchFamily="18" charset="0"/>
+              </a:rPr>
+              <a:t>leia</a:t>
+            </a:r>
+            <a:r>
+              <a:rPr lang="en-US" sz="2400" dirty="0">
+                <a:latin typeface="Times New Roman" panose="02020603050405020304" pitchFamily="18" charset="0"/>
+                <a:cs typeface="Times New Roman" panose="02020603050405020304" pitchFamily="18" charset="0"/>
+              </a:rPr>
+              <a:t> o </a:t>
+            </a:r>
+            <a:r>
+              <a:rPr lang="en-US" sz="2400" dirty="0" err="1">
+                <a:latin typeface="Times New Roman" panose="02020603050405020304" pitchFamily="18" charset="0"/>
+                <a:cs typeface="Times New Roman" panose="02020603050405020304" pitchFamily="18" charset="0"/>
+              </a:rPr>
+              <a:t>arquivo</a:t>
+            </a:r>
+            <a:r>
+              <a:rPr lang="en-US" sz="2400" dirty="0">
+                <a:latin typeface="Times New Roman" panose="02020603050405020304" pitchFamily="18" charset="0"/>
+                <a:cs typeface="Times New Roman" panose="02020603050405020304" pitchFamily="18" charset="0"/>
+              </a:rPr>
+              <a:t> </a:t>
+            </a:r>
+            <a:r>
+              <a:rPr lang="en-US" sz="2400" dirty="0" err="1">
+                <a:latin typeface="Times New Roman" panose="02020603050405020304" pitchFamily="18" charset="0"/>
+                <a:cs typeface="Times New Roman" panose="02020603050405020304" pitchFamily="18" charset="0"/>
+              </a:rPr>
+              <a:t>inteiro</a:t>
+            </a:r>
+            <a:endParaRPr lang="pt-BR" sz="2400" dirty="0">
+              <a:latin typeface="Times New Roman" panose="02020603050405020304" pitchFamily="18" charset="0"/>
+              <a:cs typeface="Times New Roman" panose="02020603050405020304" pitchFamily="18" charset="0"/>
+            </a:endParaRPr>
           </a:p>
         </p:txBody>
       </p:sp>
     </p:spTree>
     <p:extLst>
       <p:ext uri="{BB962C8B-B14F-4D97-AF65-F5344CB8AC3E}">
-        <p14:creationId xmlns:p14="http://schemas.microsoft.com/office/powerpoint/2010/main" val="782255939"/>
+        <p14:creationId xmlns:p14="http://schemas.microsoft.com/office/powerpoint/2010/main" val="1050402660"/>
       </p:ext>
     </p:extLst>
   </p:cSld>
@@ -8053,13 +8776,14 @@
           </a:bodyPr>
           <a:lstStyle/>
           <a:p>
+            <a:pPr algn="ctr"/>
             <a:r>
               <a:rPr lang="en-US" b="1" dirty="0">
                 <a:solidFill>
                   <a:srgbClr val="0070C0"/>
                 </a:solidFill>
               </a:rPr>
-              <a:t>FILE - </a:t>
+              <a:t>FILE – </a:t>
             </a:r>
             <a:r>
               <a:rPr lang="en-US" b="1" dirty="0" err="1">
@@ -8067,7 +8791,23 @@
                   <a:srgbClr val="0070C0"/>
                 </a:solidFill>
               </a:rPr>
-              <a:t>iNstruções</a:t>
+              <a:t>abrindo</a:t>
+            </a:r>
+            <a:r>
+              <a:rPr lang="en-US" b="1" dirty="0">
+                <a:solidFill>
+                  <a:srgbClr val="0070C0"/>
+                </a:solidFill>
+              </a:rPr>
+              <a:t> </a:t>
+            </a:r>
+            <a:r>
+              <a:rPr lang="en-US" b="1" dirty="0" err="1">
+                <a:solidFill>
+                  <a:srgbClr val="0070C0"/>
+                </a:solidFill>
+              </a:rPr>
+              <a:t>arquivo</a:t>
             </a:r>
             <a:endParaRPr lang="en-US" b="1" dirty="0">
               <a:solidFill>
@@ -8103,387 +8843,132 @@
               <a:buNone/>
             </a:pPr>
             <a:r>
-              <a:rPr lang="pt-BR" sz="2400" dirty="0" err="1">
-                <a:latin typeface="Times New Roman" panose="02020603050405020304" pitchFamily="18" charset="0"/>
-                <a:cs typeface="Times New Roman" panose="02020603050405020304" pitchFamily="18" charset="0"/>
-              </a:rPr>
-              <a:t>f.</a:t>
+              <a:rPr lang="pt-BR" sz="2400" dirty="0">
+                <a:latin typeface="Times New Roman" panose="02020603050405020304" pitchFamily="18" charset="0"/>
+                <a:cs typeface="Times New Roman" panose="02020603050405020304" pitchFamily="18" charset="0"/>
+              </a:rPr>
+              <a:t>Para abrir um </a:t>
+            </a:r>
+            <a:r>
+              <a:rPr lang="pt-BR" sz="2400" b="1" dirty="0">
+                <a:latin typeface="Times New Roman" panose="02020603050405020304" pitchFamily="18" charset="0"/>
+                <a:cs typeface="Times New Roman" panose="02020603050405020304" pitchFamily="18" charset="0"/>
+              </a:rPr>
+              <a:t>arquivo para leitura</a:t>
+            </a:r>
+            <a:r>
+              <a:rPr lang="pt-BR" sz="2400" dirty="0">
+                <a:latin typeface="Times New Roman" panose="02020603050405020304" pitchFamily="18" charset="0"/>
+                <a:cs typeface="Times New Roman" panose="02020603050405020304" pitchFamily="18" charset="0"/>
+              </a:rPr>
+              <a:t>, basta especificar o nome do arquivo: </a:t>
+            </a:r>
+          </a:p>
+          <a:p>
+            <a:pPr marL="0" indent="0" algn="just">
+              <a:buNone/>
+            </a:pPr>
+            <a:r>
+              <a:rPr lang="pt-BR" sz="2400" dirty="0">
+                <a:latin typeface="Times New Roman" panose="02020603050405020304" pitchFamily="18" charset="0"/>
+                <a:cs typeface="Times New Roman" panose="02020603050405020304" pitchFamily="18" charset="0"/>
+              </a:rPr>
+              <a:t>	f = </a:t>
+            </a:r>
+            <a:r>
+              <a:rPr lang="pt-BR" sz="2400" b="1" dirty="0">
+                <a:latin typeface="Times New Roman" panose="02020603050405020304" pitchFamily="18" charset="0"/>
+                <a:cs typeface="Times New Roman" panose="02020603050405020304" pitchFamily="18" charset="0"/>
+              </a:rPr>
+              <a:t>open</a:t>
+            </a:r>
+            <a:r>
+              <a:rPr lang="pt-BR" sz="2400" dirty="0">
+                <a:latin typeface="Times New Roman" panose="02020603050405020304" pitchFamily="18" charset="0"/>
+                <a:cs typeface="Times New Roman" panose="02020603050405020304" pitchFamily="18" charset="0"/>
+              </a:rPr>
+              <a:t>(“arquivo.txt"); // </a:t>
+            </a:r>
+            <a:r>
+              <a:rPr lang="pt-BR" sz="2400" b="1" dirty="0">
+                <a:latin typeface="Times New Roman" panose="02020603050405020304" pitchFamily="18" charset="0"/>
+                <a:cs typeface="Times New Roman" panose="02020603050405020304" pitchFamily="18" charset="0"/>
+              </a:rPr>
+              <a:t>default </a:t>
             </a:r>
             <a:r>
               <a:rPr lang="pt-BR" sz="2400" b="1" dirty="0" err="1">
                 <a:latin typeface="Times New Roman" panose="02020603050405020304" pitchFamily="18" charset="0"/>
                 <a:cs typeface="Times New Roman" panose="02020603050405020304" pitchFamily="18" charset="0"/>
               </a:rPr>
-              <a:t>close</a:t>
-            </a:r>
+              <a:t>read</a:t>
+            </a:r>
+            <a:r>
+              <a:rPr lang="pt-BR" sz="2400" b="1" dirty="0">
+                <a:latin typeface="Times New Roman" panose="02020603050405020304" pitchFamily="18" charset="0"/>
+                <a:cs typeface="Times New Roman" panose="02020603050405020304" pitchFamily="18" charset="0"/>
+              </a:rPr>
+              <a:t>; default texto</a:t>
+            </a:r>
+          </a:p>
+          <a:p>
+            <a:pPr marL="0" indent="0" algn="just">
+              <a:buNone/>
+            </a:pPr>
             <a:r>
               <a:rPr lang="pt-BR" sz="2400" dirty="0">
                 <a:latin typeface="Times New Roman" panose="02020603050405020304" pitchFamily="18" charset="0"/>
                 <a:cs typeface="Times New Roman" panose="02020603050405020304" pitchFamily="18" charset="0"/>
               </a:rPr>
-              <a:t>(); </a:t>
-            </a:r>
-            <a:r>
-              <a:rPr lang="en-US" sz="2400" dirty="0">
-                <a:latin typeface="Times New Roman" panose="02020603050405020304" pitchFamily="18" charset="0"/>
-                <a:cs typeface="Times New Roman" panose="02020603050405020304" pitchFamily="18" charset="0"/>
-              </a:rPr>
-              <a:t>#</a:t>
-            </a:r>
+              <a:t>			ou</a:t>
+            </a:r>
+          </a:p>
+          <a:p>
+            <a:pPr marL="0" indent="0" algn="just">
+              <a:buNone/>
+            </a:pPr>
             <a:r>
               <a:rPr lang="pt-BR" sz="2400" dirty="0">
                 <a:latin typeface="Times New Roman" panose="02020603050405020304" pitchFamily="18" charset="0"/>
                 <a:cs typeface="Times New Roman" panose="02020603050405020304" pitchFamily="18" charset="0"/>
               </a:rPr>
-              <a:t> fecha arquivo</a:t>
-            </a:r>
-          </a:p>
-          <a:p>
-            <a:pPr marL="0" indent="0" algn="just">
-              <a:buNone/>
-            </a:pPr>
-            <a:r>
-              <a:rPr lang="en-US" sz="2400" dirty="0" err="1">
-                <a:latin typeface="Times New Roman" panose="02020603050405020304" pitchFamily="18" charset="0"/>
-                <a:cs typeface="Times New Roman" panose="02020603050405020304" pitchFamily="18" charset="0"/>
-              </a:rPr>
-              <a:t>f.</a:t>
-            </a:r>
-            <a:r>
-              <a:rPr lang="en-US" sz="2400" b="1" dirty="0" err="1">
-                <a:latin typeface="Times New Roman" panose="02020603050405020304" pitchFamily="18" charset="0"/>
-                <a:cs typeface="Times New Roman" panose="02020603050405020304" pitchFamily="18" charset="0"/>
-              </a:rPr>
-              <a:t>write</a:t>
-            </a:r>
-            <a:r>
-              <a:rPr lang="en-US" sz="2400" dirty="0">
-                <a:latin typeface="Times New Roman" panose="02020603050405020304" pitchFamily="18" charset="0"/>
-                <a:cs typeface="Times New Roman" panose="02020603050405020304" pitchFamily="18" charset="0"/>
-              </a:rPr>
-              <a:t>(“dados"); # </a:t>
-            </a:r>
-            <a:r>
-              <a:rPr lang="en-US" sz="2400" dirty="0" err="1">
-                <a:latin typeface="Times New Roman" panose="02020603050405020304" pitchFamily="18" charset="0"/>
-                <a:cs typeface="Times New Roman" panose="02020603050405020304" pitchFamily="18" charset="0"/>
-              </a:rPr>
-              <a:t>grava</a:t>
-            </a:r>
-            <a:r>
-              <a:rPr lang="en-US" sz="2400" dirty="0">
-                <a:latin typeface="Times New Roman" panose="02020603050405020304" pitchFamily="18" charset="0"/>
-                <a:cs typeface="Times New Roman" panose="02020603050405020304" pitchFamily="18" charset="0"/>
-              </a:rPr>
-              <a:t> no </a:t>
-            </a:r>
-            <a:r>
-              <a:rPr lang="en-US" sz="2400" dirty="0" err="1">
-                <a:latin typeface="Times New Roman" panose="02020603050405020304" pitchFamily="18" charset="0"/>
-                <a:cs typeface="Times New Roman" panose="02020603050405020304" pitchFamily="18" charset="0"/>
-              </a:rPr>
-              <a:t>arquivo</a:t>
-            </a:r>
-            <a:endParaRPr lang="en-US" sz="2400" dirty="0">
-              <a:latin typeface="Times New Roman" panose="02020603050405020304" pitchFamily="18" charset="0"/>
-              <a:cs typeface="Times New Roman" panose="02020603050405020304" pitchFamily="18" charset="0"/>
-            </a:endParaRPr>
-          </a:p>
-          <a:p>
-            <a:pPr marL="0" indent="0" algn="just">
-              <a:buNone/>
-            </a:pPr>
-            <a:r>
-              <a:rPr lang="en-US" sz="2400" dirty="0" err="1">
-                <a:latin typeface="Times New Roman" panose="02020603050405020304" pitchFamily="18" charset="0"/>
-                <a:cs typeface="Times New Roman" panose="02020603050405020304" pitchFamily="18" charset="0"/>
-              </a:rPr>
-              <a:t>f.</a:t>
-            </a:r>
-            <a:r>
-              <a:rPr lang="en-US" sz="2400" b="1" dirty="0" err="1">
-                <a:latin typeface="Times New Roman" panose="02020603050405020304" pitchFamily="18" charset="0"/>
-                <a:cs typeface="Times New Roman" panose="02020603050405020304" pitchFamily="18" charset="0"/>
-              </a:rPr>
-              <a:t>read</a:t>
-            </a:r>
-            <a:r>
-              <a:rPr lang="en-US" sz="2400" dirty="0">
-                <a:latin typeface="Times New Roman" panose="02020603050405020304" pitchFamily="18" charset="0"/>
-                <a:cs typeface="Times New Roman" panose="02020603050405020304" pitchFamily="18" charset="0"/>
-              </a:rPr>
-              <a:t>(4); # </a:t>
-            </a:r>
-            <a:r>
-              <a:rPr lang="en-US" sz="2400" dirty="0" err="1">
-                <a:latin typeface="Times New Roman" panose="02020603050405020304" pitchFamily="18" charset="0"/>
-                <a:cs typeface="Times New Roman" panose="02020603050405020304" pitchFamily="18" charset="0"/>
-              </a:rPr>
-              <a:t>leitura</a:t>
-            </a:r>
-            <a:r>
-              <a:rPr lang="en-US" sz="2400" dirty="0">
-                <a:latin typeface="Times New Roman" panose="02020603050405020304" pitchFamily="18" charset="0"/>
-                <a:cs typeface="Times New Roman" panose="02020603050405020304" pitchFamily="18" charset="0"/>
-              </a:rPr>
-              <a:t> dos </a:t>
-            </a:r>
-            <a:r>
-              <a:rPr lang="en-US" sz="2400" dirty="0" err="1">
-                <a:latin typeface="Times New Roman" panose="02020603050405020304" pitchFamily="18" charset="0"/>
-                <a:cs typeface="Times New Roman" panose="02020603050405020304" pitchFamily="18" charset="0"/>
-              </a:rPr>
-              <a:t>próximos</a:t>
-            </a:r>
-            <a:r>
-              <a:rPr lang="en-US" sz="2400" dirty="0">
-                <a:latin typeface="Times New Roman" panose="02020603050405020304" pitchFamily="18" charset="0"/>
-                <a:cs typeface="Times New Roman" panose="02020603050405020304" pitchFamily="18" charset="0"/>
-              </a:rPr>
-              <a:t> 4 </a:t>
-            </a:r>
-            <a:r>
-              <a:rPr lang="en-US" sz="2400" dirty="0" err="1">
-                <a:latin typeface="Times New Roman" panose="02020603050405020304" pitchFamily="18" charset="0"/>
-                <a:cs typeface="Times New Roman" panose="02020603050405020304" pitchFamily="18" charset="0"/>
-              </a:rPr>
-              <a:t>registros</a:t>
-            </a:r>
-            <a:endParaRPr lang="en-US" sz="2400" dirty="0">
-              <a:latin typeface="Times New Roman" panose="02020603050405020304" pitchFamily="18" charset="0"/>
-              <a:cs typeface="Times New Roman" panose="02020603050405020304" pitchFamily="18" charset="0"/>
-            </a:endParaRPr>
-          </a:p>
-          <a:p>
-            <a:pPr marL="0" indent="0" algn="just">
-              <a:buNone/>
-            </a:pPr>
-            <a:r>
-              <a:rPr lang="en-US" sz="2400" dirty="0" err="1">
-                <a:latin typeface="Times New Roman" panose="02020603050405020304" pitchFamily="18" charset="0"/>
-                <a:cs typeface="Times New Roman" panose="02020603050405020304" pitchFamily="18" charset="0"/>
-              </a:rPr>
-              <a:t>f.</a:t>
-            </a:r>
-            <a:r>
-              <a:rPr lang="en-US" sz="2400" b="1" dirty="0" err="1">
-                <a:latin typeface="Times New Roman" panose="02020603050405020304" pitchFamily="18" charset="0"/>
-                <a:cs typeface="Times New Roman" panose="02020603050405020304" pitchFamily="18" charset="0"/>
-              </a:rPr>
-              <a:t>read</a:t>
-            </a:r>
-            <a:r>
-              <a:rPr lang="en-US" sz="2400" dirty="0">
-                <a:latin typeface="Times New Roman" panose="02020603050405020304" pitchFamily="18" charset="0"/>
-                <a:cs typeface="Times New Roman" panose="02020603050405020304" pitchFamily="18" charset="0"/>
-              </a:rPr>
-              <a:t>();  # </a:t>
-            </a:r>
-            <a:r>
-              <a:rPr lang="en-US" sz="2400" dirty="0" err="1">
-                <a:latin typeface="Times New Roman" panose="02020603050405020304" pitchFamily="18" charset="0"/>
-                <a:cs typeface="Times New Roman" panose="02020603050405020304" pitchFamily="18" charset="0"/>
-              </a:rPr>
-              <a:t>leitura</a:t>
-            </a:r>
-            <a:r>
-              <a:rPr lang="en-US" sz="2400" dirty="0">
-                <a:latin typeface="Times New Roman" panose="02020603050405020304" pitchFamily="18" charset="0"/>
-                <a:cs typeface="Times New Roman" panose="02020603050405020304" pitchFamily="18" charset="0"/>
-              </a:rPr>
-              <a:t> de </a:t>
-            </a:r>
-            <a:r>
-              <a:rPr lang="en-US" sz="2400" dirty="0" err="1">
-                <a:latin typeface="Times New Roman" panose="02020603050405020304" pitchFamily="18" charset="0"/>
-                <a:cs typeface="Times New Roman" panose="02020603050405020304" pitchFamily="18" charset="0"/>
-              </a:rPr>
-              <a:t>todo</a:t>
-            </a:r>
-            <a:r>
-              <a:rPr lang="en-US" sz="2400" dirty="0">
-                <a:latin typeface="Times New Roman" panose="02020603050405020304" pitchFamily="18" charset="0"/>
-                <a:cs typeface="Times New Roman" panose="02020603050405020304" pitchFamily="18" charset="0"/>
-              </a:rPr>
-              <a:t> o </a:t>
-            </a:r>
-            <a:r>
-              <a:rPr lang="en-US" sz="2400" dirty="0" err="1">
-                <a:latin typeface="Times New Roman" panose="02020603050405020304" pitchFamily="18" charset="0"/>
-                <a:cs typeface="Times New Roman" panose="02020603050405020304" pitchFamily="18" charset="0"/>
-              </a:rPr>
-              <a:t>arquivo</a:t>
-            </a:r>
-            <a:endParaRPr lang="en-US" sz="2400" dirty="0">
-              <a:latin typeface="Times New Roman" panose="02020603050405020304" pitchFamily="18" charset="0"/>
-              <a:cs typeface="Times New Roman" panose="02020603050405020304" pitchFamily="18" charset="0"/>
-            </a:endParaRPr>
-          </a:p>
-          <a:p>
-            <a:pPr marL="0" indent="0" algn="just">
-              <a:buNone/>
-            </a:pPr>
-            <a:r>
-              <a:rPr lang="en-US" sz="2400" dirty="0" err="1">
-                <a:latin typeface="Times New Roman" panose="02020603050405020304" pitchFamily="18" charset="0"/>
-                <a:cs typeface="Times New Roman" panose="02020603050405020304" pitchFamily="18" charset="0"/>
-              </a:rPr>
-              <a:t>f.</a:t>
-            </a:r>
-            <a:r>
-              <a:rPr lang="en-US" sz="2400" b="1" dirty="0" err="1">
-                <a:latin typeface="Times New Roman" panose="02020603050405020304" pitchFamily="18" charset="0"/>
-                <a:cs typeface="Times New Roman" panose="02020603050405020304" pitchFamily="18" charset="0"/>
-              </a:rPr>
-              <a:t>tell</a:t>
-            </a:r>
-            <a:r>
-              <a:rPr lang="en-US" sz="2400" dirty="0">
-                <a:latin typeface="Times New Roman" panose="02020603050405020304" pitchFamily="18" charset="0"/>
-                <a:cs typeface="Times New Roman" panose="02020603050405020304" pitchFamily="18" charset="0"/>
-              </a:rPr>
-              <a:t>(); # </a:t>
+              <a:t>	f = </a:t>
+            </a:r>
+            <a:r>
+              <a:rPr lang="pt-BR" sz="2400" b="1" dirty="0">
+                <a:latin typeface="Times New Roman" panose="02020603050405020304" pitchFamily="18" charset="0"/>
+                <a:cs typeface="Times New Roman" panose="02020603050405020304" pitchFamily="18" charset="0"/>
+              </a:rPr>
+              <a:t>open</a:t>
             </a:r>
             <a:r>
               <a:rPr lang="pt-BR" sz="2400" dirty="0">
                 <a:latin typeface="Times New Roman" panose="02020603050405020304" pitchFamily="18" charset="0"/>
                 <a:cs typeface="Times New Roman" panose="02020603050405020304" pitchFamily="18" charset="0"/>
               </a:rPr>
-              <a:t>obter a posição atual do arquivo </a:t>
-            </a:r>
-            <a:r>
-              <a:rPr lang="en-US" sz="2400" dirty="0">
-                <a:latin typeface="Times New Roman" panose="02020603050405020304" pitchFamily="18" charset="0"/>
-                <a:cs typeface="Times New Roman" panose="02020603050405020304" pitchFamily="18" charset="0"/>
-              </a:rPr>
-              <a:t>56</a:t>
-            </a:r>
-          </a:p>
-          <a:p>
-            <a:pPr marL="0" indent="0" algn="just">
-              <a:buNone/>
-            </a:pPr>
-            <a:r>
-              <a:rPr lang="en-US" sz="2400" dirty="0" err="1">
-                <a:latin typeface="Times New Roman" panose="02020603050405020304" pitchFamily="18" charset="0"/>
-                <a:cs typeface="Times New Roman" panose="02020603050405020304" pitchFamily="18" charset="0"/>
-              </a:rPr>
-              <a:t>f.</a:t>
-            </a:r>
-            <a:r>
-              <a:rPr lang="en-US" sz="2400" b="1" dirty="0" err="1">
-                <a:latin typeface="Times New Roman" panose="02020603050405020304" pitchFamily="18" charset="0"/>
-                <a:cs typeface="Times New Roman" panose="02020603050405020304" pitchFamily="18" charset="0"/>
-              </a:rPr>
-              <a:t>seek</a:t>
-            </a:r>
-            <a:r>
-              <a:rPr lang="en-US" sz="2400" dirty="0">
-                <a:latin typeface="Times New Roman" panose="02020603050405020304" pitchFamily="18" charset="0"/>
-                <a:cs typeface="Times New Roman" panose="02020603050405020304" pitchFamily="18" charset="0"/>
-              </a:rPr>
-              <a:t>(0);   # </a:t>
+              <a:t>(“arquivo.txt", "</a:t>
+            </a:r>
+            <a:r>
+              <a:rPr lang="pt-BR" sz="2400" b="1" dirty="0" err="1">
+                <a:latin typeface="Times New Roman" panose="02020603050405020304" pitchFamily="18" charset="0"/>
+                <a:cs typeface="Times New Roman" panose="02020603050405020304" pitchFamily="18" charset="0"/>
+              </a:rPr>
+              <a:t>rt</a:t>
             </a:r>
             <a:r>
               <a:rPr lang="pt-BR" sz="2400" dirty="0">
                 <a:latin typeface="Times New Roman" panose="02020603050405020304" pitchFamily="18" charset="0"/>
                 <a:cs typeface="Times New Roman" panose="02020603050405020304" pitchFamily="18" charset="0"/>
               </a:rPr>
-              <a:t>trazer o cursor do arquivo para a posição inicial</a:t>
-            </a:r>
-            <a:r>
-              <a:rPr lang="en-US" sz="2400" dirty="0">
-                <a:latin typeface="Times New Roman" panose="02020603050405020304" pitchFamily="18" charset="0"/>
-                <a:cs typeface="Times New Roman" panose="02020603050405020304" pitchFamily="18" charset="0"/>
-              </a:rPr>
-              <a:t> 0</a:t>
-            </a:r>
-          </a:p>
-          <a:p>
-            <a:pPr marL="0" indent="0" algn="just">
-              <a:buNone/>
-            </a:pPr>
-            <a:r>
-              <a:rPr lang="en-US" sz="2400" b="1" dirty="0">
-                <a:latin typeface="Times New Roman" panose="02020603050405020304" pitchFamily="18" charset="0"/>
-                <a:cs typeface="Times New Roman" panose="02020603050405020304" pitchFamily="18" charset="0"/>
-              </a:rPr>
-              <a:t>print</a:t>
-            </a:r>
-            <a:r>
-              <a:rPr lang="en-US" sz="2400" dirty="0">
-                <a:latin typeface="Times New Roman" panose="02020603050405020304" pitchFamily="18" charset="0"/>
-                <a:cs typeface="Times New Roman" panose="02020603050405020304" pitchFamily="18" charset="0"/>
-              </a:rPr>
-              <a:t>(</a:t>
-            </a:r>
-            <a:r>
-              <a:rPr lang="en-US" sz="2400" dirty="0" err="1">
-                <a:latin typeface="Times New Roman" panose="02020603050405020304" pitchFamily="18" charset="0"/>
-                <a:cs typeface="Times New Roman" panose="02020603050405020304" pitchFamily="18" charset="0"/>
-              </a:rPr>
-              <a:t>f.</a:t>
-            </a:r>
-            <a:r>
-              <a:rPr lang="en-US" sz="2400" b="1" dirty="0" err="1">
-                <a:latin typeface="Times New Roman" panose="02020603050405020304" pitchFamily="18" charset="0"/>
-                <a:cs typeface="Times New Roman" panose="02020603050405020304" pitchFamily="18" charset="0"/>
-              </a:rPr>
-              <a:t>read</a:t>
-            </a:r>
-            <a:r>
-              <a:rPr lang="en-US" sz="2400" dirty="0">
-                <a:latin typeface="Times New Roman" panose="02020603050405020304" pitchFamily="18" charset="0"/>
-                <a:cs typeface="Times New Roman" panose="02020603050405020304" pitchFamily="18" charset="0"/>
-              </a:rPr>
-              <a:t>());  # </a:t>
-            </a:r>
-            <a:r>
-              <a:rPr lang="en-US" sz="2400" dirty="0" err="1">
-                <a:latin typeface="Times New Roman" panose="02020603050405020304" pitchFamily="18" charset="0"/>
-                <a:cs typeface="Times New Roman" panose="02020603050405020304" pitchFamily="18" charset="0"/>
-              </a:rPr>
-              <a:t>leia</a:t>
-            </a:r>
-            <a:r>
-              <a:rPr lang="en-US" sz="2400" dirty="0">
-                <a:latin typeface="Times New Roman" panose="02020603050405020304" pitchFamily="18" charset="0"/>
-                <a:cs typeface="Times New Roman" panose="02020603050405020304" pitchFamily="18" charset="0"/>
-              </a:rPr>
-              <a:t> o </a:t>
-            </a:r>
-            <a:r>
-              <a:rPr lang="en-US" sz="2400" dirty="0" err="1">
-                <a:latin typeface="Times New Roman" panose="02020603050405020304" pitchFamily="18" charset="0"/>
-                <a:cs typeface="Times New Roman" panose="02020603050405020304" pitchFamily="18" charset="0"/>
-              </a:rPr>
-              <a:t>arquivo</a:t>
-            </a:r>
-            <a:r>
-              <a:rPr lang="en-US" sz="2400" dirty="0">
-                <a:latin typeface="Times New Roman" panose="02020603050405020304" pitchFamily="18" charset="0"/>
-                <a:cs typeface="Times New Roman" panose="02020603050405020304" pitchFamily="18" charset="0"/>
-              </a:rPr>
-              <a:t> </a:t>
-            </a:r>
-            <a:r>
-              <a:rPr lang="en-US" sz="2400">
-                <a:latin typeface="Times New Roman" panose="02020603050405020304" pitchFamily="18" charset="0"/>
-                <a:cs typeface="Times New Roman" panose="02020603050405020304" pitchFamily="18" charset="0"/>
-              </a:rPr>
-              <a:t>inteiro</a:t>
-            </a:r>
-            <a:endParaRPr lang="pt-BR" sz="2400" dirty="0">
-              <a:latin typeface="Times New Roman" panose="02020603050405020304" pitchFamily="18" charset="0"/>
-              <a:cs typeface="Times New Roman" panose="02020603050405020304" pitchFamily="18" charset="0"/>
-            </a:endParaRPr>
+              <a:t>");</a:t>
+            </a:r>
           </a:p>
         </p:txBody>
       </p:sp>
     </p:spTree>
     <p:extLst>
       <p:ext uri="{BB962C8B-B14F-4D97-AF65-F5344CB8AC3E}">
-        <p14:creationId xmlns:p14="http://schemas.microsoft.com/office/powerpoint/2010/main" val="1050402660"/>
+        <p14:creationId xmlns:p14="http://schemas.microsoft.com/office/powerpoint/2010/main" val="782255939"/>
       </p:ext>
     </p:extLst>
   </p:cSld>
@@ -8533,13 +9018,14 @@
           </a:bodyPr>
           <a:lstStyle/>
           <a:p>
+            <a:pPr algn="ctr"/>
             <a:r>
               <a:rPr lang="en-US" b="1" dirty="0">
                 <a:solidFill>
                   <a:srgbClr val="0070C0"/>
                 </a:solidFill>
               </a:rPr>
-              <a:t>FILE</a:t>
+              <a:t>FILE – ABRINDO ARQUIVO</a:t>
             </a:r>
           </a:p>
         </p:txBody>
@@ -8570,223 +9056,152 @@
               <a:buNone/>
             </a:pPr>
             <a:r>
-              <a:rPr lang="en-US" sz="2400" b="1" dirty="0">
+              <a:rPr lang="pt-BR" sz="2400" b="1" dirty="0">
+                <a:latin typeface="Times New Roman" panose="02020603050405020304" pitchFamily="18" charset="0"/>
+                <a:cs typeface="Times New Roman" panose="02020603050405020304" pitchFamily="18" charset="0"/>
+              </a:rPr>
+              <a:t>Comando</a:t>
+            </a:r>
+            <a:r>
+              <a:rPr lang="pt-BR" sz="2400" dirty="0">
+                <a:latin typeface="Times New Roman" panose="02020603050405020304" pitchFamily="18" charset="0"/>
+                <a:cs typeface="Times New Roman" panose="02020603050405020304" pitchFamily="18" charset="0"/>
+              </a:rPr>
+              <a:t> </a:t>
+            </a:r>
+            <a:r>
+              <a:rPr lang="pt-BR" sz="2400" b="1" dirty="0" err="1">
                 <a:solidFill>
                   <a:srgbClr val="FF0000"/>
                 </a:solidFill>
                 <a:latin typeface="Times New Roman" panose="02020603050405020304" pitchFamily="18" charset="0"/>
                 <a:cs typeface="Times New Roman" panose="02020603050405020304" pitchFamily="18" charset="0"/>
               </a:rPr>
-              <a:t>try</a:t>
-            </a:r>
-            <a:r>
-              <a:rPr lang="en-US" sz="2400" dirty="0">
-                <a:latin typeface="Times New Roman" panose="02020603050405020304" pitchFamily="18" charset="0"/>
-                <a:cs typeface="Times New Roman" panose="02020603050405020304" pitchFamily="18" charset="0"/>
-              </a:rPr>
-              <a:t>:</a:t>
-            </a:r>
-          </a:p>
-          <a:p>
-            <a:pPr marL="0" indent="0" algn="just">
-              <a:buNone/>
-            </a:pPr>
-            <a:r>
-              <a:rPr lang="en-US" sz="2400" dirty="0">
-                <a:latin typeface="Times New Roman" panose="02020603050405020304" pitchFamily="18" charset="0"/>
-                <a:cs typeface="Times New Roman" panose="02020603050405020304" pitchFamily="18" charset="0"/>
-              </a:rPr>
-              <a:t>f = </a:t>
-            </a:r>
-            <a:r>
-              <a:rPr lang="en-US" sz="2400" b="1" dirty="0">
-                <a:latin typeface="Times New Roman" panose="02020603050405020304" pitchFamily="18" charset="0"/>
-                <a:cs typeface="Times New Roman" panose="02020603050405020304" pitchFamily="18" charset="0"/>
-              </a:rPr>
-              <a:t>open</a:t>
-            </a:r>
-            <a:r>
-              <a:rPr lang="en-US" sz="2400" dirty="0">
-                <a:latin typeface="Times New Roman" panose="02020603050405020304" pitchFamily="18" charset="0"/>
-                <a:cs typeface="Times New Roman" panose="02020603050405020304" pitchFamily="18" charset="0"/>
-              </a:rPr>
-              <a:t>("test.txt", </a:t>
-            </a:r>
-            <a:r>
-              <a:rPr lang="en-US" sz="2400" b="1" dirty="0">
-                <a:latin typeface="Times New Roman" panose="02020603050405020304" pitchFamily="18" charset="0"/>
-                <a:cs typeface="Times New Roman" panose="02020603050405020304" pitchFamily="18" charset="0"/>
-              </a:rPr>
-              <a:t>encoding</a:t>
-            </a:r>
-            <a:r>
-              <a:rPr lang="en-US" sz="2400" dirty="0">
-                <a:latin typeface="Times New Roman" panose="02020603050405020304" pitchFamily="18" charset="0"/>
-                <a:cs typeface="Times New Roman" panose="02020603050405020304" pitchFamily="18" charset="0"/>
-              </a:rPr>
-              <a:t> = 'utf-8’); </a:t>
-            </a:r>
-          </a:p>
-          <a:p>
-            <a:pPr marL="0" indent="0" algn="just">
-              <a:buNone/>
-            </a:pPr>
-            <a:r>
-              <a:rPr lang="en-US" sz="2400" dirty="0">
-                <a:latin typeface="Times New Roman" panose="02020603050405020304" pitchFamily="18" charset="0"/>
-                <a:cs typeface="Times New Roman" panose="02020603050405020304" pitchFamily="18" charset="0"/>
-              </a:rPr>
-              <a:t>   # perform file operations</a:t>
-            </a:r>
-          </a:p>
-          <a:p>
-            <a:pPr marL="0" indent="0" algn="just">
-              <a:buNone/>
-            </a:pPr>
-            <a:r>
-              <a:rPr lang="en-US" sz="2400" b="1" dirty="0">
-                <a:solidFill>
-                  <a:srgbClr val="FF0000"/>
-                </a:solidFill>
-                <a:latin typeface="Times New Roman" panose="02020603050405020304" pitchFamily="18" charset="0"/>
-                <a:cs typeface="Times New Roman" panose="02020603050405020304" pitchFamily="18" charset="0"/>
-              </a:rPr>
-              <a:t>finally</a:t>
-            </a:r>
-            <a:r>
-              <a:rPr lang="en-US" sz="2400" dirty="0">
-                <a:latin typeface="Times New Roman" panose="02020603050405020304" pitchFamily="18" charset="0"/>
-                <a:cs typeface="Times New Roman" panose="02020603050405020304" pitchFamily="18" charset="0"/>
-              </a:rPr>
-              <a:t>:</a:t>
-            </a:r>
-          </a:p>
-          <a:p>
-            <a:pPr marL="0" indent="0" algn="just">
-              <a:buNone/>
-            </a:pPr>
-            <a:r>
-              <a:rPr lang="en-US" sz="2400" dirty="0">
-                <a:latin typeface="Times New Roman" panose="02020603050405020304" pitchFamily="18" charset="0"/>
-                <a:cs typeface="Times New Roman" panose="02020603050405020304" pitchFamily="18" charset="0"/>
-              </a:rPr>
-              <a:t>   </a:t>
-            </a:r>
-            <a:r>
-              <a:rPr lang="en-US" sz="2400" dirty="0" err="1">
-                <a:latin typeface="Times New Roman" panose="02020603050405020304" pitchFamily="18" charset="0"/>
-                <a:cs typeface="Times New Roman" panose="02020603050405020304" pitchFamily="18" charset="0"/>
-              </a:rPr>
-              <a:t>f.</a:t>
-            </a:r>
-            <a:r>
-              <a:rPr lang="en-US" sz="2400" b="1" dirty="0" err="1">
-                <a:latin typeface="Times New Roman" panose="02020603050405020304" pitchFamily="18" charset="0"/>
-                <a:cs typeface="Times New Roman" panose="02020603050405020304" pitchFamily="18" charset="0"/>
-              </a:rPr>
-              <a:t>close</a:t>
-            </a:r>
-            <a:r>
-              <a:rPr lang="en-US" sz="2400" dirty="0">
-                <a:latin typeface="Times New Roman" panose="02020603050405020304" pitchFamily="18" charset="0"/>
-                <a:cs typeface="Times New Roman" panose="02020603050405020304" pitchFamily="18" charset="0"/>
-              </a:rPr>
-              <a:t>();</a:t>
-            </a:r>
-          </a:p>
-          <a:p>
-            <a:pPr marL="0" indent="0" algn="just">
-              <a:buNone/>
-            </a:pPr>
-            <a:r>
-              <a:rPr lang="en-US" sz="2400" dirty="0">
-                <a:latin typeface="Times New Roman" panose="02020603050405020304" pitchFamily="18" charset="0"/>
-                <a:cs typeface="Times New Roman" panose="02020603050405020304" pitchFamily="18" charset="0"/>
-              </a:rPr>
-              <a:t>			OU</a:t>
-            </a:r>
-          </a:p>
-          <a:p>
-            <a:pPr marL="0" indent="0" algn="just">
-              <a:buNone/>
-            </a:pPr>
-            <a:r>
-              <a:rPr lang="en-US" sz="2400" b="1" dirty="0">
-                <a:latin typeface="Times New Roman" panose="02020603050405020304" pitchFamily="18" charset="0"/>
-                <a:cs typeface="Times New Roman" panose="02020603050405020304" pitchFamily="18" charset="0"/>
-              </a:rPr>
               <a:t>with</a:t>
-            </a:r>
-            <a:r>
-              <a:rPr lang="en-US" sz="2400" dirty="0">
-                <a:latin typeface="Times New Roman" panose="02020603050405020304" pitchFamily="18" charset="0"/>
-                <a:cs typeface="Times New Roman" panose="02020603050405020304" pitchFamily="18" charset="0"/>
-              </a:rPr>
-              <a:t> </a:t>
-            </a:r>
-            <a:r>
-              <a:rPr lang="en-US" sz="2400" b="1" dirty="0">
-                <a:latin typeface="Times New Roman" panose="02020603050405020304" pitchFamily="18" charset="0"/>
-                <a:cs typeface="Times New Roman" panose="02020603050405020304" pitchFamily="18" charset="0"/>
-              </a:rPr>
-              <a:t>open</a:t>
-            </a:r>
-            <a:r>
-              <a:rPr lang="en-US" sz="2400" dirty="0">
-                <a:latin typeface="Times New Roman" panose="02020603050405020304" pitchFamily="18" charset="0"/>
-                <a:cs typeface="Times New Roman" panose="02020603050405020304" pitchFamily="18" charset="0"/>
-              </a:rPr>
-              <a:t>("test.txt", </a:t>
-            </a:r>
-            <a:r>
-              <a:rPr lang="en-US" sz="2400" b="1" dirty="0">
-                <a:latin typeface="Times New Roman" panose="02020603050405020304" pitchFamily="18" charset="0"/>
-                <a:cs typeface="Times New Roman" panose="02020603050405020304" pitchFamily="18" charset="0"/>
-              </a:rPr>
-              <a:t>encoding</a:t>
-            </a:r>
-            <a:r>
-              <a:rPr lang="en-US" sz="2400" dirty="0">
-                <a:latin typeface="Times New Roman" panose="02020603050405020304" pitchFamily="18" charset="0"/>
-                <a:cs typeface="Times New Roman" panose="02020603050405020304" pitchFamily="18" charset="0"/>
-              </a:rPr>
-              <a:t> = '</a:t>
-            </a:r>
-            <a:r>
-              <a:rPr lang="en-US" sz="2400" b="1" dirty="0">
-                <a:solidFill>
-                  <a:srgbClr val="FF0000"/>
-                </a:solidFill>
-                <a:latin typeface="Times New Roman" panose="02020603050405020304" pitchFamily="18" charset="0"/>
-                <a:cs typeface="Times New Roman" panose="02020603050405020304" pitchFamily="18" charset="0"/>
-              </a:rPr>
-              <a:t>utf-8</a:t>
-            </a:r>
-            <a:r>
-              <a:rPr lang="en-US" sz="2400" dirty="0">
-                <a:latin typeface="Times New Roman" panose="02020603050405020304" pitchFamily="18" charset="0"/>
-                <a:cs typeface="Times New Roman" panose="02020603050405020304" pitchFamily="18" charset="0"/>
-              </a:rPr>
-              <a:t>') as </a:t>
-            </a:r>
-            <a:r>
-              <a:rPr lang="en-US" sz="2400" b="1" dirty="0">
-                <a:latin typeface="Times New Roman" panose="02020603050405020304" pitchFamily="18" charset="0"/>
-                <a:cs typeface="Times New Roman" panose="02020603050405020304" pitchFamily="18" charset="0"/>
-              </a:rPr>
-              <a:t>f</a:t>
-            </a:r>
-            <a:r>
-              <a:rPr lang="en-US" sz="2400" dirty="0">
-                <a:latin typeface="Times New Roman" panose="02020603050405020304" pitchFamily="18" charset="0"/>
-                <a:cs typeface="Times New Roman" panose="02020603050405020304" pitchFamily="18" charset="0"/>
-              </a:rPr>
-              <a:t>:</a:t>
             </a:r>
             <a:endParaRPr lang="pt-BR" sz="2400" dirty="0">
               <a:latin typeface="Times New Roman" panose="02020603050405020304" pitchFamily="18" charset="0"/>
               <a:cs typeface="Times New Roman" panose="02020603050405020304" pitchFamily="18" charset="0"/>
             </a:endParaRPr>
+          </a:p>
+          <a:p>
+            <a:pPr marL="0" indent="0" algn="just">
+              <a:buNone/>
+            </a:pPr>
+            <a:endParaRPr lang="pt-BR" sz="2400" dirty="0">
+              <a:latin typeface="Times New Roman" panose="02020603050405020304" pitchFamily="18" charset="0"/>
+              <a:cs typeface="Times New Roman" panose="02020603050405020304" pitchFamily="18" charset="0"/>
+            </a:endParaRPr>
+          </a:p>
+          <a:p>
+            <a:pPr marL="0" indent="0" algn="just">
+              <a:buNone/>
+            </a:pPr>
+            <a:r>
+              <a:rPr lang="pt-BR" sz="2400" dirty="0">
+                <a:latin typeface="Times New Roman" panose="02020603050405020304" pitchFamily="18" charset="0"/>
+                <a:cs typeface="Times New Roman" panose="02020603050405020304" pitchFamily="18" charset="0"/>
+              </a:rPr>
+              <a:t>O comando </a:t>
+            </a:r>
+            <a:r>
+              <a:rPr lang="pt-BR" sz="2400" b="1" dirty="0" err="1">
+                <a:solidFill>
+                  <a:srgbClr val="FF0000"/>
+                </a:solidFill>
+                <a:latin typeface="Times New Roman" panose="02020603050405020304" pitchFamily="18" charset="0"/>
+                <a:cs typeface="Times New Roman" panose="02020603050405020304" pitchFamily="18" charset="0"/>
+              </a:rPr>
+              <a:t>with</a:t>
+            </a:r>
+            <a:r>
+              <a:rPr lang="pt-BR" sz="2400" dirty="0">
+                <a:latin typeface="Times New Roman" panose="02020603050405020304" pitchFamily="18" charset="0"/>
+                <a:cs typeface="Times New Roman" panose="02020603050405020304" pitchFamily="18" charset="0"/>
+              </a:rPr>
+              <a:t> (com) pega um objeto retornado de algum comando ou método e destrói esse objeto no final do seu escopo. </a:t>
+            </a:r>
+          </a:p>
+          <a:p>
+            <a:pPr marL="0" indent="0" algn="just">
+              <a:buNone/>
+            </a:pPr>
+            <a:endParaRPr lang="pt-BR" sz="2400" dirty="0">
+              <a:latin typeface="Times New Roman" panose="02020603050405020304" pitchFamily="18" charset="0"/>
+              <a:cs typeface="Times New Roman" panose="02020603050405020304" pitchFamily="18" charset="0"/>
+            </a:endParaRPr>
+          </a:p>
+          <a:p>
+            <a:pPr marL="0" indent="0" algn="just">
+              <a:buNone/>
+            </a:pPr>
+            <a:r>
+              <a:rPr lang="pt-BR" sz="2400" dirty="0">
+                <a:latin typeface="Times New Roman" panose="02020603050405020304" pitchFamily="18" charset="0"/>
+                <a:cs typeface="Times New Roman" panose="02020603050405020304" pitchFamily="18" charset="0"/>
+              </a:rPr>
+              <a:t>Sua sintaxe é a seguinte:</a:t>
+            </a:r>
+          </a:p>
+          <a:p>
+            <a:pPr marL="0" indent="0" algn="just">
+              <a:buNone/>
+            </a:pPr>
+            <a:r>
+              <a:rPr lang="pt-BR" sz="2400" dirty="0">
+                <a:latin typeface="Times New Roman" panose="02020603050405020304" pitchFamily="18" charset="0"/>
+                <a:cs typeface="Times New Roman" panose="02020603050405020304" pitchFamily="18" charset="0"/>
+              </a:rPr>
+              <a:t>	</a:t>
+            </a:r>
+            <a:r>
+              <a:rPr lang="pt-BR" sz="2400" b="1" dirty="0" err="1">
+                <a:solidFill>
+                  <a:srgbClr val="FF0000"/>
+                </a:solidFill>
+                <a:latin typeface="Times New Roman" panose="02020603050405020304" pitchFamily="18" charset="0"/>
+                <a:cs typeface="Times New Roman" panose="02020603050405020304" pitchFamily="18" charset="0"/>
+              </a:rPr>
+              <a:t>with</a:t>
+            </a:r>
+            <a:r>
+              <a:rPr lang="pt-BR" sz="2400" dirty="0">
+                <a:latin typeface="Times New Roman" panose="02020603050405020304" pitchFamily="18" charset="0"/>
+                <a:cs typeface="Times New Roman" panose="02020603050405020304" pitchFamily="18" charset="0"/>
+              </a:rPr>
+              <a:t> &lt;</a:t>
+            </a:r>
+            <a:r>
+              <a:rPr lang="pt-BR" sz="2400" dirty="0" err="1">
+                <a:latin typeface="Times New Roman" panose="02020603050405020304" pitchFamily="18" charset="0"/>
+                <a:cs typeface="Times New Roman" panose="02020603050405020304" pitchFamily="18" charset="0"/>
+              </a:rPr>
+              <a:t>comando_que_retorna_um_objeto</a:t>
+            </a:r>
+            <a:r>
+              <a:rPr lang="pt-BR" sz="2400" dirty="0">
+                <a:latin typeface="Times New Roman" panose="02020603050405020304" pitchFamily="18" charset="0"/>
+                <a:cs typeface="Times New Roman" panose="02020603050405020304" pitchFamily="18" charset="0"/>
+              </a:rPr>
+              <a:t>&gt; </a:t>
+            </a:r>
+            <a:r>
+              <a:rPr lang="pt-BR" sz="2400" b="1" dirty="0">
+                <a:solidFill>
+                  <a:srgbClr val="FF0000"/>
+                </a:solidFill>
+                <a:latin typeface="Times New Roman" panose="02020603050405020304" pitchFamily="18" charset="0"/>
+                <a:cs typeface="Times New Roman" panose="02020603050405020304" pitchFamily="18" charset="0"/>
+              </a:rPr>
+              <a:t>as</a:t>
+            </a:r>
+            <a:r>
+              <a:rPr lang="pt-BR" sz="2400" dirty="0">
+                <a:latin typeface="Times New Roman" panose="02020603050405020304" pitchFamily="18" charset="0"/>
+                <a:cs typeface="Times New Roman" panose="02020603050405020304" pitchFamily="18" charset="0"/>
+              </a:rPr>
+              <a:t> &lt;variável&gt;:</a:t>
+            </a:r>
           </a:p>
         </p:txBody>
       </p:sp>
@@ -9309,13 +9724,14 @@
           </a:bodyPr>
           <a:lstStyle/>
           <a:p>
+            <a:pPr algn="ctr"/>
             <a:r>
               <a:rPr lang="en-US" b="1" dirty="0">
                 <a:solidFill>
                   <a:srgbClr val="0070C0"/>
                 </a:solidFill>
               </a:rPr>
-              <a:t>FILE</a:t>
+              <a:t>FILE – ABRINDO ARQUIVO</a:t>
             </a:r>
           </a:p>
         </p:txBody>
@@ -9347,6 +9763,202 @@
             </a:pPr>
             <a:r>
               <a:rPr lang="en-US" sz="2400" b="1" dirty="0">
+                <a:solidFill>
+                  <a:srgbClr val="FF0000"/>
+                </a:solidFill>
+                <a:latin typeface="Times New Roman" panose="02020603050405020304" pitchFamily="18" charset="0"/>
+                <a:cs typeface="Times New Roman" panose="02020603050405020304" pitchFamily="18" charset="0"/>
+              </a:rPr>
+              <a:t>try</a:t>
+            </a:r>
+            <a:r>
+              <a:rPr lang="en-US" sz="2400" dirty="0">
+                <a:latin typeface="Times New Roman" panose="02020603050405020304" pitchFamily="18" charset="0"/>
+                <a:cs typeface="Times New Roman" panose="02020603050405020304" pitchFamily="18" charset="0"/>
+              </a:rPr>
+              <a:t>: </a:t>
+            </a:r>
+          </a:p>
+          <a:p>
+            <a:pPr marL="0" indent="0" algn="just">
+              <a:buNone/>
+            </a:pPr>
+            <a:r>
+              <a:rPr lang="en-US" sz="2400" dirty="0">
+                <a:latin typeface="Times New Roman" panose="02020603050405020304" pitchFamily="18" charset="0"/>
+                <a:cs typeface="Times New Roman" panose="02020603050405020304" pitchFamily="18" charset="0"/>
+              </a:rPr>
+              <a:t>    f = </a:t>
+            </a:r>
+            <a:r>
+              <a:rPr lang="en-US" sz="2400" b="1" dirty="0">
+                <a:latin typeface="Times New Roman" panose="02020603050405020304" pitchFamily="18" charset="0"/>
+                <a:cs typeface="Times New Roman" panose="02020603050405020304" pitchFamily="18" charset="0"/>
+              </a:rPr>
+              <a:t>open</a:t>
+            </a:r>
+            <a:r>
+              <a:rPr lang="en-US" sz="2400" dirty="0">
+                <a:latin typeface="Times New Roman" panose="02020603050405020304" pitchFamily="18" charset="0"/>
+                <a:cs typeface="Times New Roman" panose="02020603050405020304" pitchFamily="18" charset="0"/>
+              </a:rPr>
+              <a:t>("test.txt", </a:t>
+            </a:r>
+            <a:r>
+              <a:rPr lang="en-US" sz="2400" b="1" dirty="0">
+                <a:latin typeface="Times New Roman" panose="02020603050405020304" pitchFamily="18" charset="0"/>
+                <a:cs typeface="Times New Roman" panose="02020603050405020304" pitchFamily="18" charset="0"/>
+              </a:rPr>
+              <a:t>encoding</a:t>
+            </a:r>
+            <a:r>
+              <a:rPr lang="en-US" sz="2400" dirty="0">
+                <a:latin typeface="Times New Roman" panose="02020603050405020304" pitchFamily="18" charset="0"/>
+                <a:cs typeface="Times New Roman" panose="02020603050405020304" pitchFamily="18" charset="0"/>
+              </a:rPr>
+              <a:t> = 'utf-8’); // </a:t>
+            </a:r>
+            <a:r>
+              <a:rPr lang="en-US" sz="2400" b="1" dirty="0">
+                <a:solidFill>
+                  <a:srgbClr val="FF0000"/>
+                </a:solidFill>
+                <a:latin typeface="Times New Roman" panose="02020603050405020304" pitchFamily="18" charset="0"/>
+                <a:cs typeface="Times New Roman" panose="02020603050405020304" pitchFamily="18" charset="0"/>
+              </a:rPr>
+              <a:t>O </a:t>
+            </a:r>
+            <a:r>
+              <a:rPr lang="en-US" sz="2400" b="1" dirty="0" err="1">
+                <a:solidFill>
+                  <a:srgbClr val="FF0000"/>
+                </a:solidFill>
+                <a:latin typeface="Times New Roman" panose="02020603050405020304" pitchFamily="18" charset="0"/>
+                <a:cs typeface="Times New Roman" panose="02020603050405020304" pitchFamily="18" charset="0"/>
+              </a:rPr>
+              <a:t>arq</a:t>
+            </a:r>
+            <a:r>
+              <a:rPr lang="en-US" sz="2400" b="1" dirty="0">
+                <a:solidFill>
+                  <a:srgbClr val="FF0000"/>
+                </a:solidFill>
+                <a:latin typeface="Times New Roman" panose="02020603050405020304" pitchFamily="18" charset="0"/>
+                <a:cs typeface="Times New Roman" panose="02020603050405020304" pitchFamily="18" charset="0"/>
+              </a:rPr>
+              <a:t> </a:t>
+            </a:r>
+            <a:r>
+              <a:rPr lang="en-US" sz="2400" b="1" dirty="0" err="1">
+                <a:solidFill>
+                  <a:srgbClr val="FF0000"/>
+                </a:solidFill>
+                <a:latin typeface="Times New Roman" panose="02020603050405020304" pitchFamily="18" charset="0"/>
+                <a:cs typeface="Times New Roman" panose="02020603050405020304" pitchFamily="18" charset="0"/>
+              </a:rPr>
+              <a:t>deve</a:t>
+            </a:r>
+            <a:r>
+              <a:rPr lang="en-US" sz="2400" b="1" dirty="0">
+                <a:solidFill>
+                  <a:srgbClr val="FF0000"/>
+                </a:solidFill>
+                <a:latin typeface="Times New Roman" panose="02020603050405020304" pitchFamily="18" charset="0"/>
+                <a:cs typeface="Times New Roman" panose="02020603050405020304" pitchFamily="18" charset="0"/>
+              </a:rPr>
+              <a:t> </a:t>
+            </a:r>
+            <a:r>
+              <a:rPr lang="en-US" sz="2400" b="1" dirty="0" err="1">
+                <a:solidFill>
+                  <a:srgbClr val="FF0000"/>
+                </a:solidFill>
+                <a:latin typeface="Times New Roman" panose="02020603050405020304" pitchFamily="18" charset="0"/>
+                <a:cs typeface="Times New Roman" panose="02020603050405020304" pitchFamily="18" charset="0"/>
+              </a:rPr>
+              <a:t>existir</a:t>
+            </a:r>
+            <a:r>
+              <a:rPr lang="en-US" sz="2400" dirty="0">
+                <a:latin typeface="Times New Roman" panose="02020603050405020304" pitchFamily="18" charset="0"/>
+                <a:cs typeface="Times New Roman" panose="02020603050405020304" pitchFamily="18" charset="0"/>
+              </a:rPr>
+              <a:t> </a:t>
+            </a:r>
+          </a:p>
+          <a:p>
+            <a:pPr marL="0" indent="0" algn="just">
+              <a:buNone/>
+            </a:pPr>
+            <a:r>
+              <a:rPr lang="en-US" sz="2400" b="1" dirty="0">
+                <a:solidFill>
+                  <a:srgbClr val="FF0000"/>
+                </a:solidFill>
+                <a:latin typeface="Times New Roman" panose="02020603050405020304" pitchFamily="18" charset="0"/>
+                <a:cs typeface="Times New Roman" panose="02020603050405020304" pitchFamily="18" charset="0"/>
+              </a:rPr>
+              <a:t>finally</a:t>
+            </a:r>
+            <a:r>
+              <a:rPr lang="en-US" sz="2400" dirty="0">
+                <a:latin typeface="Times New Roman" panose="02020603050405020304" pitchFamily="18" charset="0"/>
+                <a:cs typeface="Times New Roman" panose="02020603050405020304" pitchFamily="18" charset="0"/>
+              </a:rPr>
+              <a:t>:</a:t>
+            </a:r>
+          </a:p>
+          <a:p>
+            <a:pPr marL="0" indent="0" algn="just">
+              <a:buNone/>
+            </a:pPr>
+            <a:r>
+              <a:rPr lang="en-US" sz="2400" dirty="0">
+                <a:latin typeface="Times New Roman" panose="02020603050405020304" pitchFamily="18" charset="0"/>
+                <a:cs typeface="Times New Roman" panose="02020603050405020304" pitchFamily="18" charset="0"/>
+              </a:rPr>
+              <a:t>    </a:t>
+            </a:r>
+            <a:r>
+              <a:rPr lang="en-US" sz="2400" dirty="0" err="1">
+                <a:latin typeface="Times New Roman" panose="02020603050405020304" pitchFamily="18" charset="0"/>
+                <a:cs typeface="Times New Roman" panose="02020603050405020304" pitchFamily="18" charset="0"/>
+              </a:rPr>
+              <a:t>f.</a:t>
+            </a:r>
+            <a:r>
+              <a:rPr lang="en-US" sz="2400" b="1" dirty="0" err="1">
+                <a:latin typeface="Times New Roman" panose="02020603050405020304" pitchFamily="18" charset="0"/>
+                <a:cs typeface="Times New Roman" panose="02020603050405020304" pitchFamily="18" charset="0"/>
+              </a:rPr>
+              <a:t>close</a:t>
+            </a:r>
+            <a:r>
+              <a:rPr lang="en-US" sz="2400" dirty="0">
+                <a:latin typeface="Times New Roman" panose="02020603050405020304" pitchFamily="18" charset="0"/>
+                <a:cs typeface="Times New Roman" panose="02020603050405020304" pitchFamily="18" charset="0"/>
+              </a:rPr>
+              <a:t>();</a:t>
+            </a:r>
+          </a:p>
+          <a:p>
+            <a:pPr marL="0" indent="0" algn="just">
+              <a:buNone/>
+            </a:pPr>
+            <a:r>
+              <a:rPr lang="en-US" sz="2400" dirty="0">
+                <a:latin typeface="Times New Roman" panose="02020603050405020304" pitchFamily="18" charset="0"/>
+                <a:cs typeface="Times New Roman" panose="02020603050405020304" pitchFamily="18" charset="0"/>
+              </a:rPr>
+              <a:t>			OU</a:t>
+            </a:r>
+          </a:p>
+          <a:p>
+            <a:pPr marL="0" indent="0" algn="just">
+              <a:buNone/>
+            </a:pPr>
+            <a:r>
+              <a:rPr lang="en-US" sz="2400" b="1" dirty="0">
                 <a:latin typeface="Times New Roman" panose="02020603050405020304" pitchFamily="18" charset="0"/>
                 <a:cs typeface="Times New Roman" panose="02020603050405020304" pitchFamily="18" charset="0"/>
               </a:rPr>
@@ -9416,7 +10028,74 @@
                 <a:latin typeface="Times New Roman" panose="02020603050405020304" pitchFamily="18" charset="0"/>
                 <a:cs typeface="Times New Roman" panose="02020603050405020304" pitchFamily="18" charset="0"/>
               </a:rPr>
-              <a:t>:</a:t>
+              <a:t>: // </a:t>
+            </a:r>
+            <a:r>
+              <a:rPr lang="en-US" sz="2400" b="1" dirty="0">
+                <a:solidFill>
+                  <a:srgbClr val="FF0000"/>
+                </a:solidFill>
+                <a:latin typeface="Times New Roman" panose="02020603050405020304" pitchFamily="18" charset="0"/>
+                <a:cs typeface="Times New Roman" panose="02020603050405020304" pitchFamily="18" charset="0"/>
+              </a:rPr>
+              <a:t>O </a:t>
+            </a:r>
+            <a:r>
+              <a:rPr lang="en-US" sz="2400" b="1" dirty="0" err="1">
+                <a:solidFill>
+                  <a:srgbClr val="FF0000"/>
+                </a:solidFill>
+                <a:latin typeface="Times New Roman" panose="02020603050405020304" pitchFamily="18" charset="0"/>
+                <a:cs typeface="Times New Roman" panose="02020603050405020304" pitchFamily="18" charset="0"/>
+              </a:rPr>
+              <a:t>arq</a:t>
+            </a:r>
+            <a:r>
+              <a:rPr lang="en-US" sz="2400" b="1" dirty="0">
+                <a:solidFill>
+                  <a:srgbClr val="FF0000"/>
+                </a:solidFill>
+                <a:latin typeface="Times New Roman" panose="02020603050405020304" pitchFamily="18" charset="0"/>
+                <a:cs typeface="Times New Roman" panose="02020603050405020304" pitchFamily="18" charset="0"/>
+              </a:rPr>
+              <a:t> </a:t>
+            </a:r>
+            <a:r>
+              <a:rPr lang="en-US" sz="2400" b="1" dirty="0" err="1">
+                <a:solidFill>
+                  <a:srgbClr val="FF0000"/>
+                </a:solidFill>
+                <a:latin typeface="Times New Roman" panose="02020603050405020304" pitchFamily="18" charset="0"/>
+                <a:cs typeface="Times New Roman" panose="02020603050405020304" pitchFamily="18" charset="0"/>
+              </a:rPr>
+              <a:t>deve</a:t>
+            </a:r>
+            <a:r>
+              <a:rPr lang="en-US" sz="2400" b="1" dirty="0">
+                <a:solidFill>
+                  <a:srgbClr val="FF0000"/>
+                </a:solidFill>
+                <a:latin typeface="Times New Roman" panose="02020603050405020304" pitchFamily="18" charset="0"/>
+                <a:cs typeface="Times New Roman" panose="02020603050405020304" pitchFamily="18" charset="0"/>
+              </a:rPr>
+              <a:t> </a:t>
+            </a:r>
+            <a:r>
+              <a:rPr lang="en-US" sz="2400" b="1" dirty="0" err="1">
+                <a:solidFill>
+                  <a:srgbClr val="FF0000"/>
+                </a:solidFill>
+                <a:latin typeface="Times New Roman" panose="02020603050405020304" pitchFamily="18" charset="0"/>
+                <a:cs typeface="Times New Roman" panose="02020603050405020304" pitchFamily="18" charset="0"/>
+              </a:rPr>
+              <a:t>existir</a:t>
+            </a:r>
+            <a:r>
+              <a:rPr lang="en-US" sz="2400" dirty="0">
+                <a:latin typeface="Times New Roman" panose="02020603050405020304" pitchFamily="18" charset="0"/>
+                <a:cs typeface="Times New Roman" panose="02020603050405020304" pitchFamily="18" charset="0"/>
+              </a:rPr>
+              <a:t> </a:t>
             </a:r>
           </a:p>
           <a:p>
@@ -9424,121 +10103,37 @@
               <a:buNone/>
             </a:pPr>
             <a:r>
-              <a:rPr lang="en-US" sz="2400" dirty="0" err="1">
-                <a:latin typeface="Times New Roman" panose="02020603050405020304" pitchFamily="18" charset="0"/>
-                <a:cs typeface="Times New Roman" panose="02020603050405020304" pitchFamily="18" charset="0"/>
-              </a:rPr>
-              <a:t>f.</a:t>
+              <a:rPr lang="en-US" sz="2400" dirty="0">
+                <a:latin typeface="Times New Roman" panose="02020603050405020304" pitchFamily="18" charset="0"/>
+                <a:cs typeface="Times New Roman" panose="02020603050405020304" pitchFamily="18" charset="0"/>
+              </a:rPr>
+              <a:t>	</a:t>
             </a:r>
             <a:r>
               <a:rPr lang="en-US" sz="2400" b="1" dirty="0" err="1">
                 <a:latin typeface="Times New Roman" panose="02020603050405020304" pitchFamily="18" charset="0"/>
                 <a:cs typeface="Times New Roman" panose="02020603050405020304" pitchFamily="18" charset="0"/>
               </a:rPr>
-              <a:t>write</a:t>
+              <a:t>instruções</a:t>
             </a:r>
             <a:r>
               <a:rPr lang="en-US" sz="2400" dirty="0">
                 <a:latin typeface="Times New Roman" panose="02020603050405020304" pitchFamily="18" charset="0"/>
                 <a:cs typeface="Times New Roman" panose="02020603050405020304" pitchFamily="18" charset="0"/>
               </a:rPr>
-              <a:t>(“Julia\n");</a:t>
-            </a:r>
-          </a:p>
-          <a:p>
-            <a:pPr marL="0" indent="0" algn="just">
-              <a:buNone/>
-            </a:pPr>
-            <a:r>
-              <a:rPr lang="en-US" sz="2400" dirty="0" err="1">
-                <a:latin typeface="Times New Roman" panose="02020603050405020304" pitchFamily="18" charset="0"/>
-                <a:cs typeface="Times New Roman" panose="02020603050405020304" pitchFamily="18" charset="0"/>
-              </a:rPr>
-              <a:t>f.</a:t>
-            </a:r>
-            <a:r>
-              <a:rPr lang="en-US" sz="2400" b="1" dirty="0" err="1">
-                <a:latin typeface="Times New Roman" panose="02020603050405020304" pitchFamily="18" charset="0"/>
-                <a:cs typeface="Times New Roman" panose="02020603050405020304" pitchFamily="18" charset="0"/>
-              </a:rPr>
-              <a:t>write</a:t>
-            </a:r>
-            <a:r>
-              <a:rPr lang="en-US" sz="2400" dirty="0">
-                <a:latin typeface="Times New Roman" panose="02020603050405020304" pitchFamily="18" charset="0"/>
-                <a:cs typeface="Times New Roman" panose="02020603050405020304" pitchFamily="18" charset="0"/>
-              </a:rPr>
-              <a:t>(“Maria\n\n");</a:t>
-            </a:r>
-          </a:p>
-          <a:p>
-            <a:pPr marL="0" indent="0" algn="just">
-              <a:buNone/>
-            </a:pPr>
-            <a:r>
-              <a:rPr lang="en-US" sz="2400" dirty="0" err="1">
-                <a:latin typeface="Times New Roman" panose="02020603050405020304" pitchFamily="18" charset="0"/>
-                <a:cs typeface="Times New Roman" panose="02020603050405020304" pitchFamily="18" charset="0"/>
-              </a:rPr>
-              <a:t>f.</a:t>
-            </a:r>
-            <a:r>
-              <a:rPr lang="en-US" sz="2400" b="1" dirty="0" err="1">
-                <a:latin typeface="Times New Roman" panose="02020603050405020304" pitchFamily="18" charset="0"/>
-                <a:cs typeface="Times New Roman" panose="02020603050405020304" pitchFamily="18" charset="0"/>
-              </a:rPr>
-              <a:t>write</a:t>
-            </a:r>
-            <a:r>
-              <a:rPr lang="en-US" sz="2400" dirty="0">
-                <a:latin typeface="Times New Roman" panose="02020603050405020304" pitchFamily="18" charset="0"/>
-                <a:cs typeface="Times New Roman" panose="02020603050405020304" pitchFamily="18" charset="0"/>
-              </a:rPr>
-              <a:t>(“</a:t>
-            </a:r>
-            <a:r>
-              <a:rPr lang="en-US" sz="2400" dirty="0" err="1">
-                <a:latin typeface="Times New Roman" panose="02020603050405020304" pitchFamily="18" charset="0"/>
-                <a:cs typeface="Times New Roman" panose="02020603050405020304" pitchFamily="18" charset="0"/>
-              </a:rPr>
-              <a:t>josy</a:t>
-            </a:r>
-            <a:r>
-              <a:rPr lang="en-US" sz="2400" dirty="0">
-                <a:latin typeface="Times New Roman" panose="02020603050405020304" pitchFamily="18" charset="0"/>
-                <a:cs typeface="Times New Roman" panose="02020603050405020304" pitchFamily="18" charset="0"/>
-              </a:rPr>
-              <a:t>\n");</a:t>
+              <a:t>;</a:t>
             </a:r>
             <a:endParaRPr lang="pt-BR" sz="2400" dirty="0">
               <a:latin typeface="Times New Roman" panose="02020603050405020304" pitchFamily="18" charset="0"/>
               <a:cs typeface="Times New Roman" panose="02020603050405020304" pitchFamily="18" charset="0"/>
             </a:endParaRPr>
           </a:p>
-          <a:p>
-            <a:pPr marL="0" indent="0" algn="just">
-              <a:buNone/>
-            </a:pPr>
-            <a:endParaRPr lang="en-US" sz="2400" dirty="0">
-              <a:latin typeface="Times New Roman" panose="02020603050405020304" pitchFamily="18" charset="0"/>
-              <a:cs typeface="Times New Roman" panose="02020603050405020304" pitchFamily="18" charset="0"/>
-            </a:endParaRPr>
-          </a:p>
-          <a:p>
-            <a:pPr marL="0" indent="0" algn="just">
-              <a:buNone/>
-            </a:pPr>
-            <a:endParaRPr lang="pt-BR" sz="2400" dirty="0">
-              <a:latin typeface="Times New Roman" panose="02020603050405020304" pitchFamily="18" charset="0"/>
-              <a:cs typeface="Times New Roman" panose="02020603050405020304" pitchFamily="18" charset="0"/>
-            </a:endParaRPr>
-          </a:p>
         </p:txBody>
       </p:sp>
     </p:spTree>
     <p:extLst>
       <p:ext uri="{BB962C8B-B14F-4D97-AF65-F5344CB8AC3E}">
-        <p14:creationId xmlns:p14="http://schemas.microsoft.com/office/powerpoint/2010/main" val="1472508492"/>
+        <p14:creationId xmlns:p14="http://schemas.microsoft.com/office/powerpoint/2010/main" val="1005281443"/>
       </p:ext>
     </p:extLst>
   </p:cSld>
@@ -9576,36 +10171,34 @@
             <p:ph type="title"/>
           </p:nvPr>
         </p:nvSpPr>
-        <p:spPr/>
+        <p:spPr>
+          <a:xfrm>
+            <a:off x="142864" y="205980"/>
+            <a:ext cx="8865055" cy="620738"/>
+          </a:xfrm>
+        </p:spPr>
         <p:txBody>
           <a:bodyPr>
             <a:normAutofit/>
           </a:bodyPr>
           <a:lstStyle/>
           <a:p>
+            <a:pPr algn="ctr"/>
+            <a:r>
+              <a:rPr lang="en-US" b="1" dirty="0">
+                <a:solidFill>
+                  <a:srgbClr val="0070C0"/>
+                </a:solidFill>
+              </a:rPr>
+              <a:t>FILE - </a:t>
+            </a:r>
             <a:r>
               <a:rPr lang="en-US" b="1" dirty="0" err="1">
                 <a:solidFill>
                   <a:srgbClr val="0070C0"/>
                 </a:solidFill>
               </a:rPr>
-              <a:t>Leitura</a:t>
-            </a:r>
-            <a:r>
-              <a:rPr lang="en-US" b="1" dirty="0">
-                <a:solidFill>
-                  <a:srgbClr val="0070C0"/>
-                </a:solidFill>
-              </a:rPr>
-              <a:t> </a:t>
-            </a:r>
-            <a:r>
-              <a:rPr lang="en-US" b="1" dirty="0" err="1">
-                <a:solidFill>
-                  <a:srgbClr val="0070C0"/>
-                </a:solidFill>
-              </a:rPr>
-              <a:t>Específica</a:t>
+              <a:t>Gravando</a:t>
             </a:r>
             <a:endParaRPr lang="en-US" b="1" dirty="0">
               <a:solidFill>
@@ -9627,8 +10220,8 @@
         </p:nvSpPr>
         <p:spPr>
           <a:xfrm>
-            <a:off x="142865" y="1200151"/>
-            <a:ext cx="8865056" cy="3722578"/>
+            <a:off x="142864" y="861864"/>
+            <a:ext cx="8865056" cy="4075656"/>
           </a:xfrm>
         </p:spPr>
         <p:txBody>
@@ -9641,33 +10234,194 @@
               <a:buNone/>
             </a:pPr>
             <a:r>
-              <a:rPr lang="pt-BR" sz="2400" dirty="0">
-                <a:latin typeface="Times New Roman" panose="02020603050405020304" pitchFamily="18" charset="0"/>
-                <a:cs typeface="Times New Roman" panose="02020603050405020304" pitchFamily="18" charset="0"/>
-              </a:rPr>
-              <a:t>[1] Site: </a:t>
-            </a:r>
+              <a:rPr lang="en-US" sz="2400" b="1" dirty="0">
+                <a:latin typeface="Times New Roman" panose="02020603050405020304" pitchFamily="18" charset="0"/>
+                <a:cs typeface="Times New Roman" panose="02020603050405020304" pitchFamily="18" charset="0"/>
+              </a:rPr>
+              <a:t>with</a:t>
+            </a:r>
+            <a:r>
+              <a:rPr lang="en-US" sz="2400" dirty="0">
+                <a:latin typeface="Times New Roman" panose="02020603050405020304" pitchFamily="18" charset="0"/>
+                <a:cs typeface="Times New Roman" panose="02020603050405020304" pitchFamily="18" charset="0"/>
+              </a:rPr>
+              <a:t> </a:t>
+            </a:r>
+            <a:r>
+              <a:rPr lang="en-US" sz="2400" b="1" dirty="0">
+                <a:latin typeface="Times New Roman" panose="02020603050405020304" pitchFamily="18" charset="0"/>
+                <a:cs typeface="Times New Roman" panose="02020603050405020304" pitchFamily="18" charset="0"/>
+              </a:rPr>
+              <a:t>open</a:t>
+            </a:r>
+            <a:r>
+              <a:rPr lang="en-US" sz="2400" dirty="0">
+                <a:latin typeface="Times New Roman" panose="02020603050405020304" pitchFamily="18" charset="0"/>
+                <a:cs typeface="Times New Roman" panose="02020603050405020304" pitchFamily="18" charset="0"/>
+              </a:rPr>
+              <a:t>(“f://listaNiver.txt", “</a:t>
+            </a:r>
+            <a:r>
+              <a:rPr lang="en-US" sz="2400" dirty="0" err="1">
+                <a:latin typeface="Times New Roman" panose="02020603050405020304" pitchFamily="18" charset="0"/>
+                <a:cs typeface="Times New Roman" panose="02020603050405020304" pitchFamily="18" charset="0"/>
+              </a:rPr>
+              <a:t>wt</a:t>
+            </a:r>
+            <a:r>
+              <a:rPr lang="en-US" sz="2400" dirty="0">
+                <a:latin typeface="Times New Roman" panose="02020603050405020304" pitchFamily="18" charset="0"/>
+                <a:cs typeface="Times New Roman" panose="02020603050405020304" pitchFamily="18" charset="0"/>
+              </a:rPr>
+              <a:t>”, </a:t>
+            </a:r>
+            <a:r>
+              <a:rPr lang="en-US" sz="2400" b="1" dirty="0">
+                <a:latin typeface="Times New Roman" panose="02020603050405020304" pitchFamily="18" charset="0"/>
+                <a:cs typeface="Times New Roman" panose="02020603050405020304" pitchFamily="18" charset="0"/>
+              </a:rPr>
+              <a:t>encoding</a:t>
+            </a:r>
+            <a:r>
+              <a:rPr lang="en-US" sz="2400" dirty="0">
+                <a:latin typeface="Times New Roman" panose="02020603050405020304" pitchFamily="18" charset="0"/>
+                <a:cs typeface="Times New Roman" panose="02020603050405020304" pitchFamily="18" charset="0"/>
+              </a:rPr>
+              <a:t> = '</a:t>
+            </a:r>
+            <a:r>
+              <a:rPr lang="en-US" sz="2400" b="1" dirty="0">
+                <a:solidFill>
+                  <a:srgbClr val="FF0000"/>
+                </a:solidFill>
+                <a:latin typeface="Times New Roman" panose="02020603050405020304" pitchFamily="18" charset="0"/>
+                <a:cs typeface="Times New Roman" panose="02020603050405020304" pitchFamily="18" charset="0"/>
+              </a:rPr>
+              <a:t>utf-8</a:t>
+            </a:r>
+            <a:r>
+              <a:rPr lang="en-US" sz="2400" dirty="0">
+                <a:latin typeface="Times New Roman" panose="02020603050405020304" pitchFamily="18" charset="0"/>
+                <a:cs typeface="Times New Roman" panose="02020603050405020304" pitchFamily="18" charset="0"/>
+              </a:rPr>
+              <a:t>') as </a:t>
+            </a:r>
+            <a:r>
+              <a:rPr lang="en-US" sz="2400" b="1" dirty="0">
+                <a:latin typeface="Times New Roman" panose="02020603050405020304" pitchFamily="18" charset="0"/>
+                <a:cs typeface="Times New Roman" panose="02020603050405020304" pitchFamily="18" charset="0"/>
+              </a:rPr>
+              <a:t>f</a:t>
+            </a:r>
+            <a:r>
+              <a:rPr lang="en-US" sz="2400" dirty="0">
+                <a:latin typeface="Times New Roman" panose="02020603050405020304" pitchFamily="18" charset="0"/>
+                <a:cs typeface="Times New Roman" panose="02020603050405020304" pitchFamily="18" charset="0"/>
+              </a:rPr>
+              <a:t>:</a:t>
+            </a:r>
+          </a:p>
+          <a:p>
+            <a:pPr marL="619125" lvl="1" indent="0" algn="just">
+              <a:buNone/>
+            </a:pPr>
+            <a:r>
+              <a:rPr lang="en-US" sz="2400" dirty="0" err="1">
+                <a:latin typeface="Times New Roman" panose="02020603050405020304" pitchFamily="18" charset="0"/>
+                <a:cs typeface="Times New Roman" panose="02020603050405020304" pitchFamily="18" charset="0"/>
+              </a:rPr>
+              <a:t>f.</a:t>
+            </a:r>
+            <a:r>
+              <a:rPr lang="en-US" sz="2400" b="1" dirty="0" err="1">
+                <a:latin typeface="Times New Roman" panose="02020603050405020304" pitchFamily="18" charset="0"/>
+                <a:cs typeface="Times New Roman" panose="02020603050405020304" pitchFamily="18" charset="0"/>
+              </a:rPr>
+              <a:t>write</a:t>
+            </a:r>
+            <a:r>
+              <a:rPr lang="en-US" sz="2400" dirty="0">
+                <a:latin typeface="Times New Roman" panose="02020603050405020304" pitchFamily="18" charset="0"/>
+                <a:cs typeface="Times New Roman" panose="02020603050405020304" pitchFamily="18" charset="0"/>
+              </a:rPr>
+              <a:t>(“Julia\n");</a:t>
+            </a:r>
+          </a:p>
+          <a:p>
+            <a:pPr marL="619125" lvl="1" indent="0" algn="just">
+              <a:buNone/>
+            </a:pPr>
+            <a:r>
+              <a:rPr lang="en-US" sz="2400" dirty="0" err="1">
+                <a:latin typeface="Times New Roman" panose="02020603050405020304" pitchFamily="18" charset="0"/>
+                <a:cs typeface="Times New Roman" panose="02020603050405020304" pitchFamily="18" charset="0"/>
+              </a:rPr>
+              <a:t>f.</a:t>
+            </a:r>
+            <a:r>
+              <a:rPr lang="en-US" sz="2400" b="1" dirty="0" err="1">
+                <a:latin typeface="Times New Roman" panose="02020603050405020304" pitchFamily="18" charset="0"/>
+                <a:cs typeface="Times New Roman" panose="02020603050405020304" pitchFamily="18" charset="0"/>
+              </a:rPr>
+              <a:t>write</a:t>
+            </a:r>
+            <a:r>
+              <a:rPr lang="en-US" sz="2400" dirty="0">
+                <a:latin typeface="Times New Roman" panose="02020603050405020304" pitchFamily="18" charset="0"/>
+                <a:cs typeface="Times New Roman" panose="02020603050405020304" pitchFamily="18" charset="0"/>
+              </a:rPr>
+              <a:t>(“Maria\n");</a:t>
+            </a:r>
+          </a:p>
+          <a:p>
+            <a:pPr marL="619125" lvl="1" indent="0" algn="just">
+              <a:buNone/>
+            </a:pPr>
+            <a:r>
+              <a:rPr lang="en-US" sz="2400" dirty="0" err="1">
+                <a:latin typeface="Times New Roman" panose="02020603050405020304" pitchFamily="18" charset="0"/>
+                <a:cs typeface="Times New Roman" panose="02020603050405020304" pitchFamily="18" charset="0"/>
+              </a:rPr>
+              <a:t>f.</a:t>
+            </a:r>
+            <a:r>
+              <a:rPr lang="en-US" sz="2400" b="1" dirty="0" err="1">
+                <a:latin typeface="Times New Roman" panose="02020603050405020304" pitchFamily="18" charset="0"/>
+                <a:cs typeface="Times New Roman" panose="02020603050405020304" pitchFamily="18" charset="0"/>
+              </a:rPr>
+              <a:t>write</a:t>
+            </a:r>
+            <a:r>
+              <a:rPr lang="en-US" sz="2400" dirty="0">
+                <a:latin typeface="Times New Roman" panose="02020603050405020304" pitchFamily="18" charset="0"/>
+                <a:cs typeface="Times New Roman" panose="02020603050405020304" pitchFamily="18" charset="0"/>
+              </a:rPr>
+              <a:t>(“</a:t>
+            </a:r>
+            <a:r>
+              <a:rPr lang="en-US" sz="2400" dirty="0" err="1">
+                <a:latin typeface="Times New Roman" panose="02020603050405020304" pitchFamily="18" charset="0"/>
+                <a:cs typeface="Times New Roman" panose="02020603050405020304" pitchFamily="18" charset="0"/>
+              </a:rPr>
+              <a:t>josy</a:t>
+            </a:r>
+            <a:r>
+              <a:rPr lang="en-US" sz="2400" dirty="0">
+                <a:latin typeface="Times New Roman" panose="02020603050405020304" pitchFamily="18" charset="0"/>
+                <a:cs typeface="Times New Roman" panose="02020603050405020304" pitchFamily="18" charset="0"/>
+              </a:rPr>
+              <a:t>\n");</a:t>
+            </a:r>
+            <a:endParaRPr lang="pt-BR" sz="2400" dirty="0">
+              <a:latin typeface="Times New Roman" panose="02020603050405020304" pitchFamily="18" charset="0"/>
+              <a:cs typeface="Times New Roman" panose="02020603050405020304" pitchFamily="18" charset="0"/>
+            </a:endParaRPr>
           </a:p>
           <a:p>
             <a:pPr marL="0" indent="0" algn="just">
               <a:buNone/>
             </a:pPr>
-            <a:r>
-              <a:rPr lang="pt-BR" sz="2400" dirty="0">
-                <a:latin typeface="Times New Roman" panose="02020603050405020304" pitchFamily="18" charset="0"/>
-                <a:cs typeface="Times New Roman" panose="02020603050405020304" pitchFamily="18" charset="0"/>
-              </a:rPr>
-              <a:t>      </a:t>
-            </a:r>
-            <a:r>
-              <a:rPr lang="pt-BR" sz="2400" dirty="0">
-                <a:latin typeface="Times New Roman" panose="02020603050405020304" pitchFamily="18" charset="0"/>
-                <a:cs typeface="Times New Roman" panose="02020603050405020304" pitchFamily="18" charset="0"/>
-                <a:hlinkClick r:id="rId3"/>
-              </a:rPr>
-              <a:t>https://www.w3schools.com/python/python_json.asp</a:t>
-            </a:r>
-            <a:endParaRPr lang="pt-BR" sz="2400" dirty="0">
+            <a:endParaRPr lang="en-US" sz="2400" dirty="0">
               <a:latin typeface="Times New Roman" panose="02020603050405020304" pitchFamily="18" charset="0"/>
               <a:cs typeface="Times New Roman" panose="02020603050405020304" pitchFamily="18" charset="0"/>
             </a:endParaRPr>
@@ -9681,125 +10435,12 @@
               <a:cs typeface="Times New Roman" panose="02020603050405020304" pitchFamily="18" charset="0"/>
             </a:endParaRPr>
           </a:p>
-          <a:p>
-            <a:pPr marL="0" indent="0" algn="just">
-              <a:buNone/>
-            </a:pPr>
-            <a:r>
-              <a:rPr lang="pt-BR" sz="2400" dirty="0">
-                <a:latin typeface="Times New Roman" panose="02020603050405020304" pitchFamily="18" charset="0"/>
-                <a:cs typeface="Times New Roman" panose="02020603050405020304" pitchFamily="18" charset="0"/>
-              </a:rPr>
-              <a:t>[2] Site: </a:t>
-            </a:r>
-          </a:p>
-          <a:p>
-            <a:pPr marL="0" indent="0" algn="just">
-              <a:buNone/>
-            </a:pPr>
-            <a:r>
-              <a:rPr lang="pt-BR" sz="2400" dirty="0">
-                <a:latin typeface="Times New Roman" panose="02020603050405020304" pitchFamily="18" charset="0"/>
-                <a:cs typeface="Times New Roman" panose="02020603050405020304" pitchFamily="18" charset="0"/>
-              </a:rPr>
-              <a:t>     </a:t>
-            </a:r>
-            <a:r>
-              <a:rPr lang="pt-BR" sz="2400" dirty="0">
-                <a:latin typeface="Times New Roman" panose="02020603050405020304" pitchFamily="18" charset="0"/>
-                <a:cs typeface="Times New Roman" panose="02020603050405020304" pitchFamily="18" charset="0"/>
-                <a:hlinkClick r:id="rId4"/>
-              </a:rPr>
-              <a:t>https://www.w3schools.com/python/python_file_handling.asp</a:t>
-            </a:r>
-            <a:endParaRPr lang="pt-BR" sz="2400" dirty="0">
-              <a:latin typeface="Times New Roman" panose="02020603050405020304" pitchFamily="18" charset="0"/>
-              <a:cs typeface="Times New Roman" panose="02020603050405020304" pitchFamily="18" charset="0"/>
-            </a:endParaRPr>
-          </a:p>
-          <a:p>
-            <a:pPr marL="0" indent="0" algn="just">
-              <a:buNone/>
-            </a:pPr>
-            <a:endParaRPr lang="pt-BR" sz="2400" dirty="0">
-              <a:latin typeface="Times New Roman" panose="02020603050405020304" pitchFamily="18" charset="0"/>
-              <a:cs typeface="Times New Roman" panose="02020603050405020304" pitchFamily="18" charset="0"/>
-            </a:endParaRPr>
-          </a:p>
-          <a:p>
-            <a:pPr marL="0" indent="0" algn="just">
-              <a:buNone/>
-            </a:pPr>
-            <a:r>
-              <a:rPr lang="pt-BR" sz="2400" dirty="0">
-                <a:latin typeface="Times New Roman" panose="02020603050405020304" pitchFamily="18" charset="0"/>
-                <a:cs typeface="Times New Roman" panose="02020603050405020304" pitchFamily="18" charset="0"/>
-              </a:rPr>
-              <a:t>[3] Site: </a:t>
-            </a:r>
-            <a:r>
-              <a:rPr lang="pt-BR" sz="2400" dirty="0">
-                <a:latin typeface="Times New Roman" panose="02020603050405020304" pitchFamily="18" charset="0"/>
-                <a:cs typeface="Times New Roman" panose="02020603050405020304" pitchFamily="18" charset="0"/>
-                <a:hlinkClick r:id="rId5"/>
-              </a:rPr>
-              <a:t>https://docs.python.org/pt-br/3/tutorial/</a:t>
-            </a:r>
-            <a:endParaRPr lang="pt-BR" sz="2400" dirty="0">
-              <a:latin typeface="Times New Roman" panose="02020603050405020304" pitchFamily="18" charset="0"/>
-              <a:cs typeface="Times New Roman" panose="02020603050405020304" pitchFamily="18" charset="0"/>
-            </a:endParaRPr>
-          </a:p>
-          <a:p>
-            <a:pPr marL="0" indent="0" algn="just">
-              <a:buNone/>
-            </a:pPr>
-            <a:endParaRPr lang="pt-BR" sz="2400" dirty="0">
-              <a:latin typeface="Times New Roman" panose="02020603050405020304" pitchFamily="18" charset="0"/>
-              <a:cs typeface="Times New Roman" panose="02020603050405020304" pitchFamily="18" charset="0"/>
-            </a:endParaRPr>
-          </a:p>
-          <a:p>
-            <a:pPr marL="0" indent="0" algn="just">
-              <a:buNone/>
-            </a:pPr>
-            <a:endParaRPr lang="pt-BR" sz="2400" dirty="0">
-              <a:latin typeface="Times New Roman" panose="02020603050405020304" pitchFamily="18" charset="0"/>
-              <a:cs typeface="Times New Roman" panose="02020603050405020304" pitchFamily="18" charset="0"/>
-            </a:endParaRPr>
-          </a:p>
-          <a:p>
-            <a:pPr marL="0" indent="0" algn="just">
-              <a:buNone/>
-            </a:pPr>
-            <a:endParaRPr lang="pt-BR" sz="2400" dirty="0">
-              <a:latin typeface="Times New Roman" panose="02020603050405020304" pitchFamily="18" charset="0"/>
-              <a:cs typeface="Times New Roman" panose="02020603050405020304" pitchFamily="18" charset="0"/>
-            </a:endParaRPr>
-          </a:p>
-          <a:p>
-            <a:pPr marL="0" indent="0" algn="just">
-              <a:buNone/>
-            </a:pPr>
-            <a:endParaRPr lang="pt-BR" sz="2400" dirty="0">
-              <a:latin typeface="Times New Roman" panose="02020603050405020304" pitchFamily="18" charset="0"/>
-              <a:cs typeface="Times New Roman" panose="02020603050405020304" pitchFamily="18" charset="0"/>
-            </a:endParaRPr>
-          </a:p>
-          <a:p>
-            <a:pPr marL="0" indent="0" algn="just">
-              <a:buNone/>
-            </a:pPr>
-            <a:endParaRPr lang="pt-BR" sz="2400" dirty="0">
-              <a:latin typeface="Calibri" panose="020F0502020204030204" pitchFamily="34" charset="0"/>
-            </a:endParaRPr>
-          </a:p>
         </p:txBody>
       </p:sp>
     </p:spTree>
     <p:extLst>
       <p:ext uri="{BB962C8B-B14F-4D97-AF65-F5344CB8AC3E}">
-        <p14:creationId xmlns:p14="http://schemas.microsoft.com/office/powerpoint/2010/main" val="2747596967"/>
+        <p14:creationId xmlns:p14="http://schemas.microsoft.com/office/powerpoint/2010/main" val="1472508492"/>
       </p:ext>
     </p:extLst>
   </p:cSld>
@@ -9837,28 +10478,26 @@
             <p:ph type="title"/>
           </p:nvPr>
         </p:nvSpPr>
-        <p:spPr/>
+        <p:spPr>
+          <a:xfrm>
+            <a:off x="142864" y="205980"/>
+            <a:ext cx="8865055" cy="620738"/>
+          </a:xfrm>
+        </p:spPr>
         <p:txBody>
           <a:bodyPr>
             <a:normAutofit/>
           </a:bodyPr>
           <a:lstStyle/>
           <a:p>
-            <a:r>
-              <a:rPr lang="en-US" b="1" dirty="0" err="1">
+            <a:pPr algn="ctr"/>
+            <a:r>
+              <a:rPr lang="en-US" b="1" dirty="0">
                 <a:solidFill>
                   <a:srgbClr val="0070C0"/>
                 </a:solidFill>
               </a:rPr>
-              <a:t>Aprenda</a:t>
-            </a:r>
-            <a:r>
-              <a:rPr lang="en-US" b="1" dirty="0">
-                <a:solidFill>
-                  <a:srgbClr val="0070C0"/>
-                </a:solidFill>
-              </a:rPr>
-              <a:t>+</a:t>
+              <a:t>FILE - LENDO</a:t>
             </a:r>
           </a:p>
         </p:txBody>
@@ -9875,8 +10514,8 @@
         </p:nvSpPr>
         <p:spPr>
           <a:xfrm>
-            <a:off x="142865" y="1200151"/>
-            <a:ext cx="8865056" cy="3394472"/>
+            <a:off x="142864" y="861864"/>
+            <a:ext cx="8865056" cy="4075656"/>
           </a:xfrm>
         </p:spPr>
         <p:txBody>
@@ -9885,10 +10524,128 @@
           </a:bodyPr>
           <a:lstStyle/>
           <a:p>
+            <a:pPr marL="0" lvl="1" indent="0" algn="just">
+              <a:buNone/>
+            </a:pPr>
+            <a:r>
+              <a:rPr lang="en-US" sz="2400" b="1" dirty="0" err="1">
+                <a:solidFill>
+                  <a:srgbClr val="FF0000"/>
+                </a:solidFill>
+                <a:latin typeface="Times New Roman" panose="02020603050405020304" pitchFamily="18" charset="0"/>
+                <a:cs typeface="Times New Roman" panose="02020603050405020304" pitchFamily="18" charset="0"/>
+              </a:rPr>
+              <a:t>Exemplo</a:t>
+            </a:r>
+            <a:r>
+              <a:rPr lang="en-US" sz="2400" b="1" dirty="0">
+                <a:solidFill>
+                  <a:srgbClr val="FF0000"/>
+                </a:solidFill>
+                <a:latin typeface="Times New Roman" panose="02020603050405020304" pitchFamily="18" charset="0"/>
+                <a:cs typeface="Times New Roman" panose="02020603050405020304" pitchFamily="18" charset="0"/>
+              </a:rPr>
+              <a:t> 1</a:t>
+            </a:r>
+          </a:p>
+          <a:p>
+            <a:pPr marL="443865" lvl="2" indent="0" algn="just">
+              <a:buNone/>
+            </a:pPr>
+            <a:r>
+              <a:rPr lang="en-US" sz="2400" dirty="0" err="1">
+                <a:latin typeface="Times New Roman" panose="02020603050405020304" pitchFamily="18" charset="0"/>
+                <a:cs typeface="Times New Roman" panose="02020603050405020304" pitchFamily="18" charset="0"/>
+              </a:rPr>
+              <a:t>text_file</a:t>
+            </a:r>
+            <a:r>
+              <a:rPr lang="en-US" sz="2400" dirty="0">
+                <a:latin typeface="Times New Roman" panose="02020603050405020304" pitchFamily="18" charset="0"/>
+                <a:cs typeface="Times New Roman" panose="02020603050405020304" pitchFamily="18" charset="0"/>
+              </a:rPr>
+              <a:t> = </a:t>
+            </a:r>
+            <a:r>
+              <a:rPr lang="en-US" sz="2400" b="1" dirty="0">
+                <a:latin typeface="Times New Roman" panose="02020603050405020304" pitchFamily="18" charset="0"/>
+                <a:cs typeface="Times New Roman" panose="02020603050405020304" pitchFamily="18" charset="0"/>
+              </a:rPr>
+              <a:t>open</a:t>
+            </a:r>
+            <a:r>
+              <a:rPr lang="en-US" sz="2400" dirty="0">
+                <a:latin typeface="Times New Roman" panose="02020603050405020304" pitchFamily="18" charset="0"/>
+                <a:cs typeface="Times New Roman" panose="02020603050405020304" pitchFamily="18" charset="0"/>
+              </a:rPr>
+              <a:t>("f://listaNiver.txt“, "r");</a:t>
+            </a:r>
+          </a:p>
+          <a:p>
+            <a:pPr marL="443865" lvl="2" indent="0" algn="just">
+              <a:buNone/>
+            </a:pPr>
+            <a:r>
+              <a:rPr lang="en-US" sz="2400" b="1" dirty="0" err="1">
+                <a:latin typeface="Times New Roman" panose="02020603050405020304" pitchFamily="18" charset="0"/>
+                <a:cs typeface="Times New Roman" panose="02020603050405020304" pitchFamily="18" charset="0"/>
+              </a:rPr>
+              <a:t>lista</a:t>
+            </a:r>
+            <a:r>
+              <a:rPr lang="en-US" sz="2400" dirty="0">
+                <a:latin typeface="Times New Roman" panose="02020603050405020304" pitchFamily="18" charset="0"/>
+                <a:cs typeface="Times New Roman" panose="02020603050405020304" pitchFamily="18" charset="0"/>
+              </a:rPr>
+              <a:t> = </a:t>
+            </a:r>
+            <a:r>
+              <a:rPr lang="en-US" sz="2400" dirty="0" err="1">
+                <a:latin typeface="Times New Roman" panose="02020603050405020304" pitchFamily="18" charset="0"/>
+                <a:cs typeface="Times New Roman" panose="02020603050405020304" pitchFamily="18" charset="0"/>
+              </a:rPr>
+              <a:t>text_file.</a:t>
+            </a:r>
+            <a:r>
+              <a:rPr lang="en-US" sz="2400" b="1" dirty="0" err="1">
+                <a:solidFill>
+                  <a:srgbClr val="FF0000"/>
+                </a:solidFill>
+                <a:latin typeface="Times New Roman" panose="02020603050405020304" pitchFamily="18" charset="0"/>
+                <a:cs typeface="Times New Roman" panose="02020603050405020304" pitchFamily="18" charset="0"/>
+              </a:rPr>
+              <a:t>read</a:t>
+            </a:r>
+            <a:r>
+              <a:rPr lang="en-US" sz="2400" dirty="0">
+                <a:latin typeface="Times New Roman" panose="02020603050405020304" pitchFamily="18" charset="0"/>
+                <a:cs typeface="Times New Roman" panose="02020603050405020304" pitchFamily="18" charset="0"/>
+              </a:rPr>
+              <a:t>().</a:t>
+            </a:r>
+            <a:r>
+              <a:rPr lang="en-US" sz="2400" b="1" dirty="0">
+                <a:latin typeface="Times New Roman" panose="02020603050405020304" pitchFamily="18" charset="0"/>
+                <a:cs typeface="Times New Roman" panose="02020603050405020304" pitchFamily="18" charset="0"/>
+              </a:rPr>
+              <a:t>split</a:t>
+            </a:r>
+            <a:r>
+              <a:rPr lang="en-US" sz="2400" dirty="0">
+                <a:latin typeface="Times New Roman" panose="02020603050405020304" pitchFamily="18" charset="0"/>
+                <a:cs typeface="Times New Roman" panose="02020603050405020304" pitchFamily="18" charset="0"/>
+              </a:rPr>
+              <a:t>(',’);</a:t>
+            </a:r>
+          </a:p>
+          <a:p>
             <a:pPr marL="0" indent="0" algn="just">
               <a:buNone/>
             </a:pPr>
-            <a:endParaRPr lang="pt-BR" sz="2000" dirty="0">
+            <a:endParaRPr lang="en-US" sz="2400" b="1" dirty="0">
+              <a:solidFill>
+                <a:srgbClr val="FF0000"/>
+              </a:solidFill>
               <a:latin typeface="Times New Roman" panose="02020603050405020304" pitchFamily="18" charset="0"/>
               <a:cs typeface="Times New Roman" panose="02020603050405020304" pitchFamily="18" charset="0"/>
             </a:endParaRPr>
@@ -9898,47 +10655,138 @@
               <a:buNone/>
             </a:pPr>
             <a:r>
-              <a:rPr lang="pt-BR" sz="2000" dirty="0">
-                <a:latin typeface="Times New Roman" panose="02020603050405020304" pitchFamily="18" charset="0"/>
-                <a:cs typeface="Times New Roman" panose="02020603050405020304" pitchFamily="18" charset="0"/>
-              </a:rPr>
-              <a:t>[1</a:t>
-            </a:r>
-            <a:r>
-              <a:rPr lang="pt-BR" sz="2000">
-                <a:latin typeface="Times New Roman" panose="02020603050405020304" pitchFamily="18" charset="0"/>
-                <a:cs typeface="Times New Roman" panose="02020603050405020304" pitchFamily="18" charset="0"/>
-              </a:rPr>
-              <a:t>] </a:t>
-            </a:r>
-            <a:r>
-              <a:rPr lang="pt-BR" sz="2000">
-                <a:latin typeface="Times New Roman" panose="02020603050405020304" pitchFamily="18" charset="0"/>
-                <a:cs typeface="Times New Roman" panose="02020603050405020304" pitchFamily="18" charset="0"/>
-                <a:hlinkClick r:id="rId3"/>
-              </a:rPr>
-              <a:t>https://www.youtube.com/watch?v=XmCrArtfjaQ</a:t>
-            </a:r>
-            <a:endParaRPr lang="pt-BR" sz="2000">
-              <a:latin typeface="Times New Roman" panose="02020603050405020304" pitchFamily="18" charset="0"/>
-              <a:cs typeface="Times New Roman" panose="02020603050405020304" pitchFamily="18" charset="0"/>
-            </a:endParaRPr>
-          </a:p>
-          <a:p>
-            <a:pPr marL="0" indent="0" algn="just">
+              <a:rPr lang="en-US" sz="2400" b="1" dirty="0" err="1">
+                <a:solidFill>
+                  <a:srgbClr val="FF0000"/>
+                </a:solidFill>
+                <a:latin typeface="Times New Roman" panose="02020603050405020304" pitchFamily="18" charset="0"/>
+                <a:cs typeface="Times New Roman" panose="02020603050405020304" pitchFamily="18" charset="0"/>
+              </a:rPr>
+              <a:t>Exemplo</a:t>
+            </a:r>
+            <a:r>
+              <a:rPr lang="en-US" sz="2400" b="1" dirty="0">
+                <a:solidFill>
+                  <a:srgbClr val="FF0000"/>
+                </a:solidFill>
+                <a:latin typeface="Times New Roman" panose="02020603050405020304" pitchFamily="18" charset="0"/>
+                <a:cs typeface="Times New Roman" panose="02020603050405020304" pitchFamily="18" charset="0"/>
+              </a:rPr>
+              <a:t> 2</a:t>
+            </a:r>
+          </a:p>
+          <a:p>
+            <a:pPr marL="619125" lvl="1" indent="0" algn="just">
               <a:buNone/>
             </a:pPr>
-            <a:endParaRPr lang="pt-BR" sz="2000" dirty="0">
-              <a:latin typeface="Times New Roman" panose="02020603050405020304" pitchFamily="18" charset="0"/>
-              <a:cs typeface="Times New Roman" panose="02020603050405020304" pitchFamily="18" charset="0"/>
-            </a:endParaRPr>
+            <a:r>
+              <a:rPr lang="en-US" sz="2400" dirty="0" err="1">
+                <a:latin typeface="Times New Roman" panose="02020603050405020304" pitchFamily="18" charset="0"/>
+                <a:cs typeface="Times New Roman" panose="02020603050405020304" pitchFamily="18" charset="0"/>
+              </a:rPr>
+              <a:t>text_file</a:t>
+            </a:r>
+            <a:r>
+              <a:rPr lang="pt-BR" sz="2400" dirty="0">
+                <a:latin typeface="Times New Roman" panose="02020603050405020304" pitchFamily="18" charset="0"/>
+                <a:cs typeface="Times New Roman" panose="02020603050405020304" pitchFamily="18" charset="0"/>
+              </a:rPr>
+              <a:t> = </a:t>
+            </a:r>
+            <a:r>
+              <a:rPr lang="pt-BR" sz="2400" b="1" dirty="0">
+                <a:latin typeface="Times New Roman" panose="02020603050405020304" pitchFamily="18" charset="0"/>
+                <a:cs typeface="Times New Roman" panose="02020603050405020304" pitchFamily="18" charset="0"/>
+              </a:rPr>
+              <a:t>open</a:t>
+            </a:r>
+            <a:r>
+              <a:rPr lang="pt-BR" sz="2400" dirty="0">
+                <a:latin typeface="Times New Roman" panose="02020603050405020304" pitchFamily="18" charset="0"/>
+                <a:cs typeface="Times New Roman" panose="02020603050405020304" pitchFamily="18" charset="0"/>
+              </a:rPr>
+              <a:t>("f://listaNiver.txt")</a:t>
+            </a:r>
+          </a:p>
+          <a:p>
+            <a:pPr marL="619125" lvl="1" indent="0" algn="just">
+              <a:buNone/>
+            </a:pPr>
+            <a:r>
+              <a:rPr lang="pt-BR" sz="2400" b="1" dirty="0">
+                <a:latin typeface="Times New Roman" panose="02020603050405020304" pitchFamily="18" charset="0"/>
+                <a:cs typeface="Times New Roman" panose="02020603050405020304" pitchFamily="18" charset="0"/>
+              </a:rPr>
+              <a:t>for</a:t>
+            </a:r>
+            <a:r>
+              <a:rPr lang="pt-BR" sz="2400" dirty="0">
+                <a:latin typeface="Times New Roman" panose="02020603050405020304" pitchFamily="18" charset="0"/>
+                <a:cs typeface="Times New Roman" panose="02020603050405020304" pitchFamily="18" charset="0"/>
+              </a:rPr>
+              <a:t> registro </a:t>
+            </a:r>
+            <a:r>
+              <a:rPr lang="pt-BR" sz="2400" b="1" dirty="0">
+                <a:latin typeface="Times New Roman" panose="02020603050405020304" pitchFamily="18" charset="0"/>
+                <a:cs typeface="Times New Roman" panose="02020603050405020304" pitchFamily="18" charset="0"/>
+              </a:rPr>
+              <a:t>in</a:t>
+            </a:r>
+            <a:r>
+              <a:rPr lang="pt-BR" sz="2400" dirty="0">
+                <a:latin typeface="Times New Roman" panose="02020603050405020304" pitchFamily="18" charset="0"/>
+                <a:cs typeface="Times New Roman" panose="02020603050405020304" pitchFamily="18" charset="0"/>
+              </a:rPr>
+              <a:t> </a:t>
+            </a:r>
+            <a:r>
+              <a:rPr lang="en-US" sz="2400" dirty="0" err="1">
+                <a:latin typeface="Times New Roman" panose="02020603050405020304" pitchFamily="18" charset="0"/>
+                <a:cs typeface="Times New Roman" panose="02020603050405020304" pitchFamily="18" charset="0"/>
+              </a:rPr>
+              <a:t>text_file</a:t>
+            </a:r>
+            <a:r>
+              <a:rPr lang="pt-BR" sz="2400" dirty="0">
+                <a:latin typeface="Times New Roman" panose="02020603050405020304" pitchFamily="18" charset="0"/>
+                <a:cs typeface="Times New Roman" panose="02020603050405020304" pitchFamily="18" charset="0"/>
+              </a:rPr>
+              <a:t>:</a:t>
+            </a:r>
+          </a:p>
+          <a:p>
+            <a:pPr marL="619125" lvl="1" indent="0" algn="just">
+              <a:buNone/>
+            </a:pPr>
+            <a:r>
+              <a:rPr lang="pt-BR" sz="2400" dirty="0">
+                <a:latin typeface="Times New Roman" panose="02020603050405020304" pitchFamily="18" charset="0"/>
+                <a:cs typeface="Times New Roman" panose="02020603050405020304" pitchFamily="18" charset="0"/>
+              </a:rPr>
+              <a:t>    </a:t>
+            </a:r>
+            <a:r>
+              <a:rPr lang="pt-BR" sz="2400" b="1" dirty="0">
+                <a:latin typeface="Times New Roman" panose="02020603050405020304" pitchFamily="18" charset="0"/>
+                <a:cs typeface="Times New Roman" panose="02020603050405020304" pitchFamily="18" charset="0"/>
+              </a:rPr>
+              <a:t>print</a:t>
+            </a:r>
+            <a:r>
+              <a:rPr lang="pt-BR" sz="2400" dirty="0">
+                <a:latin typeface="Times New Roman" panose="02020603050405020304" pitchFamily="18" charset="0"/>
+                <a:cs typeface="Times New Roman" panose="02020603050405020304" pitchFamily="18" charset="0"/>
+              </a:rPr>
+              <a:t>(registro);</a:t>
+            </a:r>
           </a:p>
         </p:txBody>
       </p:sp>
     </p:spTree>
     <p:extLst>
       <p:ext uri="{BB962C8B-B14F-4D97-AF65-F5344CB8AC3E}">
-        <p14:creationId xmlns:p14="http://schemas.microsoft.com/office/powerpoint/2010/main" val="3680270425"/>
+        <p14:creationId xmlns:p14="http://schemas.microsoft.com/office/powerpoint/2010/main" val="3852810846"/>
       </p:ext>
     </p:extLst>
   </p:cSld>
@@ -9976,20 +10824,34 @@
             <p:ph type="title"/>
           </p:nvPr>
         </p:nvSpPr>
-        <p:spPr/>
+        <p:spPr>
+          <a:xfrm>
+            <a:off x="142864" y="205980"/>
+            <a:ext cx="8865055" cy="620738"/>
+          </a:xfrm>
+        </p:spPr>
         <p:txBody>
           <a:bodyPr>
             <a:normAutofit/>
           </a:bodyPr>
           <a:lstStyle/>
           <a:p>
+            <a:pPr algn="ctr"/>
+            <a:r>
+              <a:rPr lang="en-US" b="1" dirty="0">
+                <a:solidFill>
+                  <a:srgbClr val="0070C0"/>
+                </a:solidFill>
+              </a:rPr>
+              <a:t>FILE – LENDO (</a:t>
+            </a:r>
             <a:r>
               <a:rPr lang="en-US" b="1" dirty="0" err="1">
                 <a:solidFill>
                   <a:srgbClr val="0070C0"/>
                 </a:solidFill>
               </a:rPr>
-              <a:t>Dinâmica</a:t>
+              <a:t>Contagem</a:t>
             </a:r>
             <a:r>
               <a:rPr lang="en-US" b="1" dirty="0">
@@ -9997,21 +10859,8 @@
                   <a:srgbClr val="0070C0"/>
                 </a:solidFill>
               </a:rPr>
-              <a:t>/</a:t>
-            </a:r>
-            <a:r>
-              <a:rPr lang="en-US" b="1" dirty="0" err="1">
-                <a:solidFill>
-                  <a:srgbClr val="0070C0"/>
-                </a:solidFill>
-              </a:rPr>
-              <a:t>Atividades</a:t>
-            </a:r>
-            <a:endParaRPr lang="en-US" b="1" dirty="0">
-              <a:solidFill>
-                <a:srgbClr val="0070C0"/>
-              </a:solidFill>
-            </a:endParaRPr>
+              <a:t>)</a:t>
+            </a:r>
           </a:p>
         </p:txBody>
       </p:sp>
@@ -10027,8 +10876,8 @@
         </p:nvSpPr>
         <p:spPr>
           <a:xfrm>
-            <a:off x="139472" y="1063230"/>
-            <a:ext cx="8865056" cy="3606305"/>
+            <a:off x="142864" y="861864"/>
+            <a:ext cx="8865056" cy="4075656"/>
           </a:xfrm>
         </p:spPr>
         <p:txBody>
@@ -10037,28 +10886,169 @@
           </a:bodyPr>
           <a:lstStyle/>
           <a:p>
-            <a:pPr algn="just">
-              <a:buFontTx/>
-              <a:buChar char="-"/>
+            <a:pPr marL="0" lvl="1" indent="0" algn="just">
+              <a:buNone/>
             </a:pPr>
             <a:r>
-              <a:rPr lang="pt-BR" dirty="0">
-                <a:latin typeface="Times New Roman" panose="02020603050405020304" pitchFamily="18" charset="0"/>
-                <a:cs typeface="Times New Roman" panose="02020603050405020304" pitchFamily="18" charset="0"/>
-              </a:rPr>
-              <a:t>Exercícios de Fixação</a:t>
-            </a:r>
-          </a:p>
-          <a:p>
-            <a:pPr marL="0" indent="0" algn="just">
+              <a:rPr lang="en-US" sz="2400" b="1" dirty="0" err="1">
+                <a:solidFill>
+                  <a:srgbClr val="FF0000"/>
+                </a:solidFill>
+                <a:latin typeface="Times New Roman" panose="02020603050405020304" pitchFamily="18" charset="0"/>
+                <a:cs typeface="Times New Roman" panose="02020603050405020304" pitchFamily="18" charset="0"/>
+              </a:rPr>
+              <a:t>Exemplo</a:t>
+            </a:r>
+            <a:endParaRPr lang="en-US" sz="2400" b="1" dirty="0">
+              <a:solidFill>
+                <a:srgbClr val="FF0000"/>
+              </a:solidFill>
+              <a:latin typeface="Times New Roman" panose="02020603050405020304" pitchFamily="18" charset="0"/>
+              <a:cs typeface="Times New Roman" panose="02020603050405020304" pitchFamily="18" charset="0"/>
+            </a:endParaRPr>
+          </a:p>
+          <a:p>
+            <a:pPr marL="443865" lvl="2" indent="0" algn="just">
               <a:buNone/>
             </a:pPr>
             <a:r>
-              <a:rPr lang="pt-BR" dirty="0">
-                <a:latin typeface="Times New Roman" panose="02020603050405020304" pitchFamily="18" charset="0"/>
-                <a:cs typeface="Times New Roman" panose="02020603050405020304" pitchFamily="18" charset="0"/>
-              </a:rPr>
-              <a:t>	Desafios em Sala de Aula.</a:t>
+              <a:rPr lang="en-US" sz="2400" dirty="0" err="1">
+                <a:latin typeface="Times New Roman" panose="02020603050405020304" pitchFamily="18" charset="0"/>
+                <a:cs typeface="Times New Roman" panose="02020603050405020304" pitchFamily="18" charset="0"/>
+              </a:rPr>
+              <a:t>text_file</a:t>
+            </a:r>
+            <a:r>
+              <a:rPr lang="en-US" sz="2400" dirty="0">
+                <a:latin typeface="Times New Roman" panose="02020603050405020304" pitchFamily="18" charset="0"/>
+                <a:cs typeface="Times New Roman" panose="02020603050405020304" pitchFamily="18" charset="0"/>
+              </a:rPr>
+              <a:t> = </a:t>
+            </a:r>
+            <a:r>
+              <a:rPr lang="en-US" sz="2400" b="1" dirty="0">
+                <a:latin typeface="Times New Roman" panose="02020603050405020304" pitchFamily="18" charset="0"/>
+                <a:cs typeface="Times New Roman" panose="02020603050405020304" pitchFamily="18" charset="0"/>
+              </a:rPr>
+              <a:t>open</a:t>
+            </a:r>
+            <a:r>
+              <a:rPr lang="en-US" sz="2400" dirty="0">
+                <a:latin typeface="Times New Roman" panose="02020603050405020304" pitchFamily="18" charset="0"/>
+                <a:cs typeface="Times New Roman" panose="02020603050405020304" pitchFamily="18" charset="0"/>
+              </a:rPr>
+              <a:t>(“f://listaNiver.txt“);</a:t>
+            </a:r>
+          </a:p>
+          <a:p>
+            <a:pPr marL="443865" lvl="2" indent="0" algn="just">
+              <a:buNone/>
+            </a:pPr>
+            <a:r>
+              <a:rPr lang="en-US" sz="2400" dirty="0">
+                <a:latin typeface="Times New Roman" panose="02020603050405020304" pitchFamily="18" charset="0"/>
+                <a:cs typeface="Times New Roman" panose="02020603050405020304" pitchFamily="18" charset="0"/>
+              </a:rPr>
+              <a:t>count = 0;</a:t>
+            </a:r>
+          </a:p>
+          <a:p>
+            <a:pPr marL="443865" lvl="2" indent="0" algn="just">
+              <a:buNone/>
+            </a:pPr>
+            <a:r>
+              <a:rPr lang="en-US" sz="2400" b="1" dirty="0">
+                <a:latin typeface="Times New Roman" panose="02020603050405020304" pitchFamily="18" charset="0"/>
+                <a:cs typeface="Times New Roman" panose="02020603050405020304" pitchFamily="18" charset="0"/>
+              </a:rPr>
+              <a:t>for</a:t>
+            </a:r>
+            <a:r>
+              <a:rPr lang="en-US" sz="2400" dirty="0">
+                <a:latin typeface="Times New Roman" panose="02020603050405020304" pitchFamily="18" charset="0"/>
+                <a:cs typeface="Times New Roman" panose="02020603050405020304" pitchFamily="18" charset="0"/>
+              </a:rPr>
+              <a:t> line </a:t>
+            </a:r>
+            <a:r>
+              <a:rPr lang="en-US" sz="2400" b="1" dirty="0">
+                <a:latin typeface="Times New Roman" panose="02020603050405020304" pitchFamily="18" charset="0"/>
+                <a:cs typeface="Times New Roman" panose="02020603050405020304" pitchFamily="18" charset="0"/>
+              </a:rPr>
+              <a:t>in</a:t>
+            </a:r>
+            <a:r>
+              <a:rPr lang="en-US" sz="2400" dirty="0">
+                <a:latin typeface="Times New Roman" panose="02020603050405020304" pitchFamily="18" charset="0"/>
+                <a:cs typeface="Times New Roman" panose="02020603050405020304" pitchFamily="18" charset="0"/>
+              </a:rPr>
+              <a:t> </a:t>
+            </a:r>
+            <a:r>
+              <a:rPr lang="en-US" sz="2400" dirty="0" err="1">
+                <a:latin typeface="Times New Roman" panose="02020603050405020304" pitchFamily="18" charset="0"/>
+                <a:cs typeface="Times New Roman" panose="02020603050405020304" pitchFamily="18" charset="0"/>
+              </a:rPr>
+              <a:t>text_file</a:t>
+            </a:r>
+            <a:r>
+              <a:rPr lang="en-US" sz="2400" dirty="0">
+                <a:latin typeface="Times New Roman" panose="02020603050405020304" pitchFamily="18" charset="0"/>
+                <a:cs typeface="Times New Roman" panose="02020603050405020304" pitchFamily="18" charset="0"/>
+              </a:rPr>
+              <a:t>:</a:t>
+            </a:r>
+          </a:p>
+          <a:p>
+            <a:pPr marL="443865" lvl="2" indent="0" algn="just">
+              <a:buNone/>
+            </a:pPr>
+            <a:r>
+              <a:rPr lang="en-US" sz="2400" dirty="0">
+                <a:latin typeface="Times New Roman" panose="02020603050405020304" pitchFamily="18" charset="0"/>
+                <a:cs typeface="Times New Roman" panose="02020603050405020304" pitchFamily="18" charset="0"/>
+              </a:rPr>
+              <a:t>    </a:t>
+            </a:r>
+            <a:r>
+              <a:rPr lang="en-US" sz="2400" b="1" dirty="0">
+                <a:latin typeface="Times New Roman" panose="02020603050405020304" pitchFamily="18" charset="0"/>
+                <a:cs typeface="Times New Roman" panose="02020603050405020304" pitchFamily="18" charset="0"/>
+              </a:rPr>
+              <a:t>count = count  + 1</a:t>
+            </a:r>
+          </a:p>
+          <a:p>
+            <a:pPr marL="443865" lvl="2" indent="0" algn="just">
+              <a:buNone/>
+            </a:pPr>
+            <a:r>
+              <a:rPr lang="en-US" sz="2400" b="1" dirty="0">
+                <a:latin typeface="Times New Roman" panose="02020603050405020304" pitchFamily="18" charset="0"/>
+                <a:cs typeface="Times New Roman" panose="02020603050405020304" pitchFamily="18" charset="0"/>
+              </a:rPr>
+              <a:t>print</a:t>
+            </a:r>
+            <a:r>
+              <a:rPr lang="en-US" sz="2400" dirty="0">
+                <a:latin typeface="Times New Roman" panose="02020603050405020304" pitchFamily="18" charset="0"/>
+                <a:cs typeface="Times New Roman" panose="02020603050405020304" pitchFamily="18" charset="0"/>
+              </a:rPr>
+              <a:t>(‘Total de </a:t>
+            </a:r>
+            <a:r>
+              <a:rPr lang="en-US" sz="2400" dirty="0" err="1">
+                <a:latin typeface="Times New Roman" panose="02020603050405020304" pitchFamily="18" charset="0"/>
+                <a:cs typeface="Times New Roman" panose="02020603050405020304" pitchFamily="18" charset="0"/>
+              </a:rPr>
+              <a:t>linhas</a:t>
+            </a:r>
+            <a:r>
+              <a:rPr lang="en-US" sz="2400" dirty="0">
+                <a:latin typeface="Times New Roman" panose="02020603050405020304" pitchFamily="18" charset="0"/>
+                <a:cs typeface="Times New Roman" panose="02020603050405020304" pitchFamily="18" charset="0"/>
+              </a:rPr>
+              <a:t>:', count);</a:t>
             </a:r>
           </a:p>
         </p:txBody>
@@ -10066,7 +11056,7 @@
     </p:spTree>
     <p:extLst>
       <p:ext uri="{BB962C8B-B14F-4D97-AF65-F5344CB8AC3E}">
-        <p14:creationId xmlns:p14="http://schemas.microsoft.com/office/powerpoint/2010/main" val="2470652989"/>
+        <p14:creationId xmlns:p14="http://schemas.microsoft.com/office/powerpoint/2010/main" val="3976499810"/>
       </p:ext>
     </p:extLst>
   </p:cSld>
@@ -10104,6 +11094,1917 @@
             <p:ph type="title"/>
           </p:nvPr>
         </p:nvSpPr>
+        <p:spPr>
+          <a:xfrm>
+            <a:off x="142864" y="205980"/>
+            <a:ext cx="8865055" cy="620738"/>
+          </a:xfrm>
+        </p:spPr>
+        <p:txBody>
+          <a:bodyPr>
+            <a:normAutofit/>
+          </a:bodyPr>
+          <a:lstStyle/>
+          <a:p>
+            <a:pPr algn="ctr"/>
+            <a:r>
+              <a:rPr lang="en-US" b="1" dirty="0">
+                <a:solidFill>
+                  <a:srgbClr val="0070C0"/>
+                </a:solidFill>
+              </a:rPr>
+              <a:t>FILE – PESQUISANDO NO ARQUIVO</a:t>
+            </a:r>
+          </a:p>
+        </p:txBody>
+      </p:sp>
+      <p:sp>
+        <p:nvSpPr>
+          <p:cNvPr id="8" name="Text Placeholder 2"/>
+          <p:cNvSpPr>
+            <a:spLocks noGrp="1"/>
+          </p:cNvSpPr>
+          <p:nvPr>
+            <p:ph type="body" sz="half" idx="1"/>
+          </p:nvPr>
+        </p:nvSpPr>
+        <p:spPr>
+          <a:xfrm>
+            <a:off x="142864" y="861864"/>
+            <a:ext cx="8865056" cy="4075656"/>
+          </a:xfrm>
+        </p:spPr>
+        <p:txBody>
+          <a:bodyPr>
+            <a:noAutofit/>
+          </a:bodyPr>
+          <a:lstStyle/>
+          <a:p>
+            <a:pPr marL="0" lvl="1" indent="0" algn="just">
+              <a:buNone/>
+            </a:pPr>
+            <a:r>
+              <a:rPr lang="en-US" sz="2400" b="1" dirty="0" err="1">
+                <a:solidFill>
+                  <a:srgbClr val="FF0000"/>
+                </a:solidFill>
+                <a:latin typeface="Times New Roman" panose="02020603050405020304" pitchFamily="18" charset="0"/>
+                <a:cs typeface="Times New Roman" panose="02020603050405020304" pitchFamily="18" charset="0"/>
+              </a:rPr>
+              <a:t>Exemplo</a:t>
+            </a:r>
+            <a:endParaRPr lang="en-US" sz="2400" b="1" dirty="0">
+              <a:solidFill>
+                <a:srgbClr val="FF0000"/>
+              </a:solidFill>
+              <a:latin typeface="Times New Roman" panose="02020603050405020304" pitchFamily="18" charset="0"/>
+              <a:cs typeface="Times New Roman" panose="02020603050405020304" pitchFamily="18" charset="0"/>
+            </a:endParaRPr>
+          </a:p>
+          <a:p>
+            <a:pPr marL="443865" lvl="2" indent="0" algn="just">
+              <a:buNone/>
+            </a:pPr>
+            <a:r>
+              <a:rPr lang="en-US" sz="2400" dirty="0" err="1">
+                <a:latin typeface="Times New Roman" panose="02020603050405020304" pitchFamily="18" charset="0"/>
+                <a:cs typeface="Times New Roman" panose="02020603050405020304" pitchFamily="18" charset="0"/>
+              </a:rPr>
+              <a:t>text_file</a:t>
+            </a:r>
+            <a:r>
+              <a:rPr lang="en-US" sz="2400" dirty="0">
+                <a:latin typeface="Times New Roman" panose="02020603050405020304" pitchFamily="18" charset="0"/>
+                <a:cs typeface="Times New Roman" panose="02020603050405020304" pitchFamily="18" charset="0"/>
+              </a:rPr>
+              <a:t> = </a:t>
+            </a:r>
+            <a:r>
+              <a:rPr lang="en-US" sz="2400" b="1" dirty="0">
+                <a:latin typeface="Times New Roman" panose="02020603050405020304" pitchFamily="18" charset="0"/>
+                <a:cs typeface="Times New Roman" panose="02020603050405020304" pitchFamily="18" charset="0"/>
+              </a:rPr>
+              <a:t>open</a:t>
+            </a:r>
+            <a:r>
+              <a:rPr lang="en-US" sz="2400" dirty="0">
+                <a:latin typeface="Times New Roman" panose="02020603050405020304" pitchFamily="18" charset="0"/>
+                <a:cs typeface="Times New Roman" panose="02020603050405020304" pitchFamily="18" charset="0"/>
+              </a:rPr>
+              <a:t>('f://listaNiver.txt')</a:t>
+            </a:r>
+          </a:p>
+          <a:p>
+            <a:pPr marL="443865" lvl="2" indent="0" algn="just">
+              <a:buNone/>
+            </a:pPr>
+            <a:r>
+              <a:rPr lang="en-US" sz="2400" b="1" dirty="0">
+                <a:latin typeface="Times New Roman" panose="02020603050405020304" pitchFamily="18" charset="0"/>
+                <a:cs typeface="Times New Roman" panose="02020603050405020304" pitchFamily="18" charset="0"/>
+              </a:rPr>
+              <a:t>for</a:t>
+            </a:r>
+            <a:r>
+              <a:rPr lang="en-US" sz="2400" dirty="0">
+                <a:latin typeface="Times New Roman" panose="02020603050405020304" pitchFamily="18" charset="0"/>
+                <a:cs typeface="Times New Roman" panose="02020603050405020304" pitchFamily="18" charset="0"/>
+              </a:rPr>
+              <a:t> line </a:t>
+            </a:r>
+            <a:r>
+              <a:rPr lang="en-US" sz="2400" b="1" dirty="0">
+                <a:latin typeface="Times New Roman" panose="02020603050405020304" pitchFamily="18" charset="0"/>
+                <a:cs typeface="Times New Roman" panose="02020603050405020304" pitchFamily="18" charset="0"/>
+              </a:rPr>
+              <a:t>in</a:t>
+            </a:r>
+            <a:r>
+              <a:rPr lang="en-US" sz="2400" dirty="0">
+                <a:latin typeface="Times New Roman" panose="02020603050405020304" pitchFamily="18" charset="0"/>
+                <a:cs typeface="Times New Roman" panose="02020603050405020304" pitchFamily="18" charset="0"/>
+              </a:rPr>
+              <a:t> </a:t>
+            </a:r>
+            <a:r>
+              <a:rPr lang="en-US" sz="2400" dirty="0" err="1">
+                <a:latin typeface="Times New Roman" panose="02020603050405020304" pitchFamily="18" charset="0"/>
+                <a:cs typeface="Times New Roman" panose="02020603050405020304" pitchFamily="18" charset="0"/>
+              </a:rPr>
+              <a:t>text_file</a:t>
+            </a:r>
+            <a:r>
+              <a:rPr lang="en-US" sz="2400" dirty="0">
+                <a:latin typeface="Times New Roman" panose="02020603050405020304" pitchFamily="18" charset="0"/>
+                <a:cs typeface="Times New Roman" panose="02020603050405020304" pitchFamily="18" charset="0"/>
+              </a:rPr>
+              <a:t>:</a:t>
+            </a:r>
+          </a:p>
+          <a:p>
+            <a:pPr marL="443865" lvl="2" indent="0" algn="just">
+              <a:buNone/>
+            </a:pPr>
+            <a:r>
+              <a:rPr lang="en-US" sz="2400" dirty="0">
+                <a:latin typeface="Times New Roman" panose="02020603050405020304" pitchFamily="18" charset="0"/>
+                <a:cs typeface="Times New Roman" panose="02020603050405020304" pitchFamily="18" charset="0"/>
+              </a:rPr>
+              <a:t>    </a:t>
+            </a:r>
+            <a:r>
+              <a:rPr lang="en-US" sz="2400" b="1" dirty="0">
+                <a:latin typeface="Times New Roman" panose="02020603050405020304" pitchFamily="18" charset="0"/>
+                <a:cs typeface="Times New Roman" panose="02020603050405020304" pitchFamily="18" charset="0"/>
+              </a:rPr>
+              <a:t>print</a:t>
+            </a:r>
+            <a:r>
+              <a:rPr lang="en-US" sz="2400" dirty="0">
+                <a:latin typeface="Times New Roman" panose="02020603050405020304" pitchFamily="18" charset="0"/>
+                <a:cs typeface="Times New Roman" panose="02020603050405020304" pitchFamily="18" charset="0"/>
+              </a:rPr>
+              <a:t>(line);</a:t>
+            </a:r>
+          </a:p>
+          <a:p>
+            <a:pPr marL="443865" lvl="2" indent="0" algn="just">
+              <a:buNone/>
+            </a:pPr>
+            <a:r>
+              <a:rPr lang="en-US" sz="2400" dirty="0">
+                <a:latin typeface="Times New Roman" panose="02020603050405020304" pitchFamily="18" charset="0"/>
+                <a:cs typeface="Times New Roman" panose="02020603050405020304" pitchFamily="18" charset="0"/>
+              </a:rPr>
+              <a:t>    </a:t>
+            </a:r>
+            <a:r>
+              <a:rPr lang="en-US" sz="2400" b="1" dirty="0">
+                <a:latin typeface="Times New Roman" panose="02020603050405020304" pitchFamily="18" charset="0"/>
+                <a:cs typeface="Times New Roman" panose="02020603050405020304" pitchFamily="18" charset="0"/>
+              </a:rPr>
+              <a:t>if</a:t>
+            </a:r>
+            <a:r>
+              <a:rPr lang="en-US" sz="2400" dirty="0">
+                <a:latin typeface="Times New Roman" panose="02020603050405020304" pitchFamily="18" charset="0"/>
+                <a:cs typeface="Times New Roman" panose="02020603050405020304" pitchFamily="18" charset="0"/>
+              </a:rPr>
+              <a:t> </a:t>
+            </a:r>
+            <a:r>
+              <a:rPr lang="en-US" sz="2400" dirty="0" err="1">
+                <a:latin typeface="Times New Roman" panose="02020603050405020304" pitchFamily="18" charset="0"/>
+                <a:cs typeface="Times New Roman" panose="02020603050405020304" pitchFamily="18" charset="0"/>
+              </a:rPr>
+              <a:t>line.</a:t>
+            </a:r>
+            <a:r>
+              <a:rPr lang="en-US" sz="2400" b="1" dirty="0" err="1">
+                <a:solidFill>
+                  <a:srgbClr val="FF0000"/>
+                </a:solidFill>
+                <a:latin typeface="Times New Roman" panose="02020603050405020304" pitchFamily="18" charset="0"/>
+                <a:cs typeface="Times New Roman" panose="02020603050405020304" pitchFamily="18" charset="0"/>
+              </a:rPr>
+              <a:t>startswith</a:t>
+            </a:r>
+            <a:r>
+              <a:rPr lang="en-US" sz="2400" dirty="0">
+                <a:latin typeface="Times New Roman" panose="02020603050405020304" pitchFamily="18" charset="0"/>
+                <a:cs typeface="Times New Roman" panose="02020603050405020304" pitchFamily="18" charset="0"/>
+              </a:rPr>
+              <a:t>("</a:t>
+            </a:r>
+            <a:r>
+              <a:rPr lang="en-US" sz="2400" dirty="0" err="1">
+                <a:latin typeface="Times New Roman" panose="02020603050405020304" pitchFamily="18" charset="0"/>
+                <a:cs typeface="Times New Roman" panose="02020603050405020304" pitchFamily="18" charset="0"/>
+              </a:rPr>
+              <a:t>josy</a:t>
+            </a:r>
+            <a:r>
+              <a:rPr lang="en-US" sz="2400" dirty="0">
+                <a:latin typeface="Times New Roman" panose="02020603050405020304" pitchFamily="18" charset="0"/>
+                <a:cs typeface="Times New Roman" panose="02020603050405020304" pitchFamily="18" charset="0"/>
+              </a:rPr>
+              <a:t>"):</a:t>
+            </a:r>
+          </a:p>
+          <a:p>
+            <a:pPr marL="443865" lvl="2" indent="0" algn="just">
+              <a:buNone/>
+            </a:pPr>
+            <a:r>
+              <a:rPr lang="en-US" sz="2400" dirty="0">
+                <a:latin typeface="Times New Roman" panose="02020603050405020304" pitchFamily="18" charset="0"/>
+                <a:cs typeface="Times New Roman" panose="02020603050405020304" pitchFamily="18" charset="0"/>
+              </a:rPr>
+              <a:t>        </a:t>
+            </a:r>
+            <a:r>
+              <a:rPr lang="en-US" sz="2400" b="1" dirty="0">
+                <a:latin typeface="Times New Roman" panose="02020603050405020304" pitchFamily="18" charset="0"/>
+                <a:cs typeface="Times New Roman" panose="02020603050405020304" pitchFamily="18" charset="0"/>
+              </a:rPr>
+              <a:t>print</a:t>
+            </a:r>
+            <a:r>
+              <a:rPr lang="en-US" sz="2400" dirty="0">
+                <a:latin typeface="Times New Roman" panose="02020603050405020304" pitchFamily="18" charset="0"/>
+                <a:cs typeface="Times New Roman" panose="02020603050405020304" pitchFamily="18" charset="0"/>
+              </a:rPr>
+              <a:t>(“</a:t>
+            </a:r>
+            <a:r>
+              <a:rPr lang="en-US" sz="2400" dirty="0" err="1">
+                <a:latin typeface="Times New Roman" panose="02020603050405020304" pitchFamily="18" charset="0"/>
+                <a:cs typeface="Times New Roman" panose="02020603050405020304" pitchFamily="18" charset="0"/>
+              </a:rPr>
+              <a:t>encontrou</a:t>
+            </a:r>
+            <a:r>
+              <a:rPr lang="en-US" sz="2400" dirty="0">
+                <a:latin typeface="Times New Roman" panose="02020603050405020304" pitchFamily="18" charset="0"/>
+                <a:cs typeface="Times New Roman" panose="02020603050405020304" pitchFamily="18" charset="0"/>
+              </a:rPr>
+              <a:t>!!!");</a:t>
+            </a:r>
+          </a:p>
+        </p:txBody>
+      </p:sp>
+    </p:spTree>
+    <p:extLst>
+      <p:ext uri="{BB962C8B-B14F-4D97-AF65-F5344CB8AC3E}">
+        <p14:creationId xmlns:p14="http://schemas.microsoft.com/office/powerpoint/2010/main" val="1683654990"/>
+      </p:ext>
+    </p:extLst>
+  </p:cSld>
+  <p:clrMapOvr>
+    <a:masterClrMapping/>
+  </p:clrMapOvr>
+  <p:transition spd="med"/>
+</p:sld>
+</file>
+
+<file path=ppt/slides/slide25.xml><?xml version="1.0" encoding="utf-8"?>
+<p:sld xmlns:a="http://schemas.openxmlformats.org/drawingml/2006/main" xmlns:r="http://schemas.openxmlformats.org/officeDocument/2006/relationships" xmlns:p="http://schemas.openxmlformats.org/presentationml/2006/main">
+  <p:cSld>
+    <p:spTree>
+      <p:nvGrpSpPr>
+        <p:cNvPr id="1" name=""/>
+        <p:cNvGrpSpPr/>
+        <p:nvPr/>
+      </p:nvGrpSpPr>
+      <p:grpSpPr>
+        <a:xfrm>
+          <a:off x="0" y="0"/>
+          <a:ext cx="0" cy="0"/>
+          <a:chOff x="0" y="0"/>
+          <a:chExt cx="0" cy="0"/>
+        </a:xfrm>
+      </p:grpSpPr>
+      <p:sp>
+        <p:nvSpPr>
+          <p:cNvPr id="6" name="Title 1"/>
+          <p:cNvSpPr>
+            <a:spLocks noGrp="1"/>
+          </p:cNvSpPr>
+          <p:nvPr>
+            <p:ph type="title"/>
+          </p:nvPr>
+        </p:nvSpPr>
+        <p:spPr>
+          <a:xfrm>
+            <a:off x="142864" y="205980"/>
+            <a:ext cx="8865055" cy="620738"/>
+          </a:xfrm>
+        </p:spPr>
+        <p:txBody>
+          <a:bodyPr>
+            <a:normAutofit/>
+          </a:bodyPr>
+          <a:lstStyle/>
+          <a:p>
+            <a:pPr algn="ctr"/>
+            <a:r>
+              <a:rPr lang="en-US" b="1" dirty="0">
+                <a:solidFill>
+                  <a:srgbClr val="0070C0"/>
+                </a:solidFill>
+              </a:rPr>
+              <a:t>FILE – INFORMANDO ARQUIVO (INPUT)</a:t>
+            </a:r>
+          </a:p>
+        </p:txBody>
+      </p:sp>
+      <p:sp>
+        <p:nvSpPr>
+          <p:cNvPr id="8" name="Text Placeholder 2"/>
+          <p:cNvSpPr>
+            <a:spLocks noGrp="1"/>
+          </p:cNvSpPr>
+          <p:nvPr>
+            <p:ph type="body" sz="half" idx="1"/>
+          </p:nvPr>
+        </p:nvSpPr>
+        <p:spPr>
+          <a:xfrm>
+            <a:off x="142864" y="861864"/>
+            <a:ext cx="8865056" cy="4075656"/>
+          </a:xfrm>
+        </p:spPr>
+        <p:txBody>
+          <a:bodyPr>
+            <a:noAutofit/>
+          </a:bodyPr>
+          <a:lstStyle/>
+          <a:p>
+            <a:pPr marL="0" lvl="1" indent="0" algn="just">
+              <a:buNone/>
+            </a:pPr>
+            <a:r>
+              <a:rPr lang="en-US" sz="2400" b="1" dirty="0" err="1">
+                <a:solidFill>
+                  <a:srgbClr val="FF0000"/>
+                </a:solidFill>
+                <a:latin typeface="Times New Roman" panose="02020603050405020304" pitchFamily="18" charset="0"/>
+                <a:cs typeface="Times New Roman" panose="02020603050405020304" pitchFamily="18" charset="0"/>
+              </a:rPr>
+              <a:t>Exemplo</a:t>
+            </a:r>
+            <a:endParaRPr lang="en-US" sz="2400" b="1" dirty="0">
+              <a:solidFill>
+                <a:srgbClr val="FF0000"/>
+              </a:solidFill>
+              <a:latin typeface="Times New Roman" panose="02020603050405020304" pitchFamily="18" charset="0"/>
+              <a:cs typeface="Times New Roman" panose="02020603050405020304" pitchFamily="18" charset="0"/>
+            </a:endParaRPr>
+          </a:p>
+          <a:p>
+            <a:pPr marL="443865" lvl="2" indent="0" algn="just">
+              <a:buNone/>
+            </a:pPr>
+            <a:r>
+              <a:rPr lang="en-US" sz="2400" dirty="0" err="1">
+                <a:latin typeface="Times New Roman" panose="02020603050405020304" pitchFamily="18" charset="0"/>
+                <a:cs typeface="Times New Roman" panose="02020603050405020304" pitchFamily="18" charset="0"/>
+              </a:rPr>
+              <a:t>fname</a:t>
+            </a:r>
+            <a:r>
+              <a:rPr lang="en-US" sz="2400" dirty="0">
+                <a:latin typeface="Times New Roman" panose="02020603050405020304" pitchFamily="18" charset="0"/>
+                <a:cs typeface="Times New Roman" panose="02020603050405020304" pitchFamily="18" charset="0"/>
+              </a:rPr>
+              <a:t> = </a:t>
+            </a:r>
+            <a:r>
+              <a:rPr lang="en-US" sz="2400" b="1" dirty="0">
+                <a:latin typeface="Times New Roman" panose="02020603050405020304" pitchFamily="18" charset="0"/>
+                <a:cs typeface="Times New Roman" panose="02020603050405020304" pitchFamily="18" charset="0"/>
+              </a:rPr>
+              <a:t>input</a:t>
+            </a:r>
+            <a:r>
+              <a:rPr lang="en-US" sz="2400" dirty="0">
+                <a:latin typeface="Times New Roman" panose="02020603050405020304" pitchFamily="18" charset="0"/>
+                <a:cs typeface="Times New Roman" panose="02020603050405020304" pitchFamily="18" charset="0"/>
+              </a:rPr>
+              <a:t>('</a:t>
+            </a:r>
+            <a:r>
+              <a:rPr lang="en-US" sz="2400" dirty="0" err="1">
+                <a:latin typeface="Times New Roman" panose="02020603050405020304" pitchFamily="18" charset="0"/>
+                <a:cs typeface="Times New Roman" panose="02020603050405020304" pitchFamily="18" charset="0"/>
+              </a:rPr>
+              <a:t>Digite</a:t>
+            </a:r>
+            <a:r>
+              <a:rPr lang="en-US" sz="2400" dirty="0">
+                <a:latin typeface="Times New Roman" panose="02020603050405020304" pitchFamily="18" charset="0"/>
+                <a:cs typeface="Times New Roman" panose="02020603050405020304" pitchFamily="18" charset="0"/>
+              </a:rPr>
+              <a:t> o </a:t>
+            </a:r>
+            <a:r>
+              <a:rPr lang="en-US" sz="2400" dirty="0" err="1">
+                <a:latin typeface="Times New Roman" panose="02020603050405020304" pitchFamily="18" charset="0"/>
+                <a:cs typeface="Times New Roman" panose="02020603050405020304" pitchFamily="18" charset="0"/>
+              </a:rPr>
+              <a:t>nome</a:t>
+            </a:r>
+            <a:r>
+              <a:rPr lang="en-US" sz="2400" dirty="0">
+                <a:latin typeface="Times New Roman" panose="02020603050405020304" pitchFamily="18" charset="0"/>
+                <a:cs typeface="Times New Roman" panose="02020603050405020304" pitchFamily="18" charset="0"/>
+              </a:rPr>
+              <a:t> do </a:t>
+            </a:r>
+            <a:r>
+              <a:rPr lang="en-US" sz="2400" dirty="0" err="1">
+                <a:latin typeface="Times New Roman" panose="02020603050405020304" pitchFamily="18" charset="0"/>
+                <a:cs typeface="Times New Roman" panose="02020603050405020304" pitchFamily="18" charset="0"/>
+              </a:rPr>
+              <a:t>arquivo</a:t>
+            </a:r>
+            <a:r>
+              <a:rPr lang="en-US" sz="2400" dirty="0">
+                <a:latin typeface="Times New Roman" panose="02020603050405020304" pitchFamily="18" charset="0"/>
+                <a:cs typeface="Times New Roman" panose="02020603050405020304" pitchFamily="18" charset="0"/>
+              </a:rPr>
+              <a:t>: ‘);</a:t>
+            </a:r>
+          </a:p>
+          <a:p>
+            <a:pPr marL="443865" lvl="2" indent="0" algn="just">
+              <a:buNone/>
+            </a:pPr>
+            <a:r>
+              <a:rPr lang="en-US" sz="2400" dirty="0" err="1">
+                <a:latin typeface="Times New Roman" panose="02020603050405020304" pitchFamily="18" charset="0"/>
+                <a:cs typeface="Times New Roman" panose="02020603050405020304" pitchFamily="18" charset="0"/>
+              </a:rPr>
+              <a:t>text_file</a:t>
+            </a:r>
+            <a:r>
+              <a:rPr lang="en-US" sz="2400" dirty="0">
+                <a:latin typeface="Times New Roman" panose="02020603050405020304" pitchFamily="18" charset="0"/>
+                <a:cs typeface="Times New Roman" panose="02020603050405020304" pitchFamily="18" charset="0"/>
+              </a:rPr>
+              <a:t> = </a:t>
+            </a:r>
+            <a:r>
+              <a:rPr lang="en-US" sz="2400" b="1" dirty="0">
+                <a:latin typeface="Times New Roman" panose="02020603050405020304" pitchFamily="18" charset="0"/>
+                <a:cs typeface="Times New Roman" panose="02020603050405020304" pitchFamily="18" charset="0"/>
+              </a:rPr>
+              <a:t>open</a:t>
+            </a:r>
+            <a:r>
+              <a:rPr lang="en-US" sz="2400" dirty="0">
+                <a:latin typeface="Times New Roman" panose="02020603050405020304" pitchFamily="18" charset="0"/>
+                <a:cs typeface="Times New Roman" panose="02020603050405020304" pitchFamily="18" charset="0"/>
+              </a:rPr>
+              <a:t>(</a:t>
+            </a:r>
+            <a:r>
+              <a:rPr lang="en-US" sz="2400" dirty="0" err="1">
+                <a:latin typeface="Times New Roman" panose="02020603050405020304" pitchFamily="18" charset="0"/>
+                <a:cs typeface="Times New Roman" panose="02020603050405020304" pitchFamily="18" charset="0"/>
+              </a:rPr>
+              <a:t>fname</a:t>
+            </a:r>
+            <a:r>
+              <a:rPr lang="en-US" sz="2400" dirty="0">
+                <a:latin typeface="Times New Roman" panose="02020603050405020304" pitchFamily="18" charset="0"/>
+                <a:cs typeface="Times New Roman" panose="02020603050405020304" pitchFamily="18" charset="0"/>
+              </a:rPr>
+              <a:t>);</a:t>
+            </a:r>
+          </a:p>
+          <a:p>
+            <a:pPr marL="443865" lvl="2" indent="0" algn="just">
+              <a:buNone/>
+            </a:pPr>
+            <a:r>
+              <a:rPr lang="en-US" sz="2400" b="1" dirty="0">
+                <a:latin typeface="Times New Roman" panose="02020603050405020304" pitchFamily="18" charset="0"/>
+                <a:cs typeface="Times New Roman" panose="02020603050405020304" pitchFamily="18" charset="0"/>
+              </a:rPr>
+              <a:t>for</a:t>
+            </a:r>
+            <a:r>
+              <a:rPr lang="en-US" sz="2400" dirty="0">
+                <a:latin typeface="Times New Roman" panose="02020603050405020304" pitchFamily="18" charset="0"/>
+                <a:cs typeface="Times New Roman" panose="02020603050405020304" pitchFamily="18" charset="0"/>
+              </a:rPr>
+              <a:t> line </a:t>
+            </a:r>
+            <a:r>
+              <a:rPr lang="en-US" sz="2400" b="1" dirty="0">
+                <a:latin typeface="Times New Roman" panose="02020603050405020304" pitchFamily="18" charset="0"/>
+                <a:cs typeface="Times New Roman" panose="02020603050405020304" pitchFamily="18" charset="0"/>
+              </a:rPr>
+              <a:t>in</a:t>
+            </a:r>
+            <a:r>
+              <a:rPr lang="en-US" sz="2400" dirty="0">
+                <a:latin typeface="Times New Roman" panose="02020603050405020304" pitchFamily="18" charset="0"/>
+                <a:cs typeface="Times New Roman" panose="02020603050405020304" pitchFamily="18" charset="0"/>
+              </a:rPr>
+              <a:t> </a:t>
+            </a:r>
+            <a:r>
+              <a:rPr lang="en-US" sz="2400" dirty="0" err="1">
+                <a:latin typeface="Times New Roman" panose="02020603050405020304" pitchFamily="18" charset="0"/>
+                <a:cs typeface="Times New Roman" panose="02020603050405020304" pitchFamily="18" charset="0"/>
+              </a:rPr>
+              <a:t>text_file</a:t>
+            </a:r>
+            <a:r>
+              <a:rPr lang="en-US" sz="2400" dirty="0">
+                <a:latin typeface="Times New Roman" panose="02020603050405020304" pitchFamily="18" charset="0"/>
+                <a:cs typeface="Times New Roman" panose="02020603050405020304" pitchFamily="18" charset="0"/>
+              </a:rPr>
+              <a:t>:</a:t>
+            </a:r>
+          </a:p>
+          <a:p>
+            <a:pPr marL="443865" lvl="2" indent="0" algn="just">
+              <a:buNone/>
+            </a:pPr>
+            <a:r>
+              <a:rPr lang="en-US" sz="2400" dirty="0">
+                <a:latin typeface="Times New Roman" panose="02020603050405020304" pitchFamily="18" charset="0"/>
+                <a:cs typeface="Times New Roman" panose="02020603050405020304" pitchFamily="18" charset="0"/>
+              </a:rPr>
+              <a:t>	</a:t>
+            </a:r>
+            <a:r>
+              <a:rPr lang="en-US" sz="2400" b="1" dirty="0">
+                <a:latin typeface="Times New Roman" panose="02020603050405020304" pitchFamily="18" charset="0"/>
+                <a:cs typeface="Times New Roman" panose="02020603050405020304" pitchFamily="18" charset="0"/>
+              </a:rPr>
+              <a:t>print</a:t>
+            </a:r>
+            <a:r>
+              <a:rPr lang="en-US" sz="2400" dirty="0">
+                <a:latin typeface="Times New Roman" panose="02020603050405020304" pitchFamily="18" charset="0"/>
+                <a:cs typeface="Times New Roman" panose="02020603050405020304" pitchFamily="18" charset="0"/>
+              </a:rPr>
+              <a:t>(line)</a:t>
+            </a:r>
+            <a:endParaRPr lang="pt-BR" sz="2400" dirty="0">
+              <a:latin typeface="Times New Roman" panose="02020603050405020304" pitchFamily="18" charset="0"/>
+              <a:cs typeface="Times New Roman" panose="02020603050405020304" pitchFamily="18" charset="0"/>
+            </a:endParaRPr>
+          </a:p>
+        </p:txBody>
+      </p:sp>
+    </p:spTree>
+    <p:extLst>
+      <p:ext uri="{BB962C8B-B14F-4D97-AF65-F5344CB8AC3E}">
+        <p14:creationId xmlns:p14="http://schemas.microsoft.com/office/powerpoint/2010/main" val="3001206616"/>
+      </p:ext>
+    </p:extLst>
+  </p:cSld>
+  <p:clrMapOvr>
+    <a:masterClrMapping/>
+  </p:clrMapOvr>
+  <p:transition spd="med"/>
+</p:sld>
+</file>
+
+<file path=ppt/slides/slide26.xml><?xml version="1.0" encoding="utf-8"?>
+<p:sld xmlns:a="http://schemas.openxmlformats.org/drawingml/2006/main" xmlns:r="http://schemas.openxmlformats.org/officeDocument/2006/relationships" xmlns:p="http://schemas.openxmlformats.org/presentationml/2006/main">
+  <p:cSld>
+    <p:spTree>
+      <p:nvGrpSpPr>
+        <p:cNvPr id="1" name=""/>
+        <p:cNvGrpSpPr/>
+        <p:nvPr/>
+      </p:nvGrpSpPr>
+      <p:grpSpPr>
+        <a:xfrm>
+          <a:off x="0" y="0"/>
+          <a:ext cx="0" cy="0"/>
+          <a:chOff x="0" y="0"/>
+          <a:chExt cx="0" cy="0"/>
+        </a:xfrm>
+      </p:grpSpPr>
+      <p:sp>
+        <p:nvSpPr>
+          <p:cNvPr id="6" name="Title 1"/>
+          <p:cNvSpPr>
+            <a:spLocks noGrp="1"/>
+          </p:cNvSpPr>
+          <p:nvPr>
+            <p:ph type="title"/>
+          </p:nvPr>
+        </p:nvSpPr>
+        <p:spPr>
+          <a:xfrm>
+            <a:off x="142864" y="205980"/>
+            <a:ext cx="8865055" cy="620738"/>
+          </a:xfrm>
+        </p:spPr>
+        <p:txBody>
+          <a:bodyPr>
+            <a:normAutofit/>
+          </a:bodyPr>
+          <a:lstStyle/>
+          <a:p>
+            <a:pPr algn="ctr"/>
+            <a:r>
+              <a:rPr lang="en-US" b="1" dirty="0">
+                <a:solidFill>
+                  <a:srgbClr val="0070C0"/>
+                </a:solidFill>
+              </a:rPr>
+              <a:t>FILE – INFORMANDO ARQUIVO (INPUT)</a:t>
+            </a:r>
+          </a:p>
+        </p:txBody>
+      </p:sp>
+      <p:sp>
+        <p:nvSpPr>
+          <p:cNvPr id="8" name="Text Placeholder 2"/>
+          <p:cNvSpPr>
+            <a:spLocks noGrp="1"/>
+          </p:cNvSpPr>
+          <p:nvPr>
+            <p:ph type="body" sz="half" idx="1"/>
+          </p:nvPr>
+        </p:nvSpPr>
+        <p:spPr>
+          <a:xfrm>
+            <a:off x="142864" y="861864"/>
+            <a:ext cx="8865056" cy="4075656"/>
+          </a:xfrm>
+        </p:spPr>
+        <p:txBody>
+          <a:bodyPr>
+            <a:noAutofit/>
+          </a:bodyPr>
+          <a:lstStyle/>
+          <a:p>
+            <a:pPr marL="0" lvl="1" indent="0" algn="just">
+              <a:buNone/>
+            </a:pPr>
+            <a:r>
+              <a:rPr lang="en-US" sz="2000" b="1" dirty="0" err="1">
+                <a:solidFill>
+                  <a:srgbClr val="FF0000"/>
+                </a:solidFill>
+                <a:latin typeface="Times New Roman" panose="02020603050405020304" pitchFamily="18" charset="0"/>
+                <a:cs typeface="Times New Roman" panose="02020603050405020304" pitchFamily="18" charset="0"/>
+              </a:rPr>
+              <a:t>Exemplo</a:t>
+            </a:r>
+            <a:r>
+              <a:rPr lang="en-US" sz="2000" b="1" dirty="0">
+                <a:solidFill>
+                  <a:srgbClr val="FF0000"/>
+                </a:solidFill>
+                <a:latin typeface="Times New Roman" panose="02020603050405020304" pitchFamily="18" charset="0"/>
+                <a:cs typeface="Times New Roman" panose="02020603050405020304" pitchFamily="18" charset="0"/>
+              </a:rPr>
+              <a:t> (try/except)</a:t>
+            </a:r>
+          </a:p>
+          <a:p>
+            <a:pPr marL="443865" lvl="2" indent="0" algn="just">
+              <a:buNone/>
+            </a:pPr>
+            <a:r>
+              <a:rPr lang="en-US" sz="2000" dirty="0" err="1">
+                <a:latin typeface="Times New Roman" panose="02020603050405020304" pitchFamily="18" charset="0"/>
+                <a:cs typeface="Times New Roman" panose="02020603050405020304" pitchFamily="18" charset="0"/>
+              </a:rPr>
+              <a:t>fname</a:t>
+            </a:r>
+            <a:r>
+              <a:rPr lang="en-US" sz="2000" dirty="0">
+                <a:latin typeface="Times New Roman" panose="02020603050405020304" pitchFamily="18" charset="0"/>
+                <a:cs typeface="Times New Roman" panose="02020603050405020304" pitchFamily="18" charset="0"/>
+              </a:rPr>
+              <a:t> = </a:t>
+            </a:r>
+            <a:r>
+              <a:rPr lang="en-US" sz="2000" b="1" dirty="0">
+                <a:latin typeface="Times New Roman" panose="02020603050405020304" pitchFamily="18" charset="0"/>
+                <a:cs typeface="Times New Roman" panose="02020603050405020304" pitchFamily="18" charset="0"/>
+              </a:rPr>
+              <a:t>input</a:t>
+            </a:r>
+            <a:r>
+              <a:rPr lang="en-US" sz="2000" dirty="0">
+                <a:latin typeface="Times New Roman" panose="02020603050405020304" pitchFamily="18" charset="0"/>
+                <a:cs typeface="Times New Roman" panose="02020603050405020304" pitchFamily="18" charset="0"/>
+              </a:rPr>
+              <a:t>('</a:t>
+            </a:r>
+            <a:r>
+              <a:rPr lang="en-US" sz="2000" dirty="0" err="1">
+                <a:latin typeface="Times New Roman" panose="02020603050405020304" pitchFamily="18" charset="0"/>
+                <a:cs typeface="Times New Roman" panose="02020603050405020304" pitchFamily="18" charset="0"/>
+              </a:rPr>
+              <a:t>Digite</a:t>
+            </a:r>
+            <a:r>
+              <a:rPr lang="en-US" sz="2000" dirty="0">
+                <a:latin typeface="Times New Roman" panose="02020603050405020304" pitchFamily="18" charset="0"/>
+                <a:cs typeface="Times New Roman" panose="02020603050405020304" pitchFamily="18" charset="0"/>
+              </a:rPr>
+              <a:t> o </a:t>
+            </a:r>
+            <a:r>
+              <a:rPr lang="en-US" sz="2000" dirty="0" err="1">
+                <a:latin typeface="Times New Roman" panose="02020603050405020304" pitchFamily="18" charset="0"/>
+                <a:cs typeface="Times New Roman" panose="02020603050405020304" pitchFamily="18" charset="0"/>
+              </a:rPr>
+              <a:t>nome</a:t>
+            </a:r>
+            <a:r>
+              <a:rPr lang="en-US" sz="2000" dirty="0">
+                <a:latin typeface="Times New Roman" panose="02020603050405020304" pitchFamily="18" charset="0"/>
+                <a:cs typeface="Times New Roman" panose="02020603050405020304" pitchFamily="18" charset="0"/>
+              </a:rPr>
+              <a:t> do </a:t>
+            </a:r>
+            <a:r>
+              <a:rPr lang="en-US" sz="2000" dirty="0" err="1">
+                <a:latin typeface="Times New Roman" panose="02020603050405020304" pitchFamily="18" charset="0"/>
+                <a:cs typeface="Times New Roman" panose="02020603050405020304" pitchFamily="18" charset="0"/>
+              </a:rPr>
+              <a:t>arquivo</a:t>
+            </a:r>
+            <a:r>
+              <a:rPr lang="en-US" sz="2000" dirty="0">
+                <a:latin typeface="Times New Roman" panose="02020603050405020304" pitchFamily="18" charset="0"/>
+                <a:cs typeface="Times New Roman" panose="02020603050405020304" pitchFamily="18" charset="0"/>
+              </a:rPr>
+              <a:t>: ‘);</a:t>
+            </a:r>
+          </a:p>
+          <a:p>
+            <a:pPr marL="443865" lvl="2" indent="0" algn="just">
+              <a:buNone/>
+            </a:pPr>
+            <a:r>
+              <a:rPr lang="en-US" sz="2000" b="1" dirty="0">
+                <a:latin typeface="Times New Roman" panose="02020603050405020304" pitchFamily="18" charset="0"/>
+                <a:cs typeface="Times New Roman" panose="02020603050405020304" pitchFamily="18" charset="0"/>
+              </a:rPr>
+              <a:t>try</a:t>
+            </a:r>
+            <a:r>
+              <a:rPr lang="en-US" sz="2000" dirty="0">
+                <a:latin typeface="Times New Roman" panose="02020603050405020304" pitchFamily="18" charset="0"/>
+                <a:cs typeface="Times New Roman" panose="02020603050405020304" pitchFamily="18" charset="0"/>
+              </a:rPr>
+              <a:t>:</a:t>
+            </a:r>
+          </a:p>
+          <a:p>
+            <a:pPr marL="443865" lvl="2" indent="0" algn="just">
+              <a:buNone/>
+            </a:pPr>
+            <a:r>
+              <a:rPr lang="en-US" sz="2000" dirty="0">
+                <a:latin typeface="Times New Roman" panose="02020603050405020304" pitchFamily="18" charset="0"/>
+                <a:cs typeface="Times New Roman" panose="02020603050405020304" pitchFamily="18" charset="0"/>
+              </a:rPr>
+              <a:t>    </a:t>
+            </a:r>
+            <a:r>
+              <a:rPr lang="en-US" sz="2000" dirty="0" err="1">
+                <a:latin typeface="Times New Roman" panose="02020603050405020304" pitchFamily="18" charset="0"/>
+                <a:cs typeface="Times New Roman" panose="02020603050405020304" pitchFamily="18" charset="0"/>
+              </a:rPr>
+              <a:t>text_file</a:t>
+            </a:r>
+            <a:r>
+              <a:rPr lang="en-US" sz="2000" dirty="0">
+                <a:latin typeface="Times New Roman" panose="02020603050405020304" pitchFamily="18" charset="0"/>
+                <a:cs typeface="Times New Roman" panose="02020603050405020304" pitchFamily="18" charset="0"/>
+              </a:rPr>
+              <a:t> = </a:t>
+            </a:r>
+            <a:r>
+              <a:rPr lang="en-US" sz="2000" b="1" dirty="0">
+                <a:latin typeface="Times New Roman" panose="02020603050405020304" pitchFamily="18" charset="0"/>
+                <a:cs typeface="Times New Roman" panose="02020603050405020304" pitchFamily="18" charset="0"/>
+              </a:rPr>
+              <a:t>open</a:t>
+            </a:r>
+            <a:r>
+              <a:rPr lang="en-US" sz="2000" dirty="0">
+                <a:latin typeface="Times New Roman" panose="02020603050405020304" pitchFamily="18" charset="0"/>
+                <a:cs typeface="Times New Roman" panose="02020603050405020304" pitchFamily="18" charset="0"/>
+              </a:rPr>
+              <a:t>(</a:t>
+            </a:r>
+            <a:r>
+              <a:rPr lang="en-US" sz="2000" dirty="0" err="1">
+                <a:latin typeface="Times New Roman" panose="02020603050405020304" pitchFamily="18" charset="0"/>
+                <a:cs typeface="Times New Roman" panose="02020603050405020304" pitchFamily="18" charset="0"/>
+              </a:rPr>
+              <a:t>fname</a:t>
+            </a:r>
+            <a:r>
+              <a:rPr lang="en-US" sz="2000" dirty="0">
+                <a:latin typeface="Times New Roman" panose="02020603050405020304" pitchFamily="18" charset="0"/>
+                <a:cs typeface="Times New Roman" panose="02020603050405020304" pitchFamily="18" charset="0"/>
+              </a:rPr>
+              <a:t>);</a:t>
+            </a:r>
+          </a:p>
+          <a:p>
+            <a:pPr marL="443865" lvl="2" indent="0" algn="just">
+              <a:buNone/>
+            </a:pPr>
+            <a:r>
+              <a:rPr lang="en-US" sz="2000" b="1" dirty="0">
+                <a:latin typeface="Times New Roman" panose="02020603050405020304" pitchFamily="18" charset="0"/>
+                <a:cs typeface="Times New Roman" panose="02020603050405020304" pitchFamily="18" charset="0"/>
+              </a:rPr>
+              <a:t>except</a:t>
+            </a:r>
+            <a:r>
+              <a:rPr lang="en-US" sz="2000" dirty="0">
+                <a:latin typeface="Times New Roman" panose="02020603050405020304" pitchFamily="18" charset="0"/>
+                <a:cs typeface="Times New Roman" panose="02020603050405020304" pitchFamily="18" charset="0"/>
+              </a:rPr>
+              <a:t>:</a:t>
+            </a:r>
+          </a:p>
+          <a:p>
+            <a:pPr marL="443865" lvl="2" indent="0" algn="just">
+              <a:buNone/>
+            </a:pPr>
+            <a:r>
+              <a:rPr lang="en-US" sz="2000" dirty="0">
+                <a:latin typeface="Times New Roman" panose="02020603050405020304" pitchFamily="18" charset="0"/>
+                <a:cs typeface="Times New Roman" panose="02020603050405020304" pitchFamily="18" charset="0"/>
+              </a:rPr>
+              <a:t>    </a:t>
+            </a:r>
+            <a:r>
+              <a:rPr lang="en-US" sz="2000" b="1" dirty="0">
+                <a:latin typeface="Times New Roman" panose="02020603050405020304" pitchFamily="18" charset="0"/>
+                <a:cs typeface="Times New Roman" panose="02020603050405020304" pitchFamily="18" charset="0"/>
+              </a:rPr>
+              <a:t>print</a:t>
+            </a:r>
+            <a:r>
+              <a:rPr lang="en-US" sz="2000" dirty="0">
+                <a:latin typeface="Times New Roman" panose="02020603050405020304" pitchFamily="18" charset="0"/>
+                <a:cs typeface="Times New Roman" panose="02020603050405020304" pitchFamily="18" charset="0"/>
+              </a:rPr>
+              <a:t>(</a:t>
+            </a:r>
+            <a:r>
+              <a:rPr lang="en-US" sz="2000" b="1" dirty="0" err="1">
+                <a:solidFill>
+                  <a:srgbClr val="FF0000"/>
+                </a:solidFill>
+                <a:latin typeface="Times New Roman" panose="02020603050405020304" pitchFamily="18" charset="0"/>
+                <a:cs typeface="Times New Roman" panose="02020603050405020304" pitchFamily="18" charset="0"/>
+              </a:rPr>
+              <a:t>f</a:t>
+            </a:r>
+            <a:r>
+              <a:rPr lang="en-US" sz="2000" dirty="0" err="1">
+                <a:latin typeface="Times New Roman" panose="02020603050405020304" pitchFamily="18" charset="0"/>
+                <a:cs typeface="Times New Roman" panose="02020603050405020304" pitchFamily="18" charset="0"/>
+              </a:rPr>
+              <a:t>'Erro</a:t>
+            </a:r>
+            <a:r>
+              <a:rPr lang="en-US" sz="2000" dirty="0">
+                <a:latin typeface="Times New Roman" panose="02020603050405020304" pitchFamily="18" charset="0"/>
+                <a:cs typeface="Times New Roman" panose="02020603050405020304" pitchFamily="18" charset="0"/>
+              </a:rPr>
+              <a:t> </a:t>
+            </a:r>
+            <a:r>
+              <a:rPr lang="en-US" sz="2000" dirty="0" err="1">
+                <a:latin typeface="Times New Roman" panose="02020603050405020304" pitchFamily="18" charset="0"/>
+                <a:cs typeface="Times New Roman" panose="02020603050405020304" pitchFamily="18" charset="0"/>
+              </a:rPr>
+              <a:t>na</a:t>
+            </a:r>
+            <a:r>
+              <a:rPr lang="en-US" sz="2000" dirty="0">
+                <a:latin typeface="Times New Roman" panose="02020603050405020304" pitchFamily="18" charset="0"/>
+                <a:cs typeface="Times New Roman" panose="02020603050405020304" pitchFamily="18" charset="0"/>
+              </a:rPr>
+              <a:t> </a:t>
+            </a:r>
+            <a:r>
+              <a:rPr lang="en-US" sz="2000" dirty="0" err="1">
+                <a:latin typeface="Times New Roman" panose="02020603050405020304" pitchFamily="18" charset="0"/>
+                <a:cs typeface="Times New Roman" panose="02020603050405020304" pitchFamily="18" charset="0"/>
+              </a:rPr>
+              <a:t>abertura</a:t>
+            </a:r>
+            <a:r>
+              <a:rPr lang="en-US" sz="2000" dirty="0">
+                <a:latin typeface="Times New Roman" panose="02020603050405020304" pitchFamily="18" charset="0"/>
+                <a:cs typeface="Times New Roman" panose="02020603050405020304" pitchFamily="18" charset="0"/>
+              </a:rPr>
+              <a:t> do </a:t>
+            </a:r>
+            <a:r>
+              <a:rPr lang="en-US" sz="2000" dirty="0" err="1">
+                <a:latin typeface="Times New Roman" panose="02020603050405020304" pitchFamily="18" charset="0"/>
+                <a:cs typeface="Times New Roman" panose="02020603050405020304" pitchFamily="18" charset="0"/>
+              </a:rPr>
+              <a:t>arquivo</a:t>
+            </a:r>
+            <a:r>
+              <a:rPr lang="en-US" sz="2000" dirty="0">
+                <a:latin typeface="Times New Roman" panose="02020603050405020304" pitchFamily="18" charset="0"/>
+                <a:cs typeface="Times New Roman" panose="02020603050405020304" pitchFamily="18" charset="0"/>
+              </a:rPr>
+              <a:t> {</a:t>
+            </a:r>
+            <a:r>
+              <a:rPr lang="en-US" sz="2000" b="1" dirty="0" err="1">
+                <a:solidFill>
+                  <a:srgbClr val="FF0000"/>
+                </a:solidFill>
+                <a:latin typeface="Times New Roman" panose="02020603050405020304" pitchFamily="18" charset="0"/>
+                <a:cs typeface="Times New Roman" panose="02020603050405020304" pitchFamily="18" charset="0"/>
+              </a:rPr>
+              <a:t>fname</a:t>
+            </a:r>
+            <a:r>
+              <a:rPr lang="en-US" sz="2000" dirty="0">
+                <a:latin typeface="Times New Roman" panose="02020603050405020304" pitchFamily="18" charset="0"/>
+                <a:cs typeface="Times New Roman" panose="02020603050405020304" pitchFamily="18" charset="0"/>
+              </a:rPr>
+              <a:t>}')</a:t>
+            </a:r>
+          </a:p>
+          <a:p>
+            <a:pPr marL="443865" lvl="2" indent="0" algn="just">
+              <a:buNone/>
+            </a:pPr>
+            <a:r>
+              <a:rPr lang="en-US" sz="2000" dirty="0">
+                <a:latin typeface="Times New Roman" panose="02020603050405020304" pitchFamily="18" charset="0"/>
+                <a:cs typeface="Times New Roman" panose="02020603050405020304" pitchFamily="18" charset="0"/>
+              </a:rPr>
+              <a:t>    </a:t>
+            </a:r>
+            <a:r>
+              <a:rPr lang="en-US" sz="2000" b="1" dirty="0">
+                <a:latin typeface="Times New Roman" panose="02020603050405020304" pitchFamily="18" charset="0"/>
+                <a:cs typeface="Times New Roman" panose="02020603050405020304" pitchFamily="18" charset="0"/>
+              </a:rPr>
+              <a:t>quit</a:t>
+            </a:r>
+            <a:r>
+              <a:rPr lang="en-US" sz="2000" dirty="0">
+                <a:latin typeface="Times New Roman" panose="02020603050405020304" pitchFamily="18" charset="0"/>
+                <a:cs typeface="Times New Roman" panose="02020603050405020304" pitchFamily="18" charset="0"/>
+              </a:rPr>
+              <a:t>()</a:t>
+            </a:r>
+          </a:p>
+          <a:p>
+            <a:pPr marL="443865" lvl="2" indent="0" algn="just">
+              <a:buNone/>
+            </a:pPr>
+            <a:r>
+              <a:rPr lang="en-US" sz="2000" b="1" dirty="0">
+                <a:latin typeface="Times New Roman" panose="02020603050405020304" pitchFamily="18" charset="0"/>
+                <a:cs typeface="Times New Roman" panose="02020603050405020304" pitchFamily="18" charset="0"/>
+              </a:rPr>
+              <a:t>for</a:t>
+            </a:r>
+            <a:r>
+              <a:rPr lang="en-US" sz="2000" dirty="0">
+                <a:latin typeface="Times New Roman" panose="02020603050405020304" pitchFamily="18" charset="0"/>
+                <a:cs typeface="Times New Roman" panose="02020603050405020304" pitchFamily="18" charset="0"/>
+              </a:rPr>
+              <a:t> line </a:t>
+            </a:r>
+            <a:r>
+              <a:rPr lang="en-US" sz="2000" b="1" dirty="0">
+                <a:latin typeface="Times New Roman" panose="02020603050405020304" pitchFamily="18" charset="0"/>
+                <a:cs typeface="Times New Roman" panose="02020603050405020304" pitchFamily="18" charset="0"/>
+              </a:rPr>
+              <a:t>in</a:t>
+            </a:r>
+            <a:r>
+              <a:rPr lang="en-US" sz="2000" dirty="0">
+                <a:latin typeface="Times New Roman" panose="02020603050405020304" pitchFamily="18" charset="0"/>
+                <a:cs typeface="Times New Roman" panose="02020603050405020304" pitchFamily="18" charset="0"/>
+              </a:rPr>
+              <a:t> </a:t>
+            </a:r>
+            <a:r>
+              <a:rPr lang="en-US" sz="2000" dirty="0" err="1">
+                <a:latin typeface="Times New Roman" panose="02020603050405020304" pitchFamily="18" charset="0"/>
+                <a:cs typeface="Times New Roman" panose="02020603050405020304" pitchFamily="18" charset="0"/>
+              </a:rPr>
+              <a:t>text_file</a:t>
+            </a:r>
+            <a:r>
+              <a:rPr lang="en-US" sz="2000" dirty="0">
+                <a:latin typeface="Times New Roman" panose="02020603050405020304" pitchFamily="18" charset="0"/>
+                <a:cs typeface="Times New Roman" panose="02020603050405020304" pitchFamily="18" charset="0"/>
+              </a:rPr>
+              <a:t>:</a:t>
+            </a:r>
+          </a:p>
+          <a:p>
+            <a:pPr marL="443865" lvl="2" indent="0" algn="just">
+              <a:buNone/>
+            </a:pPr>
+            <a:r>
+              <a:rPr lang="en-US" sz="2000" dirty="0">
+                <a:latin typeface="Times New Roman" panose="02020603050405020304" pitchFamily="18" charset="0"/>
+                <a:cs typeface="Times New Roman" panose="02020603050405020304" pitchFamily="18" charset="0"/>
+              </a:rPr>
+              <a:t>    </a:t>
+            </a:r>
+            <a:r>
+              <a:rPr lang="en-US" sz="2000" b="1" dirty="0">
+                <a:latin typeface="Times New Roman" panose="02020603050405020304" pitchFamily="18" charset="0"/>
+                <a:cs typeface="Times New Roman" panose="02020603050405020304" pitchFamily="18" charset="0"/>
+              </a:rPr>
+              <a:t>print</a:t>
+            </a:r>
+            <a:r>
+              <a:rPr lang="en-US" sz="2000" dirty="0">
+                <a:latin typeface="Times New Roman" panose="02020603050405020304" pitchFamily="18" charset="0"/>
+                <a:cs typeface="Times New Roman" panose="02020603050405020304" pitchFamily="18" charset="0"/>
+              </a:rPr>
+              <a:t>(line)</a:t>
+            </a:r>
+          </a:p>
+        </p:txBody>
+      </p:sp>
+    </p:spTree>
+    <p:extLst>
+      <p:ext uri="{BB962C8B-B14F-4D97-AF65-F5344CB8AC3E}">
+        <p14:creationId xmlns:p14="http://schemas.microsoft.com/office/powerpoint/2010/main" val="3154154670"/>
+      </p:ext>
+    </p:extLst>
+  </p:cSld>
+  <p:clrMapOvr>
+    <a:masterClrMapping/>
+  </p:clrMapOvr>
+  <p:transition spd="med"/>
+</p:sld>
+</file>
+
+<file path=ppt/slides/slide27.xml><?xml version="1.0" encoding="utf-8"?>
+<p:sld xmlns:a="http://schemas.openxmlformats.org/drawingml/2006/main" xmlns:r="http://schemas.openxmlformats.org/officeDocument/2006/relationships" xmlns:p="http://schemas.openxmlformats.org/presentationml/2006/main">
+  <p:cSld>
+    <p:spTree>
+      <p:nvGrpSpPr>
+        <p:cNvPr id="1" name=""/>
+        <p:cNvGrpSpPr/>
+        <p:nvPr/>
+      </p:nvGrpSpPr>
+      <p:grpSpPr>
+        <a:xfrm>
+          <a:off x="0" y="0"/>
+          <a:ext cx="0" cy="0"/>
+          <a:chOff x="0" y="0"/>
+          <a:chExt cx="0" cy="0"/>
+        </a:xfrm>
+      </p:grpSpPr>
+      <p:sp>
+        <p:nvSpPr>
+          <p:cNvPr id="6" name="Title 1"/>
+          <p:cNvSpPr>
+            <a:spLocks noGrp="1"/>
+          </p:cNvSpPr>
+          <p:nvPr>
+            <p:ph type="title"/>
+          </p:nvPr>
+        </p:nvSpPr>
+        <p:spPr/>
+        <p:txBody>
+          <a:bodyPr>
+            <a:normAutofit/>
+          </a:bodyPr>
+          <a:lstStyle/>
+          <a:p>
+            <a:r>
+              <a:rPr lang="en-US" b="1" dirty="0" err="1">
+                <a:solidFill>
+                  <a:srgbClr val="0070C0"/>
+                </a:solidFill>
+              </a:rPr>
+              <a:t>Leitura</a:t>
+            </a:r>
+            <a:r>
+              <a:rPr lang="en-US" b="1" dirty="0">
+                <a:solidFill>
+                  <a:srgbClr val="0070C0"/>
+                </a:solidFill>
+              </a:rPr>
+              <a:t> </a:t>
+            </a:r>
+            <a:r>
+              <a:rPr lang="en-US" b="1" dirty="0" err="1">
+                <a:solidFill>
+                  <a:srgbClr val="0070C0"/>
+                </a:solidFill>
+              </a:rPr>
+              <a:t>Específica</a:t>
+            </a:r>
+            <a:endParaRPr lang="en-US" b="1" dirty="0">
+              <a:solidFill>
+                <a:srgbClr val="0070C0"/>
+              </a:solidFill>
+            </a:endParaRPr>
+          </a:p>
+        </p:txBody>
+      </p:sp>
+      <p:sp>
+        <p:nvSpPr>
+          <p:cNvPr id="8" name="Text Placeholder 2"/>
+          <p:cNvSpPr>
+            <a:spLocks noGrp="1"/>
+          </p:cNvSpPr>
+          <p:nvPr>
+            <p:ph type="body" sz="half" idx="1"/>
+          </p:nvPr>
+        </p:nvSpPr>
+        <p:spPr>
+          <a:xfrm>
+            <a:off x="142865" y="1200151"/>
+            <a:ext cx="8865056" cy="3722578"/>
+          </a:xfrm>
+        </p:spPr>
+        <p:txBody>
+          <a:bodyPr>
+            <a:noAutofit/>
+          </a:bodyPr>
+          <a:lstStyle/>
+          <a:p>
+            <a:pPr marL="0" indent="0" algn="just">
+              <a:buNone/>
+            </a:pPr>
+            <a:r>
+              <a:rPr lang="pt-BR" sz="2400" dirty="0">
+                <a:latin typeface="Times New Roman" panose="02020603050405020304" pitchFamily="18" charset="0"/>
+                <a:cs typeface="Times New Roman" panose="02020603050405020304" pitchFamily="18" charset="0"/>
+              </a:rPr>
+              <a:t>[1] Site: </a:t>
+            </a:r>
+          </a:p>
+          <a:p>
+            <a:pPr marL="0" indent="0" algn="just">
+              <a:buNone/>
+            </a:pPr>
+            <a:r>
+              <a:rPr lang="pt-BR" sz="2400" dirty="0">
+                <a:latin typeface="Times New Roman" panose="02020603050405020304" pitchFamily="18" charset="0"/>
+                <a:cs typeface="Times New Roman" panose="02020603050405020304" pitchFamily="18" charset="0"/>
+              </a:rPr>
+              <a:t>      </a:t>
+            </a:r>
+            <a:r>
+              <a:rPr lang="pt-BR" sz="2400" dirty="0">
+                <a:latin typeface="Times New Roman" panose="02020603050405020304" pitchFamily="18" charset="0"/>
+                <a:cs typeface="Times New Roman" panose="02020603050405020304" pitchFamily="18" charset="0"/>
+                <a:hlinkClick r:id="rId3"/>
+              </a:rPr>
+              <a:t>https://www.w3schools.com/python/python_json.asp</a:t>
+            </a:r>
+            <a:endParaRPr lang="pt-BR" sz="2400" dirty="0">
+              <a:latin typeface="Times New Roman" panose="02020603050405020304" pitchFamily="18" charset="0"/>
+              <a:cs typeface="Times New Roman" panose="02020603050405020304" pitchFamily="18" charset="0"/>
+            </a:endParaRPr>
+          </a:p>
+          <a:p>
+            <a:pPr marL="0" indent="0" algn="just">
+              <a:buNone/>
+            </a:pPr>
+            <a:endParaRPr lang="pt-BR" sz="2400" dirty="0">
+              <a:latin typeface="Times New Roman" panose="02020603050405020304" pitchFamily="18" charset="0"/>
+              <a:cs typeface="Times New Roman" panose="02020603050405020304" pitchFamily="18" charset="0"/>
+            </a:endParaRPr>
+          </a:p>
+          <a:p>
+            <a:pPr marL="0" indent="0" algn="just">
+              <a:buNone/>
+            </a:pPr>
+            <a:r>
+              <a:rPr lang="pt-BR" sz="2400" dirty="0">
+                <a:latin typeface="Times New Roman" panose="02020603050405020304" pitchFamily="18" charset="0"/>
+                <a:cs typeface="Times New Roman" panose="02020603050405020304" pitchFamily="18" charset="0"/>
+              </a:rPr>
+              <a:t>[2] Site: </a:t>
+            </a:r>
+          </a:p>
+          <a:p>
+            <a:pPr marL="0" indent="0" algn="just">
+              <a:buNone/>
+            </a:pPr>
+            <a:r>
+              <a:rPr lang="pt-BR" sz="2400" dirty="0">
+                <a:latin typeface="Times New Roman" panose="02020603050405020304" pitchFamily="18" charset="0"/>
+                <a:cs typeface="Times New Roman" panose="02020603050405020304" pitchFamily="18" charset="0"/>
+              </a:rPr>
+              <a:t>     </a:t>
+            </a:r>
+            <a:r>
+              <a:rPr lang="pt-BR" sz="2400" dirty="0">
+                <a:latin typeface="Times New Roman" panose="02020603050405020304" pitchFamily="18" charset="0"/>
+                <a:cs typeface="Times New Roman" panose="02020603050405020304" pitchFamily="18" charset="0"/>
+                <a:hlinkClick r:id="rId4"/>
+              </a:rPr>
+              <a:t>https://www.w3schools.com/python/python_file_handling.asp</a:t>
+            </a:r>
+            <a:endParaRPr lang="pt-BR" sz="2400" dirty="0">
+              <a:latin typeface="Times New Roman" panose="02020603050405020304" pitchFamily="18" charset="0"/>
+              <a:cs typeface="Times New Roman" panose="02020603050405020304" pitchFamily="18" charset="0"/>
+            </a:endParaRPr>
+          </a:p>
+          <a:p>
+            <a:pPr marL="0" indent="0" algn="just">
+              <a:buNone/>
+            </a:pPr>
+            <a:endParaRPr lang="pt-BR" sz="2400" dirty="0">
+              <a:latin typeface="Times New Roman" panose="02020603050405020304" pitchFamily="18" charset="0"/>
+              <a:cs typeface="Times New Roman" panose="02020603050405020304" pitchFamily="18" charset="0"/>
+            </a:endParaRPr>
+          </a:p>
+          <a:p>
+            <a:pPr marL="0" indent="0" algn="just">
+              <a:buNone/>
+            </a:pPr>
+            <a:r>
+              <a:rPr lang="pt-BR" sz="2400" dirty="0">
+                <a:latin typeface="Times New Roman" panose="02020603050405020304" pitchFamily="18" charset="0"/>
+                <a:cs typeface="Times New Roman" panose="02020603050405020304" pitchFamily="18" charset="0"/>
+              </a:rPr>
+              <a:t>[3] Site: </a:t>
+            </a:r>
+            <a:r>
+              <a:rPr lang="pt-BR" sz="2400" dirty="0">
+                <a:latin typeface="Times New Roman" panose="02020603050405020304" pitchFamily="18" charset="0"/>
+                <a:cs typeface="Times New Roman" panose="02020603050405020304" pitchFamily="18" charset="0"/>
+                <a:hlinkClick r:id="rId5"/>
+              </a:rPr>
+              <a:t>https://docs.python.org/pt-br/3/tutorial/</a:t>
+            </a:r>
+            <a:endParaRPr lang="pt-BR" sz="2400" dirty="0">
+              <a:latin typeface="Times New Roman" panose="02020603050405020304" pitchFamily="18" charset="0"/>
+              <a:cs typeface="Times New Roman" panose="02020603050405020304" pitchFamily="18" charset="0"/>
+            </a:endParaRPr>
+          </a:p>
+          <a:p>
+            <a:pPr marL="0" indent="0" algn="just">
+              <a:buNone/>
+            </a:pPr>
+            <a:endParaRPr lang="pt-BR" sz="2400" dirty="0">
+              <a:latin typeface="Times New Roman" panose="02020603050405020304" pitchFamily="18" charset="0"/>
+              <a:cs typeface="Times New Roman" panose="02020603050405020304" pitchFamily="18" charset="0"/>
+            </a:endParaRPr>
+          </a:p>
+          <a:p>
+            <a:pPr marL="0" indent="0" algn="just">
+              <a:buNone/>
+            </a:pPr>
+            <a:endParaRPr lang="pt-BR" sz="2400" dirty="0">
+              <a:latin typeface="Times New Roman" panose="02020603050405020304" pitchFamily="18" charset="0"/>
+              <a:cs typeface="Times New Roman" panose="02020603050405020304" pitchFamily="18" charset="0"/>
+            </a:endParaRPr>
+          </a:p>
+          <a:p>
+            <a:pPr marL="0" indent="0" algn="just">
+              <a:buNone/>
+            </a:pPr>
+            <a:endParaRPr lang="pt-BR" sz="2400" dirty="0">
+              <a:latin typeface="Times New Roman" panose="02020603050405020304" pitchFamily="18" charset="0"/>
+              <a:cs typeface="Times New Roman" panose="02020603050405020304" pitchFamily="18" charset="0"/>
+            </a:endParaRPr>
+          </a:p>
+          <a:p>
+            <a:pPr marL="0" indent="0" algn="just">
+              <a:buNone/>
+            </a:pPr>
+            <a:endParaRPr lang="pt-BR" sz="2400" dirty="0">
+              <a:latin typeface="Times New Roman" panose="02020603050405020304" pitchFamily="18" charset="0"/>
+              <a:cs typeface="Times New Roman" panose="02020603050405020304" pitchFamily="18" charset="0"/>
+            </a:endParaRPr>
+          </a:p>
+          <a:p>
+            <a:pPr marL="0" indent="0" algn="just">
+              <a:buNone/>
+            </a:pPr>
+            <a:endParaRPr lang="pt-BR" sz="2400" dirty="0">
+              <a:latin typeface="Calibri" panose="020F0502020204030204" pitchFamily="34" charset="0"/>
+            </a:endParaRPr>
+          </a:p>
+        </p:txBody>
+      </p:sp>
+    </p:spTree>
+    <p:extLst>
+      <p:ext uri="{BB962C8B-B14F-4D97-AF65-F5344CB8AC3E}">
+        <p14:creationId xmlns:p14="http://schemas.microsoft.com/office/powerpoint/2010/main" val="2747596967"/>
+      </p:ext>
+    </p:extLst>
+  </p:cSld>
+  <p:clrMapOvr>
+    <a:masterClrMapping/>
+  </p:clrMapOvr>
+  <p:transition spd="med"/>
+</p:sld>
+</file>
+
+<file path=ppt/slides/slide28.xml><?xml version="1.0" encoding="utf-8"?>
+<p:sld xmlns:a="http://schemas.openxmlformats.org/drawingml/2006/main" xmlns:r="http://schemas.openxmlformats.org/officeDocument/2006/relationships" xmlns:p="http://schemas.openxmlformats.org/presentationml/2006/main">
+  <p:cSld>
+    <p:spTree>
+      <p:nvGrpSpPr>
+        <p:cNvPr id="1" name=""/>
+        <p:cNvGrpSpPr/>
+        <p:nvPr/>
+      </p:nvGrpSpPr>
+      <p:grpSpPr>
+        <a:xfrm>
+          <a:off x="0" y="0"/>
+          <a:ext cx="0" cy="0"/>
+          <a:chOff x="0" y="0"/>
+          <a:chExt cx="0" cy="0"/>
+        </a:xfrm>
+      </p:grpSpPr>
+      <p:sp>
+        <p:nvSpPr>
+          <p:cNvPr id="6" name="Title 1"/>
+          <p:cNvSpPr>
+            <a:spLocks noGrp="1"/>
+          </p:cNvSpPr>
+          <p:nvPr>
+            <p:ph type="title"/>
+          </p:nvPr>
+        </p:nvSpPr>
+        <p:spPr/>
+        <p:txBody>
+          <a:bodyPr>
+            <a:normAutofit/>
+          </a:bodyPr>
+          <a:lstStyle/>
+          <a:p>
+            <a:r>
+              <a:rPr lang="en-US" b="1" dirty="0" err="1">
+                <a:solidFill>
+                  <a:srgbClr val="0070C0"/>
+                </a:solidFill>
+              </a:rPr>
+              <a:t>Aprenda</a:t>
+            </a:r>
+            <a:r>
+              <a:rPr lang="en-US" b="1" dirty="0">
+                <a:solidFill>
+                  <a:srgbClr val="0070C0"/>
+                </a:solidFill>
+              </a:rPr>
+              <a:t>+</a:t>
+            </a:r>
+          </a:p>
+        </p:txBody>
+      </p:sp>
+      <p:sp>
+        <p:nvSpPr>
+          <p:cNvPr id="8" name="Text Placeholder 2"/>
+          <p:cNvSpPr>
+            <a:spLocks noGrp="1"/>
+          </p:cNvSpPr>
+          <p:nvPr>
+            <p:ph type="body" sz="half" idx="1"/>
+          </p:nvPr>
+        </p:nvSpPr>
+        <p:spPr>
+          <a:xfrm>
+            <a:off x="142865" y="1200151"/>
+            <a:ext cx="8865056" cy="3394472"/>
+          </a:xfrm>
+        </p:spPr>
+        <p:txBody>
+          <a:bodyPr>
+            <a:noAutofit/>
+          </a:bodyPr>
+          <a:lstStyle/>
+          <a:p>
+            <a:pPr marL="0" indent="0" algn="just">
+              <a:buNone/>
+            </a:pPr>
+            <a:endParaRPr lang="pt-BR" sz="2000" dirty="0">
+              <a:latin typeface="Times New Roman" panose="02020603050405020304" pitchFamily="18" charset="0"/>
+              <a:cs typeface="Times New Roman" panose="02020603050405020304" pitchFamily="18" charset="0"/>
+            </a:endParaRPr>
+          </a:p>
+          <a:p>
+            <a:pPr marL="0" indent="0" algn="just">
+              <a:buNone/>
+            </a:pPr>
+            <a:r>
+              <a:rPr lang="pt-BR" sz="2000" dirty="0">
+                <a:latin typeface="Times New Roman" panose="02020603050405020304" pitchFamily="18" charset="0"/>
+                <a:cs typeface="Times New Roman" panose="02020603050405020304" pitchFamily="18" charset="0"/>
+              </a:rPr>
+              <a:t>[1</a:t>
+            </a:r>
+            <a:r>
+              <a:rPr lang="pt-BR" sz="2000">
+                <a:latin typeface="Times New Roman" panose="02020603050405020304" pitchFamily="18" charset="0"/>
+                <a:cs typeface="Times New Roman" panose="02020603050405020304" pitchFamily="18" charset="0"/>
+              </a:rPr>
+              <a:t>] </a:t>
+            </a:r>
+            <a:r>
+              <a:rPr lang="pt-BR" sz="2000">
+                <a:latin typeface="Times New Roman" panose="02020603050405020304" pitchFamily="18" charset="0"/>
+                <a:cs typeface="Times New Roman" panose="02020603050405020304" pitchFamily="18" charset="0"/>
+                <a:hlinkClick r:id="rId3"/>
+              </a:rPr>
+              <a:t>https://www.youtube.com/watch?v=XmCrArtfjaQ</a:t>
+            </a:r>
+            <a:endParaRPr lang="pt-BR" sz="2000">
+              <a:latin typeface="Times New Roman" panose="02020603050405020304" pitchFamily="18" charset="0"/>
+              <a:cs typeface="Times New Roman" panose="02020603050405020304" pitchFamily="18" charset="0"/>
+            </a:endParaRPr>
+          </a:p>
+          <a:p>
+            <a:pPr marL="0" indent="0" algn="just">
+              <a:buNone/>
+            </a:pPr>
+            <a:endParaRPr lang="pt-BR" sz="2000" dirty="0">
+              <a:latin typeface="Times New Roman" panose="02020603050405020304" pitchFamily="18" charset="0"/>
+              <a:cs typeface="Times New Roman" panose="02020603050405020304" pitchFamily="18" charset="0"/>
+            </a:endParaRPr>
+          </a:p>
+        </p:txBody>
+      </p:sp>
+    </p:spTree>
+    <p:extLst>
+      <p:ext uri="{BB962C8B-B14F-4D97-AF65-F5344CB8AC3E}">
+        <p14:creationId xmlns:p14="http://schemas.microsoft.com/office/powerpoint/2010/main" val="3680270425"/>
+      </p:ext>
+    </p:extLst>
+  </p:cSld>
+  <p:clrMapOvr>
+    <a:masterClrMapping/>
+  </p:clrMapOvr>
+  <p:transition spd="med"/>
+</p:sld>
+</file>
+
+<file path=ppt/slides/slide29.xml><?xml version="1.0" encoding="utf-8"?>
+<p:sld xmlns:a="http://schemas.openxmlformats.org/drawingml/2006/main" xmlns:r="http://schemas.openxmlformats.org/officeDocument/2006/relationships" xmlns:p="http://schemas.openxmlformats.org/presentationml/2006/main">
+  <p:cSld>
+    <p:spTree>
+      <p:nvGrpSpPr>
+        <p:cNvPr id="1" name=""/>
+        <p:cNvGrpSpPr/>
+        <p:nvPr/>
+      </p:nvGrpSpPr>
+      <p:grpSpPr>
+        <a:xfrm>
+          <a:off x="0" y="0"/>
+          <a:ext cx="0" cy="0"/>
+          <a:chOff x="0" y="0"/>
+          <a:chExt cx="0" cy="0"/>
+        </a:xfrm>
+      </p:grpSpPr>
+      <p:sp>
+        <p:nvSpPr>
+          <p:cNvPr id="6" name="Title 1"/>
+          <p:cNvSpPr>
+            <a:spLocks noGrp="1"/>
+          </p:cNvSpPr>
+          <p:nvPr>
+            <p:ph type="title"/>
+          </p:nvPr>
+        </p:nvSpPr>
+        <p:spPr/>
+        <p:txBody>
+          <a:bodyPr>
+            <a:normAutofit/>
+          </a:bodyPr>
+          <a:lstStyle/>
+          <a:p>
+            <a:r>
+              <a:rPr lang="en-US" b="1" dirty="0" err="1">
+                <a:solidFill>
+                  <a:srgbClr val="0070C0"/>
+                </a:solidFill>
+              </a:rPr>
+              <a:t>Dinâmica</a:t>
+            </a:r>
+            <a:r>
+              <a:rPr lang="en-US" b="1" dirty="0">
+                <a:solidFill>
+                  <a:srgbClr val="0070C0"/>
+                </a:solidFill>
+              </a:rPr>
+              <a:t>/</a:t>
+            </a:r>
+            <a:r>
+              <a:rPr lang="en-US" b="1" dirty="0" err="1">
+                <a:solidFill>
+                  <a:srgbClr val="0070C0"/>
+                </a:solidFill>
+              </a:rPr>
+              <a:t>Atividades</a:t>
+            </a:r>
+            <a:endParaRPr lang="en-US" b="1" dirty="0">
+              <a:solidFill>
+                <a:srgbClr val="0070C0"/>
+              </a:solidFill>
+            </a:endParaRPr>
+          </a:p>
+        </p:txBody>
+      </p:sp>
+      <p:sp>
+        <p:nvSpPr>
+          <p:cNvPr id="8" name="Text Placeholder 2"/>
+          <p:cNvSpPr>
+            <a:spLocks noGrp="1"/>
+          </p:cNvSpPr>
+          <p:nvPr>
+            <p:ph type="body" sz="half" idx="1"/>
+          </p:nvPr>
+        </p:nvSpPr>
+        <p:spPr>
+          <a:xfrm>
+            <a:off x="139472" y="1063230"/>
+            <a:ext cx="8865056" cy="3606305"/>
+          </a:xfrm>
+        </p:spPr>
+        <p:txBody>
+          <a:bodyPr>
+            <a:noAutofit/>
+          </a:bodyPr>
+          <a:lstStyle/>
+          <a:p>
+            <a:pPr algn="just">
+              <a:buFontTx/>
+              <a:buChar char="-"/>
+            </a:pPr>
+            <a:r>
+              <a:rPr lang="pt-BR" dirty="0">
+                <a:latin typeface="Times New Roman" panose="02020603050405020304" pitchFamily="18" charset="0"/>
+                <a:cs typeface="Times New Roman" panose="02020603050405020304" pitchFamily="18" charset="0"/>
+              </a:rPr>
+              <a:t>Exercícios de Fixação</a:t>
+            </a:r>
+          </a:p>
+          <a:p>
+            <a:pPr marL="0" indent="0" algn="just">
+              <a:buNone/>
+            </a:pPr>
+            <a:r>
+              <a:rPr lang="pt-BR" dirty="0">
+                <a:latin typeface="Times New Roman" panose="02020603050405020304" pitchFamily="18" charset="0"/>
+                <a:cs typeface="Times New Roman" panose="02020603050405020304" pitchFamily="18" charset="0"/>
+              </a:rPr>
+              <a:t>	Desafios em Sala de Aula.</a:t>
+            </a:r>
+          </a:p>
+        </p:txBody>
+      </p:sp>
+    </p:spTree>
+    <p:extLst>
+      <p:ext uri="{BB962C8B-B14F-4D97-AF65-F5344CB8AC3E}">
+        <p14:creationId xmlns:p14="http://schemas.microsoft.com/office/powerpoint/2010/main" val="2470652989"/>
+      </p:ext>
+    </p:extLst>
+  </p:cSld>
+  <p:clrMapOvr>
+    <a:masterClrMapping/>
+  </p:clrMapOvr>
+  <p:transition spd="med"/>
+</p:sld>
+</file>
+
+<file path=ppt/slides/slide3.xml><?xml version="1.0" encoding="utf-8"?>
+<p:sld xmlns:a="http://schemas.openxmlformats.org/drawingml/2006/main" xmlns:r="http://schemas.openxmlformats.org/officeDocument/2006/relationships" xmlns:p="http://schemas.openxmlformats.org/presentationml/2006/main">
+  <p:cSld>
+    <p:spTree>
+      <p:nvGrpSpPr>
+        <p:cNvPr id="1" name=""/>
+        <p:cNvGrpSpPr/>
+        <p:nvPr/>
+      </p:nvGrpSpPr>
+      <p:grpSpPr>
+        <a:xfrm>
+          <a:off x="0" y="0"/>
+          <a:ext cx="0" cy="0"/>
+          <a:chOff x="0" y="0"/>
+          <a:chExt cx="0" cy="0"/>
+        </a:xfrm>
+      </p:grpSpPr>
+      <p:sp>
+        <p:nvSpPr>
+          <p:cNvPr id="6" name="Title 1"/>
+          <p:cNvSpPr>
+            <a:spLocks noGrp="1"/>
+          </p:cNvSpPr>
+          <p:nvPr>
+            <p:ph type="title"/>
+          </p:nvPr>
+        </p:nvSpPr>
+        <p:spPr>
+          <a:xfrm>
+            <a:off x="142864" y="205980"/>
+            <a:ext cx="8865055" cy="620738"/>
+          </a:xfrm>
+        </p:spPr>
+        <p:txBody>
+          <a:bodyPr>
+            <a:normAutofit/>
+          </a:bodyPr>
+          <a:lstStyle/>
+          <a:p>
+            <a:pPr algn="ctr"/>
+            <a:r>
+              <a:rPr lang="en-US" b="1" dirty="0">
+                <a:solidFill>
+                  <a:srgbClr val="0070C0"/>
+                </a:solidFill>
+              </a:rPr>
+              <a:t>JSON</a:t>
+            </a:r>
+          </a:p>
+        </p:txBody>
+      </p:sp>
+      <p:sp>
+        <p:nvSpPr>
+          <p:cNvPr id="8" name="Text Placeholder 2"/>
+          <p:cNvSpPr>
+            <a:spLocks noGrp="1"/>
+          </p:cNvSpPr>
+          <p:nvPr>
+            <p:ph type="body" sz="half" idx="1"/>
+          </p:nvPr>
+        </p:nvSpPr>
+        <p:spPr>
+          <a:xfrm>
+            <a:off x="142864" y="861864"/>
+            <a:ext cx="8865056" cy="4075656"/>
+          </a:xfrm>
+        </p:spPr>
+        <p:txBody>
+          <a:bodyPr>
+            <a:noAutofit/>
+          </a:bodyPr>
+          <a:lstStyle/>
+          <a:p>
+            <a:pPr marL="0" indent="0" algn="just">
+              <a:buNone/>
+            </a:pPr>
+            <a:r>
+              <a:rPr lang="pt-BR" sz="2400" b="1" dirty="0">
+                <a:solidFill>
+                  <a:schemeClr val="tx1"/>
+                </a:solidFill>
+                <a:latin typeface="Times New Roman" panose="02020603050405020304" pitchFamily="18" charset="0"/>
+                <a:cs typeface="Times New Roman" panose="02020603050405020304" pitchFamily="18" charset="0"/>
+              </a:rPr>
+              <a:t>JSON</a:t>
+            </a:r>
+            <a:r>
+              <a:rPr lang="pt-BR" sz="2400" dirty="0">
+                <a:solidFill>
+                  <a:schemeClr val="tx1"/>
+                </a:solidFill>
+                <a:latin typeface="Times New Roman" panose="02020603050405020304" pitchFamily="18" charset="0"/>
+                <a:cs typeface="Times New Roman" panose="02020603050405020304" pitchFamily="18" charset="0"/>
+              </a:rPr>
+              <a:t> é uma sintaxe para armazenar e trocar dados.</a:t>
+            </a:r>
+          </a:p>
+          <a:p>
+            <a:pPr marL="0" indent="0" algn="just">
+              <a:buNone/>
+            </a:pPr>
+            <a:endParaRPr lang="pt-BR" sz="2400" dirty="0">
+              <a:solidFill>
+                <a:schemeClr val="tx1"/>
+              </a:solidFill>
+              <a:latin typeface="Times New Roman" panose="02020603050405020304" pitchFamily="18" charset="0"/>
+              <a:cs typeface="Times New Roman" panose="02020603050405020304" pitchFamily="18" charset="0"/>
+            </a:endParaRPr>
+          </a:p>
+          <a:p>
+            <a:pPr marL="0" indent="0" algn="just">
+              <a:buNone/>
+            </a:pPr>
+            <a:r>
+              <a:rPr lang="pt-BR" sz="2400" b="1" dirty="0">
+                <a:solidFill>
+                  <a:schemeClr val="tx1"/>
+                </a:solidFill>
+                <a:latin typeface="Times New Roman" panose="02020603050405020304" pitchFamily="18" charset="0"/>
+                <a:cs typeface="Times New Roman" panose="02020603050405020304" pitchFamily="18" charset="0"/>
+              </a:rPr>
+              <a:t>JSON</a:t>
+            </a:r>
+            <a:r>
+              <a:rPr lang="pt-BR" sz="2400" dirty="0">
+                <a:solidFill>
+                  <a:schemeClr val="tx1"/>
+                </a:solidFill>
+                <a:latin typeface="Times New Roman" panose="02020603050405020304" pitchFamily="18" charset="0"/>
+                <a:cs typeface="Times New Roman" panose="02020603050405020304" pitchFamily="18" charset="0"/>
+              </a:rPr>
+              <a:t> é texto, escrito com notação de objeto </a:t>
+            </a:r>
+            <a:r>
+              <a:rPr lang="pt-BR" sz="2400" b="1" dirty="0" err="1">
+                <a:solidFill>
+                  <a:schemeClr val="tx1"/>
+                </a:solidFill>
+                <a:latin typeface="Times New Roman" panose="02020603050405020304" pitchFamily="18" charset="0"/>
+                <a:cs typeface="Times New Roman" panose="02020603050405020304" pitchFamily="18" charset="0"/>
+              </a:rPr>
+              <a:t>JavaScript</a:t>
+            </a:r>
+            <a:r>
+              <a:rPr lang="pt-BR" sz="2400" dirty="0">
+                <a:solidFill>
+                  <a:schemeClr val="tx1"/>
+                </a:solidFill>
+                <a:latin typeface="Times New Roman" panose="02020603050405020304" pitchFamily="18" charset="0"/>
+                <a:cs typeface="Times New Roman" panose="02020603050405020304" pitchFamily="18" charset="0"/>
+              </a:rPr>
+              <a:t>.</a:t>
+            </a:r>
+          </a:p>
+          <a:p>
+            <a:pPr marL="0" indent="0" algn="just">
+              <a:buNone/>
+            </a:pPr>
+            <a:endParaRPr lang="pt-BR" sz="2400" dirty="0">
+              <a:latin typeface="Times New Roman" panose="02020603050405020304" pitchFamily="18" charset="0"/>
+              <a:cs typeface="Times New Roman" panose="02020603050405020304" pitchFamily="18" charset="0"/>
+            </a:endParaRPr>
+          </a:p>
+          <a:p>
+            <a:pPr marL="0" indent="0" algn="just">
+              <a:buNone/>
+            </a:pPr>
+            <a:r>
+              <a:rPr lang="pt-BR" sz="2400" dirty="0">
+                <a:solidFill>
+                  <a:schemeClr val="tx1"/>
+                </a:solidFill>
+                <a:latin typeface="Times New Roman" panose="02020603050405020304" pitchFamily="18" charset="0"/>
+                <a:cs typeface="Times New Roman" panose="02020603050405020304" pitchFamily="18" charset="0"/>
+              </a:rPr>
+              <a:t>Em Python, Importe o módulo </a:t>
+            </a:r>
+            <a:r>
+              <a:rPr lang="pt-BR" sz="2400" dirty="0" err="1">
+                <a:solidFill>
+                  <a:schemeClr val="tx1"/>
+                </a:solidFill>
+                <a:latin typeface="Times New Roman" panose="02020603050405020304" pitchFamily="18" charset="0"/>
+                <a:cs typeface="Times New Roman" panose="02020603050405020304" pitchFamily="18" charset="0"/>
+              </a:rPr>
+              <a:t>json</a:t>
+            </a:r>
+            <a:r>
+              <a:rPr lang="pt-BR" sz="2400" dirty="0">
+                <a:latin typeface="Times New Roman" panose="02020603050405020304" pitchFamily="18" charset="0"/>
+                <a:cs typeface="Times New Roman" panose="02020603050405020304" pitchFamily="18" charset="0"/>
+              </a:rPr>
+              <a:t>.</a:t>
+            </a:r>
+          </a:p>
+          <a:p>
+            <a:pPr marL="0" indent="0" algn="just">
+              <a:buNone/>
+            </a:pPr>
+            <a:endParaRPr lang="pt-BR" sz="2400" dirty="0">
+              <a:solidFill>
+                <a:schemeClr val="tx1"/>
+              </a:solidFill>
+              <a:latin typeface="Times New Roman" panose="02020603050405020304" pitchFamily="18" charset="0"/>
+              <a:cs typeface="Times New Roman" panose="02020603050405020304" pitchFamily="18" charset="0"/>
+            </a:endParaRPr>
+          </a:p>
+          <a:p>
+            <a:pPr marL="0" indent="0" algn="just">
+              <a:buNone/>
+            </a:pPr>
+            <a:r>
+              <a:rPr lang="pt-BR" sz="2400" b="1" dirty="0" err="1">
+                <a:latin typeface="Times New Roman" panose="02020603050405020304" pitchFamily="18" charset="0"/>
+                <a:cs typeface="Times New Roman" panose="02020603050405020304" pitchFamily="18" charset="0"/>
+              </a:rPr>
+              <a:t>impot</a:t>
+            </a:r>
+            <a:r>
+              <a:rPr lang="pt-BR" sz="2400" dirty="0">
+                <a:latin typeface="Times New Roman" panose="02020603050405020304" pitchFamily="18" charset="0"/>
+                <a:cs typeface="Times New Roman" panose="02020603050405020304" pitchFamily="18" charset="0"/>
+              </a:rPr>
+              <a:t> </a:t>
+            </a:r>
+            <a:r>
+              <a:rPr lang="pt-BR" sz="2400" b="1" dirty="0" err="1">
+                <a:solidFill>
+                  <a:srgbClr val="FF0000"/>
+                </a:solidFill>
+                <a:latin typeface="Times New Roman" panose="02020603050405020304" pitchFamily="18" charset="0"/>
+                <a:cs typeface="Times New Roman" panose="02020603050405020304" pitchFamily="18" charset="0"/>
+              </a:rPr>
+              <a:t>json</a:t>
+            </a:r>
+            <a:r>
+              <a:rPr lang="pt-BR" sz="2400" dirty="0">
+                <a:latin typeface="Times New Roman" panose="02020603050405020304" pitchFamily="18" charset="0"/>
+                <a:cs typeface="Times New Roman" panose="02020603050405020304" pitchFamily="18" charset="0"/>
+              </a:rPr>
+              <a:t>;</a:t>
+            </a:r>
+            <a:endParaRPr lang="pt-BR" sz="2400" dirty="0">
+              <a:solidFill>
+                <a:schemeClr val="tx1"/>
+              </a:solidFill>
+              <a:latin typeface="Times New Roman" panose="02020603050405020304" pitchFamily="18" charset="0"/>
+              <a:cs typeface="Times New Roman" panose="02020603050405020304" pitchFamily="18" charset="0"/>
+            </a:endParaRPr>
+          </a:p>
+        </p:txBody>
+      </p:sp>
+    </p:spTree>
+    <p:extLst>
+      <p:ext uri="{BB962C8B-B14F-4D97-AF65-F5344CB8AC3E}">
+        <p14:creationId xmlns:p14="http://schemas.microsoft.com/office/powerpoint/2010/main" val="3102360876"/>
+      </p:ext>
+    </p:extLst>
+  </p:cSld>
+  <p:clrMapOvr>
+    <a:masterClrMapping/>
+  </p:clrMapOvr>
+  <p:transition spd="med"/>
+</p:sld>
+</file>
+
+<file path=ppt/slides/slide30.xml><?xml version="1.0" encoding="utf-8"?>
+<p:sld xmlns:a="http://schemas.openxmlformats.org/drawingml/2006/main" xmlns:r="http://schemas.openxmlformats.org/officeDocument/2006/relationships" xmlns:p="http://schemas.openxmlformats.org/presentationml/2006/main">
+  <p:cSld>
+    <p:spTree>
+      <p:nvGrpSpPr>
+        <p:cNvPr id="1" name=""/>
+        <p:cNvGrpSpPr/>
+        <p:nvPr/>
+      </p:nvGrpSpPr>
+      <p:grpSpPr>
+        <a:xfrm>
+          <a:off x="0" y="0"/>
+          <a:ext cx="0" cy="0"/>
+          <a:chOff x="0" y="0"/>
+          <a:chExt cx="0" cy="0"/>
+        </a:xfrm>
+      </p:grpSpPr>
+      <p:sp>
+        <p:nvSpPr>
+          <p:cNvPr id="6" name="Title 1"/>
+          <p:cNvSpPr>
+            <a:spLocks noGrp="1"/>
+          </p:cNvSpPr>
+          <p:nvPr>
+            <p:ph type="title"/>
+          </p:nvPr>
+        </p:nvSpPr>
         <p:spPr/>
         <p:txBody>
           <a:bodyPr>
@@ -10278,7 +13179,7 @@
 </p:sld>
 </file>
 
-<file path=ppt/slides/slide25.xml><?xml version="1.0" encoding="utf-8"?>
+<file path=ppt/slides/slide31.xml><?xml version="1.0" encoding="utf-8"?>
 <p:sld xmlns:a="http://schemas.openxmlformats.org/drawingml/2006/main" xmlns:r="http://schemas.openxmlformats.org/officeDocument/2006/relationships" xmlns:p="http://schemas.openxmlformats.org/presentationml/2006/main">
   <p:cSld>
     <p:spTree>
@@ -10728,271 +13629,6 @@
 </p:sld>
 </file>
 
-<file path=ppt/slides/slide3.xml><?xml version="1.0" encoding="utf-8"?>
-<p:sld xmlns:a="http://schemas.openxmlformats.org/drawingml/2006/main" xmlns:r="http://schemas.openxmlformats.org/officeDocument/2006/relationships" xmlns:p="http://schemas.openxmlformats.org/presentationml/2006/main">
-  <p:cSld>
-    <p:spTree>
-      <p:nvGrpSpPr>
-        <p:cNvPr id="1" name=""/>
-        <p:cNvGrpSpPr/>
-        <p:nvPr/>
-      </p:nvGrpSpPr>
-      <p:grpSpPr>
-        <a:xfrm>
-          <a:off x="0" y="0"/>
-          <a:ext cx="0" cy="0"/>
-          <a:chOff x="0" y="0"/>
-          <a:chExt cx="0" cy="0"/>
-        </a:xfrm>
-      </p:grpSpPr>
-      <p:sp>
-        <p:nvSpPr>
-          <p:cNvPr id="6" name="Title 1"/>
-          <p:cNvSpPr>
-            <a:spLocks noGrp="1"/>
-          </p:cNvSpPr>
-          <p:nvPr>
-            <p:ph type="title"/>
-          </p:nvPr>
-        </p:nvSpPr>
-        <p:spPr>
-          <a:xfrm>
-            <a:off x="142864" y="205980"/>
-            <a:ext cx="8865055" cy="620738"/>
-          </a:xfrm>
-        </p:spPr>
-        <p:txBody>
-          <a:bodyPr>
-            <a:normAutofit/>
-          </a:bodyPr>
-          <a:lstStyle/>
-          <a:p>
-            <a:r>
-              <a:rPr lang="en-US" b="1" dirty="0">
-                <a:solidFill>
-                  <a:srgbClr val="0070C0"/>
-                </a:solidFill>
-              </a:rPr>
-              <a:t>JSON</a:t>
-            </a:r>
-          </a:p>
-        </p:txBody>
-      </p:sp>
-      <p:sp>
-        <p:nvSpPr>
-          <p:cNvPr id="8" name="Text Placeholder 2"/>
-          <p:cNvSpPr>
-            <a:spLocks noGrp="1"/>
-          </p:cNvSpPr>
-          <p:nvPr>
-            <p:ph type="body" sz="half" idx="1"/>
-          </p:nvPr>
-        </p:nvSpPr>
-        <p:spPr>
-          <a:xfrm>
-            <a:off x="142864" y="861864"/>
-            <a:ext cx="8865056" cy="4075656"/>
-          </a:xfrm>
-        </p:spPr>
-        <p:txBody>
-          <a:bodyPr>
-            <a:noAutofit/>
-          </a:bodyPr>
-          <a:lstStyle/>
-          <a:p>
-            <a:pPr marL="0" indent="0" algn="just">
-              <a:buNone/>
-            </a:pPr>
-            <a:r>
-              <a:rPr lang="pt-BR" sz="2400" b="1" dirty="0">
-                <a:solidFill>
-                  <a:schemeClr val="tx1"/>
-                </a:solidFill>
-                <a:latin typeface="Times New Roman" panose="02020603050405020304" pitchFamily="18" charset="0"/>
-                <a:cs typeface="Times New Roman" panose="02020603050405020304" pitchFamily="18" charset="0"/>
-              </a:rPr>
-              <a:t>JSON</a:t>
-            </a:r>
-            <a:r>
-              <a:rPr lang="pt-BR" sz="2400" dirty="0">
-                <a:solidFill>
-                  <a:schemeClr val="tx1"/>
-                </a:solidFill>
-                <a:latin typeface="Times New Roman" panose="02020603050405020304" pitchFamily="18" charset="0"/>
-                <a:cs typeface="Times New Roman" panose="02020603050405020304" pitchFamily="18" charset="0"/>
-              </a:rPr>
-              <a:t> é uma sintaxe para armazenar e trocar dados.</a:t>
-            </a:r>
-          </a:p>
-          <a:p>
-            <a:pPr marL="0" indent="0" algn="just">
-              <a:buNone/>
-            </a:pPr>
-            <a:endParaRPr lang="pt-BR" sz="2400" dirty="0">
-              <a:solidFill>
-                <a:schemeClr val="tx1"/>
-              </a:solidFill>
-              <a:latin typeface="Times New Roman" panose="02020603050405020304" pitchFamily="18" charset="0"/>
-              <a:cs typeface="Times New Roman" panose="02020603050405020304" pitchFamily="18" charset="0"/>
-            </a:endParaRPr>
-          </a:p>
-          <a:p>
-            <a:pPr marL="0" indent="0" algn="just">
-              <a:buNone/>
-            </a:pPr>
-            <a:r>
-              <a:rPr lang="pt-BR" sz="2400" b="1" dirty="0">
-                <a:solidFill>
-                  <a:schemeClr val="tx1"/>
-                </a:solidFill>
-                <a:latin typeface="Times New Roman" panose="02020603050405020304" pitchFamily="18" charset="0"/>
-                <a:cs typeface="Times New Roman" panose="02020603050405020304" pitchFamily="18" charset="0"/>
-              </a:rPr>
-              <a:t>JSON</a:t>
-            </a:r>
-            <a:r>
-              <a:rPr lang="pt-BR" sz="2400" dirty="0">
-                <a:solidFill>
-                  <a:schemeClr val="tx1"/>
-                </a:solidFill>
-                <a:latin typeface="Times New Roman" panose="02020603050405020304" pitchFamily="18" charset="0"/>
-                <a:cs typeface="Times New Roman" panose="02020603050405020304" pitchFamily="18" charset="0"/>
-              </a:rPr>
-              <a:t> é texto, escrito com notação de objeto </a:t>
-            </a:r>
-            <a:r>
-              <a:rPr lang="pt-BR" sz="2400" b="1" dirty="0" err="1">
-                <a:solidFill>
-                  <a:schemeClr val="tx1"/>
-                </a:solidFill>
-                <a:latin typeface="Times New Roman" panose="02020603050405020304" pitchFamily="18" charset="0"/>
-                <a:cs typeface="Times New Roman" panose="02020603050405020304" pitchFamily="18" charset="0"/>
-              </a:rPr>
-              <a:t>JavaScript</a:t>
-            </a:r>
-            <a:r>
-              <a:rPr lang="pt-BR" sz="2400" dirty="0">
-                <a:solidFill>
-                  <a:schemeClr val="tx1"/>
-                </a:solidFill>
-                <a:latin typeface="Times New Roman" panose="02020603050405020304" pitchFamily="18" charset="0"/>
-                <a:cs typeface="Times New Roman" panose="02020603050405020304" pitchFamily="18" charset="0"/>
-              </a:rPr>
-              <a:t>.</a:t>
-            </a:r>
-          </a:p>
-          <a:p>
-            <a:pPr marL="0" indent="0" algn="just">
-              <a:buNone/>
-            </a:pPr>
-            <a:endParaRPr lang="pt-BR" sz="2400" dirty="0">
-              <a:latin typeface="Times New Roman" panose="02020603050405020304" pitchFamily="18" charset="0"/>
-              <a:cs typeface="Times New Roman" panose="02020603050405020304" pitchFamily="18" charset="0"/>
-            </a:endParaRPr>
-          </a:p>
-          <a:p>
-            <a:pPr marL="0" indent="0" algn="just">
-              <a:buNone/>
-            </a:pPr>
-            <a:r>
-              <a:rPr lang="pt-BR" sz="2400" dirty="0">
-                <a:solidFill>
-                  <a:schemeClr val="tx1"/>
-                </a:solidFill>
-                <a:latin typeface="Times New Roman" panose="02020603050405020304" pitchFamily="18" charset="0"/>
-                <a:cs typeface="Times New Roman" panose="02020603050405020304" pitchFamily="18" charset="0"/>
-              </a:rPr>
-              <a:t>Em Python, Importe o módulo </a:t>
-            </a:r>
-            <a:r>
-              <a:rPr lang="pt-BR" sz="2400" dirty="0" err="1">
-                <a:solidFill>
-                  <a:schemeClr val="tx1"/>
-                </a:solidFill>
-                <a:latin typeface="Times New Roman" panose="02020603050405020304" pitchFamily="18" charset="0"/>
-                <a:cs typeface="Times New Roman" panose="02020603050405020304" pitchFamily="18" charset="0"/>
-              </a:rPr>
-              <a:t>json</a:t>
-            </a:r>
-            <a:r>
-              <a:rPr lang="pt-BR" sz="2400" dirty="0">
-                <a:latin typeface="Times New Roman" panose="02020603050405020304" pitchFamily="18" charset="0"/>
-                <a:cs typeface="Times New Roman" panose="02020603050405020304" pitchFamily="18" charset="0"/>
-              </a:rPr>
-              <a:t>.</a:t>
-            </a:r>
-          </a:p>
-          <a:p>
-            <a:pPr marL="0" indent="0" algn="just">
-              <a:buNone/>
-            </a:pPr>
-            <a:endParaRPr lang="pt-BR" sz="2400" dirty="0">
-              <a:solidFill>
-                <a:schemeClr val="tx1"/>
-              </a:solidFill>
-              <a:latin typeface="Times New Roman" panose="02020603050405020304" pitchFamily="18" charset="0"/>
-              <a:cs typeface="Times New Roman" panose="02020603050405020304" pitchFamily="18" charset="0"/>
-            </a:endParaRPr>
-          </a:p>
-          <a:p>
-            <a:pPr marL="0" indent="0" algn="just">
-              <a:buNone/>
-            </a:pPr>
-            <a:r>
-              <a:rPr lang="pt-BR" sz="2400" b="1" dirty="0" err="1">
-                <a:latin typeface="Times New Roman" panose="02020603050405020304" pitchFamily="18" charset="0"/>
-                <a:cs typeface="Times New Roman" panose="02020603050405020304" pitchFamily="18" charset="0"/>
-              </a:rPr>
-              <a:t>impot</a:t>
-            </a:r>
-            <a:r>
-              <a:rPr lang="pt-BR" sz="2400" dirty="0">
-                <a:latin typeface="Times New Roman" panose="02020603050405020304" pitchFamily="18" charset="0"/>
-                <a:cs typeface="Times New Roman" panose="02020603050405020304" pitchFamily="18" charset="0"/>
-              </a:rPr>
-              <a:t> </a:t>
-            </a:r>
-            <a:r>
-              <a:rPr lang="pt-BR" sz="2400" b="1" dirty="0" err="1">
-                <a:solidFill>
-                  <a:srgbClr val="FF0000"/>
-                </a:solidFill>
-                <a:latin typeface="Times New Roman" panose="02020603050405020304" pitchFamily="18" charset="0"/>
-                <a:cs typeface="Times New Roman" panose="02020603050405020304" pitchFamily="18" charset="0"/>
-              </a:rPr>
-              <a:t>json</a:t>
-            </a:r>
-            <a:r>
-              <a:rPr lang="pt-BR" sz="2400" dirty="0">
-                <a:latin typeface="Times New Roman" panose="02020603050405020304" pitchFamily="18" charset="0"/>
-                <a:cs typeface="Times New Roman" panose="02020603050405020304" pitchFamily="18" charset="0"/>
-              </a:rPr>
-              <a:t>;</a:t>
-            </a:r>
-            <a:endParaRPr lang="pt-BR" sz="2400" dirty="0">
-              <a:solidFill>
-                <a:schemeClr val="tx1"/>
-              </a:solidFill>
-              <a:latin typeface="Times New Roman" panose="02020603050405020304" pitchFamily="18" charset="0"/>
-              <a:cs typeface="Times New Roman" panose="02020603050405020304" pitchFamily="18" charset="0"/>
-            </a:endParaRPr>
-          </a:p>
-        </p:txBody>
-      </p:sp>
-    </p:spTree>
-    <p:extLst>
-      <p:ext uri="{BB962C8B-B14F-4D97-AF65-F5344CB8AC3E}">
-        <p14:creationId xmlns:p14="http://schemas.microsoft.com/office/powerpoint/2010/main" val="3102360876"/>
-      </p:ext>
-    </p:extLst>
-  </p:cSld>
-  <p:clrMapOvr>
-    <a:masterClrMapping/>
-  </p:clrMapOvr>
-  <p:transition spd="med"/>
-</p:sld>
-</file>
-
 <file path=ppt/slides/slide4.xml><?xml version="1.0" encoding="utf-8"?>
 <p:sld xmlns:a="http://schemas.openxmlformats.org/drawingml/2006/main" xmlns:r="http://schemas.openxmlformats.org/officeDocument/2006/relationships" xmlns:p="http://schemas.openxmlformats.org/presentationml/2006/main">
   <p:cSld>
@@ -11032,6 +13668,7 @@
           </a:bodyPr>
           <a:lstStyle/>
           <a:p>
+            <a:pPr algn="ctr"/>
             <a:r>
               <a:rPr lang="en-US" b="1" dirty="0">
                 <a:solidFill>
@@ -11448,6 +14085,7 @@
           </a:bodyPr>
           <a:lstStyle/>
           <a:p>
+            <a:pPr algn="ctr"/>
             <a:r>
               <a:rPr lang="en-US" b="1" dirty="0">
                 <a:solidFill>
@@ -11902,6 +14540,7 @@
           </a:bodyPr>
           <a:lstStyle/>
           <a:p>
+            <a:pPr algn="ctr"/>
             <a:r>
               <a:rPr lang="en-US" b="1" dirty="0">
                 <a:solidFill>
@@ -12316,6 +14955,7 @@
           </a:bodyPr>
           <a:lstStyle/>
           <a:p>
+            <a:pPr algn="ctr"/>
             <a:r>
               <a:rPr lang="en-US" b="1" dirty="0">
                 <a:solidFill>
@@ -12818,6 +15458,7 @@
           </a:bodyPr>
           <a:lstStyle/>
           <a:p>
+            <a:pPr algn="ctr"/>
             <a:r>
               <a:rPr lang="en-US" b="1" dirty="0">
                 <a:solidFill>
@@ -13065,6 +15706,7 @@
           </a:bodyPr>
           <a:lstStyle/>
           <a:p>
+            <a:pPr algn="ctr"/>
             <a:r>
               <a:rPr lang="en-US" b="1" dirty="0">
                 <a:solidFill>

--- a/01 Classes/Aula 10 Programação Python - Arquivos e JSON.pptx
+++ b/01 Classes/Aula 10 Programação Python - Arquivos e JSON.pptx
@@ -2318,7 +2318,7 @@
           <a:p>
             <a:fld id="{48A87A34-81AB-432B-8DAE-1953F412C126}" type="datetimeFigureOut">
               <a:rPr lang="en-US" smtClean="0"/>
-              <a:t>5/14/2022</a:t>
+              <a:t>5/23/2022</a:t>
             </a:fld>
             <a:endParaRPr lang="en-US" dirty="0"/>
           </a:p>
@@ -2529,7 +2529,7 @@
           <a:p>
             <a:fld id="{48A87A34-81AB-432B-8DAE-1953F412C126}" type="datetimeFigureOut">
               <a:rPr lang="en-US" smtClean="0"/>
-              <a:t>5/14/2022</a:t>
+              <a:t>5/23/2022</a:t>
             </a:fld>
             <a:endParaRPr lang="en-US" dirty="0"/>
           </a:p>
@@ -2744,7 +2744,7 @@
           <a:p>
             <a:fld id="{48A87A34-81AB-432B-8DAE-1953F412C126}" type="datetimeFigureOut">
               <a:rPr lang="en-US" smtClean="0"/>
-              <a:t>5/14/2022</a:t>
+              <a:t>5/23/2022</a:t>
             </a:fld>
             <a:endParaRPr lang="en-US" dirty="0"/>
           </a:p>
@@ -3112,7 +3112,7 @@
           <a:p>
             <a:fld id="{48A87A34-81AB-432B-8DAE-1953F412C126}" type="datetimeFigureOut">
               <a:rPr lang="en-US" smtClean="0"/>
-              <a:t>5/14/2022</a:t>
+              <a:t>5/23/2022</a:t>
             </a:fld>
             <a:endParaRPr lang="en-US" dirty="0"/>
           </a:p>
@@ -3391,7 +3391,7 @@
           <a:p>
             <a:fld id="{48A87A34-81AB-432B-8DAE-1953F412C126}" type="datetimeFigureOut">
               <a:rPr lang="en-US" smtClean="0"/>
-              <a:t>5/14/2022</a:t>
+              <a:t>5/23/2022</a:t>
             </a:fld>
             <a:endParaRPr lang="en-US" dirty="0"/>
           </a:p>
@@ -3659,7 +3659,7 @@
           <a:p>
             <a:fld id="{48A87A34-81AB-432B-8DAE-1953F412C126}" type="datetimeFigureOut">
               <a:rPr lang="en-US" smtClean="0"/>
-              <a:t>5/14/2022</a:t>
+              <a:t>5/23/2022</a:t>
             </a:fld>
             <a:endParaRPr lang="en-US" dirty="0"/>
           </a:p>
@@ -4075,7 +4075,7 @@
           <a:p>
             <a:fld id="{48A87A34-81AB-432B-8DAE-1953F412C126}" type="datetimeFigureOut">
               <a:rPr lang="en-US" smtClean="0"/>
-              <a:t>5/14/2022</a:t>
+              <a:t>5/23/2022</a:t>
             </a:fld>
             <a:endParaRPr lang="en-US" dirty="0"/>
           </a:p>
@@ -4224,7 +4224,7 @@
           <a:p>
             <a:fld id="{48A87A34-81AB-432B-8DAE-1953F412C126}" type="datetimeFigureOut">
               <a:rPr lang="en-US" smtClean="0"/>
-              <a:t>5/14/2022</a:t>
+              <a:t>5/23/2022</a:t>
             </a:fld>
             <a:endParaRPr lang="en-US" dirty="0"/>
           </a:p>
@@ -4350,7 +4350,7 @@
           <a:p>
             <a:fld id="{48A87A34-81AB-432B-8DAE-1953F412C126}" type="datetimeFigureOut">
               <a:rPr lang="en-US" smtClean="0"/>
-              <a:t>5/14/2022</a:t>
+              <a:t>5/23/2022</a:t>
             </a:fld>
             <a:endParaRPr lang="en-US" dirty="0"/>
           </a:p>
@@ -4601,7 +4601,7 @@
           <a:p>
             <a:fld id="{48A87A34-81AB-432B-8DAE-1953F412C126}" type="datetimeFigureOut">
               <a:rPr lang="en-US" smtClean="0"/>
-              <a:t>5/14/2022</a:t>
+              <a:t>5/23/2022</a:t>
             </a:fld>
             <a:endParaRPr lang="en-US" dirty="0"/>
           </a:p>
@@ -5047,7 +5047,7 @@
             <a:fld id="{48A87A34-81AB-432B-8DAE-1953F412C126}" type="datetimeFigureOut">
               <a:rPr lang="en-US" smtClean="0"/>
               <a:pPr/>
-              <a:t>5/14/2022</a:t>
+              <a:t>5/23/2022</a:t>
             </a:fld>
             <a:endParaRPr lang="en-US" dirty="0"/>
           </a:p>
@@ -5375,7 +5375,7 @@
             <a:fld id="{48A87A34-81AB-432B-8DAE-1953F412C126}" type="datetimeFigureOut">
               <a:rPr lang="en-US" smtClean="0"/>
               <a:pPr/>
-              <a:t>5/14/2022</a:t>
+              <a:t>5/23/2022</a:t>
             </a:fld>
             <a:endParaRPr lang="en-US" dirty="0"/>
           </a:p>
@@ -7884,7 +7884,21 @@
                 <a:latin typeface="Times New Roman" panose="02020603050405020304" pitchFamily="18" charset="0"/>
                 <a:cs typeface="Times New Roman" panose="02020603050405020304" pitchFamily="18" charset="0"/>
               </a:rPr>
-              <a:t> - Abre um arquivo p/ anexação, cria o </a:t>
+              <a:t> - Abre um arquivo p/ anexação, </a:t>
+            </a:r>
+            <a:r>
+              <a:rPr lang="pt-BR" sz="2400" b="1" dirty="0">
+                <a:latin typeface="Times New Roman" panose="02020603050405020304" pitchFamily="18" charset="0"/>
+                <a:cs typeface="Times New Roman" panose="02020603050405020304" pitchFamily="18" charset="0"/>
+              </a:rPr>
+              <a:t>cria</a:t>
+            </a:r>
+            <a:r>
+              <a:rPr lang="pt-BR" sz="2400" dirty="0">
+                <a:latin typeface="Times New Roman" panose="02020603050405020304" pitchFamily="18" charset="0"/>
+                <a:cs typeface="Times New Roman" panose="02020603050405020304" pitchFamily="18" charset="0"/>
+              </a:rPr>
+              <a:t> o </a:t>
             </a:r>
             <a:r>
               <a:rPr lang="pt-BR" sz="2400" dirty="0" err="1">
@@ -7898,7 +7912,14 @@
                 <a:latin typeface="Times New Roman" panose="02020603050405020304" pitchFamily="18" charset="0"/>
                 <a:cs typeface="Times New Roman" panose="02020603050405020304" pitchFamily="18" charset="0"/>
               </a:rPr>
-              <a:t> se não existir</a:t>
+              <a:t> </a:t>
+            </a:r>
+            <a:r>
+              <a:rPr lang="pt-BR" sz="2400" b="1" dirty="0">
+                <a:latin typeface="Times New Roman" panose="02020603050405020304" pitchFamily="18" charset="0"/>
+                <a:cs typeface="Times New Roman" panose="02020603050405020304" pitchFamily="18" charset="0"/>
+              </a:rPr>
+              <a:t>se não existir</a:t>
             </a:r>
           </a:p>
           <a:p>
@@ -7924,7 +7945,21 @@
                 <a:latin typeface="Times New Roman" panose="02020603050405020304" pitchFamily="18" charset="0"/>
                 <a:cs typeface="Times New Roman" panose="02020603050405020304" pitchFamily="18" charset="0"/>
               </a:rPr>
-              <a:t> - Abre um arquivo p/ escrita, cria o </a:t>
+              <a:t> - Abre um arquivo p/ escrita, </a:t>
+            </a:r>
+            <a:r>
+              <a:rPr lang="pt-BR" sz="2400" b="1" dirty="0">
+                <a:latin typeface="Times New Roman" panose="02020603050405020304" pitchFamily="18" charset="0"/>
+                <a:cs typeface="Times New Roman" panose="02020603050405020304" pitchFamily="18" charset="0"/>
+              </a:rPr>
+              <a:t>cria </a:t>
+            </a:r>
+            <a:r>
+              <a:rPr lang="pt-BR" sz="2400" dirty="0">
+                <a:latin typeface="Times New Roman" panose="02020603050405020304" pitchFamily="18" charset="0"/>
+                <a:cs typeface="Times New Roman" panose="02020603050405020304" pitchFamily="18" charset="0"/>
+              </a:rPr>
+              <a:t>o </a:t>
             </a:r>
             <a:r>
               <a:rPr lang="pt-BR" sz="2400" dirty="0" err="1">
@@ -7934,11 +7969,35 @@
               <a:t>arq</a:t>
             </a:r>
             <a:r>
+              <a:rPr lang="pt-BR" sz="2400" b="1" dirty="0">
+                <a:latin typeface="Times New Roman" panose="02020603050405020304" pitchFamily="18" charset="0"/>
+                <a:cs typeface="Times New Roman" panose="02020603050405020304" pitchFamily="18" charset="0"/>
+              </a:rPr>
+              <a:t> caso não exista</a:t>
+            </a:r>
+            <a:r>
               <a:rPr lang="pt-BR" sz="2400" dirty="0">
                 <a:latin typeface="Times New Roman" panose="02020603050405020304" pitchFamily="18" charset="0"/>
                 <a:cs typeface="Times New Roman" panose="02020603050405020304" pitchFamily="18" charset="0"/>
               </a:rPr>
-              <a:t> caso não exista</a:t>
+              <a:t>, e </a:t>
+            </a:r>
+            <a:r>
+              <a:rPr lang="pt-BR" sz="2400" b="1" dirty="0">
+                <a:solidFill>
+                  <a:srgbClr val="FF0000"/>
+                </a:solidFill>
+                <a:latin typeface="Times New Roman" panose="02020603050405020304" pitchFamily="18" charset="0"/>
+                <a:cs typeface="Times New Roman" panose="02020603050405020304" pitchFamily="18" charset="0"/>
+              </a:rPr>
+              <a:t>caso exista sobrepõe o arquivo</a:t>
+            </a:r>
+            <a:r>
+              <a:rPr lang="pt-BR" sz="2400" dirty="0">
+                <a:latin typeface="Times New Roman" panose="02020603050405020304" pitchFamily="18" charset="0"/>
+                <a:cs typeface="Times New Roman" panose="02020603050405020304" pitchFamily="18" charset="0"/>
+              </a:rPr>
+              <a:t>.</a:t>
             </a:r>
           </a:p>
           <a:p>
@@ -12928,7 +12987,7 @@
                 <a:latin typeface="Times New Roman" panose="02020603050405020304" pitchFamily="18" charset="0"/>
                 <a:cs typeface="Times New Roman" panose="02020603050405020304" pitchFamily="18" charset="0"/>
               </a:rPr>
-              <a:t>impot</a:t>
+              <a:t>import</a:t>
             </a:r>
             <a:r>
               <a:rPr lang="pt-BR" sz="2400" dirty="0">

--- a/01 Classes/Aula 10 Programação Python - Arquivos e JSON.pptx
+++ b/01 Classes/Aula 10 Programação Python - Arquivos e JSON.pptx
@@ -5,7 +5,7 @@
     <p:sldMasterId id="2147483671" r:id="rId1"/>
   </p:sldMasterIdLst>
   <p:notesMasterIdLst>
-    <p:notesMasterId r:id="rId33"/>
+    <p:notesMasterId r:id="rId32"/>
   </p:notesMasterIdLst>
   <p:sldIdLst>
     <p:sldId id="256" r:id="rId2"/>
@@ -27,18 +27,17 @@
     <p:sldId id="354" r:id="rId18"/>
     <p:sldId id="352" r:id="rId19"/>
     <p:sldId id="353" r:id="rId20"/>
-    <p:sldId id="361" r:id="rId21"/>
-    <p:sldId id="355" r:id="rId22"/>
-    <p:sldId id="356" r:id="rId23"/>
-    <p:sldId id="357" r:id="rId24"/>
-    <p:sldId id="358" r:id="rId25"/>
-    <p:sldId id="359" r:id="rId26"/>
-    <p:sldId id="360" r:id="rId27"/>
-    <p:sldId id="323" r:id="rId28"/>
-    <p:sldId id="333" r:id="rId29"/>
-    <p:sldId id="334" r:id="rId30"/>
-    <p:sldId id="337" r:id="rId31"/>
-    <p:sldId id="309" r:id="rId32"/>
+    <p:sldId id="355" r:id="rId21"/>
+    <p:sldId id="356" r:id="rId22"/>
+    <p:sldId id="357" r:id="rId23"/>
+    <p:sldId id="358" r:id="rId24"/>
+    <p:sldId id="359" r:id="rId25"/>
+    <p:sldId id="360" r:id="rId26"/>
+    <p:sldId id="323" r:id="rId27"/>
+    <p:sldId id="333" r:id="rId28"/>
+    <p:sldId id="334" r:id="rId29"/>
+    <p:sldId id="337" r:id="rId30"/>
+    <p:sldId id="309" r:id="rId31"/>
   </p:sldIdLst>
   <p:sldSz cx="9144000" cy="5143500" type="screen16x9"/>
   <p:notesSz cx="6858000" cy="9144000"/>
@@ -981,7 +980,7 @@
     </p:spTree>
     <p:extLst>
       <p:ext uri="{BB962C8B-B14F-4D97-AF65-F5344CB8AC3E}">
-        <p14:creationId xmlns:p14="http://schemas.microsoft.com/office/powerpoint/2010/main" val="4103444608"/>
+        <p14:creationId xmlns:p14="http://schemas.microsoft.com/office/powerpoint/2010/main" val="1306553479"/>
       </p:ext>
     </p:extLst>
   </p:cSld>
@@ -1047,7 +1046,7 @@
     </p:spTree>
     <p:extLst>
       <p:ext uri="{BB962C8B-B14F-4D97-AF65-F5344CB8AC3E}">
-        <p14:creationId xmlns:p14="http://schemas.microsoft.com/office/powerpoint/2010/main" val="1306553479"/>
+        <p14:creationId xmlns:p14="http://schemas.microsoft.com/office/powerpoint/2010/main" val="3370060387"/>
       </p:ext>
     </p:extLst>
   </p:cSld>
@@ -1179,7 +1178,7 @@
     </p:spTree>
     <p:extLst>
       <p:ext uri="{BB962C8B-B14F-4D97-AF65-F5344CB8AC3E}">
-        <p14:creationId xmlns:p14="http://schemas.microsoft.com/office/powerpoint/2010/main" val="3370060387"/>
+        <p14:creationId xmlns:p14="http://schemas.microsoft.com/office/powerpoint/2010/main" val="830564953"/>
       </p:ext>
     </p:extLst>
   </p:cSld>
@@ -1245,7 +1244,7 @@
     </p:spTree>
     <p:extLst>
       <p:ext uri="{BB962C8B-B14F-4D97-AF65-F5344CB8AC3E}">
-        <p14:creationId xmlns:p14="http://schemas.microsoft.com/office/powerpoint/2010/main" val="830564953"/>
+        <p14:creationId xmlns:p14="http://schemas.microsoft.com/office/powerpoint/2010/main" val="1552912551"/>
       </p:ext>
     </p:extLst>
   </p:cSld>
@@ -1311,7 +1310,7 @@
     </p:spTree>
     <p:extLst>
       <p:ext uri="{BB962C8B-B14F-4D97-AF65-F5344CB8AC3E}">
-        <p14:creationId xmlns:p14="http://schemas.microsoft.com/office/powerpoint/2010/main" val="1552912551"/>
+        <p14:creationId xmlns:p14="http://schemas.microsoft.com/office/powerpoint/2010/main" val="2825128421"/>
       </p:ext>
     </p:extLst>
   </p:cSld>
@@ -1377,7 +1376,7 @@
     </p:spTree>
     <p:extLst>
       <p:ext uri="{BB962C8B-B14F-4D97-AF65-F5344CB8AC3E}">
-        <p14:creationId xmlns:p14="http://schemas.microsoft.com/office/powerpoint/2010/main" val="2825128421"/>
+        <p14:creationId xmlns:p14="http://schemas.microsoft.com/office/powerpoint/2010/main" val="2854829816"/>
       </p:ext>
     </p:extLst>
   </p:cSld>
@@ -1443,7 +1442,7 @@
     </p:spTree>
     <p:extLst>
       <p:ext uri="{BB962C8B-B14F-4D97-AF65-F5344CB8AC3E}">
-        <p14:creationId xmlns:p14="http://schemas.microsoft.com/office/powerpoint/2010/main" val="2854829816"/>
+        <p14:creationId xmlns:p14="http://schemas.microsoft.com/office/powerpoint/2010/main" val="2709569597"/>
       </p:ext>
     </p:extLst>
   </p:cSld>
@@ -1509,7 +1508,7 @@
     </p:spTree>
     <p:extLst>
       <p:ext uri="{BB962C8B-B14F-4D97-AF65-F5344CB8AC3E}">
-        <p14:creationId xmlns:p14="http://schemas.microsoft.com/office/powerpoint/2010/main" val="2709569597"/>
+        <p14:creationId xmlns:p14="http://schemas.microsoft.com/office/powerpoint/2010/main" val="585304384"/>
       </p:ext>
     </p:extLst>
   </p:cSld>
@@ -1575,7 +1574,7 @@
     </p:spTree>
     <p:extLst>
       <p:ext uri="{BB962C8B-B14F-4D97-AF65-F5344CB8AC3E}">
-        <p14:creationId xmlns:p14="http://schemas.microsoft.com/office/powerpoint/2010/main" val="585304384"/>
+        <p14:creationId xmlns:p14="http://schemas.microsoft.com/office/powerpoint/2010/main" val="2296249050"/>
       </p:ext>
     </p:extLst>
   </p:cSld>
@@ -1586,72 +1585,6 @@
 </file>
 
 <file path=ppt/notesSlides/notesSlide27.xml><?xml version="1.0" encoding="utf-8"?>
-<p:notes xmlns:a="http://schemas.openxmlformats.org/drawingml/2006/main" xmlns:r="http://schemas.openxmlformats.org/officeDocument/2006/relationships" xmlns:p="http://schemas.openxmlformats.org/presentationml/2006/main">
-  <p:cSld>
-    <p:spTree>
-      <p:nvGrpSpPr>
-        <p:cNvPr id="1" name=""/>
-        <p:cNvGrpSpPr/>
-        <p:nvPr/>
-      </p:nvGrpSpPr>
-      <p:grpSpPr>
-        <a:xfrm>
-          <a:off x="0" y="0"/>
-          <a:ext cx="0" cy="0"/>
-          <a:chOff x="0" y="0"/>
-          <a:chExt cx="0" cy="0"/>
-        </a:xfrm>
-      </p:grpSpPr>
-      <p:sp>
-        <p:nvSpPr>
-          <p:cNvPr id="2" name="Espaço Reservado para Imagem de Slide 1"/>
-          <p:cNvSpPr>
-            <a:spLocks noGrp="1" noRot="1" noChangeAspect="1"/>
-          </p:cNvSpPr>
-          <p:nvPr>
-            <p:ph type="sldImg"/>
-          </p:nvPr>
-        </p:nvSpPr>
-        <p:spPr>
-          <a:xfrm>
-            <a:off x="381000" y="685800"/>
-            <a:ext cx="6096000" cy="3429000"/>
-          </a:xfrm>
-        </p:spPr>
-      </p:sp>
-      <p:sp>
-        <p:nvSpPr>
-          <p:cNvPr id="3" name="Espaço Reservado para Anotações 2"/>
-          <p:cNvSpPr>
-            <a:spLocks noGrp="1"/>
-          </p:cNvSpPr>
-          <p:nvPr>
-            <p:ph type="body" idx="1"/>
-          </p:nvPr>
-        </p:nvSpPr>
-        <p:spPr/>
-        <p:txBody>
-          <a:bodyPr/>
-          <a:lstStyle/>
-          <a:p>
-            <a:endParaRPr lang="pt-BR" dirty="0"/>
-          </a:p>
-        </p:txBody>
-      </p:sp>
-    </p:spTree>
-    <p:extLst>
-      <p:ext uri="{BB962C8B-B14F-4D97-AF65-F5344CB8AC3E}">
-        <p14:creationId xmlns:p14="http://schemas.microsoft.com/office/powerpoint/2010/main" val="2296249050"/>
-      </p:ext>
-    </p:extLst>
-  </p:cSld>
-  <p:clrMapOvr>
-    <a:masterClrMapping/>
-  </p:clrMapOvr>
-</p:notes>
-</file>
-
-<file path=ppt/notesSlides/notesSlide28.xml><?xml version="1.0" encoding="utf-8"?>
 <p:notes xmlns:a="http://schemas.openxmlformats.org/drawingml/2006/main" xmlns:r="http://schemas.openxmlformats.org/officeDocument/2006/relationships" xmlns:p="http://schemas.openxmlformats.org/presentationml/2006/main">
   <p:cSld>
     <p:spTree>
@@ -2318,7 +2251,7 @@
           <a:p>
             <a:fld id="{48A87A34-81AB-432B-8DAE-1953F412C126}" type="datetimeFigureOut">
               <a:rPr lang="en-US" smtClean="0"/>
-              <a:t>5/23/2022</a:t>
+              <a:t>9/6/2023</a:t>
             </a:fld>
             <a:endParaRPr lang="en-US" dirty="0"/>
           </a:p>
@@ -2529,7 +2462,7 @@
           <a:p>
             <a:fld id="{48A87A34-81AB-432B-8DAE-1953F412C126}" type="datetimeFigureOut">
               <a:rPr lang="en-US" smtClean="0"/>
-              <a:t>5/23/2022</a:t>
+              <a:t>9/6/2023</a:t>
             </a:fld>
             <a:endParaRPr lang="en-US" dirty="0"/>
           </a:p>
@@ -2744,7 +2677,7 @@
           <a:p>
             <a:fld id="{48A87A34-81AB-432B-8DAE-1953F412C126}" type="datetimeFigureOut">
               <a:rPr lang="en-US" smtClean="0"/>
-              <a:t>5/23/2022</a:t>
+              <a:t>9/6/2023</a:t>
             </a:fld>
             <a:endParaRPr lang="en-US" dirty="0"/>
           </a:p>
@@ -3112,7 +3045,7 @@
           <a:p>
             <a:fld id="{48A87A34-81AB-432B-8DAE-1953F412C126}" type="datetimeFigureOut">
               <a:rPr lang="en-US" smtClean="0"/>
-              <a:t>5/23/2022</a:t>
+              <a:t>9/6/2023</a:t>
             </a:fld>
             <a:endParaRPr lang="en-US" dirty="0"/>
           </a:p>
@@ -3391,7 +3324,7 @@
           <a:p>
             <a:fld id="{48A87A34-81AB-432B-8DAE-1953F412C126}" type="datetimeFigureOut">
               <a:rPr lang="en-US" smtClean="0"/>
-              <a:t>5/23/2022</a:t>
+              <a:t>9/6/2023</a:t>
             </a:fld>
             <a:endParaRPr lang="en-US" dirty="0"/>
           </a:p>
@@ -3659,7 +3592,7 @@
           <a:p>
             <a:fld id="{48A87A34-81AB-432B-8DAE-1953F412C126}" type="datetimeFigureOut">
               <a:rPr lang="en-US" smtClean="0"/>
-              <a:t>5/23/2022</a:t>
+              <a:t>9/6/2023</a:t>
             </a:fld>
             <a:endParaRPr lang="en-US" dirty="0"/>
           </a:p>
@@ -4075,7 +4008,7 @@
           <a:p>
             <a:fld id="{48A87A34-81AB-432B-8DAE-1953F412C126}" type="datetimeFigureOut">
               <a:rPr lang="en-US" smtClean="0"/>
-              <a:t>5/23/2022</a:t>
+              <a:t>9/6/2023</a:t>
             </a:fld>
             <a:endParaRPr lang="en-US" dirty="0"/>
           </a:p>
@@ -4224,7 +4157,7 @@
           <a:p>
             <a:fld id="{48A87A34-81AB-432B-8DAE-1953F412C126}" type="datetimeFigureOut">
               <a:rPr lang="en-US" smtClean="0"/>
-              <a:t>5/23/2022</a:t>
+              <a:t>9/6/2023</a:t>
             </a:fld>
             <a:endParaRPr lang="en-US" dirty="0"/>
           </a:p>
@@ -4350,7 +4283,7 @@
           <a:p>
             <a:fld id="{48A87A34-81AB-432B-8DAE-1953F412C126}" type="datetimeFigureOut">
               <a:rPr lang="en-US" smtClean="0"/>
-              <a:t>5/23/2022</a:t>
+              <a:t>9/6/2023</a:t>
             </a:fld>
             <a:endParaRPr lang="en-US" dirty="0"/>
           </a:p>
@@ -4601,7 +4534,7 @@
           <a:p>
             <a:fld id="{48A87A34-81AB-432B-8DAE-1953F412C126}" type="datetimeFigureOut">
               <a:rPr lang="en-US" smtClean="0"/>
-              <a:t>5/23/2022</a:t>
+              <a:t>9/6/2023</a:t>
             </a:fld>
             <a:endParaRPr lang="en-US" dirty="0"/>
           </a:p>
@@ -5047,7 +4980,7 @@
             <a:fld id="{48A87A34-81AB-432B-8DAE-1953F412C126}" type="datetimeFigureOut">
               <a:rPr lang="en-US" smtClean="0"/>
               <a:pPr/>
-              <a:t>5/23/2022</a:t>
+              <a:t>9/6/2023</a:t>
             </a:fld>
             <a:endParaRPr lang="en-US" dirty="0"/>
           </a:p>
@@ -5375,7 +5308,7 @@
             <a:fld id="{48A87A34-81AB-432B-8DAE-1953F412C126}" type="datetimeFigureOut">
               <a:rPr lang="en-US" smtClean="0"/>
               <a:pPr/>
-              <a:t>5/23/2022</a:t>
+              <a:t>9/6/2023</a:t>
             </a:fld>
             <a:endParaRPr lang="en-US" dirty="0"/>
           </a:p>
@@ -6531,6 +6464,18 @@
               </a:rPr>
               <a:t>json</a:t>
             </a:r>
+            <a:endParaRPr lang="pt-BR" sz="2400" dirty="0">
+              <a:solidFill>
+                <a:schemeClr val="tx1"/>
+              </a:solidFill>
+              <a:latin typeface="Times New Roman" panose="02020603050405020304" pitchFamily="18" charset="0"/>
+              <a:cs typeface="Times New Roman" panose="02020603050405020304" pitchFamily="18" charset="0"/>
+            </a:endParaRPr>
+          </a:p>
+          <a:p>
+            <a:pPr marL="0" indent="0" algn="just">
+              <a:buNone/>
+            </a:pPr>
             <a:r>
               <a:rPr lang="pt-BR" sz="2400" dirty="0">
                 <a:solidFill>
@@ -6539,7 +6484,7 @@
                 <a:latin typeface="Times New Roman" panose="02020603050405020304" pitchFamily="18" charset="0"/>
                 <a:cs typeface="Times New Roman" panose="02020603050405020304" pitchFamily="18" charset="0"/>
               </a:rPr>
-              <a:t>;</a:t>
+              <a:t>x = {</a:t>
             </a:r>
           </a:p>
           <a:p>
@@ -6554,7 +6499,87 @@
                 <a:latin typeface="Times New Roman" panose="02020603050405020304" pitchFamily="18" charset="0"/>
                 <a:cs typeface="Times New Roman" panose="02020603050405020304" pitchFamily="18" charset="0"/>
               </a:rPr>
-              <a:t>x = {</a:t>
+              <a:t>  "</a:t>
+            </a:r>
+            <a:r>
+              <a:rPr lang="pt-BR" sz="2400" dirty="0" err="1">
+                <a:solidFill>
+                  <a:schemeClr val="tx1"/>
+                </a:solidFill>
+                <a:latin typeface="Times New Roman" panose="02020603050405020304" pitchFamily="18" charset="0"/>
+                <a:cs typeface="Times New Roman" panose="02020603050405020304" pitchFamily="18" charset="0"/>
+              </a:rPr>
+              <a:t>name</a:t>
+            </a:r>
+            <a:r>
+              <a:rPr lang="pt-BR" sz="2400" dirty="0">
+                <a:solidFill>
+                  <a:schemeClr val="tx1"/>
+                </a:solidFill>
+                <a:latin typeface="Times New Roman" panose="02020603050405020304" pitchFamily="18" charset="0"/>
+                <a:cs typeface="Times New Roman" panose="02020603050405020304" pitchFamily="18" charset="0"/>
+              </a:rPr>
+              <a:t>": "John",   "age": 30,  "</a:t>
+            </a:r>
+            <a:r>
+              <a:rPr lang="pt-BR" sz="2400" dirty="0" err="1">
+                <a:solidFill>
+                  <a:schemeClr val="tx1"/>
+                </a:solidFill>
+                <a:latin typeface="Times New Roman" panose="02020603050405020304" pitchFamily="18" charset="0"/>
+                <a:cs typeface="Times New Roman" panose="02020603050405020304" pitchFamily="18" charset="0"/>
+              </a:rPr>
+              <a:t>married</a:t>
+            </a:r>
+            <a:r>
+              <a:rPr lang="pt-BR" sz="2400" dirty="0">
+                <a:solidFill>
+                  <a:schemeClr val="tx1"/>
+                </a:solidFill>
+                <a:latin typeface="Times New Roman" panose="02020603050405020304" pitchFamily="18" charset="0"/>
+                <a:cs typeface="Times New Roman" panose="02020603050405020304" pitchFamily="18" charset="0"/>
+              </a:rPr>
+              <a:t>": </a:t>
+            </a:r>
+            <a:r>
+              <a:rPr lang="pt-BR" sz="2400" dirty="0" err="1">
+                <a:solidFill>
+                  <a:schemeClr val="tx1"/>
+                </a:solidFill>
+                <a:latin typeface="Times New Roman" panose="02020603050405020304" pitchFamily="18" charset="0"/>
+                <a:cs typeface="Times New Roman" panose="02020603050405020304" pitchFamily="18" charset="0"/>
+              </a:rPr>
+              <a:t>True</a:t>
+            </a:r>
+            <a:r>
+              <a:rPr lang="pt-BR" sz="2400" dirty="0">
+                <a:solidFill>
+                  <a:schemeClr val="tx1"/>
+                </a:solidFill>
+                <a:latin typeface="Times New Roman" panose="02020603050405020304" pitchFamily="18" charset="0"/>
+                <a:cs typeface="Times New Roman" panose="02020603050405020304" pitchFamily="18" charset="0"/>
+              </a:rPr>
+              <a:t>,   "</a:t>
+            </a:r>
+            <a:r>
+              <a:rPr lang="pt-BR" sz="2400" dirty="0" err="1">
+                <a:solidFill>
+                  <a:schemeClr val="tx1"/>
+                </a:solidFill>
+                <a:latin typeface="Times New Roman" panose="02020603050405020304" pitchFamily="18" charset="0"/>
+                <a:cs typeface="Times New Roman" panose="02020603050405020304" pitchFamily="18" charset="0"/>
+              </a:rPr>
+              <a:t>divorced</a:t>
+            </a:r>
+            <a:r>
+              <a:rPr lang="pt-BR" sz="2400" dirty="0">
+                <a:solidFill>
+                  <a:schemeClr val="tx1"/>
+                </a:solidFill>
+                <a:latin typeface="Times New Roman" panose="02020603050405020304" pitchFamily="18" charset="0"/>
+                <a:cs typeface="Times New Roman" panose="02020603050405020304" pitchFamily="18" charset="0"/>
+              </a:rPr>
+              <a:t>": False,</a:t>
             </a:r>
           </a:p>
           <a:p>
@@ -6579,7 +6604,7 @@
                 <a:latin typeface="Times New Roman" panose="02020603050405020304" pitchFamily="18" charset="0"/>
                 <a:cs typeface="Times New Roman" panose="02020603050405020304" pitchFamily="18" charset="0"/>
               </a:rPr>
-              <a:t>name</a:t>
+              <a:t>children</a:t>
             </a:r>
             <a:r>
               <a:rPr lang="pt-BR" sz="2400" dirty="0">
@@ -6589,7 +6614,7 @@
                 <a:latin typeface="Times New Roman" panose="02020603050405020304" pitchFamily="18" charset="0"/>
                 <a:cs typeface="Times New Roman" panose="02020603050405020304" pitchFamily="18" charset="0"/>
               </a:rPr>
-              <a:t>": "John",   "age": 30,  "</a:t>
+              <a:t>": ("</a:t>
             </a:r>
             <a:r>
               <a:rPr lang="pt-BR" sz="2400" dirty="0" err="1">
@@ -6599,7 +6624,7 @@
                 <a:latin typeface="Times New Roman" panose="02020603050405020304" pitchFamily="18" charset="0"/>
                 <a:cs typeface="Times New Roman" panose="02020603050405020304" pitchFamily="18" charset="0"/>
               </a:rPr>
-              <a:t>married</a:t>
+              <a:t>Ann","Billy</a:t>
             </a:r>
             <a:r>
               <a:rPr lang="pt-BR" sz="2400" dirty="0">
@@ -6609,7 +6634,7 @@
                 <a:latin typeface="Times New Roman" panose="02020603050405020304" pitchFamily="18" charset="0"/>
                 <a:cs typeface="Times New Roman" panose="02020603050405020304" pitchFamily="18" charset="0"/>
               </a:rPr>
-              <a:t>": </a:t>
+              <a:t>"),  "pets": </a:t>
             </a:r>
             <a:r>
               <a:rPr lang="pt-BR" sz="2400" dirty="0" err="1">
@@ -6619,7 +6644,7 @@
                 <a:latin typeface="Times New Roman" panose="02020603050405020304" pitchFamily="18" charset="0"/>
                 <a:cs typeface="Times New Roman" panose="02020603050405020304" pitchFamily="18" charset="0"/>
               </a:rPr>
-              <a:t>True</a:t>
+              <a:t>None</a:t>
             </a:r>
             <a:r>
               <a:rPr lang="pt-BR" sz="2400" dirty="0">
@@ -6629,7 +6654,22 @@
                 <a:latin typeface="Times New Roman" panose="02020603050405020304" pitchFamily="18" charset="0"/>
                 <a:cs typeface="Times New Roman" panose="02020603050405020304" pitchFamily="18" charset="0"/>
               </a:rPr>
-              <a:t>,   "</a:t>
+              <a:t>,</a:t>
+            </a:r>
+          </a:p>
+          <a:p>
+            <a:pPr marL="0" indent="0" algn="just">
+              <a:buNone/>
+            </a:pPr>
+            <a:r>
+              <a:rPr lang="pt-BR" sz="2400" dirty="0">
+                <a:solidFill>
+                  <a:schemeClr val="tx1"/>
+                </a:solidFill>
+                <a:latin typeface="Times New Roman" panose="02020603050405020304" pitchFamily="18" charset="0"/>
+                <a:cs typeface="Times New Roman" panose="02020603050405020304" pitchFamily="18" charset="0"/>
+              </a:rPr>
+              <a:t>  "</a:t>
             </a:r>
             <a:r>
               <a:rPr lang="pt-BR" sz="2400" dirty="0" err="1">
@@ -6639,7 +6679,7 @@
                 <a:latin typeface="Times New Roman" panose="02020603050405020304" pitchFamily="18" charset="0"/>
                 <a:cs typeface="Times New Roman" panose="02020603050405020304" pitchFamily="18" charset="0"/>
               </a:rPr>
-              <a:t>divorced</a:t>
+              <a:t>cars</a:t>
             </a:r>
             <a:r>
               <a:rPr lang="pt-BR" sz="2400" dirty="0">
@@ -6649,7 +6689,27 @@
                 <a:latin typeface="Times New Roman" panose="02020603050405020304" pitchFamily="18" charset="0"/>
                 <a:cs typeface="Times New Roman" panose="02020603050405020304" pitchFamily="18" charset="0"/>
               </a:rPr>
-              <a:t>": False,</a:t>
+              <a:t>": [ {"model": "BMW 230", "</a:t>
+            </a:r>
+            <a:r>
+              <a:rPr lang="pt-BR" sz="2400" dirty="0" err="1">
+                <a:solidFill>
+                  <a:schemeClr val="tx1"/>
+                </a:solidFill>
+                <a:latin typeface="Times New Roman" panose="02020603050405020304" pitchFamily="18" charset="0"/>
+                <a:cs typeface="Times New Roman" panose="02020603050405020304" pitchFamily="18" charset="0"/>
+              </a:rPr>
+              <a:t>mpg</a:t>
+            </a:r>
+            <a:r>
+              <a:rPr lang="pt-BR" sz="2400" dirty="0">
+                <a:solidFill>
+                  <a:schemeClr val="tx1"/>
+                </a:solidFill>
+                <a:latin typeface="Times New Roman" panose="02020603050405020304" pitchFamily="18" charset="0"/>
+                <a:cs typeface="Times New Roman" panose="02020603050405020304" pitchFamily="18" charset="0"/>
+              </a:rPr>
+              <a:t>": 27.5},</a:t>
             </a:r>
           </a:p>
           <a:p>
@@ -6664,7 +6724,7 @@
                 <a:latin typeface="Times New Roman" panose="02020603050405020304" pitchFamily="18" charset="0"/>
                 <a:cs typeface="Times New Roman" panose="02020603050405020304" pitchFamily="18" charset="0"/>
               </a:rPr>
-              <a:t>  "</a:t>
+              <a:t>    	       {"model": "Ford Edge", "</a:t>
             </a:r>
             <a:r>
               <a:rPr lang="pt-BR" sz="2400" dirty="0" err="1">
@@ -6674,7 +6734,7 @@
                 <a:latin typeface="Times New Roman" panose="02020603050405020304" pitchFamily="18" charset="0"/>
                 <a:cs typeface="Times New Roman" panose="02020603050405020304" pitchFamily="18" charset="0"/>
               </a:rPr>
-              <a:t>children</a:t>
+              <a:t>mpg</a:t>
             </a:r>
             <a:r>
               <a:rPr lang="pt-BR" sz="2400" dirty="0">
@@ -6684,17 +6744,22 @@
                 <a:latin typeface="Times New Roman" panose="02020603050405020304" pitchFamily="18" charset="0"/>
                 <a:cs typeface="Times New Roman" panose="02020603050405020304" pitchFamily="18" charset="0"/>
               </a:rPr>
-              <a:t>": ("</a:t>
-            </a:r>
-            <a:r>
-              <a:rPr lang="pt-BR" sz="2400" dirty="0" err="1">
+              <a:t>": 24.1}] }</a:t>
+            </a:r>
+          </a:p>
+          <a:p>
+            <a:pPr marL="0" indent="0" algn="just">
+              <a:buNone/>
+            </a:pPr>
+            <a:r>
+              <a:rPr lang="pt-BR" sz="2400" b="1" dirty="0">
                 <a:solidFill>
                   <a:schemeClr val="tx1"/>
                 </a:solidFill>
                 <a:latin typeface="Times New Roman" panose="02020603050405020304" pitchFamily="18" charset="0"/>
                 <a:cs typeface="Times New Roman" panose="02020603050405020304" pitchFamily="18" charset="0"/>
               </a:rPr>
-              <a:t>Ann","Billy</a:t>
+              <a:t>print</a:t>
             </a:r>
             <a:r>
               <a:rPr lang="pt-BR" sz="2400" dirty="0">
@@ -6704,162 +6769,27 @@
                 <a:latin typeface="Times New Roman" panose="02020603050405020304" pitchFamily="18" charset="0"/>
                 <a:cs typeface="Times New Roman" panose="02020603050405020304" pitchFamily="18" charset="0"/>
               </a:rPr>
-              <a:t>"),  "pets": </a:t>
-            </a:r>
-            <a:r>
-              <a:rPr lang="pt-BR" sz="2400" dirty="0" err="1">
+              <a:t>(</a:t>
+            </a:r>
+            <a:r>
+              <a:rPr lang="pt-BR" sz="2400" b="1" dirty="0" err="1">
+                <a:solidFill>
+                  <a:srgbClr val="FF0000"/>
+                </a:solidFill>
+                <a:latin typeface="Times New Roman" panose="02020603050405020304" pitchFamily="18" charset="0"/>
+                <a:cs typeface="Times New Roman" panose="02020603050405020304" pitchFamily="18" charset="0"/>
+              </a:rPr>
+              <a:t>json.dumps</a:t>
+            </a:r>
+            <a:r>
+              <a:rPr lang="pt-BR" sz="2400" dirty="0">
                 <a:solidFill>
                   <a:schemeClr val="tx1"/>
                 </a:solidFill>
                 <a:latin typeface="Times New Roman" panose="02020603050405020304" pitchFamily="18" charset="0"/>
                 <a:cs typeface="Times New Roman" panose="02020603050405020304" pitchFamily="18" charset="0"/>
               </a:rPr>
-              <a:t>None</a:t>
-            </a:r>
-            <a:r>
-              <a:rPr lang="pt-BR" sz="2400" dirty="0">
-                <a:solidFill>
-                  <a:schemeClr val="tx1"/>
-                </a:solidFill>
-                <a:latin typeface="Times New Roman" panose="02020603050405020304" pitchFamily="18" charset="0"/>
-                <a:cs typeface="Times New Roman" panose="02020603050405020304" pitchFamily="18" charset="0"/>
-              </a:rPr>
-              <a:t>,</a:t>
-            </a:r>
-          </a:p>
-          <a:p>
-            <a:pPr marL="0" indent="0" algn="just">
-              <a:buNone/>
-            </a:pPr>
-            <a:r>
-              <a:rPr lang="pt-BR" sz="2400" dirty="0">
-                <a:solidFill>
-                  <a:schemeClr val="tx1"/>
-                </a:solidFill>
-                <a:latin typeface="Times New Roman" panose="02020603050405020304" pitchFamily="18" charset="0"/>
-                <a:cs typeface="Times New Roman" panose="02020603050405020304" pitchFamily="18" charset="0"/>
-              </a:rPr>
-              <a:t>  "</a:t>
-            </a:r>
-            <a:r>
-              <a:rPr lang="pt-BR" sz="2400" dirty="0" err="1">
-                <a:solidFill>
-                  <a:schemeClr val="tx1"/>
-                </a:solidFill>
-                <a:latin typeface="Times New Roman" panose="02020603050405020304" pitchFamily="18" charset="0"/>
-                <a:cs typeface="Times New Roman" panose="02020603050405020304" pitchFamily="18" charset="0"/>
-              </a:rPr>
-              <a:t>cars</a:t>
-            </a:r>
-            <a:r>
-              <a:rPr lang="pt-BR" sz="2400" dirty="0">
-                <a:solidFill>
-                  <a:schemeClr val="tx1"/>
-                </a:solidFill>
-                <a:latin typeface="Times New Roman" panose="02020603050405020304" pitchFamily="18" charset="0"/>
-                <a:cs typeface="Times New Roman" panose="02020603050405020304" pitchFamily="18" charset="0"/>
-              </a:rPr>
-              <a:t>": [ {"model": "BMW 230", "</a:t>
-            </a:r>
-            <a:r>
-              <a:rPr lang="pt-BR" sz="2400" dirty="0" err="1">
-                <a:solidFill>
-                  <a:schemeClr val="tx1"/>
-                </a:solidFill>
-                <a:latin typeface="Times New Roman" panose="02020603050405020304" pitchFamily="18" charset="0"/>
-                <a:cs typeface="Times New Roman" panose="02020603050405020304" pitchFamily="18" charset="0"/>
-              </a:rPr>
-              <a:t>mpg</a:t>
-            </a:r>
-            <a:r>
-              <a:rPr lang="pt-BR" sz="2400" dirty="0">
-                <a:solidFill>
-                  <a:schemeClr val="tx1"/>
-                </a:solidFill>
-                <a:latin typeface="Times New Roman" panose="02020603050405020304" pitchFamily="18" charset="0"/>
-                <a:cs typeface="Times New Roman" panose="02020603050405020304" pitchFamily="18" charset="0"/>
-              </a:rPr>
-              <a:t>": 27.5},</a:t>
-            </a:r>
-          </a:p>
-          <a:p>
-            <a:pPr marL="0" indent="0" algn="just">
-              <a:buNone/>
-            </a:pPr>
-            <a:r>
-              <a:rPr lang="pt-BR" sz="2400" dirty="0">
-                <a:solidFill>
-                  <a:schemeClr val="tx1"/>
-                </a:solidFill>
-                <a:latin typeface="Times New Roman" panose="02020603050405020304" pitchFamily="18" charset="0"/>
-                <a:cs typeface="Times New Roman" panose="02020603050405020304" pitchFamily="18" charset="0"/>
-              </a:rPr>
-              <a:t>    	       {"model": "Ford Edge", "</a:t>
-            </a:r>
-            <a:r>
-              <a:rPr lang="pt-BR" sz="2400" dirty="0" err="1">
-                <a:solidFill>
-                  <a:schemeClr val="tx1"/>
-                </a:solidFill>
-                <a:latin typeface="Times New Roman" panose="02020603050405020304" pitchFamily="18" charset="0"/>
-                <a:cs typeface="Times New Roman" panose="02020603050405020304" pitchFamily="18" charset="0"/>
-              </a:rPr>
-              <a:t>mpg</a:t>
-            </a:r>
-            <a:r>
-              <a:rPr lang="pt-BR" sz="2400" dirty="0">
-                <a:solidFill>
-                  <a:schemeClr val="tx1"/>
-                </a:solidFill>
-                <a:latin typeface="Times New Roman" panose="02020603050405020304" pitchFamily="18" charset="0"/>
-                <a:cs typeface="Times New Roman" panose="02020603050405020304" pitchFamily="18" charset="0"/>
-              </a:rPr>
-              <a:t>": 24.1}] }</a:t>
-            </a:r>
-          </a:p>
-          <a:p>
-            <a:pPr marL="0" indent="0" algn="just">
-              <a:buNone/>
-            </a:pPr>
-            <a:r>
-              <a:rPr lang="pt-BR" sz="2400" b="1" dirty="0">
-                <a:solidFill>
-                  <a:schemeClr val="tx1"/>
-                </a:solidFill>
-                <a:latin typeface="Times New Roman" panose="02020603050405020304" pitchFamily="18" charset="0"/>
-                <a:cs typeface="Times New Roman" panose="02020603050405020304" pitchFamily="18" charset="0"/>
-              </a:rPr>
-              <a:t>print</a:t>
-            </a:r>
-            <a:r>
-              <a:rPr lang="pt-BR" sz="2400" dirty="0">
-                <a:solidFill>
-                  <a:schemeClr val="tx1"/>
-                </a:solidFill>
-                <a:latin typeface="Times New Roman" panose="02020603050405020304" pitchFamily="18" charset="0"/>
-                <a:cs typeface="Times New Roman" panose="02020603050405020304" pitchFamily="18" charset="0"/>
-              </a:rPr>
-              <a:t>(</a:t>
-            </a:r>
-            <a:r>
-              <a:rPr lang="pt-BR" sz="2400" b="1" dirty="0" err="1">
-                <a:solidFill>
-                  <a:srgbClr val="FF0000"/>
-                </a:solidFill>
-                <a:latin typeface="Times New Roman" panose="02020603050405020304" pitchFamily="18" charset="0"/>
-                <a:cs typeface="Times New Roman" panose="02020603050405020304" pitchFamily="18" charset="0"/>
-              </a:rPr>
-              <a:t>json.dumps</a:t>
-            </a:r>
-            <a:r>
-              <a:rPr lang="pt-BR" sz="2400" dirty="0">
-                <a:solidFill>
-                  <a:schemeClr val="tx1"/>
-                </a:solidFill>
-                <a:latin typeface="Times New Roman" panose="02020603050405020304" pitchFamily="18" charset="0"/>
-                <a:cs typeface="Times New Roman" panose="02020603050405020304" pitchFamily="18" charset="0"/>
-              </a:rPr>
-              <a:t>(x));</a:t>
+              <a:t>(x))</a:t>
             </a:r>
           </a:p>
         </p:txBody>
@@ -7340,7 +7270,7 @@
                 <a:latin typeface="Times New Roman" panose="02020603050405020304" pitchFamily="18" charset="0"/>
                 <a:cs typeface="Times New Roman" panose="02020603050405020304" pitchFamily="18" charset="0"/>
               </a:rPr>
-              <a:t>);</a:t>
+              <a:t>)</a:t>
             </a:r>
           </a:p>
           <a:p>
@@ -8379,7 +8309,7 @@
                 <a:latin typeface="Times New Roman" panose="02020603050405020304" pitchFamily="18" charset="0"/>
                 <a:cs typeface="Times New Roman" panose="02020603050405020304" pitchFamily="18" charset="0"/>
               </a:rPr>
-              <a:t>(); </a:t>
+              <a:t>() </a:t>
             </a:r>
             <a:r>
               <a:rPr lang="en-US" sz="2400" dirty="0">
@@ -8419,7 +8349,7 @@
                 <a:latin typeface="Times New Roman" panose="02020603050405020304" pitchFamily="18" charset="0"/>
                 <a:cs typeface="Times New Roman" panose="02020603050405020304" pitchFamily="18" charset="0"/>
               </a:rPr>
-              <a:t>(); </a:t>
+              <a:t>() </a:t>
             </a:r>
             <a:r>
               <a:rPr lang="en-US" sz="2400" dirty="0">
@@ -8459,7 +8389,7 @@
                 <a:latin typeface="Times New Roman" panose="02020603050405020304" pitchFamily="18" charset="0"/>
                 <a:cs typeface="Times New Roman" panose="02020603050405020304" pitchFamily="18" charset="0"/>
               </a:rPr>
-              <a:t>(“dados"); # </a:t>
+              <a:t>("dados") # </a:t>
             </a:r>
             <a:r>
               <a:rPr lang="en-US" sz="2400" dirty="0" err="1">
@@ -8510,7 +8440,7 @@
                 <a:latin typeface="Times New Roman" panose="02020603050405020304" pitchFamily="18" charset="0"/>
                 <a:cs typeface="Times New Roman" panose="02020603050405020304" pitchFamily="18" charset="0"/>
               </a:rPr>
-              <a:t>(4); # </a:t>
+              <a:t>(4) # </a:t>
             </a:r>
             <a:r>
               <a:rPr lang="en-US" sz="2400" dirty="0" err="1">
@@ -8582,7 +8512,7 @@
                 <a:latin typeface="Times New Roman" panose="02020603050405020304" pitchFamily="18" charset="0"/>
                 <a:cs typeface="Times New Roman" panose="02020603050405020304" pitchFamily="18" charset="0"/>
               </a:rPr>
-              <a:t>();  # </a:t>
+              <a:t>()  # </a:t>
             </a:r>
             <a:r>
               <a:rPr lang="en-US" sz="2400" dirty="0" err="1">
@@ -8647,7 +8577,7 @@
                 <a:latin typeface="Times New Roman" panose="02020603050405020304" pitchFamily="18" charset="0"/>
                 <a:cs typeface="Times New Roman" panose="02020603050405020304" pitchFamily="18" charset="0"/>
               </a:rPr>
-              <a:t>(); # </a:t>
+              <a:t>() # </a:t>
             </a:r>
             <a:r>
               <a:rPr lang="pt-BR" sz="2400" dirty="0">
@@ -8684,7 +8614,7 @@
                 <a:latin typeface="Times New Roman" panose="02020603050405020304" pitchFamily="18" charset="0"/>
                 <a:cs typeface="Times New Roman" panose="02020603050405020304" pitchFamily="18" charset="0"/>
               </a:rPr>
-              <a:t>(0);   # </a:t>
+              <a:t>(0)   # </a:t>
             </a:r>
             <a:r>
               <a:rPr lang="pt-BR" sz="2400" dirty="0">
@@ -8738,7 +8668,7 @@
                 <a:latin typeface="Times New Roman" panose="02020603050405020304" pitchFamily="18" charset="0"/>
                 <a:cs typeface="Times New Roman" panose="02020603050405020304" pitchFamily="18" charset="0"/>
               </a:rPr>
-              <a:t>());  # </a:t>
+              <a:t>())  # </a:t>
             </a:r>
             <a:r>
               <a:rPr lang="en-US" sz="2400" dirty="0" err="1">
@@ -8946,7 +8876,7 @@
                 <a:latin typeface="Times New Roman" panose="02020603050405020304" pitchFamily="18" charset="0"/>
                 <a:cs typeface="Times New Roman" panose="02020603050405020304" pitchFamily="18" charset="0"/>
               </a:rPr>
-              <a:t>(“arquivo.txt"); // </a:t>
+              <a:t>(“arquivo.txt") // </a:t>
             </a:r>
             <a:r>
               <a:rPr lang="pt-BR" sz="2400" b="1" dirty="0">
@@ -9019,7 +8949,7 @@
                 <a:latin typeface="Times New Roman" panose="02020603050405020304" pitchFamily="18" charset="0"/>
                 <a:cs typeface="Times New Roman" panose="02020603050405020304" pitchFamily="18" charset="0"/>
               </a:rPr>
-              <a:t>");</a:t>
+              <a:t>")</a:t>
             </a:r>
           </a:p>
         </p:txBody>
@@ -9790,8 +9720,21 @@
                   <a:srgbClr val="0070C0"/>
                 </a:solidFill>
               </a:rPr>
-              <a:t>FILE – ABRINDO ARQUIVO</a:t>
-            </a:r>
+              <a:t>FILE - </a:t>
+            </a:r>
+            <a:r>
+              <a:rPr lang="en-US" b="1" dirty="0" err="1">
+                <a:solidFill>
+                  <a:srgbClr val="0070C0"/>
+                </a:solidFill>
+              </a:rPr>
+              <a:t>Gravando</a:t>
+            </a:r>
+            <a:endParaRPr lang="en-US" b="1" dirty="0">
+              <a:solidFill>
+                <a:srgbClr val="0070C0"/>
+              </a:solidFill>
+            </a:endParaRPr>
           </a:p>
         </p:txBody>
       </p:sp>
@@ -9822,377 +9765,212 @@
             </a:pPr>
             <a:r>
               <a:rPr lang="en-US" sz="2400" b="1" dirty="0">
+                <a:latin typeface="Times New Roman" panose="02020603050405020304" pitchFamily="18" charset="0"/>
+                <a:cs typeface="Times New Roman" panose="02020603050405020304" pitchFamily="18" charset="0"/>
+              </a:rPr>
+              <a:t>with</a:t>
+            </a:r>
+            <a:r>
+              <a:rPr lang="en-US" sz="2400" dirty="0">
+                <a:latin typeface="Times New Roman" panose="02020603050405020304" pitchFamily="18" charset="0"/>
+                <a:cs typeface="Times New Roman" panose="02020603050405020304" pitchFamily="18" charset="0"/>
+              </a:rPr>
+              <a:t> </a:t>
+            </a:r>
+            <a:r>
+              <a:rPr lang="en-US" sz="2400" b="1" dirty="0">
+                <a:latin typeface="Times New Roman" panose="02020603050405020304" pitchFamily="18" charset="0"/>
+                <a:cs typeface="Times New Roman" panose="02020603050405020304" pitchFamily="18" charset="0"/>
+              </a:rPr>
+              <a:t>open</a:t>
+            </a:r>
+            <a:r>
+              <a:rPr lang="en-US" sz="2400" dirty="0">
+                <a:latin typeface="Times New Roman" panose="02020603050405020304" pitchFamily="18" charset="0"/>
+                <a:cs typeface="Times New Roman" panose="02020603050405020304" pitchFamily="18" charset="0"/>
+              </a:rPr>
+              <a:t>(“f://listaNiver.txt", “</a:t>
+            </a:r>
+            <a:r>
+              <a:rPr lang="en-US" sz="2400" dirty="0" err="1">
+                <a:latin typeface="Times New Roman" panose="02020603050405020304" pitchFamily="18" charset="0"/>
+                <a:cs typeface="Times New Roman" panose="02020603050405020304" pitchFamily="18" charset="0"/>
+              </a:rPr>
+              <a:t>wt</a:t>
+            </a:r>
+            <a:r>
+              <a:rPr lang="en-US" sz="2400" dirty="0">
+                <a:latin typeface="Times New Roman" panose="02020603050405020304" pitchFamily="18" charset="0"/>
+                <a:cs typeface="Times New Roman" panose="02020603050405020304" pitchFamily="18" charset="0"/>
+              </a:rPr>
+              <a:t>”, </a:t>
+            </a:r>
+            <a:r>
+              <a:rPr lang="en-US" sz="2400" b="1" dirty="0">
+                <a:latin typeface="Times New Roman" panose="02020603050405020304" pitchFamily="18" charset="0"/>
+                <a:cs typeface="Times New Roman" panose="02020603050405020304" pitchFamily="18" charset="0"/>
+              </a:rPr>
+              <a:t>encoding</a:t>
+            </a:r>
+            <a:r>
+              <a:rPr lang="en-US" sz="2400" dirty="0">
+                <a:latin typeface="Times New Roman" panose="02020603050405020304" pitchFamily="18" charset="0"/>
+                <a:cs typeface="Times New Roman" panose="02020603050405020304" pitchFamily="18" charset="0"/>
+              </a:rPr>
+              <a:t> = '</a:t>
+            </a:r>
+            <a:r>
+              <a:rPr lang="en-US" sz="2400" b="1" dirty="0">
                 <a:solidFill>
                   <a:srgbClr val="FF0000"/>
                 </a:solidFill>
                 <a:latin typeface="Times New Roman" panose="02020603050405020304" pitchFamily="18" charset="0"/>
                 <a:cs typeface="Times New Roman" panose="02020603050405020304" pitchFamily="18" charset="0"/>
               </a:rPr>
-              <a:t>try</a:t>
+              <a:t>utf-8</a:t>
             </a:r>
             <a:r>
               <a:rPr lang="en-US" sz="2400" dirty="0">
                 <a:latin typeface="Times New Roman" panose="02020603050405020304" pitchFamily="18" charset="0"/>
                 <a:cs typeface="Times New Roman" panose="02020603050405020304" pitchFamily="18" charset="0"/>
               </a:rPr>
-              <a:t>: </a:t>
-            </a:r>
-          </a:p>
-          <a:p>
-            <a:pPr marL="0" indent="0" algn="just">
+              <a:t>') as </a:t>
+            </a:r>
+            <a:r>
+              <a:rPr lang="en-US" sz="2400" b="1" dirty="0">
+                <a:latin typeface="Times New Roman" panose="02020603050405020304" pitchFamily="18" charset="0"/>
+                <a:cs typeface="Times New Roman" panose="02020603050405020304" pitchFamily="18" charset="0"/>
+              </a:rPr>
+              <a:t>f</a:t>
+            </a:r>
+            <a:r>
+              <a:rPr lang="en-US" sz="2400" dirty="0">
+                <a:latin typeface="Times New Roman" panose="02020603050405020304" pitchFamily="18" charset="0"/>
+                <a:cs typeface="Times New Roman" panose="02020603050405020304" pitchFamily="18" charset="0"/>
+              </a:rPr>
+              <a:t>:</a:t>
+            </a:r>
+          </a:p>
+          <a:p>
+            <a:pPr marL="619125" lvl="1" indent="0" algn="just">
               <a:buNone/>
             </a:pPr>
             <a:r>
+              <a:rPr lang="en-US" sz="2400" dirty="0" err="1">
+                <a:latin typeface="Times New Roman" panose="02020603050405020304" pitchFamily="18" charset="0"/>
+                <a:cs typeface="Times New Roman" panose="02020603050405020304" pitchFamily="18" charset="0"/>
+              </a:rPr>
+              <a:t>f.</a:t>
+            </a:r>
+            <a:r>
+              <a:rPr lang="en-US" sz="2400" b="1" dirty="0" err="1">
+                <a:latin typeface="Times New Roman" panose="02020603050405020304" pitchFamily="18" charset="0"/>
+                <a:cs typeface="Times New Roman" panose="02020603050405020304" pitchFamily="18" charset="0"/>
+              </a:rPr>
+              <a:t>write</a:t>
+            </a:r>
+            <a:r>
               <a:rPr lang="en-US" sz="2400" dirty="0">
                 <a:latin typeface="Times New Roman" panose="02020603050405020304" pitchFamily="18" charset="0"/>
                 <a:cs typeface="Times New Roman" panose="02020603050405020304" pitchFamily="18" charset="0"/>
               </a:rPr>
-              <a:t>    f = </a:t>
-            </a:r>
-            <a:r>
-              <a:rPr lang="en-US" sz="2400" b="1" dirty="0">
-                <a:latin typeface="Times New Roman" panose="02020603050405020304" pitchFamily="18" charset="0"/>
-                <a:cs typeface="Times New Roman" panose="02020603050405020304" pitchFamily="18" charset="0"/>
-              </a:rPr>
-              <a:t>open</a:t>
+              <a:t>(“Julia\n")</a:t>
+            </a:r>
+          </a:p>
+          <a:p>
+            <a:pPr marL="619125" lvl="1" indent="0" algn="just">
+              <a:buNone/>
+            </a:pPr>
+            <a:r>
+              <a:rPr lang="en-US" sz="2400" dirty="0" err="1">
+                <a:latin typeface="Times New Roman" panose="02020603050405020304" pitchFamily="18" charset="0"/>
+                <a:cs typeface="Times New Roman" panose="02020603050405020304" pitchFamily="18" charset="0"/>
+              </a:rPr>
+              <a:t>f.</a:t>
+            </a:r>
+            <a:r>
+              <a:rPr lang="en-US" sz="2400" b="1" dirty="0" err="1">
+                <a:latin typeface="Times New Roman" panose="02020603050405020304" pitchFamily="18" charset="0"/>
+                <a:cs typeface="Times New Roman" panose="02020603050405020304" pitchFamily="18" charset="0"/>
+              </a:rPr>
+              <a:t>write</a:t>
             </a:r>
             <a:r>
               <a:rPr lang="en-US" sz="2400" dirty="0">
                 <a:latin typeface="Times New Roman" panose="02020603050405020304" pitchFamily="18" charset="0"/>
                 <a:cs typeface="Times New Roman" panose="02020603050405020304" pitchFamily="18" charset="0"/>
               </a:rPr>
-              <a:t>("test.txt", </a:t>
-            </a:r>
-            <a:r>
-              <a:rPr lang="en-US" sz="2400" b="1" dirty="0">
-                <a:latin typeface="Times New Roman" panose="02020603050405020304" pitchFamily="18" charset="0"/>
-                <a:cs typeface="Times New Roman" panose="02020603050405020304" pitchFamily="18" charset="0"/>
-              </a:rPr>
-              <a:t>encoding</a:t>
+              <a:t>(“Maria\n")</a:t>
+            </a:r>
+          </a:p>
+          <a:p>
+            <a:pPr marL="619125" lvl="1" indent="0" algn="just">
+              <a:buNone/>
+            </a:pPr>
+            <a:r>
+              <a:rPr lang="en-US" sz="2400" dirty="0" err="1">
+                <a:latin typeface="Times New Roman" panose="02020603050405020304" pitchFamily="18" charset="0"/>
+                <a:cs typeface="Times New Roman" panose="02020603050405020304" pitchFamily="18" charset="0"/>
+              </a:rPr>
+              <a:t>f.</a:t>
+            </a:r>
+            <a:r>
+              <a:rPr lang="en-US" sz="2400" b="1" dirty="0" err="1">
+                <a:latin typeface="Times New Roman" panose="02020603050405020304" pitchFamily="18" charset="0"/>
+                <a:cs typeface="Times New Roman" panose="02020603050405020304" pitchFamily="18" charset="0"/>
+              </a:rPr>
+              <a:t>write</a:t>
             </a:r>
             <a:r>
               <a:rPr lang="en-US" sz="2400" dirty="0">
                 <a:latin typeface="Times New Roman" panose="02020603050405020304" pitchFamily="18" charset="0"/>
                 <a:cs typeface="Times New Roman" panose="02020603050405020304" pitchFamily="18" charset="0"/>
               </a:rPr>
-              <a:t> = 'utf-8’); // </a:t>
-            </a:r>
-            <a:r>
-              <a:rPr lang="en-US" sz="2400" b="1" dirty="0">
-                <a:solidFill>
-                  <a:srgbClr val="FF0000"/>
-                </a:solidFill>
-                <a:latin typeface="Times New Roman" panose="02020603050405020304" pitchFamily="18" charset="0"/>
-                <a:cs typeface="Times New Roman" panose="02020603050405020304" pitchFamily="18" charset="0"/>
-              </a:rPr>
-              <a:t>O </a:t>
-            </a:r>
-            <a:r>
-              <a:rPr lang="en-US" sz="2400" b="1" dirty="0" err="1">
-                <a:solidFill>
-                  <a:srgbClr val="FF0000"/>
-                </a:solidFill>
-                <a:latin typeface="Times New Roman" panose="02020603050405020304" pitchFamily="18" charset="0"/>
-                <a:cs typeface="Times New Roman" panose="02020603050405020304" pitchFamily="18" charset="0"/>
-              </a:rPr>
-              <a:t>arq</a:t>
-            </a:r>
-            <a:r>
-              <a:rPr lang="en-US" sz="2400" b="1" dirty="0">
-                <a:solidFill>
-                  <a:srgbClr val="FF0000"/>
-                </a:solidFill>
-                <a:latin typeface="Times New Roman" panose="02020603050405020304" pitchFamily="18" charset="0"/>
-                <a:cs typeface="Times New Roman" panose="02020603050405020304" pitchFamily="18" charset="0"/>
-              </a:rPr>
-              <a:t> </a:t>
-            </a:r>
-            <a:r>
-              <a:rPr lang="en-US" sz="2400" b="1" dirty="0" err="1">
-                <a:solidFill>
-                  <a:srgbClr val="FF0000"/>
-                </a:solidFill>
-                <a:latin typeface="Times New Roman" panose="02020603050405020304" pitchFamily="18" charset="0"/>
-                <a:cs typeface="Times New Roman" panose="02020603050405020304" pitchFamily="18" charset="0"/>
-              </a:rPr>
-              <a:t>deve</a:t>
-            </a:r>
-            <a:r>
-              <a:rPr lang="en-US" sz="2400" b="1" dirty="0">
-                <a:solidFill>
-                  <a:srgbClr val="FF0000"/>
-                </a:solidFill>
-                <a:latin typeface="Times New Roman" panose="02020603050405020304" pitchFamily="18" charset="0"/>
-                <a:cs typeface="Times New Roman" panose="02020603050405020304" pitchFamily="18" charset="0"/>
-              </a:rPr>
-              <a:t> </a:t>
-            </a:r>
-            <a:r>
-              <a:rPr lang="en-US" sz="2400" b="1" dirty="0" err="1">
-                <a:solidFill>
-                  <a:srgbClr val="FF0000"/>
-                </a:solidFill>
-                <a:latin typeface="Times New Roman" panose="02020603050405020304" pitchFamily="18" charset="0"/>
-                <a:cs typeface="Times New Roman" panose="02020603050405020304" pitchFamily="18" charset="0"/>
-              </a:rPr>
-              <a:t>existir</a:t>
+              <a:t>(“</a:t>
+            </a:r>
+            <a:r>
+              <a:rPr lang="en-US" sz="2400" dirty="0" err="1">
+                <a:latin typeface="Times New Roman" panose="02020603050405020304" pitchFamily="18" charset="0"/>
+                <a:cs typeface="Times New Roman" panose="02020603050405020304" pitchFamily="18" charset="0"/>
+              </a:rPr>
+              <a:t>josy</a:t>
             </a:r>
             <a:r>
               <a:rPr lang="en-US" sz="2400" dirty="0">
                 <a:latin typeface="Times New Roman" panose="02020603050405020304" pitchFamily="18" charset="0"/>
                 <a:cs typeface="Times New Roman" panose="02020603050405020304" pitchFamily="18" charset="0"/>
               </a:rPr>
-              <a:t> </a:t>
-            </a:r>
-          </a:p>
-          <a:p>
-            <a:pPr marL="0" indent="0" algn="just">
-              <a:buNone/>
-            </a:pPr>
-            <a:r>
-              <a:rPr lang="en-US" sz="2400" b="1" dirty="0">
-                <a:solidFill>
-                  <a:srgbClr val="FF0000"/>
-                </a:solidFill>
-                <a:latin typeface="Times New Roman" panose="02020603050405020304" pitchFamily="18" charset="0"/>
-                <a:cs typeface="Times New Roman" panose="02020603050405020304" pitchFamily="18" charset="0"/>
-              </a:rPr>
-              <a:t>finally</a:t>
-            </a:r>
-            <a:r>
-              <a:rPr lang="en-US" sz="2400" dirty="0">
-                <a:latin typeface="Times New Roman" panose="02020603050405020304" pitchFamily="18" charset="0"/>
-                <a:cs typeface="Times New Roman" panose="02020603050405020304" pitchFamily="18" charset="0"/>
-              </a:rPr>
-              <a:t>:</a:t>
-            </a:r>
-          </a:p>
-          <a:p>
-            <a:pPr marL="0" indent="0" algn="just">
-              <a:buNone/>
-            </a:pPr>
-            <a:r>
-              <a:rPr lang="en-US" sz="2400" dirty="0">
-                <a:latin typeface="Times New Roman" panose="02020603050405020304" pitchFamily="18" charset="0"/>
-                <a:cs typeface="Times New Roman" panose="02020603050405020304" pitchFamily="18" charset="0"/>
-              </a:rPr>
-              <a:t>    </a:t>
-            </a:r>
-            <a:r>
-              <a:rPr lang="en-US" sz="2400" dirty="0" err="1">
-                <a:latin typeface="Times New Roman" panose="02020603050405020304" pitchFamily="18" charset="0"/>
-                <a:cs typeface="Times New Roman" panose="02020603050405020304" pitchFamily="18" charset="0"/>
-              </a:rPr>
-              <a:t>f.</a:t>
-            </a:r>
-            <a:r>
-              <a:rPr lang="en-US" sz="2400" b="1" dirty="0" err="1">
-                <a:latin typeface="Times New Roman" panose="02020603050405020304" pitchFamily="18" charset="0"/>
-                <a:cs typeface="Times New Roman" panose="02020603050405020304" pitchFamily="18" charset="0"/>
-              </a:rPr>
-              <a:t>close</a:t>
-            </a:r>
-            <a:r>
-              <a:rPr lang="en-US" sz="2400" dirty="0">
-                <a:latin typeface="Times New Roman" panose="02020603050405020304" pitchFamily="18" charset="0"/>
-                <a:cs typeface="Times New Roman" panose="02020603050405020304" pitchFamily="18" charset="0"/>
-              </a:rPr>
-              <a:t>();</a:t>
-            </a:r>
-          </a:p>
-          <a:p>
-            <a:pPr marL="0" indent="0" algn="just">
-              <a:buNone/>
-            </a:pPr>
-            <a:r>
-              <a:rPr lang="en-US" sz="2400" dirty="0">
-                <a:latin typeface="Times New Roman" panose="02020603050405020304" pitchFamily="18" charset="0"/>
-                <a:cs typeface="Times New Roman" panose="02020603050405020304" pitchFamily="18" charset="0"/>
-              </a:rPr>
-              <a:t>			OU</a:t>
-            </a:r>
-          </a:p>
-          <a:p>
-            <a:pPr marL="0" indent="0" algn="just">
-              <a:buNone/>
-            </a:pPr>
-            <a:r>
-              <a:rPr lang="en-US" sz="2400" b="1" dirty="0">
-                <a:latin typeface="Times New Roman" panose="02020603050405020304" pitchFamily="18" charset="0"/>
-                <a:cs typeface="Times New Roman" panose="02020603050405020304" pitchFamily="18" charset="0"/>
-              </a:rPr>
-              <a:t>with</a:t>
-            </a:r>
-            <a:r>
-              <a:rPr lang="en-US" sz="2400" dirty="0">
-                <a:latin typeface="Times New Roman" panose="02020603050405020304" pitchFamily="18" charset="0"/>
-                <a:cs typeface="Times New Roman" panose="02020603050405020304" pitchFamily="18" charset="0"/>
-              </a:rPr>
-              <a:t> </a:t>
-            </a:r>
-            <a:r>
-              <a:rPr lang="en-US" sz="2400" b="1" dirty="0">
-                <a:latin typeface="Times New Roman" panose="02020603050405020304" pitchFamily="18" charset="0"/>
-                <a:cs typeface="Times New Roman" panose="02020603050405020304" pitchFamily="18" charset="0"/>
-              </a:rPr>
-              <a:t>open</a:t>
-            </a:r>
-            <a:r>
-              <a:rPr lang="en-US" sz="2400" dirty="0">
-                <a:latin typeface="Times New Roman" panose="02020603050405020304" pitchFamily="18" charset="0"/>
-                <a:cs typeface="Times New Roman" panose="02020603050405020304" pitchFamily="18" charset="0"/>
-              </a:rPr>
-              <a:t>("test.txt", </a:t>
-            </a:r>
-            <a:r>
-              <a:rPr lang="en-US" sz="2400" b="1" dirty="0">
-                <a:latin typeface="Times New Roman" panose="02020603050405020304" pitchFamily="18" charset="0"/>
-                <a:cs typeface="Times New Roman" panose="02020603050405020304" pitchFamily="18" charset="0"/>
-              </a:rPr>
-              <a:t>encoding</a:t>
-            </a:r>
-            <a:r>
-              <a:rPr lang="en-US" sz="2400" dirty="0">
-                <a:latin typeface="Times New Roman" panose="02020603050405020304" pitchFamily="18" charset="0"/>
-                <a:cs typeface="Times New Roman" panose="02020603050405020304" pitchFamily="18" charset="0"/>
-              </a:rPr>
-              <a:t> = '</a:t>
-            </a:r>
-            <a:r>
-              <a:rPr lang="en-US" sz="2400" b="1" dirty="0">
-                <a:solidFill>
-                  <a:srgbClr val="FF0000"/>
-                </a:solidFill>
-                <a:latin typeface="Times New Roman" panose="02020603050405020304" pitchFamily="18" charset="0"/>
-                <a:cs typeface="Times New Roman" panose="02020603050405020304" pitchFamily="18" charset="0"/>
-              </a:rPr>
-              <a:t>utf-8</a:t>
-            </a:r>
-            <a:r>
-              <a:rPr lang="en-US" sz="2400" dirty="0">
-                <a:latin typeface="Times New Roman" panose="02020603050405020304" pitchFamily="18" charset="0"/>
-                <a:cs typeface="Times New Roman" panose="02020603050405020304" pitchFamily="18" charset="0"/>
-              </a:rPr>
-              <a:t>') as </a:t>
-            </a:r>
-            <a:r>
-              <a:rPr lang="en-US" sz="2400" b="1" dirty="0">
-                <a:latin typeface="Times New Roman" panose="02020603050405020304" pitchFamily="18" charset="0"/>
-                <a:cs typeface="Times New Roman" panose="02020603050405020304" pitchFamily="18" charset="0"/>
-              </a:rPr>
-              <a:t>f</a:t>
-            </a:r>
-            <a:r>
-              <a:rPr lang="en-US" sz="2400" dirty="0">
-                <a:latin typeface="Times New Roman" panose="02020603050405020304" pitchFamily="18" charset="0"/>
-                <a:cs typeface="Times New Roman" panose="02020603050405020304" pitchFamily="18" charset="0"/>
-              </a:rPr>
-              <a:t>: // </a:t>
-            </a:r>
-            <a:r>
-              <a:rPr lang="en-US" sz="2400" b="1" dirty="0">
-                <a:solidFill>
-                  <a:srgbClr val="FF0000"/>
-                </a:solidFill>
-                <a:latin typeface="Times New Roman" panose="02020603050405020304" pitchFamily="18" charset="0"/>
-                <a:cs typeface="Times New Roman" panose="02020603050405020304" pitchFamily="18" charset="0"/>
-              </a:rPr>
-              <a:t>O </a:t>
-            </a:r>
-            <a:r>
-              <a:rPr lang="en-US" sz="2400" b="1" dirty="0" err="1">
-                <a:solidFill>
-                  <a:srgbClr val="FF0000"/>
-                </a:solidFill>
-                <a:latin typeface="Times New Roman" panose="02020603050405020304" pitchFamily="18" charset="0"/>
-                <a:cs typeface="Times New Roman" panose="02020603050405020304" pitchFamily="18" charset="0"/>
-              </a:rPr>
-              <a:t>arq</a:t>
-            </a:r>
-            <a:r>
-              <a:rPr lang="en-US" sz="2400" b="1" dirty="0">
-                <a:solidFill>
-                  <a:srgbClr val="FF0000"/>
-                </a:solidFill>
-                <a:latin typeface="Times New Roman" panose="02020603050405020304" pitchFamily="18" charset="0"/>
-                <a:cs typeface="Times New Roman" panose="02020603050405020304" pitchFamily="18" charset="0"/>
-              </a:rPr>
-              <a:t> </a:t>
-            </a:r>
-            <a:r>
-              <a:rPr lang="en-US" sz="2400" b="1" dirty="0" err="1">
-                <a:solidFill>
-                  <a:srgbClr val="FF0000"/>
-                </a:solidFill>
-                <a:latin typeface="Times New Roman" panose="02020603050405020304" pitchFamily="18" charset="0"/>
-                <a:cs typeface="Times New Roman" panose="02020603050405020304" pitchFamily="18" charset="0"/>
-              </a:rPr>
-              <a:t>deve</a:t>
-            </a:r>
-            <a:r>
-              <a:rPr lang="en-US" sz="2400" b="1" dirty="0">
-                <a:solidFill>
-                  <a:srgbClr val="FF0000"/>
-                </a:solidFill>
-                <a:latin typeface="Times New Roman" panose="02020603050405020304" pitchFamily="18" charset="0"/>
-                <a:cs typeface="Times New Roman" panose="02020603050405020304" pitchFamily="18" charset="0"/>
-              </a:rPr>
-              <a:t> </a:t>
-            </a:r>
-            <a:r>
-              <a:rPr lang="en-US" sz="2400" b="1" dirty="0" err="1">
-                <a:solidFill>
-                  <a:srgbClr val="FF0000"/>
-                </a:solidFill>
-                <a:latin typeface="Times New Roman" panose="02020603050405020304" pitchFamily="18" charset="0"/>
-                <a:cs typeface="Times New Roman" panose="02020603050405020304" pitchFamily="18" charset="0"/>
-              </a:rPr>
-              <a:t>existir</a:t>
-            </a:r>
-            <a:r>
-              <a:rPr lang="en-US" sz="2400" dirty="0">
-                <a:latin typeface="Times New Roman" panose="02020603050405020304" pitchFamily="18" charset="0"/>
-                <a:cs typeface="Times New Roman" panose="02020603050405020304" pitchFamily="18" charset="0"/>
-              </a:rPr>
-              <a:t> </a:t>
-            </a:r>
-          </a:p>
-          <a:p>
-            <a:pPr marL="0" indent="0" algn="just">
-              <a:buNone/>
-            </a:pPr>
-            <a:r>
-              <a:rPr lang="en-US" sz="2400" dirty="0">
-                <a:latin typeface="Times New Roman" panose="02020603050405020304" pitchFamily="18" charset="0"/>
-                <a:cs typeface="Times New Roman" panose="02020603050405020304" pitchFamily="18" charset="0"/>
-              </a:rPr>
-              <a:t>	</a:t>
-            </a:r>
-            <a:r>
-              <a:rPr lang="en-US" sz="2400" b="1" dirty="0" err="1">
-                <a:latin typeface="Times New Roman" panose="02020603050405020304" pitchFamily="18" charset="0"/>
-                <a:cs typeface="Times New Roman" panose="02020603050405020304" pitchFamily="18" charset="0"/>
-              </a:rPr>
-              <a:t>instruções</a:t>
-            </a:r>
-            <a:r>
-              <a:rPr lang="en-US" sz="2400" dirty="0">
-                <a:latin typeface="Times New Roman" panose="02020603050405020304" pitchFamily="18" charset="0"/>
-                <a:cs typeface="Times New Roman" panose="02020603050405020304" pitchFamily="18" charset="0"/>
-              </a:rPr>
-              <a:t>;</a:t>
+              <a:t>\n")</a:t>
             </a:r>
             <a:endParaRPr lang="pt-BR" sz="2400" dirty="0">
               <a:latin typeface="Times New Roman" panose="02020603050405020304" pitchFamily="18" charset="0"/>
               <a:cs typeface="Times New Roman" panose="02020603050405020304" pitchFamily="18" charset="0"/>
             </a:endParaRPr>
           </a:p>
+          <a:p>
+            <a:pPr marL="0" indent="0" algn="just">
+              <a:buNone/>
+            </a:pPr>
+            <a:endParaRPr lang="en-US" sz="2400" dirty="0">
+              <a:latin typeface="Times New Roman" panose="02020603050405020304" pitchFamily="18" charset="0"/>
+              <a:cs typeface="Times New Roman" panose="02020603050405020304" pitchFamily="18" charset="0"/>
+            </a:endParaRPr>
+          </a:p>
+          <a:p>
+            <a:pPr marL="0" indent="0" algn="just">
+              <a:buNone/>
+            </a:pPr>
+            <a:endParaRPr lang="pt-BR" sz="2400" dirty="0">
+              <a:latin typeface="Times New Roman" panose="02020603050405020304" pitchFamily="18" charset="0"/>
+              <a:cs typeface="Times New Roman" panose="02020603050405020304" pitchFamily="18" charset="0"/>
+            </a:endParaRPr>
+          </a:p>
         </p:txBody>
       </p:sp>
     </p:spTree>
     <p:extLst>
       <p:ext uri="{BB962C8B-B14F-4D97-AF65-F5344CB8AC3E}">
-        <p14:creationId xmlns:p14="http://schemas.microsoft.com/office/powerpoint/2010/main" val="1005281443"/>
+        <p14:creationId xmlns:p14="http://schemas.microsoft.com/office/powerpoint/2010/main" val="1472508492"/>
       </p:ext>
     </p:extLst>
   </p:cSld>
@@ -10249,21 +10027,8 @@
                   <a:srgbClr val="0070C0"/>
                 </a:solidFill>
               </a:rPr>
-              <a:t>FILE - </a:t>
-            </a:r>
-            <a:r>
-              <a:rPr lang="en-US" b="1" dirty="0" err="1">
-                <a:solidFill>
-                  <a:srgbClr val="0070C0"/>
-                </a:solidFill>
-              </a:rPr>
-              <a:t>Gravando</a:t>
-            </a:r>
-            <a:endParaRPr lang="en-US" b="1" dirty="0">
-              <a:solidFill>
-                <a:srgbClr val="0070C0"/>
-              </a:solidFill>
-            </a:endParaRPr>
+              <a:t>FILE - LENDO</a:t>
+            </a:r>
           </a:p>
         </p:txBody>
       </p:sp>
@@ -10289,189 +10054,128 @@
           </a:bodyPr>
           <a:lstStyle/>
           <a:p>
+            <a:pPr marL="0" lvl="1" indent="0" algn="just">
+              <a:buNone/>
+            </a:pPr>
+            <a:r>
+              <a:rPr lang="en-US" sz="2400" b="1" dirty="0" err="1">
+                <a:solidFill>
+                  <a:srgbClr val="FF0000"/>
+                </a:solidFill>
+                <a:latin typeface="Times New Roman" panose="02020603050405020304" pitchFamily="18" charset="0"/>
+                <a:cs typeface="Times New Roman" panose="02020603050405020304" pitchFamily="18" charset="0"/>
+              </a:rPr>
+              <a:t>Exemplo</a:t>
+            </a:r>
+            <a:r>
+              <a:rPr lang="en-US" sz="2400" b="1" dirty="0">
+                <a:solidFill>
+                  <a:srgbClr val="FF0000"/>
+                </a:solidFill>
+                <a:latin typeface="Times New Roman" panose="02020603050405020304" pitchFamily="18" charset="0"/>
+                <a:cs typeface="Times New Roman" panose="02020603050405020304" pitchFamily="18" charset="0"/>
+              </a:rPr>
+              <a:t> 1</a:t>
+            </a:r>
+          </a:p>
+          <a:p>
+            <a:pPr marL="443865" lvl="2" indent="0" algn="just">
+              <a:buNone/>
+            </a:pPr>
+            <a:r>
+              <a:rPr lang="en-US" sz="2400" dirty="0" err="1">
+                <a:latin typeface="Times New Roman" panose="02020603050405020304" pitchFamily="18" charset="0"/>
+                <a:cs typeface="Times New Roman" panose="02020603050405020304" pitchFamily="18" charset="0"/>
+              </a:rPr>
+              <a:t>text_file</a:t>
+            </a:r>
+            <a:r>
+              <a:rPr lang="en-US" sz="2400" dirty="0">
+                <a:latin typeface="Times New Roman" panose="02020603050405020304" pitchFamily="18" charset="0"/>
+                <a:cs typeface="Times New Roman" panose="02020603050405020304" pitchFamily="18" charset="0"/>
+              </a:rPr>
+              <a:t> = </a:t>
+            </a:r>
+            <a:r>
+              <a:rPr lang="en-US" sz="2400" b="1" dirty="0">
+                <a:latin typeface="Times New Roman" panose="02020603050405020304" pitchFamily="18" charset="0"/>
+                <a:cs typeface="Times New Roman" panose="02020603050405020304" pitchFamily="18" charset="0"/>
+              </a:rPr>
+              <a:t>open</a:t>
+            </a:r>
+            <a:r>
+              <a:rPr lang="en-US" sz="2400" dirty="0">
+                <a:latin typeface="Times New Roman" panose="02020603050405020304" pitchFamily="18" charset="0"/>
+                <a:cs typeface="Times New Roman" panose="02020603050405020304" pitchFamily="18" charset="0"/>
+              </a:rPr>
+              <a:t>("f://listaNiver.txt“, "r")</a:t>
+            </a:r>
+          </a:p>
+          <a:p>
+            <a:pPr marL="443865" lvl="2" indent="0" algn="just">
+              <a:buNone/>
+            </a:pPr>
+            <a:r>
+              <a:rPr lang="en-US" sz="2400" b="1" dirty="0" err="1">
+                <a:latin typeface="Times New Roman" panose="02020603050405020304" pitchFamily="18" charset="0"/>
+                <a:cs typeface="Times New Roman" panose="02020603050405020304" pitchFamily="18" charset="0"/>
+              </a:rPr>
+              <a:t>lista</a:t>
+            </a:r>
+            <a:r>
+              <a:rPr lang="en-US" sz="2400" dirty="0">
+                <a:latin typeface="Times New Roman" panose="02020603050405020304" pitchFamily="18" charset="0"/>
+                <a:cs typeface="Times New Roman" panose="02020603050405020304" pitchFamily="18" charset="0"/>
+              </a:rPr>
+              <a:t> = </a:t>
+            </a:r>
+            <a:r>
+              <a:rPr lang="en-US" sz="2400" dirty="0" err="1">
+                <a:latin typeface="Times New Roman" panose="02020603050405020304" pitchFamily="18" charset="0"/>
+                <a:cs typeface="Times New Roman" panose="02020603050405020304" pitchFamily="18" charset="0"/>
+              </a:rPr>
+              <a:t>text_file.</a:t>
+            </a:r>
+            <a:r>
+              <a:rPr lang="en-US" sz="2400" b="1" dirty="0" err="1">
+                <a:solidFill>
+                  <a:srgbClr val="FF0000"/>
+                </a:solidFill>
+                <a:latin typeface="Times New Roman" panose="02020603050405020304" pitchFamily="18" charset="0"/>
+                <a:cs typeface="Times New Roman" panose="02020603050405020304" pitchFamily="18" charset="0"/>
+              </a:rPr>
+              <a:t>read</a:t>
+            </a:r>
+            <a:r>
+              <a:rPr lang="en-US" sz="2400" dirty="0">
+                <a:latin typeface="Times New Roman" panose="02020603050405020304" pitchFamily="18" charset="0"/>
+                <a:cs typeface="Times New Roman" panose="02020603050405020304" pitchFamily="18" charset="0"/>
+              </a:rPr>
+              <a:t>().</a:t>
+            </a:r>
+            <a:r>
+              <a:rPr lang="en-US" sz="2400" b="1" dirty="0">
+                <a:latin typeface="Times New Roman" panose="02020603050405020304" pitchFamily="18" charset="0"/>
+                <a:cs typeface="Times New Roman" panose="02020603050405020304" pitchFamily="18" charset="0"/>
+              </a:rPr>
+              <a:t>split</a:t>
+            </a:r>
+            <a:r>
+              <a:rPr lang="en-US" sz="2400" dirty="0">
+                <a:latin typeface="Times New Roman" panose="02020603050405020304" pitchFamily="18" charset="0"/>
+                <a:cs typeface="Times New Roman" panose="02020603050405020304" pitchFamily="18" charset="0"/>
+              </a:rPr>
+              <a:t>(',’)</a:t>
+            </a:r>
+          </a:p>
+          <a:p>
             <a:pPr marL="0" indent="0" algn="just">
               <a:buNone/>
             </a:pPr>
-            <a:r>
-              <a:rPr lang="en-US" sz="2400" b="1" dirty="0">
-                <a:latin typeface="Times New Roman" panose="02020603050405020304" pitchFamily="18" charset="0"/>
-                <a:cs typeface="Times New Roman" panose="02020603050405020304" pitchFamily="18" charset="0"/>
-              </a:rPr>
-              <a:t>with</a:t>
-            </a:r>
-            <a:r>
-              <a:rPr lang="en-US" sz="2400" dirty="0">
-                <a:latin typeface="Times New Roman" panose="02020603050405020304" pitchFamily="18" charset="0"/>
-                <a:cs typeface="Times New Roman" panose="02020603050405020304" pitchFamily="18" charset="0"/>
-              </a:rPr>
-              <a:t> </a:t>
-            </a:r>
-            <a:r>
-              <a:rPr lang="en-US" sz="2400" b="1" dirty="0">
-                <a:latin typeface="Times New Roman" panose="02020603050405020304" pitchFamily="18" charset="0"/>
-                <a:cs typeface="Times New Roman" panose="02020603050405020304" pitchFamily="18" charset="0"/>
-              </a:rPr>
-              <a:t>open</a:t>
-            </a:r>
-            <a:r>
-              <a:rPr lang="en-US" sz="2400" dirty="0">
-                <a:latin typeface="Times New Roman" panose="02020603050405020304" pitchFamily="18" charset="0"/>
-                <a:cs typeface="Times New Roman" panose="02020603050405020304" pitchFamily="18" charset="0"/>
-              </a:rPr>
-              <a:t>(“f://listaNiver.txt", “</a:t>
-            </a:r>
-            <a:r>
-              <a:rPr lang="en-US" sz="2400" dirty="0" err="1">
-                <a:latin typeface="Times New Roman" panose="02020603050405020304" pitchFamily="18" charset="0"/>
-                <a:cs typeface="Times New Roman" panose="02020603050405020304" pitchFamily="18" charset="0"/>
-              </a:rPr>
-              <a:t>wt</a:t>
-            </a:r>
-            <a:r>
-              <a:rPr lang="en-US" sz="2400" dirty="0">
-                <a:latin typeface="Times New Roman" panose="02020603050405020304" pitchFamily="18" charset="0"/>
-                <a:cs typeface="Times New Roman" panose="02020603050405020304" pitchFamily="18" charset="0"/>
-              </a:rPr>
-              <a:t>”, </a:t>
-            </a:r>
-            <a:r>
-              <a:rPr lang="en-US" sz="2400" b="1" dirty="0">
-                <a:latin typeface="Times New Roman" panose="02020603050405020304" pitchFamily="18" charset="0"/>
-                <a:cs typeface="Times New Roman" panose="02020603050405020304" pitchFamily="18" charset="0"/>
-              </a:rPr>
-              <a:t>encoding</a:t>
-            </a:r>
-            <a:r>
-              <a:rPr lang="en-US" sz="2400" dirty="0">
-                <a:latin typeface="Times New Roman" panose="02020603050405020304" pitchFamily="18" charset="0"/>
-                <a:cs typeface="Times New Roman" panose="02020603050405020304" pitchFamily="18" charset="0"/>
-              </a:rPr>
-              <a:t> = '</a:t>
-            </a:r>
-            <a:r>
-              <a:rPr lang="en-US" sz="2400" b="1" dirty="0">
-                <a:solidFill>
-                  <a:srgbClr val="FF0000"/>
-                </a:solidFill>
-                <a:latin typeface="Times New Roman" panose="02020603050405020304" pitchFamily="18" charset="0"/>
-                <a:cs typeface="Times New Roman" panose="02020603050405020304" pitchFamily="18" charset="0"/>
-              </a:rPr>
-              <a:t>utf-8</a:t>
-            </a:r>
-            <a:r>
-              <a:rPr lang="en-US" sz="2400" dirty="0">
-                <a:latin typeface="Times New Roman" panose="02020603050405020304" pitchFamily="18" charset="0"/>
-                <a:cs typeface="Times New Roman" panose="02020603050405020304" pitchFamily="18" charset="0"/>
-              </a:rPr>
-              <a:t>') as </a:t>
-            </a:r>
-            <a:r>
-              <a:rPr lang="en-US" sz="2400" b="1" dirty="0">
-                <a:latin typeface="Times New Roman" panose="02020603050405020304" pitchFamily="18" charset="0"/>
-                <a:cs typeface="Times New Roman" panose="02020603050405020304" pitchFamily="18" charset="0"/>
-              </a:rPr>
-              <a:t>f</a:t>
-            </a:r>
-            <a:r>
-              <a:rPr lang="en-US" sz="2400" dirty="0">
-                <a:latin typeface="Times New Roman" panose="02020603050405020304" pitchFamily="18" charset="0"/>
-                <a:cs typeface="Times New Roman" panose="02020603050405020304" pitchFamily="18" charset="0"/>
-              </a:rPr>
-              <a:t>:</a:t>
-            </a:r>
-          </a:p>
-          <a:p>
-            <a:pPr marL="619125" lvl="1" indent="0" algn="just">
-              <a:buNone/>
-            </a:pPr>
-            <a:r>
-              <a:rPr lang="en-US" sz="2400" dirty="0" err="1">
-                <a:latin typeface="Times New Roman" panose="02020603050405020304" pitchFamily="18" charset="0"/>
-                <a:cs typeface="Times New Roman" panose="02020603050405020304" pitchFamily="18" charset="0"/>
-              </a:rPr>
-              <a:t>f.</a:t>
-            </a:r>
-            <a:r>
-              <a:rPr lang="en-US" sz="2400" b="1" dirty="0" err="1">
-                <a:latin typeface="Times New Roman" panose="02020603050405020304" pitchFamily="18" charset="0"/>
-                <a:cs typeface="Times New Roman" panose="02020603050405020304" pitchFamily="18" charset="0"/>
-              </a:rPr>
-              <a:t>write</a:t>
-            </a:r>
-            <a:r>
-              <a:rPr lang="en-US" sz="2400" dirty="0">
-                <a:latin typeface="Times New Roman" panose="02020603050405020304" pitchFamily="18" charset="0"/>
-                <a:cs typeface="Times New Roman" panose="02020603050405020304" pitchFamily="18" charset="0"/>
-              </a:rPr>
-              <a:t>(“Julia\n");</a:t>
-            </a:r>
-          </a:p>
-          <a:p>
-            <a:pPr marL="619125" lvl="1" indent="0" algn="just">
-              <a:buNone/>
-            </a:pPr>
-            <a:r>
-              <a:rPr lang="en-US" sz="2400" dirty="0" err="1">
-                <a:latin typeface="Times New Roman" panose="02020603050405020304" pitchFamily="18" charset="0"/>
-                <a:cs typeface="Times New Roman" panose="02020603050405020304" pitchFamily="18" charset="0"/>
-              </a:rPr>
-              <a:t>f.</a:t>
-            </a:r>
-            <a:r>
-              <a:rPr lang="en-US" sz="2400" b="1" dirty="0" err="1">
-                <a:latin typeface="Times New Roman" panose="02020603050405020304" pitchFamily="18" charset="0"/>
-                <a:cs typeface="Times New Roman" panose="02020603050405020304" pitchFamily="18" charset="0"/>
-              </a:rPr>
-              <a:t>write</a:t>
-            </a:r>
-            <a:r>
-              <a:rPr lang="en-US" sz="2400" dirty="0">
-                <a:latin typeface="Times New Roman" panose="02020603050405020304" pitchFamily="18" charset="0"/>
-                <a:cs typeface="Times New Roman" panose="02020603050405020304" pitchFamily="18" charset="0"/>
-              </a:rPr>
-              <a:t>(“Maria\n");</a:t>
-            </a:r>
-          </a:p>
-          <a:p>
-            <a:pPr marL="619125" lvl="1" indent="0" algn="just">
-              <a:buNone/>
-            </a:pPr>
-            <a:r>
-              <a:rPr lang="en-US" sz="2400" dirty="0" err="1">
-                <a:latin typeface="Times New Roman" panose="02020603050405020304" pitchFamily="18" charset="0"/>
-                <a:cs typeface="Times New Roman" panose="02020603050405020304" pitchFamily="18" charset="0"/>
-              </a:rPr>
-              <a:t>f.</a:t>
-            </a:r>
-            <a:r>
-              <a:rPr lang="en-US" sz="2400" b="1" dirty="0" err="1">
-                <a:latin typeface="Times New Roman" panose="02020603050405020304" pitchFamily="18" charset="0"/>
-                <a:cs typeface="Times New Roman" panose="02020603050405020304" pitchFamily="18" charset="0"/>
-              </a:rPr>
-              <a:t>write</a:t>
-            </a:r>
-            <a:r>
-              <a:rPr lang="en-US" sz="2400" dirty="0">
-                <a:latin typeface="Times New Roman" panose="02020603050405020304" pitchFamily="18" charset="0"/>
-                <a:cs typeface="Times New Roman" panose="02020603050405020304" pitchFamily="18" charset="0"/>
-              </a:rPr>
-              <a:t>(“</a:t>
-            </a:r>
-            <a:r>
-              <a:rPr lang="en-US" sz="2400" dirty="0" err="1">
-                <a:latin typeface="Times New Roman" panose="02020603050405020304" pitchFamily="18" charset="0"/>
-                <a:cs typeface="Times New Roman" panose="02020603050405020304" pitchFamily="18" charset="0"/>
-              </a:rPr>
-              <a:t>josy</a:t>
-            </a:r>
-            <a:r>
-              <a:rPr lang="en-US" sz="2400" dirty="0">
-                <a:latin typeface="Times New Roman" panose="02020603050405020304" pitchFamily="18" charset="0"/>
-                <a:cs typeface="Times New Roman" panose="02020603050405020304" pitchFamily="18" charset="0"/>
-              </a:rPr>
-              <a:t>\n");</a:t>
-            </a:r>
-            <a:endParaRPr lang="pt-BR" sz="2400" dirty="0">
+            <a:endParaRPr lang="en-US" sz="2400" b="1" dirty="0">
+              <a:solidFill>
+                <a:srgbClr val="FF0000"/>
+              </a:solidFill>
               <a:latin typeface="Times New Roman" panose="02020603050405020304" pitchFamily="18" charset="0"/>
               <a:cs typeface="Times New Roman" panose="02020603050405020304" pitchFamily="18" charset="0"/>
             </a:endParaRPr>
@@ -10480,26 +10184,139 @@
             <a:pPr marL="0" indent="0" algn="just">
               <a:buNone/>
             </a:pPr>
-            <a:endParaRPr lang="en-US" sz="2400" dirty="0">
-              <a:latin typeface="Times New Roman" panose="02020603050405020304" pitchFamily="18" charset="0"/>
-              <a:cs typeface="Times New Roman" panose="02020603050405020304" pitchFamily="18" charset="0"/>
-            </a:endParaRPr>
-          </a:p>
-          <a:p>
-            <a:pPr marL="0" indent="0" algn="just">
+            <a:r>
+              <a:rPr lang="en-US" sz="2400" b="1" dirty="0" err="1">
+                <a:solidFill>
+                  <a:srgbClr val="FF0000"/>
+                </a:solidFill>
+                <a:latin typeface="Times New Roman" panose="02020603050405020304" pitchFamily="18" charset="0"/>
+                <a:cs typeface="Times New Roman" panose="02020603050405020304" pitchFamily="18" charset="0"/>
+              </a:rPr>
+              <a:t>Exemplo</a:t>
+            </a:r>
+            <a:r>
+              <a:rPr lang="en-US" sz="2400" b="1" dirty="0">
+                <a:solidFill>
+                  <a:srgbClr val="FF0000"/>
+                </a:solidFill>
+                <a:latin typeface="Times New Roman" panose="02020603050405020304" pitchFamily="18" charset="0"/>
+                <a:cs typeface="Times New Roman" panose="02020603050405020304" pitchFamily="18" charset="0"/>
+              </a:rPr>
+              <a:t> 2</a:t>
+            </a:r>
+          </a:p>
+          <a:p>
+            <a:pPr marL="619125" lvl="1" indent="0" algn="just">
               <a:buNone/>
             </a:pPr>
-            <a:endParaRPr lang="pt-BR" sz="2400" dirty="0">
-              <a:latin typeface="Times New Roman" panose="02020603050405020304" pitchFamily="18" charset="0"/>
-              <a:cs typeface="Times New Roman" panose="02020603050405020304" pitchFamily="18" charset="0"/>
-            </a:endParaRPr>
+            <a:r>
+              <a:rPr lang="en-US" sz="2400" dirty="0" err="1">
+                <a:latin typeface="Times New Roman" panose="02020603050405020304" pitchFamily="18" charset="0"/>
+                <a:cs typeface="Times New Roman" panose="02020603050405020304" pitchFamily="18" charset="0"/>
+              </a:rPr>
+              <a:t>text_file</a:t>
+            </a:r>
+            <a:r>
+              <a:rPr lang="pt-BR" sz="2400" dirty="0">
+                <a:latin typeface="Times New Roman" panose="02020603050405020304" pitchFamily="18" charset="0"/>
+                <a:cs typeface="Times New Roman" panose="02020603050405020304" pitchFamily="18" charset="0"/>
+              </a:rPr>
+              <a:t> = </a:t>
+            </a:r>
+            <a:r>
+              <a:rPr lang="pt-BR" sz="2400" b="1" dirty="0">
+                <a:latin typeface="Times New Roman" panose="02020603050405020304" pitchFamily="18" charset="0"/>
+                <a:cs typeface="Times New Roman" panose="02020603050405020304" pitchFamily="18" charset="0"/>
+              </a:rPr>
+              <a:t>open</a:t>
+            </a:r>
+            <a:r>
+              <a:rPr lang="pt-BR" sz="2400" dirty="0">
+                <a:latin typeface="Times New Roman" panose="02020603050405020304" pitchFamily="18" charset="0"/>
+                <a:cs typeface="Times New Roman" panose="02020603050405020304" pitchFamily="18" charset="0"/>
+              </a:rPr>
+              <a:t>("f://listaNiver.txt")</a:t>
+            </a:r>
+          </a:p>
+          <a:p>
+            <a:pPr marL="619125" lvl="1" indent="0" algn="just">
+              <a:buNone/>
+            </a:pPr>
+            <a:r>
+              <a:rPr lang="pt-BR" sz="2400" b="1" dirty="0">
+                <a:latin typeface="Times New Roman" panose="02020603050405020304" pitchFamily="18" charset="0"/>
+                <a:cs typeface="Times New Roman" panose="02020603050405020304" pitchFamily="18" charset="0"/>
+              </a:rPr>
+              <a:t>for</a:t>
+            </a:r>
+            <a:r>
+              <a:rPr lang="pt-BR" sz="2400" dirty="0">
+                <a:latin typeface="Times New Roman" panose="02020603050405020304" pitchFamily="18" charset="0"/>
+                <a:cs typeface="Times New Roman" panose="02020603050405020304" pitchFamily="18" charset="0"/>
+              </a:rPr>
+              <a:t> registro </a:t>
+            </a:r>
+            <a:r>
+              <a:rPr lang="pt-BR" sz="2400" b="1" dirty="0">
+                <a:latin typeface="Times New Roman" panose="02020603050405020304" pitchFamily="18" charset="0"/>
+                <a:cs typeface="Times New Roman" panose="02020603050405020304" pitchFamily="18" charset="0"/>
+              </a:rPr>
+              <a:t>in</a:t>
+            </a:r>
+            <a:r>
+              <a:rPr lang="pt-BR" sz="2400" dirty="0">
+                <a:latin typeface="Times New Roman" panose="02020603050405020304" pitchFamily="18" charset="0"/>
+                <a:cs typeface="Times New Roman" panose="02020603050405020304" pitchFamily="18" charset="0"/>
+              </a:rPr>
+              <a:t> </a:t>
+            </a:r>
+            <a:r>
+              <a:rPr lang="en-US" sz="2400" dirty="0" err="1">
+                <a:latin typeface="Times New Roman" panose="02020603050405020304" pitchFamily="18" charset="0"/>
+                <a:cs typeface="Times New Roman" panose="02020603050405020304" pitchFamily="18" charset="0"/>
+              </a:rPr>
+              <a:t>text_file</a:t>
+            </a:r>
+            <a:r>
+              <a:rPr lang="pt-BR" sz="2400" dirty="0">
+                <a:latin typeface="Times New Roman" panose="02020603050405020304" pitchFamily="18" charset="0"/>
+                <a:cs typeface="Times New Roman" panose="02020603050405020304" pitchFamily="18" charset="0"/>
+              </a:rPr>
+              <a:t>:</a:t>
+            </a:r>
+          </a:p>
+          <a:p>
+            <a:pPr marL="619125" lvl="1" indent="0" algn="just">
+              <a:buNone/>
+            </a:pPr>
+            <a:r>
+              <a:rPr lang="pt-BR" sz="2400" dirty="0">
+                <a:latin typeface="Times New Roman" panose="02020603050405020304" pitchFamily="18" charset="0"/>
+                <a:cs typeface="Times New Roman" panose="02020603050405020304" pitchFamily="18" charset="0"/>
+              </a:rPr>
+              <a:t>    </a:t>
+            </a:r>
+            <a:r>
+              <a:rPr lang="pt-BR" sz="2400" b="1" dirty="0">
+                <a:latin typeface="Times New Roman" panose="02020603050405020304" pitchFamily="18" charset="0"/>
+                <a:cs typeface="Times New Roman" panose="02020603050405020304" pitchFamily="18" charset="0"/>
+              </a:rPr>
+              <a:t>print</a:t>
+            </a:r>
+            <a:r>
+              <a:rPr lang="pt-BR" sz="2400" dirty="0">
+                <a:latin typeface="Times New Roman" panose="02020603050405020304" pitchFamily="18" charset="0"/>
+                <a:cs typeface="Times New Roman" panose="02020603050405020304" pitchFamily="18" charset="0"/>
+              </a:rPr>
+              <a:t>(registro)</a:t>
+            </a:r>
           </a:p>
         </p:txBody>
       </p:sp>
     </p:spTree>
     <p:extLst>
       <p:ext uri="{BB962C8B-B14F-4D97-AF65-F5344CB8AC3E}">
-        <p14:creationId xmlns:p14="http://schemas.microsoft.com/office/powerpoint/2010/main" val="1472508492"/>
+        <p14:creationId xmlns:p14="http://schemas.microsoft.com/office/powerpoint/2010/main" val="3852810846"/>
       </p:ext>
     </p:extLst>
   </p:cSld>
@@ -10556,7 +10373,23 @@
                   <a:srgbClr val="0070C0"/>
                 </a:solidFill>
               </a:rPr>
-              <a:t>FILE - LENDO</a:t>
+              <a:t>FILE – LENDO (</a:t>
+            </a:r>
+            <a:r>
+              <a:rPr lang="en-US" b="1" dirty="0" err="1">
+                <a:solidFill>
+                  <a:srgbClr val="0070C0"/>
+                </a:solidFill>
+              </a:rPr>
+              <a:t>Contagem</a:t>
+            </a:r>
+            <a:r>
+              <a:rPr lang="en-US" b="1" dirty="0">
+                <a:solidFill>
+                  <a:srgbClr val="0070C0"/>
+                </a:solidFill>
+              </a:rPr>
+              <a:t>)</a:t>
             </a:r>
           </a:p>
         </p:txBody>
@@ -10596,111 +10429,6 @@
               </a:rPr>
               <a:t>Exemplo</a:t>
             </a:r>
-            <a:r>
-              <a:rPr lang="en-US" sz="2400" b="1" dirty="0">
-                <a:solidFill>
-                  <a:srgbClr val="FF0000"/>
-                </a:solidFill>
-                <a:latin typeface="Times New Roman" panose="02020603050405020304" pitchFamily="18" charset="0"/>
-                <a:cs typeface="Times New Roman" panose="02020603050405020304" pitchFamily="18" charset="0"/>
-              </a:rPr>
-              <a:t> 1</a:t>
-            </a:r>
-          </a:p>
-          <a:p>
-            <a:pPr marL="443865" lvl="2" indent="0" algn="just">
-              <a:buNone/>
-            </a:pPr>
-            <a:r>
-              <a:rPr lang="en-US" sz="2400" dirty="0" err="1">
-                <a:latin typeface="Times New Roman" panose="02020603050405020304" pitchFamily="18" charset="0"/>
-                <a:cs typeface="Times New Roman" panose="02020603050405020304" pitchFamily="18" charset="0"/>
-              </a:rPr>
-              <a:t>text_file</a:t>
-            </a:r>
-            <a:r>
-              <a:rPr lang="en-US" sz="2400" dirty="0">
-                <a:latin typeface="Times New Roman" panose="02020603050405020304" pitchFamily="18" charset="0"/>
-                <a:cs typeface="Times New Roman" panose="02020603050405020304" pitchFamily="18" charset="0"/>
-              </a:rPr>
-              <a:t> = </a:t>
-            </a:r>
-            <a:r>
-              <a:rPr lang="en-US" sz="2400" b="1" dirty="0">
-                <a:latin typeface="Times New Roman" panose="02020603050405020304" pitchFamily="18" charset="0"/>
-                <a:cs typeface="Times New Roman" panose="02020603050405020304" pitchFamily="18" charset="0"/>
-              </a:rPr>
-              <a:t>open</a:t>
-            </a:r>
-            <a:r>
-              <a:rPr lang="en-US" sz="2400" dirty="0">
-                <a:latin typeface="Times New Roman" panose="02020603050405020304" pitchFamily="18" charset="0"/>
-                <a:cs typeface="Times New Roman" panose="02020603050405020304" pitchFamily="18" charset="0"/>
-              </a:rPr>
-              <a:t>("f://listaNiver.txt“, "r");</a:t>
-            </a:r>
-          </a:p>
-          <a:p>
-            <a:pPr marL="443865" lvl="2" indent="0" algn="just">
-              <a:buNone/>
-            </a:pPr>
-            <a:r>
-              <a:rPr lang="en-US" sz="2400" b="1" dirty="0" err="1">
-                <a:latin typeface="Times New Roman" panose="02020603050405020304" pitchFamily="18" charset="0"/>
-                <a:cs typeface="Times New Roman" panose="02020603050405020304" pitchFamily="18" charset="0"/>
-              </a:rPr>
-              <a:t>lista</a:t>
-            </a:r>
-            <a:r>
-              <a:rPr lang="en-US" sz="2400" dirty="0">
-                <a:latin typeface="Times New Roman" panose="02020603050405020304" pitchFamily="18" charset="0"/>
-                <a:cs typeface="Times New Roman" panose="02020603050405020304" pitchFamily="18" charset="0"/>
-              </a:rPr>
-              <a:t> = </a:t>
-            </a:r>
-            <a:r>
-              <a:rPr lang="en-US" sz="2400" dirty="0" err="1">
-                <a:latin typeface="Times New Roman" panose="02020603050405020304" pitchFamily="18" charset="0"/>
-                <a:cs typeface="Times New Roman" panose="02020603050405020304" pitchFamily="18" charset="0"/>
-              </a:rPr>
-              <a:t>text_file.</a:t>
-            </a:r>
-            <a:r>
-              <a:rPr lang="en-US" sz="2400" b="1" dirty="0" err="1">
-                <a:solidFill>
-                  <a:srgbClr val="FF0000"/>
-                </a:solidFill>
-                <a:latin typeface="Times New Roman" panose="02020603050405020304" pitchFamily="18" charset="0"/>
-                <a:cs typeface="Times New Roman" panose="02020603050405020304" pitchFamily="18" charset="0"/>
-              </a:rPr>
-              <a:t>read</a:t>
-            </a:r>
-            <a:r>
-              <a:rPr lang="en-US" sz="2400" dirty="0">
-                <a:latin typeface="Times New Roman" panose="02020603050405020304" pitchFamily="18" charset="0"/>
-                <a:cs typeface="Times New Roman" panose="02020603050405020304" pitchFamily="18" charset="0"/>
-              </a:rPr>
-              <a:t>().</a:t>
-            </a:r>
-            <a:r>
-              <a:rPr lang="en-US" sz="2400" b="1" dirty="0">
-                <a:latin typeface="Times New Roman" panose="02020603050405020304" pitchFamily="18" charset="0"/>
-                <a:cs typeface="Times New Roman" panose="02020603050405020304" pitchFamily="18" charset="0"/>
-              </a:rPr>
-              <a:t>split</a:t>
-            </a:r>
-            <a:r>
-              <a:rPr lang="en-US" sz="2400" dirty="0">
-                <a:latin typeface="Times New Roman" panose="02020603050405020304" pitchFamily="18" charset="0"/>
-                <a:cs typeface="Times New Roman" panose="02020603050405020304" pitchFamily="18" charset="0"/>
-              </a:rPr>
-              <a:t>(',’);</a:t>
-            </a:r>
-          </a:p>
-          <a:p>
-            <a:pPr marL="0" indent="0" algn="just">
-              <a:buNone/>
-            </a:pPr>
             <a:endParaRPr lang="en-US" sz="2400" b="1" dirty="0">
               <a:solidFill>
                 <a:srgbClr val="FF0000"/>
@@ -10710,35 +10438,83 @@
             </a:endParaRPr>
           </a:p>
           <a:p>
-            <a:pPr marL="0" indent="0" algn="just">
+            <a:pPr marL="443865" lvl="2" indent="0" algn="just">
               <a:buNone/>
             </a:pPr>
             <a:r>
-              <a:rPr lang="en-US" sz="2400" b="1" dirty="0" err="1">
-                <a:solidFill>
-                  <a:srgbClr val="FF0000"/>
-                </a:solidFill>
-                <a:latin typeface="Times New Roman" panose="02020603050405020304" pitchFamily="18" charset="0"/>
-                <a:cs typeface="Times New Roman" panose="02020603050405020304" pitchFamily="18" charset="0"/>
-              </a:rPr>
-              <a:t>Exemplo</a:t>
+              <a:rPr lang="en-US" sz="2400" dirty="0" err="1">
+                <a:latin typeface="Times New Roman" panose="02020603050405020304" pitchFamily="18" charset="0"/>
+                <a:cs typeface="Times New Roman" panose="02020603050405020304" pitchFamily="18" charset="0"/>
+              </a:rPr>
+              <a:t>text_file</a:t>
+            </a:r>
+            <a:r>
+              <a:rPr lang="en-US" sz="2400" dirty="0">
+                <a:latin typeface="Times New Roman" panose="02020603050405020304" pitchFamily="18" charset="0"/>
+                <a:cs typeface="Times New Roman" panose="02020603050405020304" pitchFamily="18" charset="0"/>
+              </a:rPr>
+              <a:t> = </a:t>
             </a:r>
             <a:r>
               <a:rPr lang="en-US" sz="2400" b="1" dirty="0">
-                <a:solidFill>
-                  <a:srgbClr val="FF0000"/>
-                </a:solidFill>
-                <a:latin typeface="Times New Roman" panose="02020603050405020304" pitchFamily="18" charset="0"/>
-                <a:cs typeface="Times New Roman" panose="02020603050405020304" pitchFamily="18" charset="0"/>
-              </a:rPr>
-              <a:t> 2</a:t>
-            </a:r>
-          </a:p>
-          <a:p>
-            <a:pPr marL="619125" lvl="1" indent="0" algn="just">
+                <a:latin typeface="Times New Roman" panose="02020603050405020304" pitchFamily="18" charset="0"/>
+                <a:cs typeface="Times New Roman" panose="02020603050405020304" pitchFamily="18" charset="0"/>
+              </a:rPr>
+              <a:t>open</a:t>
+            </a:r>
+            <a:r>
+              <a:rPr lang="en-US" sz="2400" dirty="0">
+                <a:latin typeface="Times New Roman" panose="02020603050405020304" pitchFamily="18" charset="0"/>
+                <a:cs typeface="Times New Roman" panose="02020603050405020304" pitchFamily="18" charset="0"/>
+              </a:rPr>
+              <a:t>(“f://listaNiver.txt“)</a:t>
+            </a:r>
+          </a:p>
+          <a:p>
+            <a:pPr marL="443865" lvl="2" indent="0" algn="just">
               <a:buNone/>
             </a:pPr>
             <a:r>
+              <a:rPr lang="en-US" sz="2400" dirty="0">
+                <a:latin typeface="Times New Roman" panose="02020603050405020304" pitchFamily="18" charset="0"/>
+                <a:cs typeface="Times New Roman" panose="02020603050405020304" pitchFamily="18" charset="0"/>
+              </a:rPr>
+              <a:t>count = 0</a:t>
+            </a:r>
+          </a:p>
+          <a:p>
+            <a:pPr marL="443865" lvl="2" indent="0" algn="just">
+              <a:buNone/>
+            </a:pPr>
+            <a:r>
+              <a:rPr lang="en-US" sz="2400" b="1" dirty="0">
+                <a:latin typeface="Times New Roman" panose="02020603050405020304" pitchFamily="18" charset="0"/>
+                <a:cs typeface="Times New Roman" panose="02020603050405020304" pitchFamily="18" charset="0"/>
+              </a:rPr>
+              <a:t>for</a:t>
+            </a:r>
+            <a:r>
+              <a:rPr lang="en-US" sz="2400" dirty="0">
+                <a:latin typeface="Times New Roman" panose="02020603050405020304" pitchFamily="18" charset="0"/>
+                <a:cs typeface="Times New Roman" panose="02020603050405020304" pitchFamily="18" charset="0"/>
+              </a:rPr>
+              <a:t> line </a:t>
+            </a:r>
+            <a:r>
+              <a:rPr lang="en-US" sz="2400" b="1" dirty="0">
+                <a:latin typeface="Times New Roman" panose="02020603050405020304" pitchFamily="18" charset="0"/>
+                <a:cs typeface="Times New Roman" panose="02020603050405020304" pitchFamily="18" charset="0"/>
+              </a:rPr>
+              <a:t>in</a:t>
+            </a:r>
+            <a:r>
+              <a:rPr lang="en-US" sz="2400" dirty="0">
+                <a:latin typeface="Times New Roman" panose="02020603050405020304" pitchFamily="18" charset="0"/>
+                <a:cs typeface="Times New Roman" panose="02020603050405020304" pitchFamily="18" charset="0"/>
+              </a:rPr>
+              <a:t> </a:t>
+            </a:r>
+            <a:r>
               <a:rPr lang="en-US" sz="2400" dirty="0" err="1">
                 <a:latin typeface="Times New Roman" panose="02020603050405020304" pitchFamily="18" charset="0"/>
                 <a:cs typeface="Times New Roman" panose="02020603050405020304" pitchFamily="18" charset="0"/>
@@ -10746,98 +10522,63 @@
               <a:t>text_file</a:t>
             </a:r>
             <a:r>
-              <a:rPr lang="pt-BR" sz="2400" dirty="0">
-                <a:latin typeface="Times New Roman" panose="02020603050405020304" pitchFamily="18" charset="0"/>
-                <a:cs typeface="Times New Roman" panose="02020603050405020304" pitchFamily="18" charset="0"/>
-              </a:rPr>
-              <a:t> = </a:t>
-            </a:r>
-            <a:r>
-              <a:rPr lang="pt-BR" sz="2400" b="1" dirty="0">
-                <a:latin typeface="Times New Roman" panose="02020603050405020304" pitchFamily="18" charset="0"/>
-                <a:cs typeface="Times New Roman" panose="02020603050405020304" pitchFamily="18" charset="0"/>
-              </a:rPr>
-              <a:t>open</a:t>
-            </a:r>
-            <a:r>
-              <a:rPr lang="pt-BR" sz="2400" dirty="0">
-                <a:latin typeface="Times New Roman" panose="02020603050405020304" pitchFamily="18" charset="0"/>
-                <a:cs typeface="Times New Roman" panose="02020603050405020304" pitchFamily="18" charset="0"/>
-              </a:rPr>
-              <a:t>("f://listaNiver.txt")</a:t>
-            </a:r>
-          </a:p>
-          <a:p>
-            <a:pPr marL="619125" lvl="1" indent="0" algn="just">
+              <a:rPr lang="en-US" sz="2400" dirty="0">
+                <a:latin typeface="Times New Roman" panose="02020603050405020304" pitchFamily="18" charset="0"/>
+                <a:cs typeface="Times New Roman" panose="02020603050405020304" pitchFamily="18" charset="0"/>
+              </a:rPr>
+              <a:t>:</a:t>
+            </a:r>
+          </a:p>
+          <a:p>
+            <a:pPr marL="443865" lvl="2" indent="0" algn="just">
               <a:buNone/>
             </a:pPr>
             <a:r>
-              <a:rPr lang="pt-BR" sz="2400" b="1" dirty="0">
-                <a:latin typeface="Times New Roman" panose="02020603050405020304" pitchFamily="18" charset="0"/>
-                <a:cs typeface="Times New Roman" panose="02020603050405020304" pitchFamily="18" charset="0"/>
-              </a:rPr>
-              <a:t>for</a:t>
-            </a:r>
-            <a:r>
-              <a:rPr lang="pt-BR" sz="2400" dirty="0">
-                <a:latin typeface="Times New Roman" panose="02020603050405020304" pitchFamily="18" charset="0"/>
-                <a:cs typeface="Times New Roman" panose="02020603050405020304" pitchFamily="18" charset="0"/>
-              </a:rPr>
-              <a:t> registro </a:t>
-            </a:r>
-            <a:r>
-              <a:rPr lang="pt-BR" sz="2400" b="1" dirty="0">
-                <a:latin typeface="Times New Roman" panose="02020603050405020304" pitchFamily="18" charset="0"/>
-                <a:cs typeface="Times New Roman" panose="02020603050405020304" pitchFamily="18" charset="0"/>
-              </a:rPr>
-              <a:t>in</a:t>
-            </a:r>
-            <a:r>
-              <a:rPr lang="pt-BR" sz="2400" dirty="0">
-                <a:latin typeface="Times New Roman" panose="02020603050405020304" pitchFamily="18" charset="0"/>
-                <a:cs typeface="Times New Roman" panose="02020603050405020304" pitchFamily="18" charset="0"/>
-              </a:rPr>
-              <a:t> </a:t>
+              <a:rPr lang="en-US" sz="2400" dirty="0">
+                <a:latin typeface="Times New Roman" panose="02020603050405020304" pitchFamily="18" charset="0"/>
+                <a:cs typeface="Times New Roman" panose="02020603050405020304" pitchFamily="18" charset="0"/>
+              </a:rPr>
+              <a:t>    </a:t>
+            </a:r>
+            <a:r>
+              <a:rPr lang="en-US" sz="2400" b="1" dirty="0">
+                <a:latin typeface="Times New Roman" panose="02020603050405020304" pitchFamily="18" charset="0"/>
+                <a:cs typeface="Times New Roman" panose="02020603050405020304" pitchFamily="18" charset="0"/>
+              </a:rPr>
+              <a:t>count = count  + 1</a:t>
+            </a:r>
+          </a:p>
+          <a:p>
+            <a:pPr marL="443865" lvl="2" indent="0" algn="just">
+              <a:buNone/>
+            </a:pPr>
+            <a:r>
+              <a:rPr lang="en-US" sz="2400" b="1" dirty="0">
+                <a:latin typeface="Times New Roman" panose="02020603050405020304" pitchFamily="18" charset="0"/>
+                <a:cs typeface="Times New Roman" panose="02020603050405020304" pitchFamily="18" charset="0"/>
+              </a:rPr>
+              <a:t>print</a:t>
+            </a:r>
+            <a:r>
+              <a:rPr lang="en-US" sz="2400" dirty="0">
+                <a:latin typeface="Times New Roman" panose="02020603050405020304" pitchFamily="18" charset="0"/>
+                <a:cs typeface="Times New Roman" panose="02020603050405020304" pitchFamily="18" charset="0"/>
+              </a:rPr>
+              <a:t>(‘Total de </a:t>
             </a:r>
             <a:r>
               <a:rPr lang="en-US" sz="2400" dirty="0" err="1">
                 <a:latin typeface="Times New Roman" panose="02020603050405020304" pitchFamily="18" charset="0"/>
                 <a:cs typeface="Times New Roman" panose="02020603050405020304" pitchFamily="18" charset="0"/>
               </a:rPr>
-              <a:t>text_file</a:t>
-            </a:r>
-            <a:r>
-              <a:rPr lang="pt-BR" sz="2400" dirty="0">
-                <a:latin typeface="Times New Roman" panose="02020603050405020304" pitchFamily="18" charset="0"/>
-                <a:cs typeface="Times New Roman" panose="02020603050405020304" pitchFamily="18" charset="0"/>
-              </a:rPr>
-              <a:t>:</a:t>
-            </a:r>
-          </a:p>
-          <a:p>
-            <a:pPr marL="619125" lvl="1" indent="0" algn="just">
-              <a:buNone/>
-            </a:pPr>
-            <a:r>
-              <a:rPr lang="pt-BR" sz="2400" dirty="0">
-                <a:latin typeface="Times New Roman" panose="02020603050405020304" pitchFamily="18" charset="0"/>
-                <a:cs typeface="Times New Roman" panose="02020603050405020304" pitchFamily="18" charset="0"/>
-              </a:rPr>
-              <a:t>    </a:t>
-            </a:r>
-            <a:r>
-              <a:rPr lang="pt-BR" sz="2400" b="1" dirty="0">
-                <a:latin typeface="Times New Roman" panose="02020603050405020304" pitchFamily="18" charset="0"/>
-                <a:cs typeface="Times New Roman" panose="02020603050405020304" pitchFamily="18" charset="0"/>
-              </a:rPr>
-              <a:t>print</a:t>
-            </a:r>
-            <a:r>
-              <a:rPr lang="pt-BR" sz="2400" dirty="0">
-                <a:latin typeface="Times New Roman" panose="02020603050405020304" pitchFamily="18" charset="0"/>
-                <a:cs typeface="Times New Roman" panose="02020603050405020304" pitchFamily="18" charset="0"/>
-              </a:rPr>
-              <a:t>(registro);</a:t>
+              <a:t>linhas</a:t>
+            </a:r>
+            <a:r>
+              <a:rPr lang="en-US" sz="2400" dirty="0">
+                <a:latin typeface="Times New Roman" panose="02020603050405020304" pitchFamily="18" charset="0"/>
+                <a:cs typeface="Times New Roman" panose="02020603050405020304" pitchFamily="18" charset="0"/>
+              </a:rPr>
+              <a:t>:', count)</a:t>
             </a:r>
           </a:p>
         </p:txBody>
@@ -10845,7 +10586,7 @@
     </p:spTree>
     <p:extLst>
       <p:ext uri="{BB962C8B-B14F-4D97-AF65-F5344CB8AC3E}">
-        <p14:creationId xmlns:p14="http://schemas.microsoft.com/office/powerpoint/2010/main" val="3852810846"/>
+        <p14:creationId xmlns:p14="http://schemas.microsoft.com/office/powerpoint/2010/main" val="3976499810"/>
       </p:ext>
     </p:extLst>
   </p:cSld>
@@ -10902,23 +10643,7 @@
                   <a:srgbClr val="0070C0"/>
                 </a:solidFill>
               </a:rPr>
-              <a:t>FILE – LENDO (</a:t>
-            </a:r>
-            <a:r>
-              <a:rPr lang="en-US" b="1" dirty="0" err="1">
-                <a:solidFill>
-                  <a:srgbClr val="0070C0"/>
-                </a:solidFill>
-              </a:rPr>
-              <a:t>Contagem</a:t>
-            </a:r>
-            <a:r>
-              <a:rPr lang="en-US" b="1" dirty="0">
-                <a:solidFill>
-                  <a:srgbClr val="0070C0"/>
-                </a:solidFill>
-              </a:rPr>
-              <a:t>)</a:t>
+              <a:t>FILE – PESQUISANDO NO ARQUIVO</a:t>
             </a:r>
           </a:p>
         </p:txBody>
@@ -10996,7 +10721,7 @@
                 <a:latin typeface="Times New Roman" panose="02020603050405020304" pitchFamily="18" charset="0"/>
                 <a:cs typeface="Times New Roman" panose="02020603050405020304" pitchFamily="18" charset="0"/>
               </a:rPr>
-              <a:t>(“f://listaNiver.txt“);</a:t>
+              <a:t>('f://listaNiver.txt')</a:t>
             </a:r>
           </a:p>
           <a:p>
@@ -11004,11 +10729,46 @@
               <a:buNone/>
             </a:pPr>
             <a:r>
+              <a:rPr lang="en-US" sz="2400" b="1" dirty="0">
+                <a:latin typeface="Times New Roman" panose="02020603050405020304" pitchFamily="18" charset="0"/>
+                <a:cs typeface="Times New Roman" panose="02020603050405020304" pitchFamily="18" charset="0"/>
+              </a:rPr>
+              <a:t>for</a:t>
+            </a:r>
+            <a:r>
               <a:rPr lang="en-US" sz="2400" dirty="0">
                 <a:latin typeface="Times New Roman" panose="02020603050405020304" pitchFamily="18" charset="0"/>
                 <a:cs typeface="Times New Roman" panose="02020603050405020304" pitchFamily="18" charset="0"/>
               </a:rPr>
-              <a:t>count = 0;</a:t>
+              <a:t> line </a:t>
+            </a:r>
+            <a:r>
+              <a:rPr lang="en-US" sz="2400" b="1" dirty="0">
+                <a:latin typeface="Times New Roman" panose="02020603050405020304" pitchFamily="18" charset="0"/>
+                <a:cs typeface="Times New Roman" panose="02020603050405020304" pitchFamily="18" charset="0"/>
+              </a:rPr>
+              <a:t>in</a:t>
+            </a:r>
+            <a:r>
+              <a:rPr lang="en-US" sz="2400" dirty="0">
+                <a:latin typeface="Times New Roman" panose="02020603050405020304" pitchFamily="18" charset="0"/>
+                <a:cs typeface="Times New Roman" panose="02020603050405020304" pitchFamily="18" charset="0"/>
+              </a:rPr>
+              <a:t> </a:t>
+            </a:r>
+            <a:r>
+              <a:rPr lang="en-US" sz="2400" dirty="0" err="1">
+                <a:latin typeface="Times New Roman" panose="02020603050405020304" pitchFamily="18" charset="0"/>
+                <a:cs typeface="Times New Roman" panose="02020603050405020304" pitchFamily="18" charset="0"/>
+              </a:rPr>
+              <a:t>text_file</a:t>
+            </a:r>
+            <a:r>
+              <a:rPr lang="en-US" sz="2400" dirty="0">
+                <a:latin typeface="Times New Roman" panose="02020603050405020304" pitchFamily="18" charset="0"/>
+                <a:cs typeface="Times New Roman" panose="02020603050405020304" pitchFamily="18" charset="0"/>
+              </a:rPr>
+              <a:t>:</a:t>
             </a:r>
           </a:p>
           <a:p>
@@ -11016,25 +10776,44 @@
               <a:buNone/>
             </a:pPr>
             <a:r>
+              <a:rPr lang="en-US" sz="2400" dirty="0">
+                <a:latin typeface="Times New Roman" panose="02020603050405020304" pitchFamily="18" charset="0"/>
+                <a:cs typeface="Times New Roman" panose="02020603050405020304" pitchFamily="18" charset="0"/>
+              </a:rPr>
+              <a:t>    </a:t>
+            </a:r>
+            <a:r>
               <a:rPr lang="en-US" sz="2400" b="1" dirty="0">
                 <a:latin typeface="Times New Roman" panose="02020603050405020304" pitchFamily="18" charset="0"/>
                 <a:cs typeface="Times New Roman" panose="02020603050405020304" pitchFamily="18" charset="0"/>
               </a:rPr>
-              <a:t>for</a:t>
+              <a:t>print</a:t>
             </a:r>
             <a:r>
               <a:rPr lang="en-US" sz="2400" dirty="0">
                 <a:latin typeface="Times New Roman" panose="02020603050405020304" pitchFamily="18" charset="0"/>
                 <a:cs typeface="Times New Roman" panose="02020603050405020304" pitchFamily="18" charset="0"/>
               </a:rPr>
-              <a:t> line </a:t>
+              <a:t>(line)</a:t>
+            </a:r>
+          </a:p>
+          <a:p>
+            <a:pPr marL="443865" lvl="2" indent="0" algn="just">
+              <a:buNone/>
+            </a:pPr>
+            <a:r>
+              <a:rPr lang="en-US" sz="2400" dirty="0">
+                <a:latin typeface="Times New Roman" panose="02020603050405020304" pitchFamily="18" charset="0"/>
+                <a:cs typeface="Times New Roman" panose="02020603050405020304" pitchFamily="18" charset="0"/>
+              </a:rPr>
+              <a:t>    </a:t>
             </a:r>
             <a:r>
               <a:rPr lang="en-US" sz="2400" b="1" dirty="0">
                 <a:latin typeface="Times New Roman" panose="02020603050405020304" pitchFamily="18" charset="0"/>
                 <a:cs typeface="Times New Roman" panose="02020603050405020304" pitchFamily="18" charset="0"/>
               </a:rPr>
-              <a:t>in</a:t>
+              <a:t>if</a:t>
             </a:r>
             <a:r>
               <a:rPr lang="en-US" sz="2400" dirty="0">
@@ -11048,14 +10827,38 @@
                 <a:latin typeface="Times New Roman" panose="02020603050405020304" pitchFamily="18" charset="0"/>
                 <a:cs typeface="Times New Roman" panose="02020603050405020304" pitchFamily="18" charset="0"/>
               </a:rPr>
-              <a:t>text_file</a:t>
+              <a:t>line.</a:t>
+            </a:r>
+            <a:r>
+              <a:rPr lang="en-US" sz="2400" b="1" dirty="0" err="1">
+                <a:solidFill>
+                  <a:srgbClr val="FF0000"/>
+                </a:solidFill>
+                <a:latin typeface="Times New Roman" panose="02020603050405020304" pitchFamily="18" charset="0"/>
+                <a:cs typeface="Times New Roman" panose="02020603050405020304" pitchFamily="18" charset="0"/>
+              </a:rPr>
+              <a:t>startswith</a:t>
             </a:r>
             <a:r>
               <a:rPr lang="en-US" sz="2400" dirty="0">
                 <a:latin typeface="Times New Roman" panose="02020603050405020304" pitchFamily="18" charset="0"/>
                 <a:cs typeface="Times New Roman" panose="02020603050405020304" pitchFamily="18" charset="0"/>
               </a:rPr>
-              <a:t>:</a:t>
+              <a:t>("</a:t>
+            </a:r>
+            <a:r>
+              <a:rPr lang="en-US" sz="2400" dirty="0" err="1">
+                <a:latin typeface="Times New Roman" panose="02020603050405020304" pitchFamily="18" charset="0"/>
+                <a:cs typeface="Times New Roman" panose="02020603050405020304" pitchFamily="18" charset="0"/>
+              </a:rPr>
+              <a:t>josy</a:t>
+            </a:r>
+            <a:r>
+              <a:rPr lang="en-US" sz="2400" dirty="0">
+                <a:latin typeface="Times New Roman" panose="02020603050405020304" pitchFamily="18" charset="0"/>
+                <a:cs typeface="Times New Roman" panose="02020603050405020304" pitchFamily="18" charset="0"/>
+              </a:rPr>
+              <a:t>"):</a:t>
             </a:r>
           </a:p>
           <a:p>
@@ -11067,25 +10870,13 @@
                 <a:latin typeface="Times New Roman" panose="02020603050405020304" pitchFamily="18" charset="0"/>
                 <a:cs typeface="Times New Roman" panose="02020603050405020304" pitchFamily="18" charset="0"/>
               </a:rPr>
-              <a:t>    </a:t>
+              <a:t>        </a:t>
             </a:r>
             <a:r>
               <a:rPr lang="en-US" sz="2400" b="1" dirty="0">
                 <a:latin typeface="Times New Roman" panose="02020603050405020304" pitchFamily="18" charset="0"/>
                 <a:cs typeface="Times New Roman" panose="02020603050405020304" pitchFamily="18" charset="0"/>
               </a:rPr>
-              <a:t>count = count  + 1</a:t>
-            </a:r>
-          </a:p>
-          <a:p>
-            <a:pPr marL="443865" lvl="2" indent="0" algn="just">
-              <a:buNone/>
-            </a:pPr>
-            <a:r>
-              <a:rPr lang="en-US" sz="2400" b="1" dirty="0">
-                <a:latin typeface="Times New Roman" panose="02020603050405020304" pitchFamily="18" charset="0"/>
-                <a:cs typeface="Times New Roman" panose="02020603050405020304" pitchFamily="18" charset="0"/>
-              </a:rPr>
               <a:t>print</a:t>
             </a:r>
             <a:r>
@@ -11093,21 +10884,21 @@
                 <a:latin typeface="Times New Roman" panose="02020603050405020304" pitchFamily="18" charset="0"/>
                 <a:cs typeface="Times New Roman" panose="02020603050405020304" pitchFamily="18" charset="0"/>
               </a:rPr>
-              <a:t>(‘Total de </a:t>
+              <a:t>("</a:t>
             </a:r>
             <a:r>
               <a:rPr lang="en-US" sz="2400" dirty="0" err="1">
                 <a:latin typeface="Times New Roman" panose="02020603050405020304" pitchFamily="18" charset="0"/>
                 <a:cs typeface="Times New Roman" panose="02020603050405020304" pitchFamily="18" charset="0"/>
               </a:rPr>
-              <a:t>linhas</a:t>
+              <a:t>encontrou</a:t>
             </a:r>
             <a:r>
               <a:rPr lang="en-US" sz="2400" dirty="0">
                 <a:latin typeface="Times New Roman" panose="02020603050405020304" pitchFamily="18" charset="0"/>
                 <a:cs typeface="Times New Roman" panose="02020603050405020304" pitchFamily="18" charset="0"/>
               </a:rPr>
-              <a:t>:', count);</a:t>
+              <a:t>!!!")</a:t>
             </a:r>
           </a:p>
         </p:txBody>
@@ -11115,7 +10906,7 @@
     </p:spTree>
     <p:extLst>
       <p:ext uri="{BB962C8B-B14F-4D97-AF65-F5344CB8AC3E}">
-        <p14:creationId xmlns:p14="http://schemas.microsoft.com/office/powerpoint/2010/main" val="3976499810"/>
+        <p14:creationId xmlns:p14="http://schemas.microsoft.com/office/powerpoint/2010/main" val="1683654990"/>
       </p:ext>
     </p:extLst>
   </p:cSld>
@@ -11172,7 +10963,7 @@
                   <a:srgbClr val="0070C0"/>
                 </a:solidFill>
               </a:rPr>
-              <a:t>FILE – PESQUISANDO NO ARQUIVO</a:t>
+              <a:t>FILE – INFORMANDO ARQUIVO (INPUT)</a:t>
             </a:r>
           </a:p>
         </p:txBody>
@@ -11229,6 +11020,81 @@
                 <a:latin typeface="Times New Roman" panose="02020603050405020304" pitchFamily="18" charset="0"/>
                 <a:cs typeface="Times New Roman" panose="02020603050405020304" pitchFamily="18" charset="0"/>
               </a:rPr>
+              <a:t>fname</a:t>
+            </a:r>
+            <a:r>
+              <a:rPr lang="en-US" sz="2400" dirty="0">
+                <a:latin typeface="Times New Roman" panose="02020603050405020304" pitchFamily="18" charset="0"/>
+                <a:cs typeface="Times New Roman" panose="02020603050405020304" pitchFamily="18" charset="0"/>
+              </a:rPr>
+              <a:t> = </a:t>
+            </a:r>
+            <a:r>
+              <a:rPr lang="en-US" sz="2400" b="1" dirty="0">
+                <a:latin typeface="Times New Roman" panose="02020603050405020304" pitchFamily="18" charset="0"/>
+                <a:cs typeface="Times New Roman" panose="02020603050405020304" pitchFamily="18" charset="0"/>
+              </a:rPr>
+              <a:t>input</a:t>
+            </a:r>
+            <a:r>
+              <a:rPr lang="en-US" sz="2400" dirty="0">
+                <a:latin typeface="Times New Roman" panose="02020603050405020304" pitchFamily="18" charset="0"/>
+                <a:cs typeface="Times New Roman" panose="02020603050405020304" pitchFamily="18" charset="0"/>
+              </a:rPr>
+              <a:t>('</a:t>
+            </a:r>
+            <a:r>
+              <a:rPr lang="en-US" sz="2400" dirty="0" err="1">
+                <a:latin typeface="Times New Roman" panose="02020603050405020304" pitchFamily="18" charset="0"/>
+                <a:cs typeface="Times New Roman" panose="02020603050405020304" pitchFamily="18" charset="0"/>
+              </a:rPr>
+              <a:t>Digite</a:t>
+            </a:r>
+            <a:r>
+              <a:rPr lang="en-US" sz="2400" dirty="0">
+                <a:latin typeface="Times New Roman" panose="02020603050405020304" pitchFamily="18" charset="0"/>
+                <a:cs typeface="Times New Roman" panose="02020603050405020304" pitchFamily="18" charset="0"/>
+              </a:rPr>
+              <a:t> o </a:t>
+            </a:r>
+            <a:r>
+              <a:rPr lang="en-US" sz="2400" dirty="0" err="1">
+                <a:latin typeface="Times New Roman" panose="02020603050405020304" pitchFamily="18" charset="0"/>
+                <a:cs typeface="Times New Roman" panose="02020603050405020304" pitchFamily="18" charset="0"/>
+              </a:rPr>
+              <a:t>nome</a:t>
+            </a:r>
+            <a:r>
+              <a:rPr lang="en-US" sz="2400" dirty="0">
+                <a:latin typeface="Times New Roman" panose="02020603050405020304" pitchFamily="18" charset="0"/>
+                <a:cs typeface="Times New Roman" panose="02020603050405020304" pitchFamily="18" charset="0"/>
+              </a:rPr>
+              <a:t> do </a:t>
+            </a:r>
+            <a:r>
+              <a:rPr lang="en-US" sz="2400" dirty="0" err="1">
+                <a:latin typeface="Times New Roman" panose="02020603050405020304" pitchFamily="18" charset="0"/>
+                <a:cs typeface="Times New Roman" panose="02020603050405020304" pitchFamily="18" charset="0"/>
+              </a:rPr>
+              <a:t>arquivo</a:t>
+            </a:r>
+            <a:r>
+              <a:rPr lang="en-US" sz="2400" dirty="0">
+                <a:latin typeface="Times New Roman" panose="02020603050405020304" pitchFamily="18" charset="0"/>
+                <a:cs typeface="Times New Roman" panose="02020603050405020304" pitchFamily="18" charset="0"/>
+              </a:rPr>
+              <a:t>: ')</a:t>
+            </a:r>
+          </a:p>
+          <a:p>
+            <a:pPr marL="443865" lvl="2" indent="0" algn="just">
+              <a:buNone/>
+            </a:pPr>
+            <a:r>
+              <a:rPr lang="en-US" sz="2400" dirty="0" err="1">
+                <a:latin typeface="Times New Roman" panose="02020603050405020304" pitchFamily="18" charset="0"/>
+                <a:cs typeface="Times New Roman" panose="02020603050405020304" pitchFamily="18" charset="0"/>
+              </a:rPr>
               <a:t>text_file</a:t>
             </a:r>
             <a:r>
@@ -11250,7 +11116,21 @@
                 <a:latin typeface="Times New Roman" panose="02020603050405020304" pitchFamily="18" charset="0"/>
                 <a:cs typeface="Times New Roman" panose="02020603050405020304" pitchFamily="18" charset="0"/>
               </a:rPr>
-              <a:t>('f://listaNiver.txt')</a:t>
+              <a:t>(</a:t>
+            </a:r>
+            <a:r>
+              <a:rPr lang="en-US" sz="2400" dirty="0" err="1">
+                <a:latin typeface="Times New Roman" panose="02020603050405020304" pitchFamily="18" charset="0"/>
+                <a:cs typeface="Times New Roman" panose="02020603050405020304" pitchFamily="18" charset="0"/>
+              </a:rPr>
+              <a:t>fname</a:t>
+            </a:r>
+            <a:r>
+              <a:rPr lang="en-US" sz="2400" dirty="0">
+                <a:latin typeface="Times New Roman" panose="02020603050405020304" pitchFamily="18" charset="0"/>
+                <a:cs typeface="Times New Roman" panose="02020603050405020304" pitchFamily="18" charset="0"/>
+              </a:rPr>
+              <a:t>)</a:t>
             </a:r>
           </a:p>
           <a:p>
@@ -11309,7 +11189,7 @@
                 <a:latin typeface="Times New Roman" panose="02020603050405020304" pitchFamily="18" charset="0"/>
                 <a:cs typeface="Times New Roman" panose="02020603050405020304" pitchFamily="18" charset="0"/>
               </a:rPr>
-              <a:t>    </a:t>
+              <a:t>	</a:t>
             </a:r>
             <a:r>
               <a:rPr lang="en-US" sz="2400" b="1" dirty="0">
@@ -11323,119 +11203,19 @@
                 <a:latin typeface="Times New Roman" panose="02020603050405020304" pitchFamily="18" charset="0"/>
                 <a:cs typeface="Times New Roman" panose="02020603050405020304" pitchFamily="18" charset="0"/>
               </a:rPr>
-              <a:t>(line);</a:t>
-            </a:r>
-          </a:p>
-          <a:p>
-            <a:pPr marL="443865" lvl="2" indent="0" algn="just">
-              <a:buNone/>
-            </a:pPr>
-            <a:r>
-              <a:rPr lang="en-US" sz="2400" dirty="0">
-                <a:latin typeface="Times New Roman" panose="02020603050405020304" pitchFamily="18" charset="0"/>
-                <a:cs typeface="Times New Roman" panose="02020603050405020304" pitchFamily="18" charset="0"/>
-              </a:rPr>
-              <a:t>    </a:t>
-            </a:r>
-            <a:r>
-              <a:rPr lang="en-US" sz="2400" b="1" dirty="0">
-                <a:latin typeface="Times New Roman" panose="02020603050405020304" pitchFamily="18" charset="0"/>
-                <a:cs typeface="Times New Roman" panose="02020603050405020304" pitchFamily="18" charset="0"/>
-              </a:rPr>
-              <a:t>if</a:t>
-            </a:r>
-            <a:r>
-              <a:rPr lang="en-US" sz="2400" dirty="0">
-                <a:latin typeface="Times New Roman" panose="02020603050405020304" pitchFamily="18" charset="0"/>
-                <a:cs typeface="Times New Roman" panose="02020603050405020304" pitchFamily="18" charset="0"/>
-              </a:rPr>
-              <a:t> </a:t>
-            </a:r>
-            <a:r>
-              <a:rPr lang="en-US" sz="2400" dirty="0" err="1">
-                <a:latin typeface="Times New Roman" panose="02020603050405020304" pitchFamily="18" charset="0"/>
-                <a:cs typeface="Times New Roman" panose="02020603050405020304" pitchFamily="18" charset="0"/>
-              </a:rPr>
-              <a:t>line.</a:t>
-            </a:r>
-            <a:r>
-              <a:rPr lang="en-US" sz="2400" b="1" dirty="0" err="1">
-                <a:solidFill>
-                  <a:srgbClr val="FF0000"/>
-                </a:solidFill>
-                <a:latin typeface="Times New Roman" panose="02020603050405020304" pitchFamily="18" charset="0"/>
-                <a:cs typeface="Times New Roman" panose="02020603050405020304" pitchFamily="18" charset="0"/>
-              </a:rPr>
-              <a:t>startswith</a:t>
-            </a:r>
-            <a:r>
-              <a:rPr lang="en-US" sz="2400" dirty="0">
-                <a:latin typeface="Times New Roman" panose="02020603050405020304" pitchFamily="18" charset="0"/>
-                <a:cs typeface="Times New Roman" panose="02020603050405020304" pitchFamily="18" charset="0"/>
-              </a:rPr>
-              <a:t>("</a:t>
-            </a:r>
-            <a:r>
-              <a:rPr lang="en-US" sz="2400" dirty="0" err="1">
-                <a:latin typeface="Times New Roman" panose="02020603050405020304" pitchFamily="18" charset="0"/>
-                <a:cs typeface="Times New Roman" panose="02020603050405020304" pitchFamily="18" charset="0"/>
-              </a:rPr>
-              <a:t>josy</a:t>
-            </a:r>
-            <a:r>
-              <a:rPr lang="en-US" sz="2400" dirty="0">
-                <a:latin typeface="Times New Roman" panose="02020603050405020304" pitchFamily="18" charset="0"/>
-                <a:cs typeface="Times New Roman" panose="02020603050405020304" pitchFamily="18" charset="0"/>
-              </a:rPr>
-              <a:t>"):</a:t>
-            </a:r>
-          </a:p>
-          <a:p>
-            <a:pPr marL="443865" lvl="2" indent="0" algn="just">
-              <a:buNone/>
-            </a:pPr>
-            <a:r>
-              <a:rPr lang="en-US" sz="2400" dirty="0">
-                <a:latin typeface="Times New Roman" panose="02020603050405020304" pitchFamily="18" charset="0"/>
-                <a:cs typeface="Times New Roman" panose="02020603050405020304" pitchFamily="18" charset="0"/>
-              </a:rPr>
-              <a:t>        </a:t>
-            </a:r>
-            <a:r>
-              <a:rPr lang="en-US" sz="2400" b="1" dirty="0">
-                <a:latin typeface="Times New Roman" panose="02020603050405020304" pitchFamily="18" charset="0"/>
-                <a:cs typeface="Times New Roman" panose="02020603050405020304" pitchFamily="18" charset="0"/>
-              </a:rPr>
-              <a:t>print</a:t>
-            </a:r>
-            <a:r>
-              <a:rPr lang="en-US" sz="2400" dirty="0">
-                <a:latin typeface="Times New Roman" panose="02020603050405020304" pitchFamily="18" charset="0"/>
-                <a:cs typeface="Times New Roman" panose="02020603050405020304" pitchFamily="18" charset="0"/>
-              </a:rPr>
-              <a:t>(“</a:t>
-            </a:r>
-            <a:r>
-              <a:rPr lang="en-US" sz="2400" dirty="0" err="1">
-                <a:latin typeface="Times New Roman" panose="02020603050405020304" pitchFamily="18" charset="0"/>
-                <a:cs typeface="Times New Roman" panose="02020603050405020304" pitchFamily="18" charset="0"/>
-              </a:rPr>
-              <a:t>encontrou</a:t>
-            </a:r>
-            <a:r>
-              <a:rPr lang="en-US" sz="2400" dirty="0">
-                <a:latin typeface="Times New Roman" panose="02020603050405020304" pitchFamily="18" charset="0"/>
-                <a:cs typeface="Times New Roman" panose="02020603050405020304" pitchFamily="18" charset="0"/>
-              </a:rPr>
-              <a:t>!!!");</a:t>
-            </a:r>
+              <a:t>(line)</a:t>
+            </a:r>
+            <a:endParaRPr lang="pt-BR" sz="2400" dirty="0">
+              <a:latin typeface="Times New Roman" panose="02020603050405020304" pitchFamily="18" charset="0"/>
+              <a:cs typeface="Times New Roman" panose="02020603050405020304" pitchFamily="18" charset="0"/>
+            </a:endParaRPr>
           </a:p>
         </p:txBody>
       </p:sp>
     </p:spTree>
     <p:extLst>
       <p:ext uri="{BB962C8B-B14F-4D97-AF65-F5344CB8AC3E}">
-        <p14:creationId xmlns:p14="http://schemas.microsoft.com/office/powerpoint/2010/main" val="1683654990"/>
+        <p14:creationId xmlns:p14="http://schemas.microsoft.com/office/powerpoint/2010/main" val="3001206616"/>
       </p:ext>
     </p:extLst>
   </p:cSld>
@@ -11523,7 +11303,7 @@
               <a:buNone/>
             </a:pPr>
             <a:r>
-              <a:rPr lang="en-US" sz="2400" b="1" dirty="0" err="1">
+              <a:rPr lang="en-US" sz="2000" b="1" dirty="0" err="1">
                 <a:solidFill>
                   <a:srgbClr val="FF0000"/>
                 </a:solidFill>
@@ -11532,87 +11312,90 @@
               </a:rPr>
               <a:t>Exemplo</a:t>
             </a:r>
-            <a:endParaRPr lang="en-US" sz="2400" b="1" dirty="0">
-              <a:solidFill>
-                <a:srgbClr val="FF0000"/>
-              </a:solidFill>
-              <a:latin typeface="Times New Roman" panose="02020603050405020304" pitchFamily="18" charset="0"/>
-              <a:cs typeface="Times New Roman" panose="02020603050405020304" pitchFamily="18" charset="0"/>
-            </a:endParaRPr>
+            <a:r>
+              <a:rPr lang="en-US" sz="2000" b="1" dirty="0">
+                <a:solidFill>
+                  <a:srgbClr val="FF0000"/>
+                </a:solidFill>
+                <a:latin typeface="Times New Roman" panose="02020603050405020304" pitchFamily="18" charset="0"/>
+                <a:cs typeface="Times New Roman" panose="02020603050405020304" pitchFamily="18" charset="0"/>
+              </a:rPr>
+              <a:t> (try/except)</a:t>
+            </a:r>
           </a:p>
           <a:p>
             <a:pPr marL="443865" lvl="2" indent="0" algn="just">
               <a:buNone/>
             </a:pPr>
             <a:r>
-              <a:rPr lang="en-US" sz="2400" dirty="0" err="1">
+              <a:rPr lang="en-US" sz="2000" dirty="0" err="1">
                 <a:latin typeface="Times New Roman" panose="02020603050405020304" pitchFamily="18" charset="0"/>
                 <a:cs typeface="Times New Roman" panose="02020603050405020304" pitchFamily="18" charset="0"/>
               </a:rPr>
               <a:t>fname</a:t>
             </a:r>
             <a:r>
-              <a:rPr lang="en-US" sz="2400" dirty="0">
+              <a:rPr lang="en-US" sz="2000" dirty="0">
                 <a:latin typeface="Times New Roman" panose="02020603050405020304" pitchFamily="18" charset="0"/>
                 <a:cs typeface="Times New Roman" panose="02020603050405020304" pitchFamily="18" charset="0"/>
               </a:rPr>
               <a:t> = </a:t>
             </a:r>
             <a:r>
-              <a:rPr lang="en-US" sz="2400" b="1" dirty="0">
+              <a:rPr lang="en-US" sz="2000" b="1" dirty="0">
                 <a:latin typeface="Times New Roman" panose="02020603050405020304" pitchFamily="18" charset="0"/>
                 <a:cs typeface="Times New Roman" panose="02020603050405020304" pitchFamily="18" charset="0"/>
               </a:rPr>
               <a:t>input</a:t>
             </a:r>
             <a:r>
-              <a:rPr lang="en-US" sz="2400" dirty="0">
+              <a:rPr lang="en-US" sz="2000" dirty="0">
                 <a:latin typeface="Times New Roman" panose="02020603050405020304" pitchFamily="18" charset="0"/>
                 <a:cs typeface="Times New Roman" panose="02020603050405020304" pitchFamily="18" charset="0"/>
               </a:rPr>
               <a:t>('</a:t>
             </a:r>
             <a:r>
-              <a:rPr lang="en-US" sz="2400" dirty="0" err="1">
+              <a:rPr lang="en-US" sz="2000" dirty="0" err="1">
                 <a:latin typeface="Times New Roman" panose="02020603050405020304" pitchFamily="18" charset="0"/>
                 <a:cs typeface="Times New Roman" panose="02020603050405020304" pitchFamily="18" charset="0"/>
               </a:rPr>
               <a:t>Digite</a:t>
             </a:r>
             <a:r>
-              <a:rPr lang="en-US" sz="2400" dirty="0">
+              <a:rPr lang="en-US" sz="2000" dirty="0">
                 <a:latin typeface="Times New Roman" panose="02020603050405020304" pitchFamily="18" charset="0"/>
                 <a:cs typeface="Times New Roman" panose="02020603050405020304" pitchFamily="18" charset="0"/>
               </a:rPr>
               <a:t> o </a:t>
             </a:r>
             <a:r>
-              <a:rPr lang="en-US" sz="2400" dirty="0" err="1">
+              <a:rPr lang="en-US" sz="2000" dirty="0" err="1">
                 <a:latin typeface="Times New Roman" panose="02020603050405020304" pitchFamily="18" charset="0"/>
                 <a:cs typeface="Times New Roman" panose="02020603050405020304" pitchFamily="18" charset="0"/>
               </a:rPr>
               <a:t>nome</a:t>
             </a:r>
             <a:r>
-              <a:rPr lang="en-US" sz="2400" dirty="0">
+              <a:rPr lang="en-US" sz="2000" dirty="0">
                 <a:latin typeface="Times New Roman" panose="02020603050405020304" pitchFamily="18" charset="0"/>
                 <a:cs typeface="Times New Roman" panose="02020603050405020304" pitchFamily="18" charset="0"/>
               </a:rPr>
               <a:t> do </a:t>
             </a:r>
             <a:r>
-              <a:rPr lang="en-US" sz="2400" dirty="0" err="1">
+              <a:rPr lang="en-US" sz="2000" dirty="0" err="1">
                 <a:latin typeface="Times New Roman" panose="02020603050405020304" pitchFamily="18" charset="0"/>
                 <a:cs typeface="Times New Roman" panose="02020603050405020304" pitchFamily="18" charset="0"/>
               </a:rPr>
               <a:t>arquivo</a:t>
             </a:r>
             <a:r>
-              <a:rPr lang="en-US" sz="2400" dirty="0">
-                <a:latin typeface="Times New Roman" panose="02020603050405020304" pitchFamily="18" charset="0"/>
-                <a:cs typeface="Times New Roman" panose="02020603050405020304" pitchFamily="18" charset="0"/>
-              </a:rPr>
-              <a:t>: ‘);</a:t>
+              <a:rPr lang="en-US" sz="2000" dirty="0">
+                <a:latin typeface="Times New Roman" panose="02020603050405020304" pitchFamily="18" charset="0"/>
+                <a:cs typeface="Times New Roman" panose="02020603050405020304" pitchFamily="18" charset="0"/>
+              </a:rPr>
+              <a:t>: ‘)</a:t>
             </a:r>
           </a:p>
           <a:p>
@@ -11620,46 +11403,72 @@
               <a:buNone/>
             </a:pPr>
             <a:r>
-              <a:rPr lang="en-US" sz="2400" dirty="0" err="1">
+              <a:rPr lang="en-US" sz="2000" b="1" dirty="0">
+                <a:latin typeface="Times New Roman" panose="02020603050405020304" pitchFamily="18" charset="0"/>
+                <a:cs typeface="Times New Roman" panose="02020603050405020304" pitchFamily="18" charset="0"/>
+              </a:rPr>
+              <a:t>try</a:t>
+            </a:r>
+            <a:r>
+              <a:rPr lang="en-US" sz="2000" dirty="0">
+                <a:latin typeface="Times New Roman" panose="02020603050405020304" pitchFamily="18" charset="0"/>
+                <a:cs typeface="Times New Roman" panose="02020603050405020304" pitchFamily="18" charset="0"/>
+              </a:rPr>
+              <a:t>:</a:t>
+            </a:r>
+          </a:p>
+          <a:p>
+            <a:pPr marL="443865" lvl="2" indent="0" algn="just">
+              <a:buNone/>
+            </a:pPr>
+            <a:r>
+              <a:rPr lang="en-US" sz="2000" dirty="0">
+                <a:latin typeface="Times New Roman" panose="02020603050405020304" pitchFamily="18" charset="0"/>
+                <a:cs typeface="Times New Roman" panose="02020603050405020304" pitchFamily="18" charset="0"/>
+              </a:rPr>
+              <a:t>    </a:t>
+            </a:r>
+            <a:r>
+              <a:rPr lang="en-US" sz="2000" dirty="0" err="1">
                 <a:latin typeface="Times New Roman" panose="02020603050405020304" pitchFamily="18" charset="0"/>
                 <a:cs typeface="Times New Roman" panose="02020603050405020304" pitchFamily="18" charset="0"/>
               </a:rPr>
               <a:t>text_file</a:t>
             </a:r>
             <a:r>
-              <a:rPr lang="en-US" sz="2400" dirty="0">
+              <a:rPr lang="en-US" sz="2000" dirty="0">
                 <a:latin typeface="Times New Roman" panose="02020603050405020304" pitchFamily="18" charset="0"/>
                 <a:cs typeface="Times New Roman" panose="02020603050405020304" pitchFamily="18" charset="0"/>
               </a:rPr>
               <a:t> = </a:t>
             </a:r>
             <a:r>
-              <a:rPr lang="en-US" sz="2400" b="1" dirty="0">
+              <a:rPr lang="en-US" sz="2000" b="1" dirty="0">
                 <a:latin typeface="Times New Roman" panose="02020603050405020304" pitchFamily="18" charset="0"/>
                 <a:cs typeface="Times New Roman" panose="02020603050405020304" pitchFamily="18" charset="0"/>
               </a:rPr>
               <a:t>open</a:t>
             </a:r>
             <a:r>
-              <a:rPr lang="en-US" sz="2400" dirty="0">
+              <a:rPr lang="en-US" sz="2000" dirty="0">
                 <a:latin typeface="Times New Roman" panose="02020603050405020304" pitchFamily="18" charset="0"/>
                 <a:cs typeface="Times New Roman" panose="02020603050405020304" pitchFamily="18" charset="0"/>
               </a:rPr>
               <a:t>(</a:t>
             </a:r>
             <a:r>
-              <a:rPr lang="en-US" sz="2400" dirty="0" err="1">
+              <a:rPr lang="en-US" sz="2000" dirty="0" err="1">
                 <a:latin typeface="Times New Roman" panose="02020603050405020304" pitchFamily="18" charset="0"/>
                 <a:cs typeface="Times New Roman" panose="02020603050405020304" pitchFamily="18" charset="0"/>
               </a:rPr>
               <a:t>fname</a:t>
             </a:r>
             <a:r>
-              <a:rPr lang="en-US" sz="2400" dirty="0">
-                <a:latin typeface="Times New Roman" panose="02020603050405020304" pitchFamily="18" charset="0"/>
-                <a:cs typeface="Times New Roman" panose="02020603050405020304" pitchFamily="18" charset="0"/>
-              </a:rPr>
-              <a:t>);</a:t>
+              <a:rPr lang="en-US" sz="2000" dirty="0">
+                <a:latin typeface="Times New Roman" panose="02020603050405020304" pitchFamily="18" charset="0"/>
+                <a:cs typeface="Times New Roman" panose="02020603050405020304" pitchFamily="18" charset="0"/>
+              </a:rPr>
+              <a:t>)</a:t>
             </a:r>
           </a:p>
           <a:p>
@@ -11667,42 +11476,196 @@
               <a:buNone/>
             </a:pPr>
             <a:r>
-              <a:rPr lang="en-US" sz="2400" b="1" dirty="0">
+              <a:rPr lang="en-US" sz="2000" b="1" dirty="0">
+                <a:latin typeface="Times New Roman" panose="02020603050405020304" pitchFamily="18" charset="0"/>
+                <a:cs typeface="Times New Roman" panose="02020603050405020304" pitchFamily="18" charset="0"/>
+              </a:rPr>
+              <a:t>except</a:t>
+            </a:r>
+            <a:r>
+              <a:rPr lang="en-US" sz="2000" dirty="0">
+                <a:latin typeface="Times New Roman" panose="02020603050405020304" pitchFamily="18" charset="0"/>
+                <a:cs typeface="Times New Roman" panose="02020603050405020304" pitchFamily="18" charset="0"/>
+              </a:rPr>
+              <a:t>:</a:t>
+            </a:r>
+          </a:p>
+          <a:p>
+            <a:pPr marL="443865" lvl="2" indent="0" algn="just">
+              <a:buNone/>
+            </a:pPr>
+            <a:r>
+              <a:rPr lang="en-US" sz="2000" dirty="0">
+                <a:latin typeface="Times New Roman" panose="02020603050405020304" pitchFamily="18" charset="0"/>
+                <a:cs typeface="Times New Roman" panose="02020603050405020304" pitchFamily="18" charset="0"/>
+              </a:rPr>
+              <a:t>    </a:t>
+            </a:r>
+            <a:r>
+              <a:rPr lang="en-US" sz="2000" b="1" dirty="0">
+                <a:latin typeface="Times New Roman" panose="02020603050405020304" pitchFamily="18" charset="0"/>
+                <a:cs typeface="Times New Roman" panose="02020603050405020304" pitchFamily="18" charset="0"/>
+              </a:rPr>
+              <a:t>print</a:t>
+            </a:r>
+            <a:r>
+              <a:rPr lang="en-US" sz="2000" dirty="0">
+                <a:latin typeface="Times New Roman" panose="02020603050405020304" pitchFamily="18" charset="0"/>
+                <a:cs typeface="Times New Roman" panose="02020603050405020304" pitchFamily="18" charset="0"/>
+              </a:rPr>
+              <a:t>(</a:t>
+            </a:r>
+            <a:r>
+              <a:rPr lang="en-US" sz="2000" b="1" dirty="0" err="1">
+                <a:solidFill>
+                  <a:srgbClr val="FF0000"/>
+                </a:solidFill>
+                <a:latin typeface="Times New Roman" panose="02020603050405020304" pitchFamily="18" charset="0"/>
+                <a:cs typeface="Times New Roman" panose="02020603050405020304" pitchFamily="18" charset="0"/>
+              </a:rPr>
+              <a:t>f</a:t>
+            </a:r>
+            <a:r>
+              <a:rPr lang="en-US" sz="2000" dirty="0" err="1">
+                <a:latin typeface="Times New Roman" panose="02020603050405020304" pitchFamily="18" charset="0"/>
+                <a:cs typeface="Times New Roman" panose="02020603050405020304" pitchFamily="18" charset="0"/>
+              </a:rPr>
+              <a:t>'Erro</a:t>
+            </a:r>
+            <a:r>
+              <a:rPr lang="en-US" sz="2000" dirty="0">
+                <a:latin typeface="Times New Roman" panose="02020603050405020304" pitchFamily="18" charset="0"/>
+                <a:cs typeface="Times New Roman" panose="02020603050405020304" pitchFamily="18" charset="0"/>
+              </a:rPr>
+              <a:t> </a:t>
+            </a:r>
+            <a:r>
+              <a:rPr lang="en-US" sz="2000" dirty="0" err="1">
+                <a:latin typeface="Times New Roman" panose="02020603050405020304" pitchFamily="18" charset="0"/>
+                <a:cs typeface="Times New Roman" panose="02020603050405020304" pitchFamily="18" charset="0"/>
+              </a:rPr>
+              <a:t>na</a:t>
+            </a:r>
+            <a:r>
+              <a:rPr lang="en-US" sz="2000" dirty="0">
+                <a:latin typeface="Times New Roman" panose="02020603050405020304" pitchFamily="18" charset="0"/>
+                <a:cs typeface="Times New Roman" panose="02020603050405020304" pitchFamily="18" charset="0"/>
+              </a:rPr>
+              <a:t> </a:t>
+            </a:r>
+            <a:r>
+              <a:rPr lang="en-US" sz="2000" dirty="0" err="1">
+                <a:latin typeface="Times New Roman" panose="02020603050405020304" pitchFamily="18" charset="0"/>
+                <a:cs typeface="Times New Roman" panose="02020603050405020304" pitchFamily="18" charset="0"/>
+              </a:rPr>
+              <a:t>abertura</a:t>
+            </a:r>
+            <a:r>
+              <a:rPr lang="en-US" sz="2000" dirty="0">
+                <a:latin typeface="Times New Roman" panose="02020603050405020304" pitchFamily="18" charset="0"/>
+                <a:cs typeface="Times New Roman" panose="02020603050405020304" pitchFamily="18" charset="0"/>
+              </a:rPr>
+              <a:t> do </a:t>
+            </a:r>
+            <a:r>
+              <a:rPr lang="en-US" sz="2000" dirty="0" err="1">
+                <a:latin typeface="Times New Roman" panose="02020603050405020304" pitchFamily="18" charset="0"/>
+                <a:cs typeface="Times New Roman" panose="02020603050405020304" pitchFamily="18" charset="0"/>
+              </a:rPr>
+              <a:t>arquivo</a:t>
+            </a:r>
+            <a:r>
+              <a:rPr lang="en-US" sz="2000" dirty="0">
+                <a:latin typeface="Times New Roman" panose="02020603050405020304" pitchFamily="18" charset="0"/>
+                <a:cs typeface="Times New Roman" panose="02020603050405020304" pitchFamily="18" charset="0"/>
+              </a:rPr>
+              <a:t> {</a:t>
+            </a:r>
+            <a:r>
+              <a:rPr lang="en-US" sz="2000" b="1" dirty="0" err="1">
+                <a:solidFill>
+                  <a:srgbClr val="FF0000"/>
+                </a:solidFill>
+                <a:latin typeface="Times New Roman" panose="02020603050405020304" pitchFamily="18" charset="0"/>
+                <a:cs typeface="Times New Roman" panose="02020603050405020304" pitchFamily="18" charset="0"/>
+              </a:rPr>
+              <a:t>fname</a:t>
+            </a:r>
+            <a:r>
+              <a:rPr lang="en-US" sz="2000" dirty="0">
+                <a:latin typeface="Times New Roman" panose="02020603050405020304" pitchFamily="18" charset="0"/>
+                <a:cs typeface="Times New Roman" panose="02020603050405020304" pitchFamily="18" charset="0"/>
+              </a:rPr>
+              <a:t>}')</a:t>
+            </a:r>
+          </a:p>
+          <a:p>
+            <a:pPr marL="443865" lvl="2" indent="0" algn="just">
+              <a:buNone/>
+            </a:pPr>
+            <a:r>
+              <a:rPr lang="en-US" sz="2000" dirty="0">
+                <a:latin typeface="Times New Roman" panose="02020603050405020304" pitchFamily="18" charset="0"/>
+                <a:cs typeface="Times New Roman" panose="02020603050405020304" pitchFamily="18" charset="0"/>
+              </a:rPr>
+              <a:t>    </a:t>
+            </a:r>
+            <a:r>
+              <a:rPr lang="en-US" sz="2000" b="1" dirty="0">
+                <a:latin typeface="Times New Roman" panose="02020603050405020304" pitchFamily="18" charset="0"/>
+                <a:cs typeface="Times New Roman" panose="02020603050405020304" pitchFamily="18" charset="0"/>
+              </a:rPr>
+              <a:t>quit</a:t>
+            </a:r>
+            <a:r>
+              <a:rPr lang="en-US" sz="2000" dirty="0">
+                <a:latin typeface="Times New Roman" panose="02020603050405020304" pitchFamily="18" charset="0"/>
+                <a:cs typeface="Times New Roman" panose="02020603050405020304" pitchFamily="18" charset="0"/>
+              </a:rPr>
+              <a:t>()</a:t>
+            </a:r>
+          </a:p>
+          <a:p>
+            <a:pPr marL="443865" lvl="2" indent="0" algn="just">
+              <a:buNone/>
+            </a:pPr>
+            <a:r>
+              <a:rPr lang="en-US" sz="2000" b="1" dirty="0">
                 <a:latin typeface="Times New Roman" panose="02020603050405020304" pitchFamily="18" charset="0"/>
                 <a:cs typeface="Times New Roman" panose="02020603050405020304" pitchFamily="18" charset="0"/>
               </a:rPr>
               <a:t>for</a:t>
             </a:r>
             <a:r>
-              <a:rPr lang="en-US" sz="2400" dirty="0">
+              <a:rPr lang="en-US" sz="2000" dirty="0">
                 <a:latin typeface="Times New Roman" panose="02020603050405020304" pitchFamily="18" charset="0"/>
                 <a:cs typeface="Times New Roman" panose="02020603050405020304" pitchFamily="18" charset="0"/>
               </a:rPr>
               <a:t> line </a:t>
             </a:r>
             <a:r>
-              <a:rPr lang="en-US" sz="2400" b="1" dirty="0">
+              <a:rPr lang="en-US" sz="2000" b="1" dirty="0">
                 <a:latin typeface="Times New Roman" panose="02020603050405020304" pitchFamily="18" charset="0"/>
                 <a:cs typeface="Times New Roman" panose="02020603050405020304" pitchFamily="18" charset="0"/>
               </a:rPr>
               <a:t>in</a:t>
             </a:r>
             <a:r>
-              <a:rPr lang="en-US" sz="2400" dirty="0">
+              <a:rPr lang="en-US" sz="2000" dirty="0">
                 <a:latin typeface="Times New Roman" panose="02020603050405020304" pitchFamily="18" charset="0"/>
                 <a:cs typeface="Times New Roman" panose="02020603050405020304" pitchFamily="18" charset="0"/>
               </a:rPr>
               <a:t> </a:t>
             </a:r>
             <a:r>
-              <a:rPr lang="en-US" sz="2400" dirty="0" err="1">
+              <a:rPr lang="en-US" sz="2000" dirty="0" err="1">
                 <a:latin typeface="Times New Roman" panose="02020603050405020304" pitchFamily="18" charset="0"/>
                 <a:cs typeface="Times New Roman" panose="02020603050405020304" pitchFamily="18" charset="0"/>
               </a:rPr>
               <a:t>text_file</a:t>
             </a:r>
             <a:r>
-              <a:rPr lang="en-US" sz="2400" dirty="0">
+              <a:rPr lang="en-US" sz="2000" dirty="0">
                 <a:latin typeface="Times New Roman" panose="02020603050405020304" pitchFamily="18" charset="0"/>
                 <a:cs typeface="Times New Roman" panose="02020603050405020304" pitchFamily="18" charset="0"/>
               </a:rPr>
@@ -11714,37 +11677,33 @@
               <a:buNone/>
             </a:pPr>
             <a:r>
-              <a:rPr lang="en-US" sz="2400" dirty="0">
-                <a:latin typeface="Times New Roman" panose="02020603050405020304" pitchFamily="18" charset="0"/>
-                <a:cs typeface="Times New Roman" panose="02020603050405020304" pitchFamily="18" charset="0"/>
-              </a:rPr>
-              <a:t>	</a:t>
-            </a:r>
-            <a:r>
-              <a:rPr lang="en-US" sz="2400" b="1" dirty="0">
+              <a:rPr lang="en-US" sz="2000" dirty="0">
+                <a:latin typeface="Times New Roman" panose="02020603050405020304" pitchFamily="18" charset="0"/>
+                <a:cs typeface="Times New Roman" panose="02020603050405020304" pitchFamily="18" charset="0"/>
+              </a:rPr>
+              <a:t>    </a:t>
+            </a:r>
+            <a:r>
+              <a:rPr lang="en-US" sz="2000" b="1" dirty="0">
                 <a:latin typeface="Times New Roman" panose="02020603050405020304" pitchFamily="18" charset="0"/>
                 <a:cs typeface="Times New Roman" panose="02020603050405020304" pitchFamily="18" charset="0"/>
               </a:rPr>
               <a:t>print</a:t>
             </a:r>
             <a:r>
-              <a:rPr lang="en-US" sz="2400" dirty="0">
+              <a:rPr lang="en-US" sz="2000" dirty="0">
                 <a:latin typeface="Times New Roman" panose="02020603050405020304" pitchFamily="18" charset="0"/>
                 <a:cs typeface="Times New Roman" panose="02020603050405020304" pitchFamily="18" charset="0"/>
               </a:rPr>
               <a:t>(line)</a:t>
             </a:r>
-            <a:endParaRPr lang="pt-BR" sz="2400" dirty="0">
-              <a:latin typeface="Times New Roman" panose="02020603050405020304" pitchFamily="18" charset="0"/>
-              <a:cs typeface="Times New Roman" panose="02020603050405020304" pitchFamily="18" charset="0"/>
-            </a:endParaRPr>
           </a:p>
         </p:txBody>
       </p:sp>
     </p:spTree>
     <p:extLst>
       <p:ext uri="{BB962C8B-B14F-4D97-AF65-F5344CB8AC3E}">
-        <p14:creationId xmlns:p14="http://schemas.microsoft.com/office/powerpoint/2010/main" val="3001206616"/>
+        <p14:creationId xmlns:p14="http://schemas.microsoft.com/office/powerpoint/2010/main" val="3154154670"/>
       </p:ext>
     </p:extLst>
   </p:cSld>
@@ -11782,27 +11741,42 @@
             <p:ph type="title"/>
           </p:nvPr>
         </p:nvSpPr>
-        <p:spPr>
-          <a:xfrm>
-            <a:off x="142864" y="205980"/>
-            <a:ext cx="8865055" cy="620738"/>
-          </a:xfrm>
-        </p:spPr>
+        <p:spPr/>
         <p:txBody>
           <a:bodyPr>
             <a:normAutofit/>
           </a:bodyPr>
           <a:lstStyle/>
           <a:p>
-            <a:pPr algn="ctr"/>
+            <a:r>
+              <a:rPr lang="en-US" b="1" dirty="0" err="1">
+                <a:solidFill>
+                  <a:srgbClr val="0070C0"/>
+                </a:solidFill>
+              </a:rPr>
+              <a:t>Leitura</a:t>
+            </a:r>
             <a:r>
               <a:rPr lang="en-US" b="1" dirty="0">
                 <a:solidFill>
                   <a:srgbClr val="0070C0"/>
                 </a:solidFill>
               </a:rPr>
-              <a:t>FILE – INFORMANDO ARQUIVO (INPUT)</a:t>
-            </a:r>
+              <a:t> </a:t>
+            </a:r>
+            <a:r>
+              <a:rPr lang="en-US" b="1" dirty="0" err="1">
+                <a:solidFill>
+                  <a:srgbClr val="0070C0"/>
+                </a:solidFill>
+              </a:rPr>
+              <a:t>Específica</a:t>
+            </a:r>
+            <a:endParaRPr lang="en-US" b="1" dirty="0">
+              <a:solidFill>
+                <a:srgbClr val="0070C0"/>
+              </a:solidFill>
+            </a:endParaRPr>
           </a:p>
         </p:txBody>
       </p:sp>
@@ -11818,8 +11792,8 @@
         </p:nvSpPr>
         <p:spPr>
           <a:xfrm>
-            <a:off x="142864" y="861864"/>
-            <a:ext cx="8865056" cy="4075656"/>
+            <a:off x="142865" y="1200151"/>
+            <a:ext cx="8865056" cy="3722578"/>
           </a:xfrm>
         </p:spPr>
         <p:txBody>
@@ -11828,411 +11802,169 @@
           </a:bodyPr>
           <a:lstStyle/>
           <a:p>
-            <a:pPr marL="0" lvl="1" indent="0" algn="just">
+            <a:pPr marL="0" indent="0" algn="just">
               <a:buNone/>
             </a:pPr>
             <a:r>
-              <a:rPr lang="en-US" sz="2000" b="1" dirty="0" err="1">
-                <a:solidFill>
-                  <a:srgbClr val="FF0000"/>
-                </a:solidFill>
-                <a:latin typeface="Times New Roman" panose="02020603050405020304" pitchFamily="18" charset="0"/>
-                <a:cs typeface="Times New Roman" panose="02020603050405020304" pitchFamily="18" charset="0"/>
-              </a:rPr>
-              <a:t>Exemplo</a:t>
-            </a:r>
-            <a:r>
-              <a:rPr lang="en-US" sz="2000" b="1" dirty="0">
-                <a:solidFill>
-                  <a:srgbClr val="FF0000"/>
-                </a:solidFill>
-                <a:latin typeface="Times New Roman" panose="02020603050405020304" pitchFamily="18" charset="0"/>
-                <a:cs typeface="Times New Roman" panose="02020603050405020304" pitchFamily="18" charset="0"/>
-              </a:rPr>
-              <a:t> (try/except)</a:t>
-            </a:r>
-          </a:p>
-          <a:p>
-            <a:pPr marL="443865" lvl="2" indent="0" algn="just">
+              <a:rPr lang="pt-BR" sz="2400" dirty="0">
+                <a:latin typeface="Times New Roman" panose="02020603050405020304" pitchFamily="18" charset="0"/>
+                <a:cs typeface="Times New Roman" panose="02020603050405020304" pitchFamily="18" charset="0"/>
+              </a:rPr>
+              <a:t>[1] Site: </a:t>
+            </a:r>
+          </a:p>
+          <a:p>
+            <a:pPr marL="0" indent="0" algn="just">
               <a:buNone/>
             </a:pPr>
             <a:r>
-              <a:rPr lang="en-US" sz="2000" dirty="0" err="1">
-                <a:latin typeface="Times New Roman" panose="02020603050405020304" pitchFamily="18" charset="0"/>
-                <a:cs typeface="Times New Roman" panose="02020603050405020304" pitchFamily="18" charset="0"/>
-              </a:rPr>
-              <a:t>fname</a:t>
-            </a:r>
-            <a:r>
-              <a:rPr lang="en-US" sz="2000" dirty="0">
-                <a:latin typeface="Times New Roman" panose="02020603050405020304" pitchFamily="18" charset="0"/>
-                <a:cs typeface="Times New Roman" panose="02020603050405020304" pitchFamily="18" charset="0"/>
-              </a:rPr>
-              <a:t> = </a:t>
-            </a:r>
-            <a:r>
-              <a:rPr lang="en-US" sz="2000" b="1" dirty="0">
-                <a:latin typeface="Times New Roman" panose="02020603050405020304" pitchFamily="18" charset="0"/>
-                <a:cs typeface="Times New Roman" panose="02020603050405020304" pitchFamily="18" charset="0"/>
-              </a:rPr>
-              <a:t>input</a:t>
-            </a:r>
-            <a:r>
-              <a:rPr lang="en-US" sz="2000" dirty="0">
-                <a:latin typeface="Times New Roman" panose="02020603050405020304" pitchFamily="18" charset="0"/>
-                <a:cs typeface="Times New Roman" panose="02020603050405020304" pitchFamily="18" charset="0"/>
-              </a:rPr>
-              <a:t>('</a:t>
-            </a:r>
-            <a:r>
-              <a:rPr lang="en-US" sz="2000" dirty="0" err="1">
-                <a:latin typeface="Times New Roman" panose="02020603050405020304" pitchFamily="18" charset="0"/>
-                <a:cs typeface="Times New Roman" panose="02020603050405020304" pitchFamily="18" charset="0"/>
-              </a:rPr>
-              <a:t>Digite</a:t>
-            </a:r>
-            <a:r>
-              <a:rPr lang="en-US" sz="2000" dirty="0">
-                <a:latin typeface="Times New Roman" panose="02020603050405020304" pitchFamily="18" charset="0"/>
-                <a:cs typeface="Times New Roman" panose="02020603050405020304" pitchFamily="18" charset="0"/>
-              </a:rPr>
-              <a:t> o </a:t>
-            </a:r>
-            <a:r>
-              <a:rPr lang="en-US" sz="2000" dirty="0" err="1">
-                <a:latin typeface="Times New Roman" panose="02020603050405020304" pitchFamily="18" charset="0"/>
-                <a:cs typeface="Times New Roman" panose="02020603050405020304" pitchFamily="18" charset="0"/>
-              </a:rPr>
-              <a:t>nome</a:t>
-            </a:r>
-            <a:r>
-              <a:rPr lang="en-US" sz="2000" dirty="0">
-                <a:latin typeface="Times New Roman" panose="02020603050405020304" pitchFamily="18" charset="0"/>
-                <a:cs typeface="Times New Roman" panose="02020603050405020304" pitchFamily="18" charset="0"/>
-              </a:rPr>
-              <a:t> do </a:t>
-            </a:r>
-            <a:r>
-              <a:rPr lang="en-US" sz="2000" dirty="0" err="1">
-                <a:latin typeface="Times New Roman" panose="02020603050405020304" pitchFamily="18" charset="0"/>
-                <a:cs typeface="Times New Roman" panose="02020603050405020304" pitchFamily="18" charset="0"/>
-              </a:rPr>
-              <a:t>arquivo</a:t>
-            </a:r>
-            <a:r>
-              <a:rPr lang="en-US" sz="2000" dirty="0">
-                <a:latin typeface="Times New Roman" panose="02020603050405020304" pitchFamily="18" charset="0"/>
-                <a:cs typeface="Times New Roman" panose="02020603050405020304" pitchFamily="18" charset="0"/>
-              </a:rPr>
-              <a:t>: ‘);</a:t>
-            </a:r>
-          </a:p>
-          <a:p>
-            <a:pPr marL="443865" lvl="2" indent="0" algn="just">
+              <a:rPr lang="pt-BR" sz="2400" dirty="0">
+                <a:latin typeface="Times New Roman" panose="02020603050405020304" pitchFamily="18" charset="0"/>
+                <a:cs typeface="Times New Roman" panose="02020603050405020304" pitchFamily="18" charset="0"/>
+              </a:rPr>
+              <a:t>      </a:t>
+            </a:r>
+            <a:r>
+              <a:rPr lang="pt-BR" sz="2400" dirty="0">
+                <a:latin typeface="Times New Roman" panose="02020603050405020304" pitchFamily="18" charset="0"/>
+                <a:cs typeface="Times New Roman" panose="02020603050405020304" pitchFamily="18" charset="0"/>
+                <a:hlinkClick r:id="rId3"/>
+              </a:rPr>
+              <a:t>https://www.w3schools.com/python/python_json.asp</a:t>
+            </a:r>
+            <a:endParaRPr lang="pt-BR" sz="2400" dirty="0">
+              <a:latin typeface="Times New Roman" panose="02020603050405020304" pitchFamily="18" charset="0"/>
+              <a:cs typeface="Times New Roman" panose="02020603050405020304" pitchFamily="18" charset="0"/>
+            </a:endParaRPr>
+          </a:p>
+          <a:p>
+            <a:pPr marL="0" indent="0" algn="just">
               <a:buNone/>
             </a:pPr>
-            <a:r>
-              <a:rPr lang="en-US" sz="2000" b="1" dirty="0">
-                <a:latin typeface="Times New Roman" panose="02020603050405020304" pitchFamily="18" charset="0"/>
-                <a:cs typeface="Times New Roman" panose="02020603050405020304" pitchFamily="18" charset="0"/>
-              </a:rPr>
-              <a:t>try</a:t>
-            </a:r>
-            <a:r>
-              <a:rPr lang="en-US" sz="2000" dirty="0">
-                <a:latin typeface="Times New Roman" panose="02020603050405020304" pitchFamily="18" charset="0"/>
-                <a:cs typeface="Times New Roman" panose="02020603050405020304" pitchFamily="18" charset="0"/>
-              </a:rPr>
-              <a:t>:</a:t>
-            </a:r>
-          </a:p>
-          <a:p>
-            <a:pPr marL="443865" lvl="2" indent="0" algn="just">
+            <a:endParaRPr lang="pt-BR" sz="2400" dirty="0">
+              <a:latin typeface="Times New Roman" panose="02020603050405020304" pitchFamily="18" charset="0"/>
+              <a:cs typeface="Times New Roman" panose="02020603050405020304" pitchFamily="18" charset="0"/>
+            </a:endParaRPr>
+          </a:p>
+          <a:p>
+            <a:pPr marL="0" indent="0" algn="just">
               <a:buNone/>
             </a:pPr>
             <a:r>
-              <a:rPr lang="en-US" sz="2000" dirty="0">
-                <a:latin typeface="Times New Roman" panose="02020603050405020304" pitchFamily="18" charset="0"/>
-                <a:cs typeface="Times New Roman" panose="02020603050405020304" pitchFamily="18" charset="0"/>
-              </a:rPr>
-              <a:t>    </a:t>
-            </a:r>
-            <a:r>
-              <a:rPr lang="en-US" sz="2000" dirty="0" err="1">
-                <a:latin typeface="Times New Roman" panose="02020603050405020304" pitchFamily="18" charset="0"/>
-                <a:cs typeface="Times New Roman" panose="02020603050405020304" pitchFamily="18" charset="0"/>
-              </a:rPr>
-              <a:t>text_file</a:t>
-            </a:r>
-            <a:r>
-              <a:rPr lang="en-US" sz="2000" dirty="0">
-                <a:latin typeface="Times New Roman" panose="02020603050405020304" pitchFamily="18" charset="0"/>
-                <a:cs typeface="Times New Roman" panose="02020603050405020304" pitchFamily="18" charset="0"/>
-              </a:rPr>
-              <a:t> = </a:t>
-            </a:r>
-            <a:r>
-              <a:rPr lang="en-US" sz="2000" b="1" dirty="0">
-                <a:latin typeface="Times New Roman" panose="02020603050405020304" pitchFamily="18" charset="0"/>
-                <a:cs typeface="Times New Roman" panose="02020603050405020304" pitchFamily="18" charset="0"/>
-              </a:rPr>
-              <a:t>open</a:t>
-            </a:r>
-            <a:r>
-              <a:rPr lang="en-US" sz="2000" dirty="0">
-                <a:latin typeface="Times New Roman" panose="02020603050405020304" pitchFamily="18" charset="0"/>
-                <a:cs typeface="Times New Roman" panose="02020603050405020304" pitchFamily="18" charset="0"/>
-              </a:rPr>
-              <a:t>(</a:t>
-            </a:r>
-            <a:r>
-              <a:rPr lang="en-US" sz="2000" dirty="0" err="1">
-                <a:latin typeface="Times New Roman" panose="02020603050405020304" pitchFamily="18" charset="0"/>
-                <a:cs typeface="Times New Roman" panose="02020603050405020304" pitchFamily="18" charset="0"/>
-              </a:rPr>
-              <a:t>fname</a:t>
-            </a:r>
-            <a:r>
-              <a:rPr lang="en-US" sz="2000" dirty="0">
-                <a:latin typeface="Times New Roman" panose="02020603050405020304" pitchFamily="18" charset="0"/>
-                <a:cs typeface="Times New Roman" panose="02020603050405020304" pitchFamily="18" charset="0"/>
-              </a:rPr>
-              <a:t>);</a:t>
-            </a:r>
-          </a:p>
-          <a:p>
-            <a:pPr marL="443865" lvl="2" indent="0" algn="just">
+              <a:rPr lang="pt-BR" sz="2400" dirty="0">
+                <a:latin typeface="Times New Roman" panose="02020603050405020304" pitchFamily="18" charset="0"/>
+                <a:cs typeface="Times New Roman" panose="02020603050405020304" pitchFamily="18" charset="0"/>
+              </a:rPr>
+              <a:t>[2] Site: </a:t>
+            </a:r>
+          </a:p>
+          <a:p>
+            <a:pPr marL="0" indent="0" algn="just">
               <a:buNone/>
             </a:pPr>
             <a:r>
-              <a:rPr lang="en-US" sz="2000" b="1" dirty="0">
-                <a:latin typeface="Times New Roman" panose="02020603050405020304" pitchFamily="18" charset="0"/>
-                <a:cs typeface="Times New Roman" panose="02020603050405020304" pitchFamily="18" charset="0"/>
-              </a:rPr>
-              <a:t>except</a:t>
-            </a:r>
-            <a:r>
-              <a:rPr lang="en-US" sz="2000" dirty="0">
-                <a:latin typeface="Times New Roman" panose="02020603050405020304" pitchFamily="18" charset="0"/>
-                <a:cs typeface="Times New Roman" panose="02020603050405020304" pitchFamily="18" charset="0"/>
-              </a:rPr>
-              <a:t>:</a:t>
-            </a:r>
-          </a:p>
-          <a:p>
-            <a:pPr marL="443865" lvl="2" indent="0" algn="just">
+              <a:rPr lang="pt-BR" sz="2400" dirty="0">
+                <a:latin typeface="Times New Roman" panose="02020603050405020304" pitchFamily="18" charset="0"/>
+                <a:cs typeface="Times New Roman" panose="02020603050405020304" pitchFamily="18" charset="0"/>
+              </a:rPr>
+              <a:t>     </a:t>
+            </a:r>
+            <a:r>
+              <a:rPr lang="pt-BR" sz="2400" dirty="0">
+                <a:latin typeface="Times New Roman" panose="02020603050405020304" pitchFamily="18" charset="0"/>
+                <a:cs typeface="Times New Roman" panose="02020603050405020304" pitchFamily="18" charset="0"/>
+                <a:hlinkClick r:id="rId4"/>
+              </a:rPr>
+              <a:t>https://www.w3schools.com/python/python_file_handling.asp</a:t>
+            </a:r>
+            <a:endParaRPr lang="pt-BR" sz="2400" dirty="0">
+              <a:latin typeface="Times New Roman" panose="02020603050405020304" pitchFamily="18" charset="0"/>
+              <a:cs typeface="Times New Roman" panose="02020603050405020304" pitchFamily="18" charset="0"/>
+            </a:endParaRPr>
+          </a:p>
+          <a:p>
+            <a:pPr marL="0" indent="0" algn="just">
               <a:buNone/>
             </a:pPr>
-            <a:r>
-              <a:rPr lang="en-US" sz="2000" dirty="0">
-                <a:latin typeface="Times New Roman" panose="02020603050405020304" pitchFamily="18" charset="0"/>
-                <a:cs typeface="Times New Roman" panose="02020603050405020304" pitchFamily="18" charset="0"/>
-              </a:rPr>
-              <a:t>    </a:t>
-            </a:r>
-            <a:r>
-              <a:rPr lang="en-US" sz="2000" b="1" dirty="0">
-                <a:latin typeface="Times New Roman" panose="02020603050405020304" pitchFamily="18" charset="0"/>
-                <a:cs typeface="Times New Roman" panose="02020603050405020304" pitchFamily="18" charset="0"/>
-              </a:rPr>
-              <a:t>print</a:t>
-            </a:r>
-            <a:r>
-              <a:rPr lang="en-US" sz="2000" dirty="0">
-                <a:latin typeface="Times New Roman" panose="02020603050405020304" pitchFamily="18" charset="0"/>
-                <a:cs typeface="Times New Roman" panose="02020603050405020304" pitchFamily="18" charset="0"/>
-              </a:rPr>
-              <a:t>(</a:t>
-            </a:r>
-            <a:r>
-              <a:rPr lang="en-US" sz="2000" b="1" dirty="0" err="1">
-                <a:solidFill>
-                  <a:srgbClr val="FF0000"/>
-                </a:solidFill>
-                <a:latin typeface="Times New Roman" panose="02020603050405020304" pitchFamily="18" charset="0"/>
-                <a:cs typeface="Times New Roman" panose="02020603050405020304" pitchFamily="18" charset="0"/>
-              </a:rPr>
-              <a:t>f</a:t>
-            </a:r>
-            <a:r>
-              <a:rPr lang="en-US" sz="2000" dirty="0" err="1">
-                <a:latin typeface="Times New Roman" panose="02020603050405020304" pitchFamily="18" charset="0"/>
-                <a:cs typeface="Times New Roman" panose="02020603050405020304" pitchFamily="18" charset="0"/>
-              </a:rPr>
-              <a:t>'Erro</a:t>
-            </a:r>
-            <a:r>
-              <a:rPr lang="en-US" sz="2000" dirty="0">
-                <a:latin typeface="Times New Roman" panose="02020603050405020304" pitchFamily="18" charset="0"/>
-                <a:cs typeface="Times New Roman" panose="02020603050405020304" pitchFamily="18" charset="0"/>
-              </a:rPr>
-              <a:t> </a:t>
-            </a:r>
-            <a:r>
-              <a:rPr lang="en-US" sz="2000" dirty="0" err="1">
-                <a:latin typeface="Times New Roman" panose="02020603050405020304" pitchFamily="18" charset="0"/>
-                <a:cs typeface="Times New Roman" panose="02020603050405020304" pitchFamily="18" charset="0"/>
-              </a:rPr>
-              <a:t>na</a:t>
-            </a:r>
-            <a:r>
-              <a:rPr lang="en-US" sz="2000" dirty="0">
-                <a:latin typeface="Times New Roman" panose="02020603050405020304" pitchFamily="18" charset="0"/>
-                <a:cs typeface="Times New Roman" panose="02020603050405020304" pitchFamily="18" charset="0"/>
-              </a:rPr>
-              <a:t> </a:t>
-            </a:r>
-            <a:r>
-              <a:rPr lang="en-US" sz="2000" dirty="0" err="1">
-                <a:latin typeface="Times New Roman" panose="02020603050405020304" pitchFamily="18" charset="0"/>
-                <a:cs typeface="Times New Roman" panose="02020603050405020304" pitchFamily="18" charset="0"/>
-              </a:rPr>
-              <a:t>abertura</a:t>
-            </a:r>
-            <a:r>
-              <a:rPr lang="en-US" sz="2000" dirty="0">
-                <a:latin typeface="Times New Roman" panose="02020603050405020304" pitchFamily="18" charset="0"/>
-                <a:cs typeface="Times New Roman" panose="02020603050405020304" pitchFamily="18" charset="0"/>
-              </a:rPr>
-              <a:t> do </a:t>
-            </a:r>
-            <a:r>
-              <a:rPr lang="en-US" sz="2000" dirty="0" err="1">
-                <a:latin typeface="Times New Roman" panose="02020603050405020304" pitchFamily="18" charset="0"/>
-                <a:cs typeface="Times New Roman" panose="02020603050405020304" pitchFamily="18" charset="0"/>
-              </a:rPr>
-              <a:t>arquivo</a:t>
-            </a:r>
-            <a:r>
-              <a:rPr lang="en-US" sz="2000" dirty="0">
-                <a:latin typeface="Times New Roman" panose="02020603050405020304" pitchFamily="18" charset="0"/>
-                <a:cs typeface="Times New Roman" panose="02020603050405020304" pitchFamily="18" charset="0"/>
-              </a:rPr>
-              <a:t> {</a:t>
-            </a:r>
-            <a:r>
-              <a:rPr lang="en-US" sz="2000" b="1" dirty="0" err="1">
-                <a:solidFill>
-                  <a:srgbClr val="FF0000"/>
-                </a:solidFill>
-                <a:latin typeface="Times New Roman" panose="02020603050405020304" pitchFamily="18" charset="0"/>
-                <a:cs typeface="Times New Roman" panose="02020603050405020304" pitchFamily="18" charset="0"/>
-              </a:rPr>
-              <a:t>fname</a:t>
-            </a:r>
-            <a:r>
-              <a:rPr lang="en-US" sz="2000" dirty="0">
-                <a:latin typeface="Times New Roman" panose="02020603050405020304" pitchFamily="18" charset="0"/>
-                <a:cs typeface="Times New Roman" panose="02020603050405020304" pitchFamily="18" charset="0"/>
-              </a:rPr>
-              <a:t>}')</a:t>
-            </a:r>
-          </a:p>
-          <a:p>
-            <a:pPr marL="443865" lvl="2" indent="0" algn="just">
+            <a:endParaRPr lang="pt-BR" sz="2400" dirty="0">
+              <a:latin typeface="Times New Roman" panose="02020603050405020304" pitchFamily="18" charset="0"/>
+              <a:cs typeface="Times New Roman" panose="02020603050405020304" pitchFamily="18" charset="0"/>
+            </a:endParaRPr>
+          </a:p>
+          <a:p>
+            <a:pPr marL="0" indent="0" algn="just">
               <a:buNone/>
             </a:pPr>
             <a:r>
-              <a:rPr lang="en-US" sz="2000" dirty="0">
-                <a:latin typeface="Times New Roman" panose="02020603050405020304" pitchFamily="18" charset="0"/>
-                <a:cs typeface="Times New Roman" panose="02020603050405020304" pitchFamily="18" charset="0"/>
-              </a:rPr>
-              <a:t>    </a:t>
-            </a:r>
-            <a:r>
-              <a:rPr lang="en-US" sz="2000" b="1" dirty="0">
-                <a:latin typeface="Times New Roman" panose="02020603050405020304" pitchFamily="18" charset="0"/>
-                <a:cs typeface="Times New Roman" panose="02020603050405020304" pitchFamily="18" charset="0"/>
-              </a:rPr>
-              <a:t>quit</a:t>
-            </a:r>
-            <a:r>
-              <a:rPr lang="en-US" sz="2000" dirty="0">
-                <a:latin typeface="Times New Roman" panose="02020603050405020304" pitchFamily="18" charset="0"/>
-                <a:cs typeface="Times New Roman" panose="02020603050405020304" pitchFamily="18" charset="0"/>
-              </a:rPr>
-              <a:t>()</a:t>
-            </a:r>
-          </a:p>
-          <a:p>
-            <a:pPr marL="443865" lvl="2" indent="0" algn="just">
+              <a:rPr lang="pt-BR" sz="2400" dirty="0">
+                <a:latin typeface="Times New Roman" panose="02020603050405020304" pitchFamily="18" charset="0"/>
+                <a:cs typeface="Times New Roman" panose="02020603050405020304" pitchFamily="18" charset="0"/>
+              </a:rPr>
+              <a:t>[3] Site: </a:t>
+            </a:r>
+            <a:r>
+              <a:rPr lang="pt-BR" sz="2400" dirty="0">
+                <a:latin typeface="Times New Roman" panose="02020603050405020304" pitchFamily="18" charset="0"/>
+                <a:cs typeface="Times New Roman" panose="02020603050405020304" pitchFamily="18" charset="0"/>
+                <a:hlinkClick r:id="rId5"/>
+              </a:rPr>
+              <a:t>https://docs.python.org/pt-br/3/tutorial/</a:t>
+            </a:r>
+            <a:endParaRPr lang="pt-BR" sz="2400" dirty="0">
+              <a:latin typeface="Times New Roman" panose="02020603050405020304" pitchFamily="18" charset="0"/>
+              <a:cs typeface="Times New Roman" panose="02020603050405020304" pitchFamily="18" charset="0"/>
+            </a:endParaRPr>
+          </a:p>
+          <a:p>
+            <a:pPr marL="0" indent="0" algn="just">
               <a:buNone/>
             </a:pPr>
-            <a:r>
-              <a:rPr lang="en-US" sz="2000" b="1" dirty="0">
-                <a:latin typeface="Times New Roman" panose="02020603050405020304" pitchFamily="18" charset="0"/>
-                <a:cs typeface="Times New Roman" panose="02020603050405020304" pitchFamily="18" charset="0"/>
-              </a:rPr>
-              <a:t>for</a:t>
-            </a:r>
-            <a:r>
-              <a:rPr lang="en-US" sz="2000" dirty="0">
-                <a:latin typeface="Times New Roman" panose="02020603050405020304" pitchFamily="18" charset="0"/>
-                <a:cs typeface="Times New Roman" panose="02020603050405020304" pitchFamily="18" charset="0"/>
-              </a:rPr>
-              <a:t> line </a:t>
-            </a:r>
-            <a:r>
-              <a:rPr lang="en-US" sz="2000" b="1" dirty="0">
-                <a:latin typeface="Times New Roman" panose="02020603050405020304" pitchFamily="18" charset="0"/>
-                <a:cs typeface="Times New Roman" panose="02020603050405020304" pitchFamily="18" charset="0"/>
-              </a:rPr>
-              <a:t>in</a:t>
-            </a:r>
-            <a:r>
-              <a:rPr lang="en-US" sz="2000" dirty="0">
-                <a:latin typeface="Times New Roman" panose="02020603050405020304" pitchFamily="18" charset="0"/>
-                <a:cs typeface="Times New Roman" panose="02020603050405020304" pitchFamily="18" charset="0"/>
-              </a:rPr>
-              <a:t> </a:t>
-            </a:r>
-            <a:r>
-              <a:rPr lang="en-US" sz="2000" dirty="0" err="1">
-                <a:latin typeface="Times New Roman" panose="02020603050405020304" pitchFamily="18" charset="0"/>
-                <a:cs typeface="Times New Roman" panose="02020603050405020304" pitchFamily="18" charset="0"/>
-              </a:rPr>
-              <a:t>text_file</a:t>
-            </a:r>
-            <a:r>
-              <a:rPr lang="en-US" sz="2000" dirty="0">
-                <a:latin typeface="Times New Roman" panose="02020603050405020304" pitchFamily="18" charset="0"/>
-                <a:cs typeface="Times New Roman" panose="02020603050405020304" pitchFamily="18" charset="0"/>
-              </a:rPr>
-              <a:t>:</a:t>
-            </a:r>
-          </a:p>
-          <a:p>
-            <a:pPr marL="443865" lvl="2" indent="0" algn="just">
+            <a:endParaRPr lang="pt-BR" sz="2400" dirty="0">
+              <a:latin typeface="Times New Roman" panose="02020603050405020304" pitchFamily="18" charset="0"/>
+              <a:cs typeface="Times New Roman" panose="02020603050405020304" pitchFamily="18" charset="0"/>
+            </a:endParaRPr>
+          </a:p>
+          <a:p>
+            <a:pPr marL="0" indent="0" algn="just">
               <a:buNone/>
             </a:pPr>
-            <a:r>
-              <a:rPr lang="en-US" sz="2000" dirty="0">
-                <a:latin typeface="Times New Roman" panose="02020603050405020304" pitchFamily="18" charset="0"/>
-                <a:cs typeface="Times New Roman" panose="02020603050405020304" pitchFamily="18" charset="0"/>
-              </a:rPr>
-              <a:t>    </a:t>
-            </a:r>
-            <a:r>
-              <a:rPr lang="en-US" sz="2000" b="1" dirty="0">
-                <a:latin typeface="Times New Roman" panose="02020603050405020304" pitchFamily="18" charset="0"/>
-                <a:cs typeface="Times New Roman" panose="02020603050405020304" pitchFamily="18" charset="0"/>
-              </a:rPr>
-              <a:t>print</a:t>
-            </a:r>
-            <a:r>
-              <a:rPr lang="en-US" sz="2000" dirty="0">
-                <a:latin typeface="Times New Roman" panose="02020603050405020304" pitchFamily="18" charset="0"/>
-                <a:cs typeface="Times New Roman" panose="02020603050405020304" pitchFamily="18" charset="0"/>
-              </a:rPr>
-              <a:t>(line)</a:t>
-            </a:r>
+            <a:endParaRPr lang="pt-BR" sz="2400" dirty="0">
+              <a:latin typeface="Times New Roman" panose="02020603050405020304" pitchFamily="18" charset="0"/>
+              <a:cs typeface="Times New Roman" panose="02020603050405020304" pitchFamily="18" charset="0"/>
+            </a:endParaRPr>
+          </a:p>
+          <a:p>
+            <a:pPr marL="0" indent="0" algn="just">
+              <a:buNone/>
+            </a:pPr>
+            <a:endParaRPr lang="pt-BR" sz="2400" dirty="0">
+              <a:latin typeface="Times New Roman" panose="02020603050405020304" pitchFamily="18" charset="0"/>
+              <a:cs typeface="Times New Roman" panose="02020603050405020304" pitchFamily="18" charset="0"/>
+            </a:endParaRPr>
+          </a:p>
+          <a:p>
+            <a:pPr marL="0" indent="0" algn="just">
+              <a:buNone/>
+            </a:pPr>
+            <a:endParaRPr lang="pt-BR" sz="2400" dirty="0">
+              <a:latin typeface="Times New Roman" panose="02020603050405020304" pitchFamily="18" charset="0"/>
+              <a:cs typeface="Times New Roman" panose="02020603050405020304" pitchFamily="18" charset="0"/>
+            </a:endParaRPr>
+          </a:p>
+          <a:p>
+            <a:pPr marL="0" indent="0" algn="just">
+              <a:buNone/>
+            </a:pPr>
+            <a:endParaRPr lang="pt-BR" sz="2400" dirty="0">
+              <a:latin typeface="Calibri" panose="020F0502020204030204" pitchFamily="34" charset="0"/>
+            </a:endParaRPr>
           </a:p>
         </p:txBody>
       </p:sp>
     </p:spTree>
     <p:extLst>
       <p:ext uri="{BB962C8B-B14F-4D97-AF65-F5344CB8AC3E}">
-        <p14:creationId xmlns:p14="http://schemas.microsoft.com/office/powerpoint/2010/main" val="3154154670"/>
+        <p14:creationId xmlns:p14="http://schemas.microsoft.com/office/powerpoint/2010/main" val="2747596967"/>
       </p:ext>
     </p:extLst>
   </p:cSld>
@@ -12283,7 +12015,7 @@
                   <a:srgbClr val="0070C0"/>
                 </a:solidFill>
               </a:rPr>
-              <a:t>Leitura</a:t>
+              <a:t>Aprenda</a:t>
             </a:r>
             <a:r>
               <a:rPr lang="en-US" b="1" dirty="0">
@@ -12291,21 +12023,8 @@
                   <a:srgbClr val="0070C0"/>
                 </a:solidFill>
               </a:rPr>
-              <a:t> </a:t>
-            </a:r>
-            <a:r>
-              <a:rPr lang="en-US" b="1" dirty="0" err="1">
-                <a:solidFill>
-                  <a:srgbClr val="0070C0"/>
-                </a:solidFill>
-              </a:rPr>
-              <a:t>Específica</a:t>
-            </a:r>
-            <a:endParaRPr lang="en-US" b="1" dirty="0">
-              <a:solidFill>
-                <a:srgbClr val="0070C0"/>
-              </a:solidFill>
-            </a:endParaRPr>
+              <a:t>+</a:t>
+            </a:r>
           </a:p>
         </p:txBody>
       </p:sp>
@@ -12322,7 +12041,7 @@
         <p:spPr>
           <a:xfrm>
             <a:off x="142865" y="1200151"/>
-            <a:ext cx="8865056" cy="3722578"/>
+            <a:ext cx="8865056" cy="3394472"/>
           </a:xfrm>
         </p:spPr>
         <p:txBody>
@@ -12334,34 +12053,7 @@
             <a:pPr marL="0" indent="0" algn="just">
               <a:buNone/>
             </a:pPr>
-            <a:r>
-              <a:rPr lang="pt-BR" sz="2400" dirty="0">
-                <a:latin typeface="Times New Roman" panose="02020603050405020304" pitchFamily="18" charset="0"/>
-                <a:cs typeface="Times New Roman" panose="02020603050405020304" pitchFamily="18" charset="0"/>
-              </a:rPr>
-              <a:t>[1] Site: </a:t>
-            </a:r>
-          </a:p>
-          <a:p>
-            <a:pPr marL="0" indent="0" algn="just">
-              <a:buNone/>
-            </a:pPr>
-            <a:r>
-              <a:rPr lang="pt-BR" sz="2400" dirty="0">
-                <a:latin typeface="Times New Roman" panose="02020603050405020304" pitchFamily="18" charset="0"/>
-                <a:cs typeface="Times New Roman" panose="02020603050405020304" pitchFamily="18" charset="0"/>
-              </a:rPr>
-              <a:t>      </a:t>
-            </a:r>
-            <a:r>
-              <a:rPr lang="pt-BR" sz="2400" dirty="0">
-                <a:latin typeface="Times New Roman" panose="02020603050405020304" pitchFamily="18" charset="0"/>
-                <a:cs typeface="Times New Roman" panose="02020603050405020304" pitchFamily="18" charset="0"/>
-                <a:hlinkClick r:id="rId3"/>
-              </a:rPr>
-              <a:t>https://www.w3schools.com/python/python_json.asp</a:t>
-            </a:r>
-            <a:endParaRPr lang="pt-BR" sz="2400" dirty="0">
+            <a:endParaRPr lang="pt-BR" sz="2000" dirty="0">
               <a:latin typeface="Times New Roman" panose="02020603050405020304" pitchFamily="18" charset="0"/>
               <a:cs typeface="Times New Roman" panose="02020603050405020304" pitchFamily="18" charset="0"/>
             </a:endParaRPr>
@@ -12370,7 +12062,29 @@
             <a:pPr marL="0" indent="0" algn="just">
               <a:buNone/>
             </a:pPr>
-            <a:endParaRPr lang="pt-BR" sz="2400" dirty="0">
+            <a:r>
+              <a:rPr lang="pt-BR" sz="2000" dirty="0">
+                <a:latin typeface="Times New Roman" panose="02020603050405020304" pitchFamily="18" charset="0"/>
+                <a:cs typeface="Times New Roman" panose="02020603050405020304" pitchFamily="18" charset="0"/>
+              </a:rPr>
+              <a:t>[1</a:t>
+            </a:r>
+            <a:r>
+              <a:rPr lang="pt-BR" sz="2000">
+                <a:latin typeface="Times New Roman" panose="02020603050405020304" pitchFamily="18" charset="0"/>
+                <a:cs typeface="Times New Roman" panose="02020603050405020304" pitchFamily="18" charset="0"/>
+              </a:rPr>
+              <a:t>] </a:t>
+            </a:r>
+            <a:r>
+              <a:rPr lang="pt-BR" sz="2000">
+                <a:latin typeface="Times New Roman" panose="02020603050405020304" pitchFamily="18" charset="0"/>
+                <a:cs typeface="Times New Roman" panose="02020603050405020304" pitchFamily="18" charset="0"/>
+                <a:hlinkClick r:id="rId3"/>
+              </a:rPr>
+              <a:t>https://www.youtube.com/watch?v=XmCrArtfjaQ</a:t>
+            </a:r>
+            <a:endParaRPr lang="pt-BR" sz="2000">
               <a:latin typeface="Times New Roman" panose="02020603050405020304" pitchFamily="18" charset="0"/>
               <a:cs typeface="Times New Roman" panose="02020603050405020304" pitchFamily="18" charset="0"/>
             </a:endParaRPr>
@@ -12379,121 +12093,17 @@
             <a:pPr marL="0" indent="0" algn="just">
               <a:buNone/>
             </a:pPr>
-            <a:r>
-              <a:rPr lang="pt-BR" sz="2400" dirty="0">
-                <a:latin typeface="Times New Roman" panose="02020603050405020304" pitchFamily="18" charset="0"/>
-                <a:cs typeface="Times New Roman" panose="02020603050405020304" pitchFamily="18" charset="0"/>
-              </a:rPr>
-              <a:t>[2] Site: </a:t>
-            </a:r>
-          </a:p>
-          <a:p>
-            <a:pPr marL="0" indent="0" algn="just">
-              <a:buNone/>
-            </a:pPr>
-            <a:r>
-              <a:rPr lang="pt-BR" sz="2400" dirty="0">
-                <a:latin typeface="Times New Roman" panose="02020603050405020304" pitchFamily="18" charset="0"/>
-                <a:cs typeface="Times New Roman" panose="02020603050405020304" pitchFamily="18" charset="0"/>
-              </a:rPr>
-              <a:t>     </a:t>
-            </a:r>
-            <a:r>
-              <a:rPr lang="pt-BR" sz="2400" dirty="0">
-                <a:latin typeface="Times New Roman" panose="02020603050405020304" pitchFamily="18" charset="0"/>
-                <a:cs typeface="Times New Roman" panose="02020603050405020304" pitchFamily="18" charset="0"/>
-                <a:hlinkClick r:id="rId4"/>
-              </a:rPr>
-              <a:t>https://www.w3schools.com/python/python_file_handling.asp</a:t>
-            </a:r>
-            <a:endParaRPr lang="pt-BR" sz="2400" dirty="0">
+            <a:endParaRPr lang="pt-BR" sz="2000" dirty="0">
               <a:latin typeface="Times New Roman" panose="02020603050405020304" pitchFamily="18" charset="0"/>
               <a:cs typeface="Times New Roman" panose="02020603050405020304" pitchFamily="18" charset="0"/>
             </a:endParaRPr>
           </a:p>
-          <a:p>
-            <a:pPr marL="0" indent="0" algn="just">
-              <a:buNone/>
-            </a:pPr>
-            <a:endParaRPr lang="pt-BR" sz="2400" dirty="0">
-              <a:latin typeface="Times New Roman" panose="02020603050405020304" pitchFamily="18" charset="0"/>
-              <a:cs typeface="Times New Roman" panose="02020603050405020304" pitchFamily="18" charset="0"/>
-            </a:endParaRPr>
-          </a:p>
-          <a:p>
-            <a:pPr marL="0" indent="0" algn="just">
-              <a:buNone/>
-            </a:pPr>
-            <a:r>
-              <a:rPr lang="pt-BR" sz="2400" dirty="0">
-                <a:latin typeface="Times New Roman" panose="02020603050405020304" pitchFamily="18" charset="0"/>
-                <a:cs typeface="Times New Roman" panose="02020603050405020304" pitchFamily="18" charset="0"/>
-              </a:rPr>
-              <a:t>[3] Site: </a:t>
-            </a:r>
-            <a:r>
-              <a:rPr lang="pt-BR" sz="2400" dirty="0">
-                <a:latin typeface="Times New Roman" panose="02020603050405020304" pitchFamily="18" charset="0"/>
-                <a:cs typeface="Times New Roman" panose="02020603050405020304" pitchFamily="18" charset="0"/>
-                <a:hlinkClick r:id="rId5"/>
-              </a:rPr>
-              <a:t>https://docs.python.org/pt-br/3/tutorial/</a:t>
-            </a:r>
-            <a:endParaRPr lang="pt-BR" sz="2400" dirty="0">
-              <a:latin typeface="Times New Roman" panose="02020603050405020304" pitchFamily="18" charset="0"/>
-              <a:cs typeface="Times New Roman" panose="02020603050405020304" pitchFamily="18" charset="0"/>
-            </a:endParaRPr>
-          </a:p>
-          <a:p>
-            <a:pPr marL="0" indent="0" algn="just">
-              <a:buNone/>
-            </a:pPr>
-            <a:endParaRPr lang="pt-BR" sz="2400" dirty="0">
-              <a:latin typeface="Times New Roman" panose="02020603050405020304" pitchFamily="18" charset="0"/>
-              <a:cs typeface="Times New Roman" panose="02020603050405020304" pitchFamily="18" charset="0"/>
-            </a:endParaRPr>
-          </a:p>
-          <a:p>
-            <a:pPr marL="0" indent="0" algn="just">
-              <a:buNone/>
-            </a:pPr>
-            <a:endParaRPr lang="pt-BR" sz="2400" dirty="0">
-              <a:latin typeface="Times New Roman" panose="02020603050405020304" pitchFamily="18" charset="0"/>
-              <a:cs typeface="Times New Roman" panose="02020603050405020304" pitchFamily="18" charset="0"/>
-            </a:endParaRPr>
-          </a:p>
-          <a:p>
-            <a:pPr marL="0" indent="0" algn="just">
-              <a:buNone/>
-            </a:pPr>
-            <a:endParaRPr lang="pt-BR" sz="2400" dirty="0">
-              <a:latin typeface="Times New Roman" panose="02020603050405020304" pitchFamily="18" charset="0"/>
-              <a:cs typeface="Times New Roman" panose="02020603050405020304" pitchFamily="18" charset="0"/>
-            </a:endParaRPr>
-          </a:p>
-          <a:p>
-            <a:pPr marL="0" indent="0" algn="just">
-              <a:buNone/>
-            </a:pPr>
-            <a:endParaRPr lang="pt-BR" sz="2400" dirty="0">
-              <a:latin typeface="Times New Roman" panose="02020603050405020304" pitchFamily="18" charset="0"/>
-              <a:cs typeface="Times New Roman" panose="02020603050405020304" pitchFamily="18" charset="0"/>
-            </a:endParaRPr>
-          </a:p>
-          <a:p>
-            <a:pPr marL="0" indent="0" algn="just">
-              <a:buNone/>
-            </a:pPr>
-            <a:endParaRPr lang="pt-BR" sz="2400" dirty="0">
-              <a:latin typeface="Calibri" panose="020F0502020204030204" pitchFamily="34" charset="0"/>
-            </a:endParaRPr>
-          </a:p>
         </p:txBody>
       </p:sp>
     </p:spTree>
     <p:extLst>
       <p:ext uri="{BB962C8B-B14F-4D97-AF65-F5344CB8AC3E}">
-        <p14:creationId xmlns:p14="http://schemas.microsoft.com/office/powerpoint/2010/main" val="2747596967"/>
+        <p14:creationId xmlns:p14="http://schemas.microsoft.com/office/powerpoint/2010/main" val="3680270425"/>
       </p:ext>
     </p:extLst>
   </p:cSld>
@@ -12544,7 +12154,7 @@
                   <a:srgbClr val="0070C0"/>
                 </a:solidFill>
               </a:rPr>
-              <a:t>Aprenda</a:t>
+              <a:t>Dinâmica</a:t>
             </a:r>
             <a:r>
               <a:rPr lang="en-US" b="1" dirty="0">
@@ -12552,8 +12162,21 @@
                   <a:srgbClr val="0070C0"/>
                 </a:solidFill>
               </a:rPr>
-              <a:t>+</a:t>
-            </a:r>
+              <a:t>/</a:t>
+            </a:r>
+            <a:r>
+              <a:rPr lang="en-US" b="1" dirty="0" err="1">
+                <a:solidFill>
+                  <a:srgbClr val="0070C0"/>
+                </a:solidFill>
+              </a:rPr>
+              <a:t>Atividades</a:t>
+            </a:r>
+            <a:endParaRPr lang="en-US" b="1" dirty="0">
+              <a:solidFill>
+                <a:srgbClr val="0070C0"/>
+              </a:solidFill>
+            </a:endParaRPr>
           </a:p>
         </p:txBody>
       </p:sp>
@@ -12569,8 +12192,8 @@
         </p:nvSpPr>
         <p:spPr>
           <a:xfrm>
-            <a:off x="142865" y="1200151"/>
-            <a:ext cx="8865056" cy="3394472"/>
+            <a:off x="139472" y="1063230"/>
+            <a:ext cx="8865056" cy="3606305"/>
           </a:xfrm>
         </p:spPr>
         <p:txBody>
@@ -12579,60 +12202,36 @@
           </a:bodyPr>
           <a:lstStyle/>
           <a:p>
+            <a:pPr algn="just">
+              <a:buFontTx/>
+              <a:buChar char="-"/>
+            </a:pPr>
+            <a:r>
+              <a:rPr lang="pt-BR" dirty="0">
+                <a:latin typeface="Times New Roman" panose="02020603050405020304" pitchFamily="18" charset="0"/>
+                <a:cs typeface="Times New Roman" panose="02020603050405020304" pitchFamily="18" charset="0"/>
+              </a:rPr>
+              <a:t>Exercícios de Fixação</a:t>
+            </a:r>
+          </a:p>
+          <a:p>
             <a:pPr marL="0" indent="0" algn="just">
               <a:buNone/>
             </a:pPr>
-            <a:endParaRPr lang="pt-BR" sz="2000" dirty="0">
-              <a:latin typeface="Times New Roman" panose="02020603050405020304" pitchFamily="18" charset="0"/>
-              <a:cs typeface="Times New Roman" panose="02020603050405020304" pitchFamily="18" charset="0"/>
-            </a:endParaRPr>
-          </a:p>
-          <a:p>
-            <a:pPr marL="0" indent="0" algn="just">
-              <a:buNone/>
-            </a:pPr>
-            <a:r>
-              <a:rPr lang="pt-BR" sz="2000" dirty="0">
-                <a:latin typeface="Times New Roman" panose="02020603050405020304" pitchFamily="18" charset="0"/>
-                <a:cs typeface="Times New Roman" panose="02020603050405020304" pitchFamily="18" charset="0"/>
-              </a:rPr>
-              <a:t>[1</a:t>
-            </a:r>
-            <a:r>
-              <a:rPr lang="pt-BR" sz="2000">
-                <a:latin typeface="Times New Roman" panose="02020603050405020304" pitchFamily="18" charset="0"/>
-                <a:cs typeface="Times New Roman" panose="02020603050405020304" pitchFamily="18" charset="0"/>
-              </a:rPr>
-              <a:t>] </a:t>
-            </a:r>
-            <a:r>
-              <a:rPr lang="pt-BR" sz="2000">
-                <a:latin typeface="Times New Roman" panose="02020603050405020304" pitchFamily="18" charset="0"/>
-                <a:cs typeface="Times New Roman" panose="02020603050405020304" pitchFamily="18" charset="0"/>
-                <a:hlinkClick r:id="rId3"/>
-              </a:rPr>
-              <a:t>https://www.youtube.com/watch?v=XmCrArtfjaQ</a:t>
-            </a:r>
-            <a:endParaRPr lang="pt-BR" sz="2000">
-              <a:latin typeface="Times New Roman" panose="02020603050405020304" pitchFamily="18" charset="0"/>
-              <a:cs typeface="Times New Roman" panose="02020603050405020304" pitchFamily="18" charset="0"/>
-            </a:endParaRPr>
-          </a:p>
-          <a:p>
-            <a:pPr marL="0" indent="0" algn="just">
-              <a:buNone/>
-            </a:pPr>
-            <a:endParaRPr lang="pt-BR" sz="2000" dirty="0">
-              <a:latin typeface="Times New Roman" panose="02020603050405020304" pitchFamily="18" charset="0"/>
-              <a:cs typeface="Times New Roman" panose="02020603050405020304" pitchFamily="18" charset="0"/>
-            </a:endParaRPr>
+            <a:r>
+              <a:rPr lang="pt-BR" dirty="0">
+                <a:latin typeface="Times New Roman" panose="02020603050405020304" pitchFamily="18" charset="0"/>
+                <a:cs typeface="Times New Roman" panose="02020603050405020304" pitchFamily="18" charset="0"/>
+              </a:rPr>
+              <a:t>	Desafios em Sala de Aula.</a:t>
+            </a:r>
           </a:p>
         </p:txBody>
       </p:sp>
     </p:spTree>
     <p:extLst>
       <p:ext uri="{BB962C8B-B14F-4D97-AF65-F5344CB8AC3E}">
-        <p14:creationId xmlns:p14="http://schemas.microsoft.com/office/powerpoint/2010/main" val="3680270425"/>
+        <p14:creationId xmlns:p14="http://schemas.microsoft.com/office/powerpoint/2010/main" val="2470652989"/>
       </p:ext>
     </p:extLst>
   </p:cSld>
@@ -12683,7 +12282,7 @@
                   <a:srgbClr val="0070C0"/>
                 </a:solidFill>
               </a:rPr>
-              <a:t>Dinâmica</a:t>
+              <a:t>Referências</a:t>
             </a:r>
             <a:r>
               <a:rPr lang="en-US" b="1" dirty="0">
@@ -12691,7 +12290,7 @@
                   <a:srgbClr val="0070C0"/>
                 </a:solidFill>
               </a:rPr>
-              <a:t>/</a:t>
+              <a:t> </a:t>
             </a:r>
             <a:r>
               <a:rPr lang="en-US" b="1" dirty="0" err="1">
@@ -12699,7 +12298,7 @@
                   <a:srgbClr val="0070C0"/>
                 </a:solidFill>
               </a:rPr>
-              <a:t>Atividades</a:t>
+              <a:t>Bibliográficas</a:t>
             </a:r>
             <a:endParaRPr lang="en-US" b="1" dirty="0">
               <a:solidFill>
@@ -12721,8 +12320,8 @@
         </p:nvSpPr>
         <p:spPr>
           <a:xfrm>
-            <a:off x="139472" y="1063230"/>
-            <a:ext cx="8865056" cy="3606305"/>
+            <a:off x="142865" y="1200151"/>
+            <a:ext cx="8865056" cy="3394472"/>
           </a:xfrm>
         </p:spPr>
         <p:txBody>
@@ -12731,36 +12330,109 @@
           </a:bodyPr>
           <a:lstStyle/>
           <a:p>
-            <a:pPr algn="just">
-              <a:buFontTx/>
-              <a:buChar char="-"/>
+            <a:pPr marL="0" indent="0" algn="just">
+              <a:buNone/>
             </a:pPr>
-            <a:r>
-              <a:rPr lang="pt-BR" dirty="0">
-                <a:latin typeface="Times New Roman" panose="02020603050405020304" pitchFamily="18" charset="0"/>
-                <a:cs typeface="Times New Roman" panose="02020603050405020304" pitchFamily="18" charset="0"/>
-              </a:rPr>
-              <a:t>Exercícios de Fixação</a:t>
-            </a:r>
+            <a:endParaRPr lang="pt-BR" sz="1800" dirty="0">
+              <a:latin typeface="Times New Roman" panose="02020603050405020304" pitchFamily="18" charset="0"/>
+              <a:cs typeface="Times New Roman" panose="02020603050405020304" pitchFamily="18" charset="0"/>
+            </a:endParaRPr>
           </a:p>
           <a:p>
             <a:pPr marL="0" indent="0" algn="just">
               <a:buNone/>
             </a:pPr>
             <a:r>
-              <a:rPr lang="pt-BR" dirty="0">
-                <a:latin typeface="Times New Roman" panose="02020603050405020304" pitchFamily="18" charset="0"/>
-                <a:cs typeface="Times New Roman" panose="02020603050405020304" pitchFamily="18" charset="0"/>
-              </a:rPr>
-              <a:t>	Desafios em Sala de Aula.</a:t>
-            </a:r>
+              <a:rPr lang="pt-BR" sz="1800" dirty="0">
+                <a:latin typeface="Times New Roman" panose="02020603050405020304" pitchFamily="18" charset="0"/>
+                <a:cs typeface="Times New Roman" panose="02020603050405020304" pitchFamily="18" charset="0"/>
+              </a:rPr>
+              <a:t>[1] SEBESTA, Robert W. Conceitos de Linguagens de Programação. 11. edição. Porto Alegre: Bookman, 2018., Capítulo 1 (Preliminares).</a:t>
+            </a:r>
+          </a:p>
+          <a:p>
+            <a:pPr marL="0" indent="0" algn="just">
+              <a:buNone/>
+            </a:pPr>
+            <a:endParaRPr lang="pt-BR" sz="1800" dirty="0">
+              <a:latin typeface="Times New Roman" panose="02020603050405020304" pitchFamily="18" charset="0"/>
+              <a:cs typeface="Times New Roman" panose="02020603050405020304" pitchFamily="18" charset="0"/>
+            </a:endParaRPr>
+          </a:p>
+          <a:p>
+            <a:pPr marL="0" indent="0" algn="just">
+              <a:buNone/>
+            </a:pPr>
+            <a:r>
+              <a:rPr lang="pt-BR" sz="1800" dirty="0">
+                <a:latin typeface="Times New Roman" panose="02020603050405020304" pitchFamily="18" charset="0"/>
+                <a:cs typeface="Times New Roman" panose="02020603050405020304" pitchFamily="18" charset="0"/>
+              </a:rPr>
+              <a:t>[2] BORGES, Luiz Eduardo. Python para desenvolvedores: aborda Python 3.3. </a:t>
+            </a:r>
+            <a:r>
+              <a:rPr lang="pt-BR" sz="1800" dirty="0" err="1">
+                <a:latin typeface="Times New Roman" panose="02020603050405020304" pitchFamily="18" charset="0"/>
+                <a:cs typeface="Times New Roman" panose="02020603050405020304" pitchFamily="18" charset="0"/>
+              </a:rPr>
+              <a:t>Novatec</a:t>
+            </a:r>
+            <a:r>
+              <a:rPr lang="pt-BR" sz="1800" dirty="0">
+                <a:latin typeface="Times New Roman" panose="02020603050405020304" pitchFamily="18" charset="0"/>
+                <a:cs typeface="Times New Roman" panose="02020603050405020304" pitchFamily="18" charset="0"/>
+              </a:rPr>
+              <a:t> Editora, 2014.</a:t>
+            </a:r>
+          </a:p>
+          <a:p>
+            <a:pPr marL="0" indent="0" algn="just">
+              <a:buNone/>
+            </a:pPr>
+            <a:endParaRPr lang="pt-BR" sz="1800" dirty="0">
+              <a:latin typeface="Times New Roman" panose="02020603050405020304" pitchFamily="18" charset="0"/>
+              <a:cs typeface="Times New Roman" panose="02020603050405020304" pitchFamily="18" charset="0"/>
+            </a:endParaRPr>
+          </a:p>
+          <a:p>
+            <a:pPr marL="0" indent="0" algn="just">
+              <a:buNone/>
+            </a:pPr>
+            <a:r>
+              <a:rPr lang="pt-BR" sz="1800" dirty="0">
+                <a:latin typeface="Times New Roman" panose="02020603050405020304" pitchFamily="18" charset="0"/>
+                <a:cs typeface="Times New Roman" panose="02020603050405020304" pitchFamily="18" charset="0"/>
+              </a:rPr>
+              <a:t>[3] </a:t>
+            </a:r>
+            <a:r>
+              <a:rPr lang="pt-BR" sz="1800" dirty="0">
+                <a:latin typeface="Times New Roman" panose="02020603050405020304" pitchFamily="18" charset="0"/>
+                <a:cs typeface="Times New Roman" panose="02020603050405020304" pitchFamily="18" charset="0"/>
+                <a:hlinkClick r:id="rId3" action="ppaction://hlinkfile"/>
+              </a:rPr>
+              <a:t>file:///F:/YduqsArea1/14%20WydenArea1Python/ARA0066_aula07%20Tuplas.pdf</a:t>
+            </a:r>
+            <a:endParaRPr lang="pt-BR" sz="1800" dirty="0">
+              <a:latin typeface="Times New Roman" panose="02020603050405020304" pitchFamily="18" charset="0"/>
+              <a:cs typeface="Times New Roman" panose="02020603050405020304" pitchFamily="18" charset="0"/>
+            </a:endParaRPr>
+          </a:p>
+          <a:p>
+            <a:pPr marL="0" indent="0" algn="just">
+              <a:buNone/>
+            </a:pPr>
+            <a:endParaRPr lang="pt-BR" sz="1800" dirty="0">
+              <a:latin typeface="Times New Roman" panose="02020603050405020304" pitchFamily="18" charset="0"/>
+              <a:cs typeface="Times New Roman" panose="02020603050405020304" pitchFamily="18" charset="0"/>
+            </a:endParaRPr>
           </a:p>
         </p:txBody>
       </p:sp>
     </p:spTree>
     <p:extLst>
       <p:ext uri="{BB962C8B-B14F-4D97-AF65-F5344CB8AC3E}">
-        <p14:creationId xmlns:p14="http://schemas.microsoft.com/office/powerpoint/2010/main" val="2470652989"/>
+        <p14:creationId xmlns:p14="http://schemas.microsoft.com/office/powerpoint/2010/main" val="1115311843"/>
       </p:ext>
     </p:extLst>
   </p:cSld>
@@ -13006,13 +12678,6 @@
               </a:rPr>
               <a:t>json</a:t>
             </a:r>
-            <a:r>
-              <a:rPr lang="pt-BR" sz="2400" dirty="0">
-                <a:latin typeface="Times New Roman" panose="02020603050405020304" pitchFamily="18" charset="0"/>
-                <a:cs typeface="Times New Roman" panose="02020603050405020304" pitchFamily="18" charset="0"/>
-              </a:rPr>
-              <a:t>;</a:t>
-            </a:r>
             <a:endParaRPr lang="pt-BR" sz="2400" dirty="0">
               <a:solidFill>
                 <a:schemeClr val="tx1"/>
@@ -13038,207 +12703,6 @@
 </file>
 
 <file path=ppt/slides/slide30.xml><?xml version="1.0" encoding="utf-8"?>
-<p:sld xmlns:a="http://schemas.openxmlformats.org/drawingml/2006/main" xmlns:r="http://schemas.openxmlformats.org/officeDocument/2006/relationships" xmlns:p="http://schemas.openxmlformats.org/presentationml/2006/main">
-  <p:cSld>
-    <p:spTree>
-      <p:nvGrpSpPr>
-        <p:cNvPr id="1" name=""/>
-        <p:cNvGrpSpPr/>
-        <p:nvPr/>
-      </p:nvGrpSpPr>
-      <p:grpSpPr>
-        <a:xfrm>
-          <a:off x="0" y="0"/>
-          <a:ext cx="0" cy="0"/>
-          <a:chOff x="0" y="0"/>
-          <a:chExt cx="0" cy="0"/>
-        </a:xfrm>
-      </p:grpSpPr>
-      <p:sp>
-        <p:nvSpPr>
-          <p:cNvPr id="6" name="Title 1"/>
-          <p:cNvSpPr>
-            <a:spLocks noGrp="1"/>
-          </p:cNvSpPr>
-          <p:nvPr>
-            <p:ph type="title"/>
-          </p:nvPr>
-        </p:nvSpPr>
-        <p:spPr/>
-        <p:txBody>
-          <a:bodyPr>
-            <a:normAutofit/>
-          </a:bodyPr>
-          <a:lstStyle/>
-          <a:p>
-            <a:r>
-              <a:rPr lang="en-US" b="1" dirty="0" err="1">
-                <a:solidFill>
-                  <a:srgbClr val="0070C0"/>
-                </a:solidFill>
-              </a:rPr>
-              <a:t>Referências</a:t>
-            </a:r>
-            <a:r>
-              <a:rPr lang="en-US" b="1" dirty="0">
-                <a:solidFill>
-                  <a:srgbClr val="0070C0"/>
-                </a:solidFill>
-              </a:rPr>
-              <a:t> </a:t>
-            </a:r>
-            <a:r>
-              <a:rPr lang="en-US" b="1" dirty="0" err="1">
-                <a:solidFill>
-                  <a:srgbClr val="0070C0"/>
-                </a:solidFill>
-              </a:rPr>
-              <a:t>Bibliográficas</a:t>
-            </a:r>
-            <a:endParaRPr lang="en-US" b="1" dirty="0">
-              <a:solidFill>
-                <a:srgbClr val="0070C0"/>
-              </a:solidFill>
-            </a:endParaRPr>
-          </a:p>
-        </p:txBody>
-      </p:sp>
-      <p:sp>
-        <p:nvSpPr>
-          <p:cNvPr id="8" name="Text Placeholder 2"/>
-          <p:cNvSpPr>
-            <a:spLocks noGrp="1"/>
-          </p:cNvSpPr>
-          <p:nvPr>
-            <p:ph type="body" sz="half" idx="1"/>
-          </p:nvPr>
-        </p:nvSpPr>
-        <p:spPr>
-          <a:xfrm>
-            <a:off x="142865" y="1200151"/>
-            <a:ext cx="8865056" cy="3394472"/>
-          </a:xfrm>
-        </p:spPr>
-        <p:txBody>
-          <a:bodyPr>
-            <a:noAutofit/>
-          </a:bodyPr>
-          <a:lstStyle/>
-          <a:p>
-            <a:pPr marL="0" indent="0" algn="just">
-              <a:buNone/>
-            </a:pPr>
-            <a:endParaRPr lang="pt-BR" sz="1800" dirty="0">
-              <a:latin typeface="Times New Roman" panose="02020603050405020304" pitchFamily="18" charset="0"/>
-              <a:cs typeface="Times New Roman" panose="02020603050405020304" pitchFamily="18" charset="0"/>
-            </a:endParaRPr>
-          </a:p>
-          <a:p>
-            <a:pPr marL="0" indent="0" algn="just">
-              <a:buNone/>
-            </a:pPr>
-            <a:r>
-              <a:rPr lang="pt-BR" sz="1800" dirty="0">
-                <a:latin typeface="Times New Roman" panose="02020603050405020304" pitchFamily="18" charset="0"/>
-                <a:cs typeface="Times New Roman" panose="02020603050405020304" pitchFamily="18" charset="0"/>
-              </a:rPr>
-              <a:t>[1] SEBESTA, Robert W. Conceitos de Linguagens de Programação. 11. edição. Porto Alegre: Bookman, 2018., Capítulo 1 (Preliminares).</a:t>
-            </a:r>
-          </a:p>
-          <a:p>
-            <a:pPr marL="0" indent="0" algn="just">
-              <a:buNone/>
-            </a:pPr>
-            <a:endParaRPr lang="pt-BR" sz="1800" dirty="0">
-              <a:latin typeface="Times New Roman" panose="02020603050405020304" pitchFamily="18" charset="0"/>
-              <a:cs typeface="Times New Roman" panose="02020603050405020304" pitchFamily="18" charset="0"/>
-            </a:endParaRPr>
-          </a:p>
-          <a:p>
-            <a:pPr marL="0" indent="0" algn="just">
-              <a:buNone/>
-            </a:pPr>
-            <a:r>
-              <a:rPr lang="pt-BR" sz="1800" dirty="0">
-                <a:latin typeface="Times New Roman" panose="02020603050405020304" pitchFamily="18" charset="0"/>
-                <a:cs typeface="Times New Roman" panose="02020603050405020304" pitchFamily="18" charset="0"/>
-              </a:rPr>
-              <a:t>[2] BORGES, Luiz Eduardo. Python para desenvolvedores: aborda Python 3.3. </a:t>
-            </a:r>
-            <a:r>
-              <a:rPr lang="pt-BR" sz="1800" dirty="0" err="1">
-                <a:latin typeface="Times New Roman" panose="02020603050405020304" pitchFamily="18" charset="0"/>
-                <a:cs typeface="Times New Roman" panose="02020603050405020304" pitchFamily="18" charset="0"/>
-              </a:rPr>
-              <a:t>Novatec</a:t>
-            </a:r>
-            <a:r>
-              <a:rPr lang="pt-BR" sz="1800" dirty="0">
-                <a:latin typeface="Times New Roman" panose="02020603050405020304" pitchFamily="18" charset="0"/>
-                <a:cs typeface="Times New Roman" panose="02020603050405020304" pitchFamily="18" charset="0"/>
-              </a:rPr>
-              <a:t> Editora, 2014.</a:t>
-            </a:r>
-          </a:p>
-          <a:p>
-            <a:pPr marL="0" indent="0" algn="just">
-              <a:buNone/>
-            </a:pPr>
-            <a:endParaRPr lang="pt-BR" sz="1800" dirty="0">
-              <a:latin typeface="Times New Roman" panose="02020603050405020304" pitchFamily="18" charset="0"/>
-              <a:cs typeface="Times New Roman" panose="02020603050405020304" pitchFamily="18" charset="0"/>
-            </a:endParaRPr>
-          </a:p>
-          <a:p>
-            <a:pPr marL="0" indent="0" algn="just">
-              <a:buNone/>
-            </a:pPr>
-            <a:r>
-              <a:rPr lang="pt-BR" sz="1800" dirty="0">
-                <a:latin typeface="Times New Roman" panose="02020603050405020304" pitchFamily="18" charset="0"/>
-                <a:cs typeface="Times New Roman" panose="02020603050405020304" pitchFamily="18" charset="0"/>
-              </a:rPr>
-              <a:t>[3] </a:t>
-            </a:r>
-            <a:r>
-              <a:rPr lang="pt-BR" sz="1800" dirty="0">
-                <a:latin typeface="Times New Roman" panose="02020603050405020304" pitchFamily="18" charset="0"/>
-                <a:cs typeface="Times New Roman" panose="02020603050405020304" pitchFamily="18" charset="0"/>
-                <a:hlinkClick r:id="rId3" action="ppaction://hlinkfile"/>
-              </a:rPr>
-              <a:t>file:///F:/YduqsArea1/14%20WydenArea1Python/ARA0066_aula07%20Tuplas.pdf</a:t>
-            </a:r>
-            <a:endParaRPr lang="pt-BR" sz="1800" dirty="0">
-              <a:latin typeface="Times New Roman" panose="02020603050405020304" pitchFamily="18" charset="0"/>
-              <a:cs typeface="Times New Roman" panose="02020603050405020304" pitchFamily="18" charset="0"/>
-            </a:endParaRPr>
-          </a:p>
-          <a:p>
-            <a:pPr marL="0" indent="0" algn="just">
-              <a:buNone/>
-            </a:pPr>
-            <a:endParaRPr lang="pt-BR" sz="1800" dirty="0">
-              <a:latin typeface="Times New Roman" panose="02020603050405020304" pitchFamily="18" charset="0"/>
-              <a:cs typeface="Times New Roman" panose="02020603050405020304" pitchFamily="18" charset="0"/>
-            </a:endParaRPr>
-          </a:p>
-        </p:txBody>
-      </p:sp>
-    </p:spTree>
-    <p:extLst>
-      <p:ext uri="{BB962C8B-B14F-4D97-AF65-F5344CB8AC3E}">
-        <p14:creationId xmlns:p14="http://schemas.microsoft.com/office/powerpoint/2010/main" val="1115311843"/>
-      </p:ext>
-    </p:extLst>
-  </p:cSld>
-  <p:clrMapOvr>
-    <a:masterClrMapping/>
-  </p:clrMapOvr>
-  <p:transition spd="med"/>
-</p:sld>
-</file>
-
-<file path=ppt/slides/slide31.xml><?xml version="1.0" encoding="utf-8"?>
 <p:sld xmlns:a="http://schemas.openxmlformats.org/drawingml/2006/main" xmlns:r="http://schemas.openxmlformats.org/officeDocument/2006/relationships" xmlns:p="http://schemas.openxmlformats.org/presentationml/2006/main">
   <p:cSld>
     <p:spTree>
@@ -13906,6 +13370,18 @@
               </a:rPr>
               <a:t>json</a:t>
             </a:r>
+            <a:endParaRPr lang="en-US" sz="2400" b="1" dirty="0">
+              <a:solidFill>
+                <a:schemeClr val="tx1"/>
+              </a:solidFill>
+              <a:latin typeface="Times New Roman" panose="02020603050405020304" pitchFamily="18" charset="0"/>
+              <a:cs typeface="Times New Roman" panose="02020603050405020304" pitchFamily="18" charset="0"/>
+            </a:endParaRPr>
+          </a:p>
+          <a:p>
+            <a:pPr marL="0" indent="0" algn="just">
+              <a:buNone/>
+            </a:pPr>
             <a:r>
               <a:rPr lang="en-US" sz="2400" b="1" dirty="0">
                 <a:solidFill>
@@ -13914,7 +13390,7 @@
                 <a:latin typeface="Times New Roman" panose="02020603050405020304" pitchFamily="18" charset="0"/>
                 <a:cs typeface="Times New Roman" panose="02020603050405020304" pitchFamily="18" charset="0"/>
               </a:rPr>
-              <a:t>;</a:t>
+              <a:t># some JSON:</a:t>
             </a:r>
           </a:p>
           <a:p>
@@ -13922,6 +13398,96 @@
               <a:buNone/>
             </a:pPr>
             <a:r>
+              <a:rPr lang="en-US" sz="2400" dirty="0">
+                <a:solidFill>
+                  <a:schemeClr val="tx1"/>
+                </a:solidFill>
+                <a:latin typeface="Times New Roman" panose="02020603050405020304" pitchFamily="18" charset="0"/>
+                <a:cs typeface="Times New Roman" panose="02020603050405020304" pitchFamily="18" charset="0"/>
+              </a:rPr>
+              <a:t>x =  '{ "</a:t>
+            </a:r>
+            <a:r>
+              <a:rPr lang="en-US" sz="2400" dirty="0" err="1">
+                <a:solidFill>
+                  <a:schemeClr val="tx1"/>
+                </a:solidFill>
+                <a:latin typeface="Times New Roman" panose="02020603050405020304" pitchFamily="18" charset="0"/>
+                <a:cs typeface="Times New Roman" panose="02020603050405020304" pitchFamily="18" charset="0"/>
+              </a:rPr>
+              <a:t>nome</a:t>
+            </a:r>
+            <a:r>
+              <a:rPr lang="en-US" sz="2400" dirty="0">
+                <a:solidFill>
+                  <a:schemeClr val="tx1"/>
+                </a:solidFill>
+                <a:latin typeface="Times New Roman" panose="02020603050405020304" pitchFamily="18" charset="0"/>
+                <a:cs typeface="Times New Roman" panose="02020603050405020304" pitchFamily="18" charset="0"/>
+              </a:rPr>
+              <a:t>":“Julia", “idade":17, “</a:t>
+            </a:r>
+            <a:r>
+              <a:rPr lang="en-US" sz="2400" dirty="0" err="1">
+                <a:solidFill>
+                  <a:schemeClr val="tx1"/>
+                </a:solidFill>
+                <a:latin typeface="Times New Roman" panose="02020603050405020304" pitchFamily="18" charset="0"/>
+                <a:cs typeface="Times New Roman" panose="02020603050405020304" pitchFamily="18" charset="0"/>
+              </a:rPr>
+              <a:t>cidade</a:t>
+            </a:r>
+            <a:r>
+              <a:rPr lang="en-US" sz="2400" dirty="0">
+                <a:solidFill>
+                  <a:schemeClr val="tx1"/>
+                </a:solidFill>
+                <a:latin typeface="Times New Roman" panose="02020603050405020304" pitchFamily="18" charset="0"/>
+                <a:cs typeface="Times New Roman" panose="02020603050405020304" pitchFamily="18" charset="0"/>
+              </a:rPr>
+              <a:t>":“Salvador"}'</a:t>
+            </a:r>
+          </a:p>
+          <a:p>
+            <a:pPr marL="0" indent="0" algn="just">
+              <a:buNone/>
+            </a:pPr>
+            <a:r>
+              <a:rPr lang="en-US" sz="2400" dirty="0">
+                <a:solidFill>
+                  <a:schemeClr val="tx1"/>
+                </a:solidFill>
+                <a:latin typeface="Times New Roman" panose="02020603050405020304" pitchFamily="18" charset="0"/>
+                <a:cs typeface="Times New Roman" panose="02020603050405020304" pitchFamily="18" charset="0"/>
+              </a:rPr>
+              <a:t>y = </a:t>
+            </a:r>
+            <a:r>
+              <a:rPr lang="en-US" sz="2400" b="1" dirty="0" err="1">
+                <a:solidFill>
+                  <a:srgbClr val="FF0000"/>
+                </a:solidFill>
+                <a:latin typeface="Times New Roman" panose="02020603050405020304" pitchFamily="18" charset="0"/>
+                <a:cs typeface="Times New Roman" panose="02020603050405020304" pitchFamily="18" charset="0"/>
+              </a:rPr>
+              <a:t>json.loads</a:t>
+            </a:r>
+            <a:r>
+              <a:rPr lang="en-US" sz="2400" dirty="0">
+                <a:solidFill>
+                  <a:schemeClr val="tx1"/>
+                </a:solidFill>
+                <a:latin typeface="Times New Roman" panose="02020603050405020304" pitchFamily="18" charset="0"/>
+                <a:cs typeface="Times New Roman" panose="02020603050405020304" pitchFamily="18" charset="0"/>
+              </a:rPr>
+              <a:t>(x) # parse x:</a:t>
+            </a:r>
+          </a:p>
+          <a:p>
+            <a:pPr marL="0" indent="0" algn="just">
+              <a:buNone/>
+            </a:pPr>
+            <a:r>
               <a:rPr lang="en-US" sz="2400" b="1" dirty="0">
                 <a:solidFill>
                   <a:schemeClr val="tx1"/>
@@ -13929,7 +13495,7 @@
                 <a:latin typeface="Times New Roman" panose="02020603050405020304" pitchFamily="18" charset="0"/>
                 <a:cs typeface="Times New Roman" panose="02020603050405020304" pitchFamily="18" charset="0"/>
               </a:rPr>
-              <a:t># some JSON:</a:t>
+              <a:t># the result is a Python dictionary:</a:t>
             </a:r>
           </a:p>
           <a:p>
@@ -13937,6 +13503,16 @@
               <a:buNone/>
             </a:pPr>
             <a:r>
+              <a:rPr lang="en-US" sz="2400" b="1" dirty="0">
+                <a:solidFill>
+                  <a:schemeClr val="tx1"/>
+                </a:solidFill>
+                <a:latin typeface="Times New Roman" panose="02020603050405020304" pitchFamily="18" charset="0"/>
+                <a:cs typeface="Times New Roman" panose="02020603050405020304" pitchFamily="18" charset="0"/>
+              </a:rPr>
+              <a:t>print</a:t>
+            </a:r>
+            <a:r>
               <a:rPr lang="en-US" sz="2400" dirty="0">
                 <a:solidFill>
                   <a:schemeClr val="tx1"/>
@@ -13944,122 +13520,7 @@
                 <a:latin typeface="Times New Roman" panose="02020603050405020304" pitchFamily="18" charset="0"/>
                 <a:cs typeface="Times New Roman" panose="02020603050405020304" pitchFamily="18" charset="0"/>
               </a:rPr>
-              <a:t>x =  '{ "</a:t>
-            </a:r>
-            <a:r>
-              <a:rPr lang="en-US" sz="2400" dirty="0" err="1">
-                <a:solidFill>
-                  <a:schemeClr val="tx1"/>
-                </a:solidFill>
-                <a:latin typeface="Times New Roman" panose="02020603050405020304" pitchFamily="18" charset="0"/>
-                <a:cs typeface="Times New Roman" panose="02020603050405020304" pitchFamily="18" charset="0"/>
-              </a:rPr>
-              <a:t>nome</a:t>
-            </a:r>
-            <a:r>
-              <a:rPr lang="en-US" sz="2400" dirty="0">
-                <a:solidFill>
-                  <a:schemeClr val="tx1"/>
-                </a:solidFill>
-                <a:latin typeface="Times New Roman" panose="02020603050405020304" pitchFamily="18" charset="0"/>
-                <a:cs typeface="Times New Roman" panose="02020603050405020304" pitchFamily="18" charset="0"/>
-              </a:rPr>
-              <a:t>":“Julia", “idade":17, “</a:t>
-            </a:r>
-            <a:r>
-              <a:rPr lang="en-US" sz="2400" dirty="0" err="1">
-                <a:solidFill>
-                  <a:schemeClr val="tx1"/>
-                </a:solidFill>
-                <a:latin typeface="Times New Roman" panose="02020603050405020304" pitchFamily="18" charset="0"/>
-                <a:cs typeface="Times New Roman" panose="02020603050405020304" pitchFamily="18" charset="0"/>
-              </a:rPr>
-              <a:t>cidade</a:t>
-            </a:r>
-            <a:r>
-              <a:rPr lang="en-US" sz="2400" dirty="0">
-                <a:solidFill>
-                  <a:schemeClr val="tx1"/>
-                </a:solidFill>
-                <a:latin typeface="Times New Roman" panose="02020603050405020304" pitchFamily="18" charset="0"/>
-                <a:cs typeface="Times New Roman" panose="02020603050405020304" pitchFamily="18" charset="0"/>
-              </a:rPr>
-              <a:t>":“Salvador"}'</a:t>
-            </a:r>
-          </a:p>
-          <a:p>
-            <a:pPr marL="0" indent="0" algn="just">
-              <a:buNone/>
-            </a:pPr>
-            <a:r>
-              <a:rPr lang="en-US" sz="2400" dirty="0">
-                <a:solidFill>
-                  <a:schemeClr val="tx1"/>
-                </a:solidFill>
-                <a:latin typeface="Times New Roman" panose="02020603050405020304" pitchFamily="18" charset="0"/>
-                <a:cs typeface="Times New Roman" panose="02020603050405020304" pitchFamily="18" charset="0"/>
-              </a:rPr>
-              <a:t>y = </a:t>
-            </a:r>
-            <a:r>
-              <a:rPr lang="en-US" sz="2400" b="1" dirty="0" err="1">
-                <a:solidFill>
-                  <a:srgbClr val="FF0000"/>
-                </a:solidFill>
-                <a:latin typeface="Times New Roman" panose="02020603050405020304" pitchFamily="18" charset="0"/>
-                <a:cs typeface="Times New Roman" panose="02020603050405020304" pitchFamily="18" charset="0"/>
-              </a:rPr>
-              <a:t>json.loads</a:t>
-            </a:r>
-            <a:r>
-              <a:rPr lang="en-US" sz="2400" dirty="0">
-                <a:solidFill>
-                  <a:schemeClr val="tx1"/>
-                </a:solidFill>
-                <a:latin typeface="Times New Roman" panose="02020603050405020304" pitchFamily="18" charset="0"/>
-                <a:cs typeface="Times New Roman" panose="02020603050405020304" pitchFamily="18" charset="0"/>
-              </a:rPr>
-              <a:t>(x); # parse x:</a:t>
-            </a:r>
-          </a:p>
-          <a:p>
-            <a:pPr marL="0" indent="0" algn="just">
-              <a:buNone/>
-            </a:pPr>
-            <a:r>
-              <a:rPr lang="en-US" sz="2400" b="1" dirty="0">
-                <a:solidFill>
-                  <a:schemeClr val="tx1"/>
-                </a:solidFill>
-                <a:latin typeface="Times New Roman" panose="02020603050405020304" pitchFamily="18" charset="0"/>
-                <a:cs typeface="Times New Roman" panose="02020603050405020304" pitchFamily="18" charset="0"/>
-              </a:rPr>
-              <a:t># the result is a Python dictionary:</a:t>
-            </a:r>
-          </a:p>
-          <a:p>
-            <a:pPr marL="0" indent="0" algn="just">
-              <a:buNone/>
-            </a:pPr>
-            <a:r>
-              <a:rPr lang="en-US" sz="2400" b="1" dirty="0">
-                <a:solidFill>
-                  <a:schemeClr val="tx1"/>
-                </a:solidFill>
-                <a:latin typeface="Times New Roman" panose="02020603050405020304" pitchFamily="18" charset="0"/>
-                <a:cs typeface="Times New Roman" panose="02020603050405020304" pitchFamily="18" charset="0"/>
-              </a:rPr>
-              <a:t>print</a:t>
-            </a:r>
-            <a:r>
-              <a:rPr lang="en-US" sz="2400" dirty="0">
-                <a:solidFill>
-                  <a:schemeClr val="tx1"/>
-                </a:solidFill>
-                <a:latin typeface="Times New Roman" panose="02020603050405020304" pitchFamily="18" charset="0"/>
-                <a:cs typeface="Times New Roman" panose="02020603050405020304" pitchFamily="18" charset="0"/>
-              </a:rPr>
-              <a:t>(y[“</a:t>
+              <a:t>(y["</a:t>
             </a:r>
             <a:r>
               <a:rPr lang="en-US" sz="2400" dirty="0" err="1">
@@ -14333,6 +13794,18 @@
               </a:rPr>
               <a:t>json</a:t>
             </a:r>
+            <a:endParaRPr lang="en-US" sz="2400" dirty="0">
+              <a:solidFill>
+                <a:schemeClr val="tx1"/>
+              </a:solidFill>
+              <a:latin typeface="Times New Roman" panose="02020603050405020304" pitchFamily="18" charset="0"/>
+              <a:cs typeface="Times New Roman" panose="02020603050405020304" pitchFamily="18" charset="0"/>
+            </a:endParaRPr>
+          </a:p>
+          <a:p>
+            <a:pPr marL="0" indent="0" algn="just">
+              <a:buNone/>
+            </a:pPr>
             <a:r>
               <a:rPr lang="en-US" sz="2400" dirty="0">
                 <a:solidFill>
@@ -14341,7 +13814,27 @@
                 <a:latin typeface="Times New Roman" panose="02020603050405020304" pitchFamily="18" charset="0"/>
                 <a:cs typeface="Times New Roman" panose="02020603050405020304" pitchFamily="18" charset="0"/>
               </a:rPr>
-              <a:t>;</a:t>
+              <a:t># a Python object (</a:t>
+            </a:r>
+            <a:r>
+              <a:rPr lang="en-US" sz="2400" b="1" dirty="0" err="1">
+                <a:solidFill>
+                  <a:schemeClr val="tx1"/>
+                </a:solidFill>
+                <a:latin typeface="Times New Roman" panose="02020603050405020304" pitchFamily="18" charset="0"/>
+                <a:cs typeface="Times New Roman" panose="02020603050405020304" pitchFamily="18" charset="0"/>
+              </a:rPr>
+              <a:t>dict</a:t>
+            </a:r>
+            <a:r>
+              <a:rPr lang="en-US" sz="2400" dirty="0">
+                <a:solidFill>
+                  <a:schemeClr val="tx1"/>
+                </a:solidFill>
+                <a:latin typeface="Times New Roman" panose="02020603050405020304" pitchFamily="18" charset="0"/>
+                <a:cs typeface="Times New Roman" panose="02020603050405020304" pitchFamily="18" charset="0"/>
+              </a:rPr>
+              <a:t>):</a:t>
             </a:r>
           </a:p>
           <a:p>
@@ -14349,6 +13842,16 @@
               <a:buNone/>
             </a:pPr>
             <a:r>
+              <a:rPr lang="en-US" sz="2400" b="1" dirty="0" err="1">
+                <a:solidFill>
+                  <a:schemeClr val="tx1"/>
+                </a:solidFill>
+                <a:latin typeface="Times New Roman" panose="02020603050405020304" pitchFamily="18" charset="0"/>
+                <a:cs typeface="Times New Roman" panose="02020603050405020304" pitchFamily="18" charset="0"/>
+              </a:rPr>
+              <a:t>pessoa</a:t>
+            </a:r>
+            <a:r>
               <a:rPr lang="en-US" sz="2400" dirty="0">
                 <a:solidFill>
                   <a:schemeClr val="tx1"/>
@@ -14356,17 +13859,112 @@
                 <a:latin typeface="Times New Roman" panose="02020603050405020304" pitchFamily="18" charset="0"/>
                 <a:cs typeface="Times New Roman" panose="02020603050405020304" pitchFamily="18" charset="0"/>
               </a:rPr>
-              <a:t># a Python object (</a:t>
+              <a:t> = {"</a:t>
+            </a:r>
+            <a:r>
+              <a:rPr lang="en-US" sz="2400" dirty="0" err="1">
+                <a:solidFill>
+                  <a:schemeClr val="tx1"/>
+                </a:solidFill>
+                <a:latin typeface="Times New Roman" panose="02020603050405020304" pitchFamily="18" charset="0"/>
+                <a:cs typeface="Times New Roman" panose="02020603050405020304" pitchFamily="18" charset="0"/>
+              </a:rPr>
+              <a:t>nome</a:t>
+            </a:r>
+            <a:r>
+              <a:rPr lang="en-US" sz="2400" dirty="0">
+                <a:solidFill>
+                  <a:schemeClr val="tx1"/>
+                </a:solidFill>
+                <a:latin typeface="Times New Roman" panose="02020603050405020304" pitchFamily="18" charset="0"/>
+                <a:cs typeface="Times New Roman" panose="02020603050405020304" pitchFamily="18" charset="0"/>
+              </a:rPr>
+              <a:t>": "Juju", “</a:t>
+            </a:r>
+            <a:r>
+              <a:rPr lang="en-US" sz="2400" dirty="0" err="1">
+                <a:solidFill>
+                  <a:schemeClr val="tx1"/>
+                </a:solidFill>
+                <a:latin typeface="Times New Roman" panose="02020603050405020304" pitchFamily="18" charset="0"/>
+                <a:cs typeface="Times New Roman" panose="02020603050405020304" pitchFamily="18" charset="0"/>
+              </a:rPr>
+              <a:t>idade</a:t>
+            </a:r>
+            <a:r>
+              <a:rPr lang="en-US" sz="2400" dirty="0">
+                <a:solidFill>
+                  <a:schemeClr val="tx1"/>
+                </a:solidFill>
+                <a:latin typeface="Times New Roman" panose="02020603050405020304" pitchFamily="18" charset="0"/>
+                <a:cs typeface="Times New Roman" panose="02020603050405020304" pitchFamily="18" charset="0"/>
+              </a:rPr>
+              <a:t>": 17, “</a:t>
+            </a:r>
+            <a:r>
+              <a:rPr lang="en-US" sz="2400" dirty="0" err="1">
+                <a:solidFill>
+                  <a:schemeClr val="tx1"/>
+                </a:solidFill>
+                <a:latin typeface="Times New Roman" panose="02020603050405020304" pitchFamily="18" charset="0"/>
+                <a:cs typeface="Times New Roman" panose="02020603050405020304" pitchFamily="18" charset="0"/>
+              </a:rPr>
+              <a:t>cidade</a:t>
+            </a:r>
+            <a:r>
+              <a:rPr lang="en-US" sz="2400" dirty="0">
+                <a:solidFill>
+                  <a:schemeClr val="tx1"/>
+                </a:solidFill>
+                <a:latin typeface="Times New Roman" panose="02020603050405020304" pitchFamily="18" charset="0"/>
+                <a:cs typeface="Times New Roman" panose="02020603050405020304" pitchFamily="18" charset="0"/>
+              </a:rPr>
+              <a:t>": “Salvador"}</a:t>
+            </a:r>
+          </a:p>
+          <a:p>
+            <a:pPr marL="0" indent="0" algn="just">
+              <a:buNone/>
+            </a:pPr>
+            <a:r>
+              <a:rPr lang="en-US" sz="2400" dirty="0">
+                <a:solidFill>
+                  <a:schemeClr val="tx1"/>
+                </a:solidFill>
+                <a:latin typeface="Times New Roman" panose="02020603050405020304" pitchFamily="18" charset="0"/>
+                <a:cs typeface="Times New Roman" panose="02020603050405020304" pitchFamily="18" charset="0"/>
+              </a:rPr>
+              <a:t>dados = </a:t>
             </a:r>
             <a:r>
               <a:rPr lang="en-US" sz="2400" b="1" dirty="0" err="1">
                 <a:solidFill>
+                  <a:srgbClr val="FF0000"/>
+                </a:solidFill>
+                <a:latin typeface="Times New Roman" panose="02020603050405020304" pitchFamily="18" charset="0"/>
+                <a:cs typeface="Times New Roman" panose="02020603050405020304" pitchFamily="18" charset="0"/>
+              </a:rPr>
+              <a:t>json.dumps</a:t>
+            </a:r>
+            <a:r>
+              <a:rPr lang="en-US" sz="2400" dirty="0">
+                <a:solidFill>
                   <a:schemeClr val="tx1"/>
                 </a:solidFill>
                 <a:latin typeface="Times New Roman" panose="02020603050405020304" pitchFamily="18" charset="0"/>
                 <a:cs typeface="Times New Roman" panose="02020603050405020304" pitchFamily="18" charset="0"/>
               </a:rPr>
-              <a:t>dict</a:t>
+              <a:t>(</a:t>
+            </a:r>
+            <a:r>
+              <a:rPr lang="en-US" sz="2400" b="1" dirty="0" err="1">
+                <a:solidFill>
+                  <a:schemeClr val="tx1"/>
+                </a:solidFill>
+                <a:latin typeface="Times New Roman" panose="02020603050405020304" pitchFamily="18" charset="0"/>
+                <a:cs typeface="Times New Roman" panose="02020603050405020304" pitchFamily="18" charset="0"/>
+              </a:rPr>
+              <a:t>pessoa</a:t>
             </a:r>
             <a:r>
               <a:rPr lang="en-US" sz="2400" dirty="0">
@@ -14376,7 +13974,7 @@
                 <a:latin typeface="Times New Roman" panose="02020603050405020304" pitchFamily="18" charset="0"/>
                 <a:cs typeface="Times New Roman" panose="02020603050405020304" pitchFamily="18" charset="0"/>
               </a:rPr>
-              <a:t>):</a:t>
+              <a:t>) // # convert into JSON:</a:t>
             </a:r>
           </a:p>
           <a:p>
@@ -14384,14 +13982,14 @@
               <a:buNone/>
             </a:pPr>
             <a:r>
-              <a:rPr lang="en-US" sz="2400" b="1" dirty="0" err="1">
+              <a:rPr lang="en-US" sz="2400" b="1" dirty="0">
                 <a:solidFill>
                   <a:schemeClr val="tx1"/>
                 </a:solidFill>
                 <a:latin typeface="Times New Roman" panose="02020603050405020304" pitchFamily="18" charset="0"/>
                 <a:cs typeface="Times New Roman" panose="02020603050405020304" pitchFamily="18" charset="0"/>
               </a:rPr>
-              <a:t>pessoa</a:t>
+              <a:t>print</a:t>
             </a:r>
             <a:r>
               <a:rPr lang="en-US" sz="2400" dirty="0">
@@ -14401,147 +13999,7 @@
                 <a:latin typeface="Times New Roman" panose="02020603050405020304" pitchFamily="18" charset="0"/>
                 <a:cs typeface="Times New Roman" panose="02020603050405020304" pitchFamily="18" charset="0"/>
               </a:rPr>
-              <a:t> = {"</a:t>
-            </a:r>
-            <a:r>
-              <a:rPr lang="en-US" sz="2400" dirty="0" err="1">
-                <a:solidFill>
-                  <a:schemeClr val="tx1"/>
-                </a:solidFill>
-                <a:latin typeface="Times New Roman" panose="02020603050405020304" pitchFamily="18" charset="0"/>
-                <a:cs typeface="Times New Roman" panose="02020603050405020304" pitchFamily="18" charset="0"/>
-              </a:rPr>
-              <a:t>nome</a:t>
-            </a:r>
-            <a:r>
-              <a:rPr lang="en-US" sz="2400" dirty="0">
-                <a:solidFill>
-                  <a:schemeClr val="tx1"/>
-                </a:solidFill>
-                <a:latin typeface="Times New Roman" panose="02020603050405020304" pitchFamily="18" charset="0"/>
-                <a:cs typeface="Times New Roman" panose="02020603050405020304" pitchFamily="18" charset="0"/>
-              </a:rPr>
-              <a:t>": "Juju", “</a:t>
-            </a:r>
-            <a:r>
-              <a:rPr lang="en-US" sz="2400" dirty="0" err="1">
-                <a:solidFill>
-                  <a:schemeClr val="tx1"/>
-                </a:solidFill>
-                <a:latin typeface="Times New Roman" panose="02020603050405020304" pitchFamily="18" charset="0"/>
-                <a:cs typeface="Times New Roman" panose="02020603050405020304" pitchFamily="18" charset="0"/>
-              </a:rPr>
-              <a:t>idade</a:t>
-            </a:r>
-            <a:r>
-              <a:rPr lang="en-US" sz="2400" dirty="0">
-                <a:solidFill>
-                  <a:schemeClr val="tx1"/>
-                </a:solidFill>
-                <a:latin typeface="Times New Roman" panose="02020603050405020304" pitchFamily="18" charset="0"/>
-                <a:cs typeface="Times New Roman" panose="02020603050405020304" pitchFamily="18" charset="0"/>
-              </a:rPr>
-              <a:t>": 17, “</a:t>
-            </a:r>
-            <a:r>
-              <a:rPr lang="en-US" sz="2400" dirty="0" err="1">
-                <a:solidFill>
-                  <a:schemeClr val="tx1"/>
-                </a:solidFill>
-                <a:latin typeface="Times New Roman" panose="02020603050405020304" pitchFamily="18" charset="0"/>
-                <a:cs typeface="Times New Roman" panose="02020603050405020304" pitchFamily="18" charset="0"/>
-              </a:rPr>
-              <a:t>cidade</a:t>
-            </a:r>
-            <a:r>
-              <a:rPr lang="en-US" sz="2400" dirty="0">
-                <a:solidFill>
-                  <a:schemeClr val="tx1"/>
-                </a:solidFill>
-                <a:latin typeface="Times New Roman" panose="02020603050405020304" pitchFamily="18" charset="0"/>
-                <a:cs typeface="Times New Roman" panose="02020603050405020304" pitchFamily="18" charset="0"/>
-              </a:rPr>
-              <a:t>": “Salvador"};</a:t>
-            </a:r>
-          </a:p>
-          <a:p>
-            <a:pPr marL="0" indent="0" algn="just">
-              <a:buNone/>
-            </a:pPr>
-            <a:r>
-              <a:rPr lang="en-US" sz="2400" dirty="0">
-                <a:solidFill>
-                  <a:schemeClr val="tx1"/>
-                </a:solidFill>
-                <a:latin typeface="Times New Roman" panose="02020603050405020304" pitchFamily="18" charset="0"/>
-                <a:cs typeface="Times New Roman" panose="02020603050405020304" pitchFamily="18" charset="0"/>
-              </a:rPr>
-              <a:t>dados = </a:t>
-            </a:r>
-            <a:r>
-              <a:rPr lang="en-US" sz="2400" b="1" dirty="0" err="1">
-                <a:solidFill>
-                  <a:srgbClr val="FF0000"/>
-                </a:solidFill>
-                <a:latin typeface="Times New Roman" panose="02020603050405020304" pitchFamily="18" charset="0"/>
-                <a:cs typeface="Times New Roman" panose="02020603050405020304" pitchFamily="18" charset="0"/>
-              </a:rPr>
-              <a:t>json.dumps</a:t>
-            </a:r>
-            <a:r>
-              <a:rPr lang="en-US" sz="2400" dirty="0">
-                <a:solidFill>
-                  <a:schemeClr val="tx1"/>
-                </a:solidFill>
-                <a:latin typeface="Times New Roman" panose="02020603050405020304" pitchFamily="18" charset="0"/>
-                <a:cs typeface="Times New Roman" panose="02020603050405020304" pitchFamily="18" charset="0"/>
-              </a:rPr>
-              <a:t>(</a:t>
-            </a:r>
-            <a:r>
-              <a:rPr lang="en-US" sz="2400" b="1" dirty="0" err="1">
-                <a:solidFill>
-                  <a:schemeClr val="tx1"/>
-                </a:solidFill>
-                <a:latin typeface="Times New Roman" panose="02020603050405020304" pitchFamily="18" charset="0"/>
-                <a:cs typeface="Times New Roman" panose="02020603050405020304" pitchFamily="18" charset="0"/>
-              </a:rPr>
-              <a:t>pessoa</a:t>
-            </a:r>
-            <a:r>
-              <a:rPr lang="en-US" sz="2400" dirty="0">
-                <a:solidFill>
-                  <a:schemeClr val="tx1"/>
-                </a:solidFill>
-                <a:latin typeface="Times New Roman" panose="02020603050405020304" pitchFamily="18" charset="0"/>
-                <a:cs typeface="Times New Roman" panose="02020603050405020304" pitchFamily="18" charset="0"/>
-              </a:rPr>
-              <a:t>); // # convert into JSON:</a:t>
-            </a:r>
-          </a:p>
-          <a:p>
-            <a:pPr marL="0" indent="0" algn="just">
-              <a:buNone/>
-            </a:pPr>
-            <a:r>
-              <a:rPr lang="en-US" sz="2400" b="1" dirty="0">
-                <a:solidFill>
-                  <a:schemeClr val="tx1"/>
-                </a:solidFill>
-                <a:latin typeface="Times New Roman" panose="02020603050405020304" pitchFamily="18" charset="0"/>
-                <a:cs typeface="Times New Roman" panose="02020603050405020304" pitchFamily="18" charset="0"/>
-              </a:rPr>
-              <a:t>print</a:t>
-            </a:r>
-            <a:r>
-              <a:rPr lang="en-US" sz="2400" dirty="0">
-                <a:solidFill>
-                  <a:schemeClr val="tx1"/>
-                </a:solidFill>
-                <a:latin typeface="Times New Roman" panose="02020603050405020304" pitchFamily="18" charset="0"/>
-                <a:cs typeface="Times New Roman" panose="02020603050405020304" pitchFamily="18" charset="0"/>
-              </a:rPr>
-              <a:t>(dados); # the result is a JSON string:</a:t>
+              <a:t>(dados) # the result is a JSON string:</a:t>
             </a:r>
           </a:p>
         </p:txBody>
@@ -14753,16 +14211,13 @@
               </a:rPr>
               <a:t>json</a:t>
             </a:r>
-            <a:r>
-              <a:rPr lang="en-US" sz="2400" dirty="0">
-                <a:solidFill>
-                  <a:schemeClr val="tx1"/>
-                </a:solidFill>
-                <a:latin typeface="Times New Roman" panose="02020603050405020304" pitchFamily="18" charset="0"/>
-                <a:cs typeface="Times New Roman" panose="02020603050405020304" pitchFamily="18" charset="0"/>
-              </a:rPr>
-              <a:t>;</a:t>
-            </a:r>
+            <a:endParaRPr lang="en-US" sz="2400" dirty="0">
+              <a:solidFill>
+                <a:schemeClr val="tx1"/>
+              </a:solidFill>
+              <a:latin typeface="Times New Roman" panose="02020603050405020304" pitchFamily="18" charset="0"/>
+              <a:cs typeface="Times New Roman" panose="02020603050405020304" pitchFamily="18" charset="0"/>
+            </a:endParaRPr>
           </a:p>
           <a:p>
             <a:pPr marL="0" indent="0" algn="just">
@@ -15081,6 +14536,28 @@
               </a:rPr>
               <a:t>json</a:t>
             </a:r>
+            <a:endParaRPr lang="en-US" sz="2400" dirty="0">
+              <a:solidFill>
+                <a:schemeClr val="tx1"/>
+              </a:solidFill>
+              <a:latin typeface="Times New Roman" panose="02020603050405020304" pitchFamily="18" charset="0"/>
+              <a:cs typeface="Times New Roman" panose="02020603050405020304" pitchFamily="18" charset="0"/>
+            </a:endParaRPr>
+          </a:p>
+          <a:p>
+            <a:pPr marL="0" indent="0" algn="just">
+              <a:buNone/>
+            </a:pPr>
+            <a:r>
+              <a:rPr lang="en-US" sz="2400" b="1" dirty="0">
+                <a:solidFill>
+                  <a:schemeClr val="tx1"/>
+                </a:solidFill>
+                <a:latin typeface="Times New Roman" panose="02020603050405020304" pitchFamily="18" charset="0"/>
+                <a:cs typeface="Times New Roman" panose="02020603050405020304" pitchFamily="18" charset="0"/>
+              </a:rPr>
+              <a:t>print</a:t>
+            </a:r>
             <a:r>
               <a:rPr lang="en-US" sz="2400" dirty="0">
                 <a:solidFill>
@@ -15089,7 +14566,27 @@
                 <a:latin typeface="Times New Roman" panose="02020603050405020304" pitchFamily="18" charset="0"/>
                 <a:cs typeface="Times New Roman" panose="02020603050405020304" pitchFamily="18" charset="0"/>
               </a:rPr>
-              <a:t>;</a:t>
+              <a:t>(</a:t>
+            </a:r>
+            <a:r>
+              <a:rPr lang="en-US" sz="2400" b="1" dirty="0" err="1">
+                <a:solidFill>
+                  <a:srgbClr val="FF0000"/>
+                </a:solidFill>
+                <a:latin typeface="Times New Roman" panose="02020603050405020304" pitchFamily="18" charset="0"/>
+                <a:cs typeface="Times New Roman" panose="02020603050405020304" pitchFamily="18" charset="0"/>
+              </a:rPr>
+              <a:t>json.dumps</a:t>
+            </a:r>
+            <a:r>
+              <a:rPr lang="en-US" sz="2400" dirty="0">
+                <a:solidFill>
+                  <a:schemeClr val="tx1"/>
+                </a:solidFill>
+                <a:latin typeface="Times New Roman" panose="02020603050405020304" pitchFamily="18" charset="0"/>
+                <a:cs typeface="Times New Roman" panose="02020603050405020304" pitchFamily="18" charset="0"/>
+              </a:rPr>
+              <a:t>("hello"))</a:t>
             </a:r>
           </a:p>
           <a:p>
@@ -15124,7 +14621,27 @@
                 <a:latin typeface="Times New Roman" panose="02020603050405020304" pitchFamily="18" charset="0"/>
                 <a:cs typeface="Times New Roman" panose="02020603050405020304" pitchFamily="18" charset="0"/>
               </a:rPr>
-              <a:t>json.dumps</a:t>
+              <a:t>json</a:t>
+            </a:r>
+            <a:r>
+              <a:rPr lang="en-US" sz="2400" dirty="0" err="1">
+                <a:solidFill>
+                  <a:schemeClr val="tx1"/>
+                </a:solidFill>
+                <a:latin typeface="Times New Roman" panose="02020603050405020304" pitchFamily="18" charset="0"/>
+                <a:cs typeface="Times New Roman" panose="02020603050405020304" pitchFamily="18" charset="0"/>
+              </a:rPr>
+              <a:t>.</a:t>
+            </a:r>
+            <a:r>
+              <a:rPr lang="en-US" sz="2400" b="1" dirty="0" err="1">
+                <a:solidFill>
+                  <a:srgbClr val="FF0000"/>
+                </a:solidFill>
+                <a:latin typeface="Times New Roman" panose="02020603050405020304" pitchFamily="18" charset="0"/>
+                <a:cs typeface="Times New Roman" panose="02020603050405020304" pitchFamily="18" charset="0"/>
+              </a:rPr>
+              <a:t>dumps</a:t>
             </a:r>
             <a:r>
               <a:rPr lang="en-US" sz="2400" dirty="0">
@@ -15134,7 +14651,7 @@
                 <a:latin typeface="Times New Roman" panose="02020603050405020304" pitchFamily="18" charset="0"/>
                 <a:cs typeface="Times New Roman" panose="02020603050405020304" pitchFamily="18" charset="0"/>
               </a:rPr>
-              <a:t>("hello"));</a:t>
+              <a:t>(42))</a:t>
             </a:r>
           </a:p>
           <a:p>
@@ -15199,7 +14716,7 @@
                 <a:latin typeface="Times New Roman" panose="02020603050405020304" pitchFamily="18" charset="0"/>
                 <a:cs typeface="Times New Roman" panose="02020603050405020304" pitchFamily="18" charset="0"/>
               </a:rPr>
-              <a:t>(42));</a:t>
+              <a:t>(31.76))</a:t>
             </a:r>
           </a:p>
           <a:p>
@@ -15264,7 +14781,7 @@
                 <a:latin typeface="Times New Roman" panose="02020603050405020304" pitchFamily="18" charset="0"/>
                 <a:cs typeface="Times New Roman" panose="02020603050405020304" pitchFamily="18" charset="0"/>
               </a:rPr>
-              <a:t>(31.76));</a:t>
+              <a:t>(True))</a:t>
             </a:r>
           </a:p>
           <a:p>
@@ -15329,7 +14846,7 @@
                 <a:latin typeface="Times New Roman" panose="02020603050405020304" pitchFamily="18" charset="0"/>
                 <a:cs typeface="Times New Roman" panose="02020603050405020304" pitchFamily="18" charset="0"/>
               </a:rPr>
-              <a:t>(True));</a:t>
+              <a:t>(False))</a:t>
             </a:r>
           </a:p>
           <a:p>
@@ -15394,72 +14911,7 @@
                 <a:latin typeface="Times New Roman" panose="02020603050405020304" pitchFamily="18" charset="0"/>
                 <a:cs typeface="Times New Roman" panose="02020603050405020304" pitchFamily="18" charset="0"/>
               </a:rPr>
-              <a:t>(False));</a:t>
-            </a:r>
-          </a:p>
-          <a:p>
-            <a:pPr marL="0" indent="0" algn="just">
-              <a:buNone/>
-            </a:pPr>
-            <a:r>
-              <a:rPr lang="en-US" sz="2400" b="1" dirty="0">
-                <a:solidFill>
-                  <a:schemeClr val="tx1"/>
-                </a:solidFill>
-                <a:latin typeface="Times New Roman" panose="02020603050405020304" pitchFamily="18" charset="0"/>
-                <a:cs typeface="Times New Roman" panose="02020603050405020304" pitchFamily="18" charset="0"/>
-              </a:rPr>
-              <a:t>print</a:t>
-            </a:r>
-            <a:r>
-              <a:rPr lang="en-US" sz="2400" dirty="0">
-                <a:solidFill>
-                  <a:schemeClr val="tx1"/>
-                </a:solidFill>
-                <a:latin typeface="Times New Roman" panose="02020603050405020304" pitchFamily="18" charset="0"/>
-                <a:cs typeface="Times New Roman" panose="02020603050405020304" pitchFamily="18" charset="0"/>
-              </a:rPr>
-              <a:t>(</a:t>
-            </a:r>
-            <a:r>
-              <a:rPr lang="en-US" sz="2400" b="1" dirty="0" err="1">
-                <a:solidFill>
-                  <a:srgbClr val="FF0000"/>
-                </a:solidFill>
-                <a:latin typeface="Times New Roman" panose="02020603050405020304" pitchFamily="18" charset="0"/>
-                <a:cs typeface="Times New Roman" panose="02020603050405020304" pitchFamily="18" charset="0"/>
-              </a:rPr>
-              <a:t>json</a:t>
-            </a:r>
-            <a:r>
-              <a:rPr lang="en-US" sz="2400" dirty="0" err="1">
-                <a:solidFill>
-                  <a:schemeClr val="tx1"/>
-                </a:solidFill>
-                <a:latin typeface="Times New Roman" panose="02020603050405020304" pitchFamily="18" charset="0"/>
-                <a:cs typeface="Times New Roman" panose="02020603050405020304" pitchFamily="18" charset="0"/>
-              </a:rPr>
-              <a:t>.</a:t>
-            </a:r>
-            <a:r>
-              <a:rPr lang="en-US" sz="2400" b="1" dirty="0" err="1">
-                <a:solidFill>
-                  <a:srgbClr val="FF0000"/>
-                </a:solidFill>
-                <a:latin typeface="Times New Roman" panose="02020603050405020304" pitchFamily="18" charset="0"/>
-                <a:cs typeface="Times New Roman" panose="02020603050405020304" pitchFamily="18" charset="0"/>
-              </a:rPr>
-              <a:t>dumps</a:t>
-            </a:r>
-            <a:r>
-              <a:rPr lang="en-US" sz="2400" dirty="0">
-                <a:solidFill>
-                  <a:schemeClr val="tx1"/>
-                </a:solidFill>
-                <a:latin typeface="Times New Roman" panose="02020603050405020304" pitchFamily="18" charset="0"/>
-                <a:cs typeface="Times New Roman" panose="02020603050405020304" pitchFamily="18" charset="0"/>
-              </a:rPr>
-              <a:t>(None));</a:t>
+              <a:t>(None))</a:t>
             </a:r>
           </a:p>
         </p:txBody>

--- a/01 Classes/Aula 10 Programação Python - Arquivos e JSON.pptx
+++ b/01 Classes/Aula 10 Programação Python - Arquivos e JSON.pptx
@@ -2251,7 +2251,7 @@
           <a:p>
             <a:fld id="{48A87A34-81AB-432B-8DAE-1953F412C126}" type="datetimeFigureOut">
               <a:rPr lang="en-US" smtClean="0"/>
-              <a:t>9/6/2023</a:t>
+              <a:t>10/18/2023</a:t>
             </a:fld>
             <a:endParaRPr lang="en-US" dirty="0"/>
           </a:p>
@@ -2462,7 +2462,7 @@
           <a:p>
             <a:fld id="{48A87A34-81AB-432B-8DAE-1953F412C126}" type="datetimeFigureOut">
               <a:rPr lang="en-US" smtClean="0"/>
-              <a:t>9/6/2023</a:t>
+              <a:t>10/18/2023</a:t>
             </a:fld>
             <a:endParaRPr lang="en-US" dirty="0"/>
           </a:p>
@@ -2677,7 +2677,7 @@
           <a:p>
             <a:fld id="{48A87A34-81AB-432B-8DAE-1953F412C126}" type="datetimeFigureOut">
               <a:rPr lang="en-US" smtClean="0"/>
-              <a:t>9/6/2023</a:t>
+              <a:t>10/18/2023</a:t>
             </a:fld>
             <a:endParaRPr lang="en-US" dirty="0"/>
           </a:p>
@@ -3045,7 +3045,7 @@
           <a:p>
             <a:fld id="{48A87A34-81AB-432B-8DAE-1953F412C126}" type="datetimeFigureOut">
               <a:rPr lang="en-US" smtClean="0"/>
-              <a:t>9/6/2023</a:t>
+              <a:t>10/18/2023</a:t>
             </a:fld>
             <a:endParaRPr lang="en-US" dirty="0"/>
           </a:p>
@@ -3324,7 +3324,7 @@
           <a:p>
             <a:fld id="{48A87A34-81AB-432B-8DAE-1953F412C126}" type="datetimeFigureOut">
               <a:rPr lang="en-US" smtClean="0"/>
-              <a:t>9/6/2023</a:t>
+              <a:t>10/18/2023</a:t>
             </a:fld>
             <a:endParaRPr lang="en-US" dirty="0"/>
           </a:p>
@@ -3592,7 +3592,7 @@
           <a:p>
             <a:fld id="{48A87A34-81AB-432B-8DAE-1953F412C126}" type="datetimeFigureOut">
               <a:rPr lang="en-US" smtClean="0"/>
-              <a:t>9/6/2023</a:t>
+              <a:t>10/18/2023</a:t>
             </a:fld>
             <a:endParaRPr lang="en-US" dirty="0"/>
           </a:p>
@@ -4008,7 +4008,7 @@
           <a:p>
             <a:fld id="{48A87A34-81AB-432B-8DAE-1953F412C126}" type="datetimeFigureOut">
               <a:rPr lang="en-US" smtClean="0"/>
-              <a:t>9/6/2023</a:t>
+              <a:t>10/18/2023</a:t>
             </a:fld>
             <a:endParaRPr lang="en-US" dirty="0"/>
           </a:p>
@@ -4157,7 +4157,7 @@
           <a:p>
             <a:fld id="{48A87A34-81AB-432B-8DAE-1953F412C126}" type="datetimeFigureOut">
               <a:rPr lang="en-US" smtClean="0"/>
-              <a:t>9/6/2023</a:t>
+              <a:t>10/18/2023</a:t>
             </a:fld>
             <a:endParaRPr lang="en-US" dirty="0"/>
           </a:p>
@@ -4283,7 +4283,7 @@
           <a:p>
             <a:fld id="{48A87A34-81AB-432B-8DAE-1953F412C126}" type="datetimeFigureOut">
               <a:rPr lang="en-US" smtClean="0"/>
-              <a:t>9/6/2023</a:t>
+              <a:t>10/18/2023</a:t>
             </a:fld>
             <a:endParaRPr lang="en-US" dirty="0"/>
           </a:p>
@@ -4534,7 +4534,7 @@
           <a:p>
             <a:fld id="{48A87A34-81AB-432B-8DAE-1953F412C126}" type="datetimeFigureOut">
               <a:rPr lang="en-US" smtClean="0"/>
-              <a:t>9/6/2023</a:t>
+              <a:t>10/18/2023</a:t>
             </a:fld>
             <a:endParaRPr lang="en-US" dirty="0"/>
           </a:p>
@@ -4980,7 +4980,7 @@
             <a:fld id="{48A87A34-81AB-432B-8DAE-1953F412C126}" type="datetimeFigureOut">
               <a:rPr lang="en-US" smtClean="0"/>
               <a:pPr/>
-              <a:t>9/6/2023</a:t>
+              <a:t>10/18/2023</a:t>
             </a:fld>
             <a:endParaRPr lang="en-US" dirty="0"/>
           </a:p>
@@ -5308,7 +5308,7 @@
             <a:fld id="{48A87A34-81AB-432B-8DAE-1953F412C126}" type="datetimeFigureOut">
               <a:rPr lang="en-US" smtClean="0"/>
               <a:pPr/>
-              <a:t>9/6/2023</a:t>
+              <a:t>10/18/2023</a:t>
             </a:fld>
             <a:endParaRPr lang="en-US" dirty="0"/>
           </a:p>
@@ -8876,7 +8876,24 @@
                 <a:latin typeface="Times New Roman" panose="02020603050405020304" pitchFamily="18" charset="0"/>
                 <a:cs typeface="Times New Roman" panose="02020603050405020304" pitchFamily="18" charset="0"/>
               </a:rPr>
-              <a:t>(“arquivo.txt") // </a:t>
+              <a:t>(</a:t>
+            </a:r>
+            <a:r>
+              <a:rPr lang="en-US" sz="2400" dirty="0">
+                <a:solidFill>
+                  <a:schemeClr val="tx1"/>
+                </a:solidFill>
+                <a:latin typeface="Times New Roman" panose="02020603050405020304" pitchFamily="18" charset="0"/>
+                <a:cs typeface="Times New Roman" panose="02020603050405020304" pitchFamily="18" charset="0"/>
+              </a:rPr>
+              <a:t>"</a:t>
+            </a:r>
+            <a:r>
+              <a:rPr lang="pt-BR" sz="2400" dirty="0">
+                <a:latin typeface="Times New Roman" panose="02020603050405020304" pitchFamily="18" charset="0"/>
+                <a:cs typeface="Times New Roman" panose="02020603050405020304" pitchFamily="18" charset="0"/>
+              </a:rPr>
+              <a:t>arquivo.txt") // </a:t>
             </a:r>
             <a:r>
               <a:rPr lang="pt-BR" sz="2400" b="1" dirty="0">
@@ -8935,7 +8952,24 @@
                 <a:latin typeface="Times New Roman" panose="02020603050405020304" pitchFamily="18" charset="0"/>
                 <a:cs typeface="Times New Roman" panose="02020603050405020304" pitchFamily="18" charset="0"/>
               </a:rPr>
-              <a:t>(“arquivo.txt", "</a:t>
+              <a:t>(</a:t>
+            </a:r>
+            <a:r>
+              <a:rPr lang="en-US" sz="2400" dirty="0">
+                <a:solidFill>
+                  <a:schemeClr val="tx1"/>
+                </a:solidFill>
+                <a:latin typeface="Times New Roman" panose="02020603050405020304" pitchFamily="18" charset="0"/>
+                <a:cs typeface="Times New Roman" panose="02020603050405020304" pitchFamily="18" charset="0"/>
+              </a:rPr>
+              <a:t>"</a:t>
+            </a:r>
+            <a:r>
+              <a:rPr lang="pt-BR" sz="2400" dirty="0">
+                <a:latin typeface="Times New Roman" panose="02020603050405020304" pitchFamily="18" charset="0"/>
+                <a:cs typeface="Times New Roman" panose="02020603050405020304" pitchFamily="18" charset="0"/>
+              </a:rPr>
+              <a:t>arquivo.txt", "</a:t>
             </a:r>
             <a:r>
               <a:rPr lang="pt-BR" sz="2400" b="1" dirty="0" err="1">
@@ -9789,7 +9823,34 @@
                 <a:latin typeface="Times New Roman" panose="02020603050405020304" pitchFamily="18" charset="0"/>
                 <a:cs typeface="Times New Roman" panose="02020603050405020304" pitchFamily="18" charset="0"/>
               </a:rPr>
-              <a:t>(“f://listaNiver.txt", “</a:t>
+              <a:t>(</a:t>
+            </a:r>
+            <a:r>
+              <a:rPr lang="en-US" sz="2400" dirty="0">
+                <a:solidFill>
+                  <a:schemeClr val="tx1"/>
+                </a:solidFill>
+                <a:latin typeface="Times New Roman" panose="02020603050405020304" pitchFamily="18" charset="0"/>
+                <a:cs typeface="Times New Roman" panose="02020603050405020304" pitchFamily="18" charset="0"/>
+              </a:rPr>
+              <a:t>"</a:t>
+            </a:r>
+            <a:r>
+              <a:rPr lang="en-US" sz="2400" dirty="0">
+                <a:latin typeface="Times New Roman" panose="02020603050405020304" pitchFamily="18" charset="0"/>
+                <a:cs typeface="Times New Roman" panose="02020603050405020304" pitchFamily="18" charset="0"/>
+              </a:rPr>
+              <a:t>f://listaNiver.txt", </a:t>
+            </a:r>
+            <a:r>
+              <a:rPr lang="en-US" sz="2400" dirty="0">
+                <a:solidFill>
+                  <a:schemeClr val="tx1"/>
+                </a:solidFill>
+                <a:latin typeface="Times New Roman" panose="02020603050405020304" pitchFamily="18" charset="0"/>
+                <a:cs typeface="Times New Roman" panose="02020603050405020304" pitchFamily="18" charset="0"/>
+              </a:rPr>
+              <a:t>"</a:t>
             </a:r>
             <a:r>
               <a:rPr lang="en-US" sz="2400" dirty="0" err="1">
@@ -9800,10 +9861,20 @@
             </a:r>
             <a:r>
               <a:rPr lang="en-US" sz="2400" dirty="0">
-                <a:latin typeface="Times New Roman" panose="02020603050405020304" pitchFamily="18" charset="0"/>
-                <a:cs typeface="Times New Roman" panose="02020603050405020304" pitchFamily="18" charset="0"/>
-              </a:rPr>
-              <a:t>”, </a:t>
+                <a:solidFill>
+                  <a:schemeClr val="tx1"/>
+                </a:solidFill>
+                <a:latin typeface="Times New Roman" panose="02020603050405020304" pitchFamily="18" charset="0"/>
+                <a:cs typeface="Times New Roman" panose="02020603050405020304" pitchFamily="18" charset="0"/>
+              </a:rPr>
+              <a:t>"</a:t>
+            </a:r>
+            <a:r>
+              <a:rPr lang="en-US" sz="2400" dirty="0">
+                <a:latin typeface="Times New Roman" panose="02020603050405020304" pitchFamily="18" charset="0"/>
+                <a:cs typeface="Times New Roman" panose="02020603050405020304" pitchFamily="18" charset="0"/>
+              </a:rPr>
+              <a:t>, </a:t>
             </a:r>
             <a:r>
               <a:rPr lang="en-US" sz="2400" b="1" dirty="0">
@@ -9874,7 +9945,24 @@
                 <a:latin typeface="Times New Roman" panose="02020603050405020304" pitchFamily="18" charset="0"/>
                 <a:cs typeface="Times New Roman" panose="02020603050405020304" pitchFamily="18" charset="0"/>
               </a:rPr>
-              <a:t>(“Julia\n")</a:t>
+              <a:t>(</a:t>
+            </a:r>
+            <a:r>
+              <a:rPr lang="en-US" sz="2400" dirty="0">
+                <a:solidFill>
+                  <a:schemeClr val="tx1"/>
+                </a:solidFill>
+                <a:latin typeface="Times New Roman" panose="02020603050405020304" pitchFamily="18" charset="0"/>
+                <a:cs typeface="Times New Roman" panose="02020603050405020304" pitchFamily="18" charset="0"/>
+              </a:rPr>
+              <a:t>"</a:t>
+            </a:r>
+            <a:r>
+              <a:rPr lang="en-US" sz="2400" dirty="0">
+                <a:latin typeface="Times New Roman" panose="02020603050405020304" pitchFamily="18" charset="0"/>
+                <a:cs typeface="Times New Roman" panose="02020603050405020304" pitchFamily="18" charset="0"/>
+              </a:rPr>
+              <a:t>Julia\n")</a:t>
             </a:r>
           </a:p>
           <a:p>
@@ -9900,7 +9988,24 @@
                 <a:latin typeface="Times New Roman" panose="02020603050405020304" pitchFamily="18" charset="0"/>
                 <a:cs typeface="Times New Roman" panose="02020603050405020304" pitchFamily="18" charset="0"/>
               </a:rPr>
-              <a:t>(“Maria\n")</a:t>
+              <a:t>(</a:t>
+            </a:r>
+            <a:r>
+              <a:rPr lang="en-US" sz="2400" dirty="0">
+                <a:solidFill>
+                  <a:schemeClr val="tx1"/>
+                </a:solidFill>
+                <a:latin typeface="Times New Roman" panose="02020603050405020304" pitchFamily="18" charset="0"/>
+                <a:cs typeface="Times New Roman" panose="02020603050405020304" pitchFamily="18" charset="0"/>
+              </a:rPr>
+              <a:t>"</a:t>
+            </a:r>
+            <a:r>
+              <a:rPr lang="en-US" sz="2400" dirty="0">
+                <a:latin typeface="Times New Roman" panose="02020603050405020304" pitchFamily="18" charset="0"/>
+                <a:cs typeface="Times New Roman" panose="02020603050405020304" pitchFamily="18" charset="0"/>
+              </a:rPr>
+              <a:t>Maria\n")</a:t>
             </a:r>
           </a:p>
           <a:p>
@@ -9926,7 +10031,17 @@
                 <a:latin typeface="Times New Roman" panose="02020603050405020304" pitchFamily="18" charset="0"/>
                 <a:cs typeface="Times New Roman" panose="02020603050405020304" pitchFamily="18" charset="0"/>
               </a:rPr>
-              <a:t>(“</a:t>
+              <a:t>(</a:t>
+            </a:r>
+            <a:r>
+              <a:rPr lang="en-US" sz="2400" dirty="0">
+                <a:solidFill>
+                  <a:schemeClr val="tx1"/>
+                </a:solidFill>
+                <a:latin typeface="Times New Roman" panose="02020603050405020304" pitchFamily="18" charset="0"/>
+                <a:cs typeface="Times New Roman" panose="02020603050405020304" pitchFamily="18" charset="0"/>
+              </a:rPr>
+              <a:t>"</a:t>
             </a:r>
             <a:r>
               <a:rPr lang="en-US" sz="2400" dirty="0" err="1">
@@ -10108,7 +10223,24 @@
                 <a:latin typeface="Times New Roman" panose="02020603050405020304" pitchFamily="18" charset="0"/>
                 <a:cs typeface="Times New Roman" panose="02020603050405020304" pitchFamily="18" charset="0"/>
               </a:rPr>
-              <a:t>("f://listaNiver.txt“, "r")</a:t>
+              <a:t>("f://listaNiver.txt</a:t>
+            </a:r>
+            <a:r>
+              <a:rPr lang="en-US" sz="2400" dirty="0">
+                <a:solidFill>
+                  <a:schemeClr val="tx1"/>
+                </a:solidFill>
+                <a:latin typeface="Times New Roman" panose="02020603050405020304" pitchFamily="18" charset="0"/>
+                <a:cs typeface="Times New Roman" panose="02020603050405020304" pitchFamily="18" charset="0"/>
+              </a:rPr>
+              <a:t>"</a:t>
+            </a:r>
+            <a:r>
+              <a:rPr lang="en-US" sz="2400" dirty="0">
+                <a:latin typeface="Times New Roman" panose="02020603050405020304" pitchFamily="18" charset="0"/>
+                <a:cs typeface="Times New Roman" panose="02020603050405020304" pitchFamily="18" charset="0"/>
+              </a:rPr>
+              <a:t>, "r")</a:t>
             </a:r>
           </a:p>
           <a:p>
@@ -10165,7 +10297,7 @@
                 <a:latin typeface="Times New Roman" panose="02020603050405020304" pitchFamily="18" charset="0"/>
                 <a:cs typeface="Times New Roman" panose="02020603050405020304" pitchFamily="18" charset="0"/>
               </a:rPr>
-              <a:t>(',’)</a:t>
+              <a:t>(', ')</a:t>
             </a:r>
           </a:p>
           <a:p>
@@ -10467,7 +10599,7 @@
                 <a:latin typeface="Times New Roman" panose="02020603050405020304" pitchFamily="18" charset="0"/>
                 <a:cs typeface="Times New Roman" panose="02020603050405020304" pitchFamily="18" charset="0"/>
               </a:rPr>
-              <a:t>(“f://listaNiver.txt“)</a:t>
+              <a:t>("f://listaNiver.txt")</a:t>
             </a:r>
           </a:p>
           <a:p>
@@ -10564,7 +10696,7 @@
                 <a:latin typeface="Times New Roman" panose="02020603050405020304" pitchFamily="18" charset="0"/>
                 <a:cs typeface="Times New Roman" panose="02020603050405020304" pitchFamily="18" charset="0"/>
               </a:rPr>
-              <a:t>(‘Total de </a:t>
+              <a:t>('Total de </a:t>
             </a:r>
             <a:r>
               <a:rPr lang="en-US" sz="2400" dirty="0" err="1">
@@ -11395,7 +11527,7 @@
                 <a:latin typeface="Times New Roman" panose="02020603050405020304" pitchFamily="18" charset="0"/>
                 <a:cs typeface="Times New Roman" panose="02020603050405020304" pitchFamily="18" charset="0"/>
               </a:rPr>
-              <a:t>: ‘)</a:t>
+              <a:t>: ')</a:t>
             </a:r>
           </a:p>
           <a:p>
@@ -13425,7 +13557,7 @@
                 <a:latin typeface="Times New Roman" panose="02020603050405020304" pitchFamily="18" charset="0"/>
                 <a:cs typeface="Times New Roman" panose="02020603050405020304" pitchFamily="18" charset="0"/>
               </a:rPr>
-              <a:t>":“Julia", “idade":17, “</a:t>
+              <a:t>": "Julia", "idade":17, "</a:t>
             </a:r>
             <a:r>
               <a:rPr lang="en-US" sz="2400" dirty="0" err="1">
@@ -13445,7 +13577,7 @@
                 <a:latin typeface="Times New Roman" panose="02020603050405020304" pitchFamily="18" charset="0"/>
                 <a:cs typeface="Times New Roman" panose="02020603050405020304" pitchFamily="18" charset="0"/>
               </a:rPr>
-              <a:t>":“Salvador"}'</a:t>
+              <a:t>": "Salvador"}'</a:t>
             </a:r>
           </a:p>
           <a:p>
@@ -13879,7 +14011,7 @@
                 <a:latin typeface="Times New Roman" panose="02020603050405020304" pitchFamily="18" charset="0"/>
                 <a:cs typeface="Times New Roman" panose="02020603050405020304" pitchFamily="18" charset="0"/>
               </a:rPr>
-              <a:t>": "Juju", “</a:t>
+              <a:t>": "Juju", "</a:t>
             </a:r>
             <a:r>
               <a:rPr lang="en-US" sz="2400" dirty="0" err="1">
@@ -13899,7 +14031,7 @@
                 <a:latin typeface="Times New Roman" panose="02020603050405020304" pitchFamily="18" charset="0"/>
                 <a:cs typeface="Times New Roman" panose="02020603050405020304" pitchFamily="18" charset="0"/>
               </a:rPr>
-              <a:t>": 17, “</a:t>
+              <a:t>": 17, "</a:t>
             </a:r>
             <a:r>
               <a:rPr lang="en-US" sz="2400" dirty="0" err="1">
@@ -13919,7 +14051,7 @@
                 <a:latin typeface="Times New Roman" panose="02020603050405020304" pitchFamily="18" charset="0"/>
                 <a:cs typeface="Times New Roman" panose="02020603050405020304" pitchFamily="18" charset="0"/>
               </a:rPr>
-              <a:t>": “Salvador"}</a:t>
+              <a:t>": "Salvador"}</a:t>
             </a:r>
           </a:p>
           <a:p>
